--- a/dj2018.pptx
+++ b/dj2018.pptx
@@ -5248,49 +5248,90 @@
               <a:buNone/>
             </a:pPr>
             <a:r>
-              <a:rPr lang="en-US" altLang="en-US" sz="2400" b="1" dirty="0">
+              <a:rPr lang="en-US" altLang="en-US" sz="2400" dirty="0">
                 <a:solidFill>
                   <a:schemeClr val="tx2"/>
                 </a:solidFill>
-                <a:latin typeface="Corbel" panose="020B0503020204020204" pitchFamily="34" charset="0"/>
+                <a:latin typeface="Consolas" panose="020B0609020204030204" pitchFamily="49" charset="0"/>
                 <a:ea typeface="Calibri" panose="020F0502020204030204" pitchFamily="34" charset="0"/>
                 <a:cs typeface="Calibri" panose="020F0502020204030204" pitchFamily="34" charset="0"/>
               </a:rPr>
               <a:t>This p</a:t>
             </a:r>
             <a:r>
-              <a:rPr lang="en-US" altLang="en-US" sz="2400" b="1" dirty="0" smtClean="0">
+              <a:rPr lang="en-US" altLang="en-US" sz="2400" dirty="0" smtClean="0">
                 <a:solidFill>
                   <a:schemeClr val="tx2"/>
                 </a:solidFill>
-                <a:latin typeface="Corbel" panose="020B0503020204020204" pitchFamily="34" charset="0"/>
+                <a:latin typeface="Consolas" panose="020B0609020204030204" pitchFamily="49" charset="0"/>
                 <a:ea typeface="Calibri" panose="020F0502020204030204" pitchFamily="34" charset="0"/>
                 <a:cs typeface="Calibri" panose="020F0502020204030204" pitchFamily="34" charset="0"/>
               </a:rPr>
               <a:t>resentation is </a:t>
             </a:r>
             <a:r>
-              <a:rPr lang="en-US" altLang="en-US" sz="2400" b="1" dirty="0">
+              <a:rPr lang="en-US" altLang="en-US" sz="2400" dirty="0">
                 <a:solidFill>
                   <a:schemeClr val="tx2"/>
                 </a:solidFill>
-                <a:latin typeface="Corbel" panose="020B0503020204020204" pitchFamily="34" charset="0"/>
+                <a:latin typeface="Consolas" panose="020B0609020204030204" pitchFamily="49" charset="0"/>
                 <a:ea typeface="Calibri" panose="020F0502020204030204" pitchFamily="34" charset="0"/>
                 <a:cs typeface="Calibri" panose="020F0502020204030204" pitchFamily="34" charset="0"/>
               </a:rPr>
-              <a:t>available at</a:t>
-            </a:r>
-            <a:r>
-              <a:rPr lang="en-US" altLang="en-US" sz="2400" b="1" dirty="0" smtClean="0">
+              <a:t>available </a:t>
+            </a:r>
+            <a:r>
+              <a:rPr lang="en-US" altLang="en-US" sz="2400" dirty="0" smtClean="0">
                 <a:solidFill>
                   <a:schemeClr val="tx2"/>
                 </a:solidFill>
-                <a:latin typeface="Corbel" panose="020B0503020204020204" pitchFamily="34" charset="0"/>
+                <a:latin typeface="Consolas" panose="020B0609020204030204" pitchFamily="49" charset="0"/>
+                <a:ea typeface="Calibri" panose="020F0502020204030204" pitchFamily="34" charset="0"/>
+                <a:cs typeface="Calibri" panose="020F0502020204030204" pitchFamily="34" charset="0"/>
+              </a:rPr>
+              <a:t>at (.</a:t>
+            </a:r>
+            <a:r>
+              <a:rPr lang="en-US" altLang="en-US" sz="2400" dirty="0" err="1" smtClean="0">
+                <a:solidFill>
+                  <a:schemeClr val="tx2"/>
+                </a:solidFill>
+                <a:latin typeface="Consolas" panose="020B0609020204030204" pitchFamily="49" charset="0"/>
+                <a:ea typeface="Calibri" panose="020F0502020204030204" pitchFamily="34" charset="0"/>
+                <a:cs typeface="Calibri" panose="020F0502020204030204" pitchFamily="34" charset="0"/>
+              </a:rPr>
+              <a:t>pptx</a:t>
+            </a:r>
+            <a:r>
+              <a:rPr lang="en-US" altLang="en-US" sz="2400" dirty="0" smtClean="0">
+                <a:solidFill>
+                  <a:schemeClr val="tx2"/>
+                </a:solidFill>
+                <a:latin typeface="Consolas" panose="020B0609020204030204" pitchFamily="49" charset="0"/>
+                <a:ea typeface="Calibri" panose="020F0502020204030204" pitchFamily="34" charset="0"/>
+                <a:cs typeface="Calibri" panose="020F0502020204030204" pitchFamily="34" charset="0"/>
+              </a:rPr>
+              <a:t>, .pdf)</a:t>
+            </a:r>
+            <a:r>
+              <a:rPr lang="en-US" altLang="en-US" sz="2400" dirty="0" smtClean="0">
+                <a:solidFill>
+                  <a:schemeClr val="tx2"/>
+                </a:solidFill>
+                <a:latin typeface="Consolas" panose="020B0609020204030204" pitchFamily="49" charset="0"/>
                 <a:ea typeface="Calibri" panose="020F0502020204030204" pitchFamily="34" charset="0"/>
                 <a:cs typeface="Calibri" panose="020F0502020204030204" pitchFamily="34" charset="0"/>
               </a:rPr>
               <a:t>:</a:t>
             </a:r>
+            <a:endParaRPr lang="en-US" altLang="en-US" sz="2400" dirty="0" smtClean="0">
+              <a:solidFill>
+                <a:schemeClr val="tx2"/>
+              </a:solidFill>
+              <a:latin typeface="Consolas" panose="020B0609020204030204" pitchFamily="49" charset="0"/>
+              <a:ea typeface="Calibri" panose="020F0502020204030204" pitchFamily="34" charset="0"/>
+              <a:cs typeface="Calibri" panose="020F0502020204030204" pitchFamily="34" charset="0"/>
+            </a:endParaRPr>
           </a:p>
           <a:p>
             <a:pPr algn="ctr" eaLnBrk="1" hangingPunct="1">
@@ -5301,56 +5342,15 @@
               <a:buNone/>
             </a:pPr>
             <a:r>
-              <a:rPr lang="en-US" altLang="en-US" sz="2400" b="1" dirty="0" smtClean="0">
-                <a:solidFill>
-                  <a:schemeClr val="tx2"/>
-                </a:solidFill>
-                <a:latin typeface="Corbel" panose="020B0503020204020204" pitchFamily="34" charset="0"/>
-                <a:ea typeface="Calibri" panose="020F0502020204030204" pitchFamily="34" charset="0"/>
-                <a:cs typeface="Calibri" panose="020F0502020204030204" pitchFamily="34" charset="0"/>
-              </a:rPr>
-              <a:t> </a:t>
-            </a:r>
-            <a:r>
               <a:rPr lang="en-US" altLang="en-US" sz="2400" b="1" dirty="0">
                 <a:solidFill>
                   <a:schemeClr val="tx2"/>
                 </a:solidFill>
-                <a:latin typeface="Corbel" panose="020B0503020204020204" pitchFamily="34" charset="0"/>
+                <a:latin typeface="Consolas" panose="020B0609020204030204" pitchFamily="49" charset="0"/>
                 <a:ea typeface="Calibri" panose="020F0502020204030204" pitchFamily="34" charset="0"/>
                 <a:cs typeface="Calibri" panose="020F0502020204030204" pitchFamily="34" charset="0"/>
               </a:rPr>
-              <a:t> </a:t>
-            </a:r>
-            <a:r>
-              <a:rPr lang="en-US" altLang="en-US" sz="2000" b="1" dirty="0" smtClean="0">
-                <a:solidFill>
-                  <a:schemeClr val="tx2"/>
-                </a:solidFill>
-                <a:latin typeface="Consolas" panose="020B0609020204030204" pitchFamily="49" charset="0"/>
-                <a:cs typeface="Consolas" panose="020B0609020204030204" pitchFamily="49" charset="0"/>
-              </a:rPr>
-              <a:t>smithw.org/dj2018.pptx   </a:t>
-            </a:r>
-            <a:r>
-              <a:rPr lang="en-US" altLang="en-US" sz="2000" b="1" dirty="0">
-                <a:solidFill>
-                  <a:schemeClr val="tx2"/>
-                </a:solidFill>
-                <a:latin typeface="Consolas" panose="020B0609020204030204" pitchFamily="49" charset="0"/>
-                <a:cs typeface="Consolas" panose="020B0609020204030204" pitchFamily="49" charset="0"/>
-              </a:rPr>
-              <a:t>or   </a:t>
-            </a:r>
-            <a:r>
-              <a:rPr lang="en-US" altLang="en-US" sz="2000" b="1" dirty="0" smtClean="0">
-                <a:solidFill>
-                  <a:schemeClr val="tx2"/>
-                </a:solidFill>
-                <a:latin typeface="Consolas" panose="020B0609020204030204" pitchFamily="49" charset="0"/>
-                <a:cs typeface="Consolas" panose="020B0609020204030204" pitchFamily="49" charset="0"/>
-              </a:rPr>
-              <a:t>smithw.org/dj2018.pdf</a:t>
+              <a:t>https://github.com/wsphd/datajam2018</a:t>
             </a:r>
             <a:endParaRPr lang="en-US" altLang="en-US" sz="2400" b="1" dirty="0">
               <a:solidFill>

--- a/dj2018.pptx
+++ b/dj2018.pptx
@@ -5,26 +5,24 @@
     <p:sldMasterId id="2147483648" r:id="rId1"/>
   </p:sldMasterIdLst>
   <p:notesMasterIdLst>
-    <p:notesMasterId r:id="rId19"/>
+    <p:notesMasterId r:id="rId17"/>
   </p:notesMasterIdLst>
   <p:sldIdLst>
     <p:sldId id="264" r:id="rId2"/>
     <p:sldId id="393" r:id="rId3"/>
-    <p:sldId id="464" r:id="rId4"/>
-    <p:sldId id="451" r:id="rId5"/>
-    <p:sldId id="452" r:id="rId6"/>
-    <p:sldId id="453" r:id="rId7"/>
-    <p:sldId id="469" r:id="rId8"/>
-    <p:sldId id="465" r:id="rId9"/>
-    <p:sldId id="450" r:id="rId10"/>
-    <p:sldId id="448" r:id="rId11"/>
-    <p:sldId id="449" r:id="rId12"/>
-    <p:sldId id="468" r:id="rId13"/>
-    <p:sldId id="460" r:id="rId14"/>
-    <p:sldId id="461" r:id="rId15"/>
-    <p:sldId id="462" r:id="rId16"/>
-    <p:sldId id="463" r:id="rId17"/>
-    <p:sldId id="471" r:id="rId18"/>
+    <p:sldId id="474" r:id="rId4"/>
+    <p:sldId id="465" r:id="rId5"/>
+    <p:sldId id="450" r:id="rId6"/>
+    <p:sldId id="448" r:id="rId7"/>
+    <p:sldId id="449" r:id="rId8"/>
+    <p:sldId id="468" r:id="rId9"/>
+    <p:sldId id="460" r:id="rId10"/>
+    <p:sldId id="461" r:id="rId11"/>
+    <p:sldId id="462" r:id="rId12"/>
+    <p:sldId id="463" r:id="rId13"/>
+    <p:sldId id="471" r:id="rId14"/>
+    <p:sldId id="475" r:id="rId15"/>
+    <p:sldId id="473" r:id="rId16"/>
   </p:sldIdLst>
   <p:sldSz cx="9144000" cy="6858000" type="screen4x3"/>
   <p:notesSz cx="7010400" cy="9296400"/>
@@ -4744,7 +4742,7 @@
               </a:lnSpc>
             </a:pPr>
             <a:r>
-              <a:rPr lang="en-US" altLang="en-US" sz="2400" i="1" smtClean="0">
+              <a:rPr lang="en-US" altLang="en-US" sz="2400" i="1" dirty="0" smtClean="0">
                 <a:latin typeface="Corbel" panose="020B0503020204020204" pitchFamily="34" charset="0"/>
                 <a:ea typeface="Calibri" panose="020F0502020204030204" pitchFamily="34" charset="0"/>
                 <a:cs typeface="Calibri" panose="020F0502020204030204" pitchFamily="34" charset="0"/>
@@ -4752,7 +4750,7 @@
               <a:t>Wayne Smith, Ph.D</a:t>
             </a:r>
             <a:r>
-              <a:rPr lang="en-US" altLang="en-US" sz="2400" smtClean="0">
+              <a:rPr lang="en-US" altLang="en-US" sz="2400" dirty="0" smtClean="0">
                 <a:latin typeface="Corbel" panose="020B0503020204020204" pitchFamily="34" charset="0"/>
                 <a:ea typeface="Calibri" panose="020F0502020204030204" pitchFamily="34" charset="0"/>
                 <a:cs typeface="Calibri" panose="020F0502020204030204" pitchFamily="34" charset="0"/>
@@ -5248,7 +5246,7 @@
               <a:buNone/>
             </a:pPr>
             <a:r>
-              <a:rPr lang="en-US" altLang="en-US" sz="2400" dirty="0">
+              <a:rPr lang="en-US" altLang="en-US" sz="2000" dirty="0">
                 <a:solidFill>
                   <a:schemeClr val="tx2"/>
                 </a:solidFill>
@@ -5259,7 +5257,7 @@
               <a:t>This p</a:t>
             </a:r>
             <a:r>
-              <a:rPr lang="en-US" altLang="en-US" sz="2400" dirty="0" smtClean="0">
+              <a:rPr lang="en-US" altLang="en-US" sz="2000" dirty="0" smtClean="0">
                 <a:solidFill>
                   <a:schemeClr val="tx2"/>
                 </a:solidFill>
@@ -5270,7 +5268,7 @@
               <a:t>resentation is </a:t>
             </a:r>
             <a:r>
-              <a:rPr lang="en-US" altLang="en-US" sz="2400" dirty="0">
+              <a:rPr lang="en-US" altLang="en-US" sz="2000" dirty="0">
                 <a:solidFill>
                   <a:schemeClr val="tx2"/>
                 </a:solidFill>
@@ -5281,7 +5279,7 @@
               <a:t>available </a:t>
             </a:r>
             <a:r>
-              <a:rPr lang="en-US" altLang="en-US" sz="2400" dirty="0" smtClean="0">
+              <a:rPr lang="en-US" altLang="en-US" sz="2000" dirty="0" smtClean="0">
                 <a:solidFill>
                   <a:schemeClr val="tx2"/>
                 </a:solidFill>
@@ -5289,10 +5287,43 @@
                 <a:ea typeface="Calibri" panose="020F0502020204030204" pitchFamily="34" charset="0"/>
                 <a:cs typeface="Calibri" panose="020F0502020204030204" pitchFamily="34" charset="0"/>
               </a:rPr>
-              <a:t>at (.</a:t>
-            </a:r>
-            <a:r>
-              <a:rPr lang="en-US" altLang="en-US" sz="2400" dirty="0" err="1" smtClean="0">
+              <a:t>at </a:t>
+            </a:r>
+            <a:r>
+              <a:rPr lang="en-US" altLang="en-US" sz="2000" dirty="0" smtClean="0">
+                <a:solidFill>
+                  <a:schemeClr val="tx2"/>
+                </a:solidFill>
+                <a:latin typeface="Consolas" panose="020B0609020204030204" pitchFamily="49" charset="0"/>
+                <a:ea typeface="Calibri" panose="020F0502020204030204" pitchFamily="34" charset="0"/>
+                <a:cs typeface="Calibri" panose="020F0502020204030204" pitchFamily="34" charset="0"/>
+              </a:rPr>
+              <a:t>(.</a:t>
+            </a:r>
+            <a:r>
+              <a:rPr lang="en-US" altLang="en-US" sz="2000" dirty="0" err="1" smtClean="0">
+                <a:solidFill>
+                  <a:schemeClr val="tx2"/>
+                </a:solidFill>
+                <a:latin typeface="Consolas" panose="020B0609020204030204" pitchFamily="49" charset="0"/>
+                <a:ea typeface="Calibri" panose="020F0502020204030204" pitchFamily="34" charset="0"/>
+                <a:cs typeface="Calibri" panose="020F0502020204030204" pitchFamily="34" charset="0"/>
+              </a:rPr>
+              <a:t>odp</a:t>
+            </a:r>
+            <a:r>
+              <a:rPr lang="en-US" altLang="en-US" sz="2000" smtClean="0">
+                <a:solidFill>
+                  <a:schemeClr val="tx2"/>
+                </a:solidFill>
+                <a:latin typeface="Consolas" panose="020B0609020204030204" pitchFamily="49" charset="0"/>
+                <a:ea typeface="Calibri" panose="020F0502020204030204" pitchFamily="34" charset="0"/>
+                <a:cs typeface="Calibri" panose="020F0502020204030204" pitchFamily="34" charset="0"/>
+              </a:rPr>
+              <a:t>, .</a:t>
+            </a:r>
+            <a:r>
+              <a:rPr lang="en-US" altLang="en-US" sz="2000" dirty="0" err="1" smtClean="0">
                 <a:solidFill>
                   <a:schemeClr val="tx2"/>
                 </a:solidFill>
@@ -5303,7 +5334,7 @@
               <a:t>pptx</a:t>
             </a:r>
             <a:r>
-              <a:rPr lang="en-US" altLang="en-US" sz="2400" dirty="0" smtClean="0">
+              <a:rPr lang="en-US" altLang="en-US" sz="2000" dirty="0" smtClean="0">
                 <a:solidFill>
                   <a:schemeClr val="tx2"/>
                 </a:solidFill>
@@ -5311,27 +5342,8 @@
                 <a:ea typeface="Calibri" panose="020F0502020204030204" pitchFamily="34" charset="0"/>
                 <a:cs typeface="Calibri" panose="020F0502020204030204" pitchFamily="34" charset="0"/>
               </a:rPr>
-              <a:t>, .pdf)</a:t>
-            </a:r>
-            <a:r>
-              <a:rPr lang="en-US" altLang="en-US" sz="2400" dirty="0" smtClean="0">
-                <a:solidFill>
-                  <a:schemeClr val="tx2"/>
-                </a:solidFill>
-                <a:latin typeface="Consolas" panose="020B0609020204030204" pitchFamily="49" charset="0"/>
-                <a:ea typeface="Calibri" panose="020F0502020204030204" pitchFamily="34" charset="0"/>
-                <a:cs typeface="Calibri" panose="020F0502020204030204" pitchFamily="34" charset="0"/>
-              </a:rPr>
-              <a:t>:</a:t>
-            </a:r>
-            <a:endParaRPr lang="en-US" altLang="en-US" sz="2400" dirty="0" smtClean="0">
-              <a:solidFill>
-                <a:schemeClr val="tx2"/>
-              </a:solidFill>
-              <a:latin typeface="Consolas" panose="020B0609020204030204" pitchFamily="49" charset="0"/>
-              <a:ea typeface="Calibri" panose="020F0502020204030204" pitchFamily="34" charset="0"/>
-              <a:cs typeface="Calibri" panose="020F0502020204030204" pitchFamily="34" charset="0"/>
-            </a:endParaRPr>
+              <a:t>, .pdf):</a:t>
+            </a:r>
           </a:p>
           <a:p>
             <a:pPr algn="ctr" eaLnBrk="1" hangingPunct="1">
@@ -5342,7 +5354,7 @@
               <a:buNone/>
             </a:pPr>
             <a:r>
-              <a:rPr lang="en-US" altLang="en-US" sz="2400" b="1" dirty="0">
+              <a:rPr lang="en-US" altLang="en-US" sz="2000" b="1" dirty="0">
                 <a:solidFill>
                   <a:schemeClr val="tx2"/>
                 </a:solidFill>
@@ -5352,7 +5364,7 @@
               </a:rPr>
               <a:t>https://github.com/wsphd/datajam2018</a:t>
             </a:r>
-            <a:endParaRPr lang="en-US" altLang="en-US" sz="2400" b="1" dirty="0">
+            <a:endParaRPr lang="en-US" altLang="en-US" sz="2000" b="1" dirty="0">
               <a:solidFill>
                 <a:schemeClr val="tx2"/>
               </a:solidFill>
@@ -5813,6 +5825,3892 @@
       </p:grpSpPr>
       <p:sp>
         <p:nvSpPr>
+          <p:cNvPr id="2" name="Title 1"/>
+          <p:cNvSpPr>
+            <a:spLocks noGrp="1"/>
+          </p:cNvSpPr>
+          <p:nvPr>
+            <p:ph type="title"/>
+          </p:nvPr>
+        </p:nvSpPr>
+        <p:spPr/>
+        <p:txBody>
+          <a:bodyPr/>
+          <a:lstStyle/>
+          <a:p>
+            <a:r>
+              <a:rPr lang="en-US" dirty="0" smtClean="0"/>
+              <a:t>Data Science needs:  Current Examples from the City of LA</a:t>
+            </a:r>
+            <a:endParaRPr lang="en-US" dirty="0"/>
+          </a:p>
+        </p:txBody>
+      </p:sp>
+      <p:sp>
+        <p:nvSpPr>
+          <p:cNvPr id="3" name="Content Placeholder 2"/>
+          <p:cNvSpPr>
+            <a:spLocks noGrp="1"/>
+          </p:cNvSpPr>
+          <p:nvPr>
+            <p:ph idx="1"/>
+          </p:nvPr>
+        </p:nvSpPr>
+        <p:spPr/>
+        <p:txBody>
+          <a:bodyPr/>
+          <a:lstStyle/>
+          <a:p>
+            <a:r>
+              <a:rPr lang="en-US" u="sng" dirty="0" smtClean="0">
+                <a:hlinkClick r:id="rId2" action="ppaction://hlinkfile"/>
+              </a:rPr>
+              <a:t>Information </a:t>
+            </a:r>
+            <a:r>
+              <a:rPr lang="en-US" u="sng" dirty="0">
+                <a:hlinkClick r:id="rId2" action="ppaction://hlinkfile"/>
+              </a:rPr>
+              <a:t>Technology Agency</a:t>
+            </a:r>
+            <a:endParaRPr lang="en-US" dirty="0"/>
+          </a:p>
+          <a:p>
+            <a:pPr lvl="1"/>
+            <a:r>
+              <a:rPr lang="en-US" u="sng" dirty="0" err="1">
+                <a:hlinkClick r:id="rId3" action="ppaction://hlinkfile"/>
+              </a:rPr>
+              <a:t>ServiceNow</a:t>
+            </a:r>
+            <a:r>
+              <a:rPr lang="en-US" u="sng" dirty="0">
+                <a:hlinkClick r:id="rId3" action="ppaction://hlinkfile"/>
+              </a:rPr>
+              <a:t> Analysis and Dashboard</a:t>
+            </a:r>
+            <a:endParaRPr lang="en-US" dirty="0"/>
+          </a:p>
+          <a:p>
+            <a:r>
+              <a:rPr lang="en-US" u="sng" dirty="0">
+                <a:hlinkClick r:id="rId4" action="ppaction://hlinkfile"/>
+              </a:rPr>
+              <a:t>Office of Finance</a:t>
+            </a:r>
+            <a:endParaRPr lang="en-US" dirty="0"/>
+          </a:p>
+          <a:p>
+            <a:pPr lvl="1"/>
+            <a:r>
+              <a:rPr lang="en-US" u="sng" dirty="0">
+                <a:hlinkClick r:id="rId5" action="ppaction://hlinkfile"/>
+              </a:rPr>
+              <a:t>Call center operational improvements</a:t>
+            </a:r>
+            <a:endParaRPr lang="en-US" dirty="0"/>
+          </a:p>
+          <a:p>
+            <a:pPr lvl="1"/>
+            <a:r>
+              <a:rPr lang="en-US" u="sng" dirty="0">
+                <a:hlinkClick r:id="rId6" action="ppaction://hlinkfile"/>
+              </a:rPr>
+              <a:t>Bill Collections</a:t>
+            </a:r>
+            <a:endParaRPr lang="en-US" dirty="0"/>
+          </a:p>
+          <a:p>
+            <a:pPr lvl="1"/>
+            <a:r>
+              <a:rPr lang="en-US" u="sng" dirty="0">
+                <a:hlinkClick r:id="rId7" action="ppaction://hlinkfile"/>
+              </a:rPr>
+              <a:t>Revenue Forecasting</a:t>
+            </a:r>
+            <a:endParaRPr lang="en-US" dirty="0"/>
+          </a:p>
+          <a:p>
+            <a:r>
+              <a:rPr lang="en-US" u="sng" dirty="0">
+                <a:hlinkClick r:id="rId8" action="ppaction://hlinkfile"/>
+              </a:rPr>
+              <a:t>Department of Transportation</a:t>
+            </a:r>
+            <a:endParaRPr lang="en-US" dirty="0"/>
+          </a:p>
+          <a:p>
+            <a:pPr lvl="1"/>
+            <a:r>
+              <a:rPr lang="en-US" u="sng" dirty="0">
+                <a:hlinkClick r:id="rId9" action="ppaction://hlinkfile"/>
+              </a:rPr>
+              <a:t>Projecting Parking Demand</a:t>
+            </a:r>
+            <a:endParaRPr lang="en-US" dirty="0"/>
+          </a:p>
+          <a:p>
+            <a:r>
+              <a:rPr lang="en-US" u="sng" dirty="0">
+                <a:hlinkClick r:id="rId10" action="ppaction://hlinkfile"/>
+              </a:rPr>
+              <a:t>Department of Cultural Affairs</a:t>
+            </a:r>
+            <a:endParaRPr lang="en-US" dirty="0"/>
+          </a:p>
+          <a:p>
+            <a:pPr lvl="1"/>
+            <a:r>
+              <a:rPr lang="en-US" u="sng" dirty="0">
+                <a:hlinkClick r:id="rId11" action="ppaction://hlinkfile"/>
+              </a:rPr>
+              <a:t>Cultural Events Analytics, Neighborhood Arts Profile, and Cultural Desert Discovery</a:t>
+            </a:r>
+            <a:endParaRPr lang="en-US" dirty="0"/>
+          </a:p>
+        </p:txBody>
+      </p:sp>
+      <p:sp>
+        <p:nvSpPr>
+          <p:cNvPr id="4" name="Slide Number Placeholder 3"/>
+          <p:cNvSpPr>
+            <a:spLocks noGrp="1"/>
+          </p:cNvSpPr>
+          <p:nvPr>
+            <p:ph type="sldNum" sz="quarter" idx="12"/>
+          </p:nvPr>
+        </p:nvSpPr>
+        <p:spPr/>
+        <p:txBody>
+          <a:bodyPr/>
+          <a:lstStyle/>
+          <a:p>
+            <a:pPr>
+              <a:defRPr/>
+            </a:pPr>
+            <a:fld id="{CD61FD94-992F-4CB2-AF3E-ECFB9D8DC22A}" type="slidenum">
+              <a:rPr lang="en-US" altLang="en-US" smtClean="0"/>
+              <a:pPr>
+                <a:defRPr/>
+              </a:pPr>
+              <a:t>10</a:t>
+            </a:fld>
+            <a:endParaRPr lang="en-US" altLang="en-US"/>
+          </a:p>
+        </p:txBody>
+      </p:sp>
+    </p:spTree>
+    <p:extLst>
+      <p:ext uri="{BB962C8B-B14F-4D97-AF65-F5344CB8AC3E}">
+        <p14:creationId xmlns:p14="http://schemas.microsoft.com/office/powerpoint/2010/main" val="3153311425"/>
+      </p:ext>
+    </p:extLst>
+  </p:cSld>
+  <p:clrMapOvr>
+    <a:masterClrMapping/>
+  </p:clrMapOvr>
+  <p:timing>
+    <p:tnLst>
+      <p:par>
+        <p:cTn id="1" dur="indefinite" restart="never" nodeType="tmRoot"/>
+      </p:par>
+    </p:tnLst>
+  </p:timing>
+</p:sld>
+</file>
+
+<file path=ppt/slides/slide11.xml><?xml version="1.0" encoding="utf-8"?>
+<p:sld xmlns:a="http://schemas.openxmlformats.org/drawingml/2006/main" xmlns:r="http://schemas.openxmlformats.org/officeDocument/2006/relationships" xmlns:p="http://schemas.openxmlformats.org/presentationml/2006/main">
+  <p:cSld>
+    <p:spTree>
+      <p:nvGrpSpPr>
+        <p:cNvPr id="1" name=""/>
+        <p:cNvGrpSpPr/>
+        <p:nvPr/>
+      </p:nvGrpSpPr>
+      <p:grpSpPr>
+        <a:xfrm>
+          <a:off x="0" y="0"/>
+          <a:ext cx="0" cy="0"/>
+          <a:chOff x="0" y="0"/>
+          <a:chExt cx="0" cy="0"/>
+        </a:xfrm>
+      </p:grpSpPr>
+      <p:sp>
+        <p:nvSpPr>
+          <p:cNvPr id="2" name="Title 1"/>
+          <p:cNvSpPr>
+            <a:spLocks noGrp="1"/>
+          </p:cNvSpPr>
+          <p:nvPr>
+            <p:ph type="title"/>
+          </p:nvPr>
+        </p:nvSpPr>
+        <p:spPr/>
+        <p:txBody>
+          <a:bodyPr/>
+          <a:lstStyle/>
+          <a:p>
+            <a:r>
+              <a:rPr lang="en-US" dirty="0" smtClean="0"/>
+              <a:t>City of LA: Specific Examples</a:t>
+            </a:r>
+            <a:endParaRPr lang="en-US" dirty="0"/>
+          </a:p>
+        </p:txBody>
+      </p:sp>
+      <p:sp>
+        <p:nvSpPr>
+          <p:cNvPr id="3" name="Content Placeholder 2"/>
+          <p:cNvSpPr>
+            <a:spLocks noGrp="1"/>
+          </p:cNvSpPr>
+          <p:nvPr>
+            <p:ph idx="1"/>
+          </p:nvPr>
+        </p:nvSpPr>
+        <p:spPr/>
+        <p:txBody>
+          <a:bodyPr/>
+          <a:lstStyle/>
+          <a:p>
+            <a:r>
+              <a:rPr lang="en-US" b="1" dirty="0"/>
+              <a:t>Downtown Transportation Analysis </a:t>
+            </a:r>
+          </a:p>
+          <a:p>
+            <a:pPr lvl="1"/>
+            <a:r>
+              <a:rPr lang="en-US" dirty="0"/>
+              <a:t>Analysis of bicyclists and pedestrian use on Spring and Main both before and after Spring and Main Forward project. This will build on </a:t>
+            </a:r>
+            <a:r>
+              <a:rPr lang="en-US" u="sng" dirty="0">
+                <a:hlinkClick r:id="rId2"/>
+              </a:rPr>
+              <a:t>existing work</a:t>
+            </a:r>
+            <a:r>
+              <a:rPr lang="en-US" dirty="0"/>
+              <a:t> from CSULA and LADOT.  The Downtown configuration analysis for Project Downtown streets could show an ideal mix of various improvements and interventions. We hope to be able to project throughput for various streets downtown in different configurations</a:t>
+            </a:r>
+            <a:r>
+              <a:rPr lang="en-US" dirty="0" smtClean="0"/>
+              <a:t>.</a:t>
+            </a:r>
+            <a:endParaRPr lang="en-US" dirty="0"/>
+          </a:p>
+        </p:txBody>
+      </p:sp>
+      <p:sp>
+        <p:nvSpPr>
+          <p:cNvPr id="4" name="Slide Number Placeholder 3"/>
+          <p:cNvSpPr>
+            <a:spLocks noGrp="1"/>
+          </p:cNvSpPr>
+          <p:nvPr>
+            <p:ph type="sldNum" sz="quarter" idx="12"/>
+          </p:nvPr>
+        </p:nvSpPr>
+        <p:spPr/>
+        <p:txBody>
+          <a:bodyPr/>
+          <a:lstStyle/>
+          <a:p>
+            <a:pPr>
+              <a:defRPr/>
+            </a:pPr>
+            <a:fld id="{CD61FD94-992F-4CB2-AF3E-ECFB9D8DC22A}" type="slidenum">
+              <a:rPr lang="en-US" altLang="en-US" smtClean="0"/>
+              <a:pPr>
+                <a:defRPr/>
+              </a:pPr>
+              <a:t>11</a:t>
+            </a:fld>
+            <a:endParaRPr lang="en-US" altLang="en-US"/>
+          </a:p>
+        </p:txBody>
+      </p:sp>
+    </p:spTree>
+    <p:extLst>
+      <p:ext uri="{BB962C8B-B14F-4D97-AF65-F5344CB8AC3E}">
+        <p14:creationId xmlns:p14="http://schemas.microsoft.com/office/powerpoint/2010/main" val="319892737"/>
+      </p:ext>
+    </p:extLst>
+  </p:cSld>
+  <p:clrMapOvr>
+    <a:masterClrMapping/>
+  </p:clrMapOvr>
+  <p:timing>
+    <p:tnLst>
+      <p:par>
+        <p:cTn id="1" dur="indefinite" restart="never" nodeType="tmRoot"/>
+      </p:par>
+    </p:tnLst>
+  </p:timing>
+</p:sld>
+</file>
+
+<file path=ppt/slides/slide12.xml><?xml version="1.0" encoding="utf-8"?>
+<p:sld xmlns:a="http://schemas.openxmlformats.org/drawingml/2006/main" xmlns:r="http://schemas.openxmlformats.org/officeDocument/2006/relationships" xmlns:p="http://schemas.openxmlformats.org/presentationml/2006/main">
+  <p:cSld>
+    <p:spTree>
+      <p:nvGrpSpPr>
+        <p:cNvPr id="1" name=""/>
+        <p:cNvGrpSpPr/>
+        <p:nvPr/>
+      </p:nvGrpSpPr>
+      <p:grpSpPr>
+        <a:xfrm>
+          <a:off x="0" y="0"/>
+          <a:ext cx="0" cy="0"/>
+          <a:chOff x="0" y="0"/>
+          <a:chExt cx="0" cy="0"/>
+        </a:xfrm>
+      </p:grpSpPr>
+      <p:sp>
+        <p:nvSpPr>
+          <p:cNvPr id="2" name="Title 1"/>
+          <p:cNvSpPr>
+            <a:spLocks noGrp="1"/>
+          </p:cNvSpPr>
+          <p:nvPr>
+            <p:ph type="title"/>
+          </p:nvPr>
+        </p:nvSpPr>
+        <p:spPr/>
+        <p:txBody>
+          <a:bodyPr/>
+          <a:lstStyle/>
+          <a:p>
+            <a:r>
+              <a:rPr lang="en-US" dirty="0" smtClean="0"/>
+              <a:t>City of LA: Specific Examples</a:t>
+            </a:r>
+            <a:endParaRPr lang="en-US" dirty="0"/>
+          </a:p>
+        </p:txBody>
+      </p:sp>
+      <p:sp>
+        <p:nvSpPr>
+          <p:cNvPr id="3" name="Content Placeholder 2"/>
+          <p:cNvSpPr>
+            <a:spLocks noGrp="1"/>
+          </p:cNvSpPr>
+          <p:nvPr>
+            <p:ph idx="1"/>
+          </p:nvPr>
+        </p:nvSpPr>
+        <p:spPr/>
+        <p:txBody>
+          <a:bodyPr/>
+          <a:lstStyle/>
+          <a:p>
+            <a:r>
+              <a:rPr lang="en-US" b="1" dirty="0"/>
+              <a:t>LAPD Recruitment Performance Dashboard</a:t>
+            </a:r>
+          </a:p>
+          <a:p>
+            <a:pPr lvl="1"/>
+            <a:r>
+              <a:rPr lang="en-US" dirty="0"/>
+              <a:t>LAPD Personnel recruiters’ main metric for success for recruiting candidates is the number of tests administered. However, there is limited visibility into which recruiters are testing the highest proportion of successful candidates, what strategies are most viable, or which geographic areas and events yield the best results. In preparation for anticipated surges in retirement, smarter recruiting is essential. A paradigm shift that is outcome-oriented will lead to greater accountability and flexibility as LAPD and Personnel strive to meet hiring goals. For this project, </a:t>
+            </a:r>
+            <a:r>
+              <a:rPr lang="en-US" dirty="0" smtClean="0"/>
+              <a:t>we wish to provide </a:t>
+            </a:r>
+            <a:r>
+              <a:rPr lang="en-US" dirty="0"/>
+              <a:t>recruiters with new metrics of success.</a:t>
+            </a:r>
+          </a:p>
+        </p:txBody>
+      </p:sp>
+      <p:sp>
+        <p:nvSpPr>
+          <p:cNvPr id="4" name="Slide Number Placeholder 3"/>
+          <p:cNvSpPr>
+            <a:spLocks noGrp="1"/>
+          </p:cNvSpPr>
+          <p:nvPr>
+            <p:ph type="sldNum" sz="quarter" idx="12"/>
+          </p:nvPr>
+        </p:nvSpPr>
+        <p:spPr/>
+        <p:txBody>
+          <a:bodyPr/>
+          <a:lstStyle/>
+          <a:p>
+            <a:pPr>
+              <a:defRPr/>
+            </a:pPr>
+            <a:fld id="{CD61FD94-992F-4CB2-AF3E-ECFB9D8DC22A}" type="slidenum">
+              <a:rPr lang="en-US" altLang="en-US" smtClean="0"/>
+              <a:pPr>
+                <a:defRPr/>
+              </a:pPr>
+              <a:t>12</a:t>
+            </a:fld>
+            <a:endParaRPr lang="en-US" altLang="en-US"/>
+          </a:p>
+        </p:txBody>
+      </p:sp>
+    </p:spTree>
+    <p:extLst>
+      <p:ext uri="{BB962C8B-B14F-4D97-AF65-F5344CB8AC3E}">
+        <p14:creationId xmlns:p14="http://schemas.microsoft.com/office/powerpoint/2010/main" val="596289792"/>
+      </p:ext>
+    </p:extLst>
+  </p:cSld>
+  <p:clrMapOvr>
+    <a:masterClrMapping/>
+  </p:clrMapOvr>
+  <p:timing>
+    <p:tnLst>
+      <p:par>
+        <p:cTn id="1" dur="indefinite" restart="never" nodeType="tmRoot"/>
+      </p:par>
+    </p:tnLst>
+  </p:timing>
+</p:sld>
+</file>
+
+<file path=ppt/slides/slide13.xml><?xml version="1.0" encoding="utf-8"?>
+<p:sld xmlns:a="http://schemas.openxmlformats.org/drawingml/2006/main" xmlns:r="http://schemas.openxmlformats.org/officeDocument/2006/relationships" xmlns:p="http://schemas.openxmlformats.org/presentationml/2006/main">
+  <p:cSld>
+    <p:spTree>
+      <p:nvGrpSpPr>
+        <p:cNvPr id="1" name=""/>
+        <p:cNvGrpSpPr/>
+        <p:nvPr/>
+      </p:nvGrpSpPr>
+      <p:grpSpPr>
+        <a:xfrm>
+          <a:off x="0" y="0"/>
+          <a:ext cx="0" cy="0"/>
+          <a:chOff x="0" y="0"/>
+          <a:chExt cx="0" cy="0"/>
+        </a:xfrm>
+      </p:grpSpPr>
+      <p:sp>
+        <p:nvSpPr>
+          <p:cNvPr id="2" name="Title 1"/>
+          <p:cNvSpPr>
+            <a:spLocks noGrp="1"/>
+          </p:cNvSpPr>
+          <p:nvPr>
+            <p:ph type="title"/>
+          </p:nvPr>
+        </p:nvSpPr>
+        <p:spPr/>
+        <p:txBody>
+          <a:bodyPr/>
+          <a:lstStyle/>
+          <a:p>
+            <a:r>
+              <a:rPr lang="en-US" dirty="0" smtClean="0"/>
+              <a:t>Counterpoint</a:t>
+            </a:r>
+            <a:endParaRPr lang="en-US" dirty="0"/>
+          </a:p>
+        </p:txBody>
+      </p:sp>
+      <p:sp>
+        <p:nvSpPr>
+          <p:cNvPr id="3" name="Content Placeholder 2"/>
+          <p:cNvSpPr>
+            <a:spLocks noGrp="1"/>
+          </p:cNvSpPr>
+          <p:nvPr>
+            <p:ph idx="1"/>
+          </p:nvPr>
+        </p:nvSpPr>
+        <p:spPr/>
+        <p:txBody>
+          <a:bodyPr/>
+          <a:lstStyle/>
+          <a:p>
+            <a:r>
+              <a:rPr lang="en-US" dirty="0"/>
+              <a:t>Hernandez, D., and Greenwald T. (August 11, 2018), “IBM Has a Dilemma”, </a:t>
+            </a:r>
+            <a:r>
+              <a:rPr lang="en-US" i="1" dirty="0"/>
+              <a:t>Wall Street Journal</a:t>
+            </a:r>
+            <a:r>
+              <a:rPr lang="en-US" dirty="0" smtClean="0"/>
+              <a:t>.</a:t>
+            </a:r>
+          </a:p>
+          <a:p>
+            <a:r>
+              <a:rPr lang="en-US" dirty="0" smtClean="0"/>
+              <a:t>Muller, J. (2018), </a:t>
+            </a:r>
+            <a:r>
+              <a:rPr lang="en-US" i="1" dirty="0" smtClean="0"/>
+              <a:t>The Tyranny of Metrics</a:t>
+            </a:r>
+            <a:r>
+              <a:rPr lang="en-US" dirty="0" smtClean="0"/>
+              <a:t>, Princeton University Press.</a:t>
+            </a:r>
+          </a:p>
+          <a:p>
+            <a:r>
+              <a:rPr lang="en-US" dirty="0" smtClean="0"/>
+              <a:t>O’Neill, C. </a:t>
+            </a:r>
+            <a:r>
+              <a:rPr lang="en-US" dirty="0"/>
+              <a:t>(</a:t>
+            </a:r>
+            <a:r>
+              <a:rPr lang="en-US" dirty="0" smtClean="0"/>
+              <a:t>2017), </a:t>
+            </a:r>
+            <a:r>
+              <a:rPr lang="en-US" i="1" dirty="0" smtClean="0"/>
+              <a:t>Weapons of Math Destruction: How Big Data Increases Inequity and Threatens Democracy</a:t>
+            </a:r>
+            <a:r>
+              <a:rPr lang="en-US" dirty="0" smtClean="0"/>
+              <a:t>, Broadway Books.</a:t>
+            </a:r>
+            <a:endParaRPr lang="en-US" dirty="0"/>
+          </a:p>
+          <a:p>
+            <a:r>
+              <a:rPr lang="en-US" dirty="0" smtClean="0"/>
+              <a:t>Pearl, J. (2018), </a:t>
+            </a:r>
+            <a:r>
+              <a:rPr lang="en-US" i="1" dirty="0" smtClean="0"/>
+              <a:t>The Book of Why: The New Science of Cause and Effect</a:t>
+            </a:r>
+            <a:r>
+              <a:rPr lang="en-US" dirty="0" smtClean="0"/>
+              <a:t>, Basic </a:t>
+            </a:r>
+            <a:r>
+              <a:rPr lang="en-US" dirty="0"/>
+              <a:t>Books</a:t>
+            </a:r>
+            <a:r>
+              <a:rPr lang="en-US" dirty="0" smtClean="0"/>
+              <a:t>.</a:t>
+            </a:r>
+            <a:endParaRPr lang="en-US" dirty="0"/>
+          </a:p>
+        </p:txBody>
+      </p:sp>
+      <p:sp>
+        <p:nvSpPr>
+          <p:cNvPr id="4" name="Slide Number Placeholder 3"/>
+          <p:cNvSpPr>
+            <a:spLocks noGrp="1"/>
+          </p:cNvSpPr>
+          <p:nvPr>
+            <p:ph type="sldNum" sz="quarter" idx="12"/>
+          </p:nvPr>
+        </p:nvSpPr>
+        <p:spPr/>
+        <p:txBody>
+          <a:bodyPr/>
+          <a:lstStyle/>
+          <a:p>
+            <a:pPr>
+              <a:defRPr/>
+            </a:pPr>
+            <a:fld id="{CD61FD94-992F-4CB2-AF3E-ECFB9D8DC22A}" type="slidenum">
+              <a:rPr lang="en-US" altLang="en-US" smtClean="0"/>
+              <a:pPr>
+                <a:defRPr/>
+              </a:pPr>
+              <a:t>13</a:t>
+            </a:fld>
+            <a:endParaRPr lang="en-US" altLang="en-US"/>
+          </a:p>
+        </p:txBody>
+      </p:sp>
+    </p:spTree>
+    <p:extLst>
+      <p:ext uri="{BB962C8B-B14F-4D97-AF65-F5344CB8AC3E}">
+        <p14:creationId xmlns:p14="http://schemas.microsoft.com/office/powerpoint/2010/main" val="2335032075"/>
+      </p:ext>
+    </p:extLst>
+  </p:cSld>
+  <p:clrMapOvr>
+    <a:masterClrMapping/>
+  </p:clrMapOvr>
+  <p:timing>
+    <p:tnLst>
+      <p:par>
+        <p:cTn id="1" dur="indefinite" restart="never" nodeType="tmRoot"/>
+      </p:par>
+    </p:tnLst>
+  </p:timing>
+</p:sld>
+</file>
+
+<file path=ppt/slides/slide14.xml><?xml version="1.0" encoding="utf-8"?>
+<p:sld xmlns:a="http://schemas.openxmlformats.org/drawingml/2006/main" xmlns:r="http://schemas.openxmlformats.org/officeDocument/2006/relationships" xmlns:p="http://schemas.openxmlformats.org/presentationml/2006/main">
+  <p:cSld>
+    <p:spTree>
+      <p:nvGrpSpPr>
+        <p:cNvPr id="1" name=""/>
+        <p:cNvGrpSpPr/>
+        <p:nvPr/>
+      </p:nvGrpSpPr>
+      <p:grpSpPr>
+        <a:xfrm>
+          <a:off x="0" y="0"/>
+          <a:ext cx="0" cy="0"/>
+          <a:chOff x="0" y="0"/>
+          <a:chExt cx="0" cy="0"/>
+        </a:xfrm>
+      </p:grpSpPr>
+      <p:sp>
+        <p:nvSpPr>
+          <p:cNvPr id="2" name="Title 1"/>
+          <p:cNvSpPr>
+            <a:spLocks noGrp="1"/>
+          </p:cNvSpPr>
+          <p:nvPr>
+            <p:ph type="title"/>
+          </p:nvPr>
+        </p:nvSpPr>
+        <p:spPr/>
+        <p:txBody>
+          <a:bodyPr/>
+          <a:lstStyle/>
+          <a:p>
+            <a:r>
+              <a:rPr lang="en-US" dirty="0" smtClean="0"/>
+              <a:t>References</a:t>
+            </a:r>
+            <a:endParaRPr lang="en-US" dirty="0"/>
+          </a:p>
+        </p:txBody>
+      </p:sp>
+      <p:sp>
+        <p:nvSpPr>
+          <p:cNvPr id="3" name="Content Placeholder 2"/>
+          <p:cNvSpPr>
+            <a:spLocks noGrp="1"/>
+          </p:cNvSpPr>
+          <p:nvPr>
+            <p:ph idx="1"/>
+          </p:nvPr>
+        </p:nvSpPr>
+        <p:spPr/>
+        <p:txBody>
+          <a:bodyPr/>
+          <a:lstStyle/>
+          <a:p>
+            <a:r>
+              <a:rPr lang="en-US" sz="2400" dirty="0">
+                <a:latin typeface="Consolas" panose="020B0609020204030204" pitchFamily="49" charset="0"/>
+                <a:hlinkClick r:id="rId2"/>
+              </a:rPr>
+              <a:t>https://www.stat.berkeley.edu/~</a:t>
+            </a:r>
+            <a:r>
+              <a:rPr lang="en-US" sz="2400" dirty="0" smtClean="0">
+                <a:latin typeface="Consolas" panose="020B0609020204030204" pitchFamily="49" charset="0"/>
+                <a:hlinkClick r:id="rId2"/>
+              </a:rPr>
+              <a:t>nolan/Papers/Data.Science.Guidelines.16.9.25.pdf</a:t>
+            </a:r>
+            <a:endParaRPr lang="en-US" sz="2400" dirty="0">
+              <a:latin typeface="Consolas" panose="020B0609020204030204" pitchFamily="49" charset="0"/>
+            </a:endParaRPr>
+          </a:p>
+        </p:txBody>
+      </p:sp>
+      <p:sp>
+        <p:nvSpPr>
+          <p:cNvPr id="4" name="Slide Number Placeholder 3"/>
+          <p:cNvSpPr>
+            <a:spLocks noGrp="1"/>
+          </p:cNvSpPr>
+          <p:nvPr>
+            <p:ph type="sldNum" sz="quarter" idx="12"/>
+          </p:nvPr>
+        </p:nvSpPr>
+        <p:spPr/>
+        <p:txBody>
+          <a:bodyPr/>
+          <a:lstStyle/>
+          <a:p>
+            <a:pPr>
+              <a:defRPr/>
+            </a:pPr>
+            <a:fld id="{CD61FD94-992F-4CB2-AF3E-ECFB9D8DC22A}" type="slidenum">
+              <a:rPr lang="en-US" altLang="en-US" smtClean="0"/>
+              <a:pPr>
+                <a:defRPr/>
+              </a:pPr>
+              <a:t>14</a:t>
+            </a:fld>
+            <a:endParaRPr lang="en-US" altLang="en-US"/>
+          </a:p>
+        </p:txBody>
+      </p:sp>
+    </p:spTree>
+    <p:extLst>
+      <p:ext uri="{BB962C8B-B14F-4D97-AF65-F5344CB8AC3E}">
+        <p14:creationId xmlns:p14="http://schemas.microsoft.com/office/powerpoint/2010/main" val="1264442479"/>
+      </p:ext>
+    </p:extLst>
+  </p:cSld>
+  <p:clrMapOvr>
+    <a:masterClrMapping/>
+  </p:clrMapOvr>
+  <p:timing>
+    <p:tnLst>
+      <p:par>
+        <p:cTn id="1" dur="indefinite" restart="never" nodeType="tmRoot"/>
+      </p:par>
+    </p:tnLst>
+  </p:timing>
+</p:sld>
+</file>
+
+<file path=ppt/slides/slide15.xml><?xml version="1.0" encoding="utf-8"?>
+<p:sld xmlns:a="http://schemas.openxmlformats.org/drawingml/2006/main" xmlns:r="http://schemas.openxmlformats.org/officeDocument/2006/relationships" xmlns:p="http://schemas.openxmlformats.org/presentationml/2006/main">
+  <p:cSld>
+    <p:spTree>
+      <p:nvGrpSpPr>
+        <p:cNvPr id="1" name=""/>
+        <p:cNvGrpSpPr/>
+        <p:nvPr/>
+      </p:nvGrpSpPr>
+      <p:grpSpPr>
+        <a:xfrm>
+          <a:off x="0" y="0"/>
+          <a:ext cx="0" cy="0"/>
+          <a:chOff x="0" y="0"/>
+          <a:chExt cx="0" cy="0"/>
+        </a:xfrm>
+      </p:grpSpPr>
+      <p:sp>
+        <p:nvSpPr>
+          <p:cNvPr id="2" name="Title 1"/>
+          <p:cNvSpPr>
+            <a:spLocks noGrp="1"/>
+          </p:cNvSpPr>
+          <p:nvPr>
+            <p:ph type="title"/>
+          </p:nvPr>
+        </p:nvSpPr>
+        <p:spPr/>
+        <p:txBody>
+          <a:bodyPr/>
+          <a:lstStyle/>
+          <a:p>
+            <a:r>
+              <a:rPr lang="en-US" i="1" dirty="0" smtClean="0"/>
+              <a:t>fin</a:t>
+            </a:r>
+            <a:endParaRPr lang="en-US" i="1" dirty="0"/>
+          </a:p>
+        </p:txBody>
+      </p:sp>
+      <p:sp>
+        <p:nvSpPr>
+          <p:cNvPr id="3" name="Content Placeholder 2"/>
+          <p:cNvSpPr>
+            <a:spLocks noGrp="1"/>
+          </p:cNvSpPr>
+          <p:nvPr>
+            <p:ph idx="1"/>
+          </p:nvPr>
+        </p:nvSpPr>
+        <p:spPr/>
+        <p:txBody>
+          <a:bodyPr/>
+          <a:lstStyle/>
+          <a:p>
+            <a:r>
+              <a:rPr lang="en-US" dirty="0" smtClean="0"/>
+              <a:t>Again: Are you a data science learner?</a:t>
+            </a:r>
+          </a:p>
+          <a:p>
+            <a:endParaRPr lang="en-US" dirty="0"/>
+          </a:p>
+          <a:p>
+            <a:endParaRPr lang="en-US" dirty="0" smtClean="0"/>
+          </a:p>
+          <a:p>
+            <a:r>
+              <a:rPr lang="en-US" dirty="0" smtClean="0"/>
+              <a:t>Questions?</a:t>
+            </a:r>
+          </a:p>
+          <a:p>
+            <a:endParaRPr lang="en-US" dirty="0"/>
+          </a:p>
+          <a:p>
+            <a:r>
+              <a:rPr lang="en-US" dirty="0" smtClean="0"/>
+              <a:t>Goodies</a:t>
+            </a:r>
+            <a:endParaRPr lang="en-US" dirty="0"/>
+          </a:p>
+        </p:txBody>
+      </p:sp>
+      <p:sp>
+        <p:nvSpPr>
+          <p:cNvPr id="4" name="Slide Number Placeholder 3"/>
+          <p:cNvSpPr>
+            <a:spLocks noGrp="1"/>
+          </p:cNvSpPr>
+          <p:nvPr>
+            <p:ph type="sldNum" sz="quarter" idx="12"/>
+          </p:nvPr>
+        </p:nvSpPr>
+        <p:spPr/>
+        <p:txBody>
+          <a:bodyPr/>
+          <a:lstStyle/>
+          <a:p>
+            <a:pPr>
+              <a:defRPr/>
+            </a:pPr>
+            <a:fld id="{CD61FD94-992F-4CB2-AF3E-ECFB9D8DC22A}" type="slidenum">
+              <a:rPr lang="en-US" altLang="en-US" smtClean="0"/>
+              <a:pPr>
+                <a:defRPr/>
+              </a:pPr>
+              <a:t>15</a:t>
+            </a:fld>
+            <a:endParaRPr lang="en-US" altLang="en-US"/>
+          </a:p>
+        </p:txBody>
+      </p:sp>
+    </p:spTree>
+    <p:extLst>
+      <p:ext uri="{BB962C8B-B14F-4D97-AF65-F5344CB8AC3E}">
+        <p14:creationId xmlns:p14="http://schemas.microsoft.com/office/powerpoint/2010/main" val="2479967361"/>
+      </p:ext>
+    </p:extLst>
+  </p:cSld>
+  <p:clrMapOvr>
+    <a:masterClrMapping/>
+  </p:clrMapOvr>
+  <p:timing>
+    <p:tnLst>
+      <p:par>
+        <p:cTn id="1" dur="indefinite" restart="never" nodeType="tmRoot"/>
+      </p:par>
+    </p:tnLst>
+  </p:timing>
+</p:sld>
+</file>
+
+<file path=ppt/slides/slide2.xml><?xml version="1.0" encoding="utf-8"?>
+<p:sld xmlns:a="http://schemas.openxmlformats.org/drawingml/2006/main" xmlns:r="http://schemas.openxmlformats.org/officeDocument/2006/relationships" xmlns:p="http://schemas.openxmlformats.org/presentationml/2006/main">
+  <p:cSld>
+    <p:spTree>
+      <p:nvGrpSpPr>
+        <p:cNvPr id="1" name=""/>
+        <p:cNvGrpSpPr/>
+        <p:nvPr/>
+      </p:nvGrpSpPr>
+      <p:grpSpPr>
+        <a:xfrm>
+          <a:off x="0" y="0"/>
+          <a:ext cx="0" cy="0"/>
+          <a:chOff x="0" y="0"/>
+          <a:chExt cx="0" cy="0"/>
+        </a:xfrm>
+      </p:grpSpPr>
+      <p:sp>
+        <p:nvSpPr>
+          <p:cNvPr id="2" name="Title 1"/>
+          <p:cNvSpPr>
+            <a:spLocks noGrp="1"/>
+          </p:cNvSpPr>
+          <p:nvPr>
+            <p:ph type="title"/>
+          </p:nvPr>
+        </p:nvSpPr>
+        <p:spPr/>
+        <p:txBody>
+          <a:bodyPr/>
+          <a:lstStyle/>
+          <a:p>
+            <a:r>
+              <a:rPr lang="en-US" dirty="0" smtClean="0"/>
+              <a:t>Overview</a:t>
+            </a:r>
+            <a:endParaRPr lang="en-US" dirty="0"/>
+          </a:p>
+        </p:txBody>
+      </p:sp>
+      <p:sp>
+        <p:nvSpPr>
+          <p:cNvPr id="3" name="Content Placeholder 2"/>
+          <p:cNvSpPr>
+            <a:spLocks noGrp="1"/>
+          </p:cNvSpPr>
+          <p:nvPr>
+            <p:ph idx="1"/>
+          </p:nvPr>
+        </p:nvSpPr>
+        <p:spPr/>
+        <p:txBody>
+          <a:bodyPr/>
+          <a:lstStyle/>
+          <a:p>
+            <a:pPr>
+              <a:buFont typeface="Arial" panose="020B0604020202020204" pitchFamily="34" charset="0"/>
+              <a:buChar char="•"/>
+            </a:pPr>
+            <a:r>
+              <a:rPr lang="en-US" i="1" dirty="0" smtClean="0"/>
+              <a:t>Thinking</a:t>
+            </a:r>
+            <a:r>
+              <a:rPr lang="en-US" dirty="0" smtClean="0"/>
+              <a:t> as a Data Scientist</a:t>
+            </a:r>
+          </a:p>
+          <a:p>
+            <a:pPr lvl="1" indent="-342900">
+              <a:buFont typeface="Arial" panose="020B0604020202020204" pitchFamily="34" charset="0"/>
+              <a:buChar char="•"/>
+            </a:pPr>
+            <a:r>
+              <a:rPr lang="en-US" dirty="0"/>
+              <a:t>	</a:t>
+            </a:r>
+            <a:r>
+              <a:rPr lang="en-US" dirty="0" smtClean="0"/>
+              <a:t>Positioning Yourself in the Contemporary Paradigm</a:t>
+            </a:r>
+            <a:endParaRPr lang="en-US" dirty="0"/>
+          </a:p>
+          <a:p>
+            <a:pPr>
+              <a:buFont typeface="Arial" panose="020B0604020202020204" pitchFamily="34" charset="0"/>
+              <a:buChar char="•"/>
+            </a:pPr>
+            <a:r>
+              <a:rPr lang="en-US" i="1" dirty="0" smtClean="0"/>
+              <a:t>Learning</a:t>
+            </a:r>
+            <a:r>
+              <a:rPr lang="en-US" dirty="0" smtClean="0"/>
+              <a:t> as a Data Scientist</a:t>
+            </a:r>
+          </a:p>
+          <a:p>
+            <a:pPr lvl="1" indent="-342900">
+              <a:buFont typeface="Arial" panose="020B0604020202020204" pitchFamily="34" charset="0"/>
+              <a:buChar char="•"/>
+            </a:pPr>
+            <a:r>
+              <a:rPr lang="en-US" dirty="0"/>
+              <a:t>	</a:t>
+            </a:r>
+            <a:r>
+              <a:rPr lang="en-US" dirty="0" smtClean="0"/>
+              <a:t>What the Best Autodidacts (self-learners) Know</a:t>
+            </a:r>
+          </a:p>
+          <a:p>
+            <a:pPr>
+              <a:buFont typeface="Arial" panose="020B0604020202020204" pitchFamily="34" charset="0"/>
+              <a:buChar char="•"/>
+            </a:pPr>
+            <a:r>
+              <a:rPr lang="en-US" i="1" dirty="0" smtClean="0"/>
+              <a:t>Acting</a:t>
+            </a:r>
+            <a:r>
+              <a:rPr lang="en-US" dirty="0" smtClean="0"/>
+              <a:t> as a Data Scientist</a:t>
+            </a:r>
+          </a:p>
+          <a:p>
+            <a:pPr lvl="1" indent="-342900">
+              <a:buFont typeface="Arial" panose="020B0604020202020204" pitchFamily="34" charset="0"/>
+              <a:buChar char="•"/>
+            </a:pPr>
+            <a:r>
+              <a:rPr lang="en-US" dirty="0" smtClean="0"/>
+              <a:t>	Earning Career Success</a:t>
+            </a:r>
+          </a:p>
+          <a:p>
+            <a:pPr>
+              <a:buFont typeface="Arial" panose="020B0604020202020204" pitchFamily="34" charset="0"/>
+              <a:buChar char="•"/>
+            </a:pPr>
+            <a:endParaRPr lang="en-US" dirty="0" smtClean="0"/>
+          </a:p>
+          <a:p>
+            <a:pPr>
+              <a:buFont typeface="Arial" panose="020B0604020202020204" pitchFamily="34" charset="0"/>
+              <a:buChar char="•"/>
+            </a:pPr>
+            <a:r>
+              <a:rPr lang="en-US" dirty="0" smtClean="0"/>
+              <a:t>Q&amp;A</a:t>
+            </a:r>
+          </a:p>
+          <a:p>
+            <a:pPr>
+              <a:buFont typeface="Arial" panose="020B0604020202020204" pitchFamily="34" charset="0"/>
+              <a:buChar char="•"/>
+            </a:pPr>
+            <a:r>
+              <a:rPr lang="en-US" dirty="0" smtClean="0"/>
+              <a:t>Give away some goodies…</a:t>
+            </a:r>
+          </a:p>
+        </p:txBody>
+      </p:sp>
+      <p:sp>
+        <p:nvSpPr>
+          <p:cNvPr id="4" name="Slide Number Placeholder 3"/>
+          <p:cNvSpPr>
+            <a:spLocks noGrp="1"/>
+          </p:cNvSpPr>
+          <p:nvPr>
+            <p:ph type="sldNum" sz="quarter" idx="12"/>
+          </p:nvPr>
+        </p:nvSpPr>
+        <p:spPr/>
+        <p:txBody>
+          <a:bodyPr/>
+          <a:lstStyle/>
+          <a:p>
+            <a:pPr>
+              <a:defRPr/>
+            </a:pPr>
+            <a:fld id="{CD61FD94-992F-4CB2-AF3E-ECFB9D8DC22A}" type="slidenum">
+              <a:rPr lang="en-US" altLang="en-US" smtClean="0"/>
+              <a:pPr>
+                <a:defRPr/>
+              </a:pPr>
+              <a:t>2</a:t>
+            </a:fld>
+            <a:endParaRPr lang="en-US" altLang="en-US"/>
+          </a:p>
+        </p:txBody>
+      </p:sp>
+    </p:spTree>
+    <p:extLst>
+      <p:ext uri="{BB962C8B-B14F-4D97-AF65-F5344CB8AC3E}">
+        <p14:creationId xmlns:p14="http://schemas.microsoft.com/office/powerpoint/2010/main" val="239872753"/>
+      </p:ext>
+    </p:extLst>
+  </p:cSld>
+  <p:clrMapOvr>
+    <a:masterClrMapping/>
+  </p:clrMapOvr>
+  <p:timing>
+    <p:tnLst>
+      <p:par>
+        <p:cTn id="1" dur="indefinite" restart="never" nodeType="tmRoot"/>
+      </p:par>
+    </p:tnLst>
+  </p:timing>
+</p:sld>
+</file>
+
+<file path=ppt/slides/slide3.xml><?xml version="1.0" encoding="utf-8"?>
+<p:sld xmlns:a="http://schemas.openxmlformats.org/drawingml/2006/main" xmlns:r="http://schemas.openxmlformats.org/officeDocument/2006/relationships" xmlns:p="http://schemas.openxmlformats.org/presentationml/2006/main">
+  <p:cSld>
+    <p:spTree>
+      <p:nvGrpSpPr>
+        <p:cNvPr id="1" name=""/>
+        <p:cNvGrpSpPr/>
+        <p:nvPr/>
+      </p:nvGrpSpPr>
+      <p:grpSpPr>
+        <a:xfrm>
+          <a:off x="0" y="0"/>
+          <a:ext cx="0" cy="0"/>
+          <a:chOff x="0" y="0"/>
+          <a:chExt cx="0" cy="0"/>
+        </a:xfrm>
+      </p:grpSpPr>
+      <p:sp>
+        <p:nvSpPr>
+          <p:cNvPr id="2" name="Title 1"/>
+          <p:cNvSpPr>
+            <a:spLocks noGrp="1"/>
+          </p:cNvSpPr>
+          <p:nvPr>
+            <p:ph type="title"/>
+          </p:nvPr>
+        </p:nvSpPr>
+        <p:spPr/>
+        <p:txBody>
+          <a:bodyPr/>
+          <a:lstStyle/>
+          <a:p>
+            <a:r>
+              <a:rPr lang="en-US" dirty="0" smtClean="0"/>
+              <a:t>Motivating Question</a:t>
+            </a:r>
+            <a:endParaRPr lang="en-US" dirty="0"/>
+          </a:p>
+        </p:txBody>
+      </p:sp>
+      <p:sp>
+        <p:nvSpPr>
+          <p:cNvPr id="3" name="Content Placeholder 2"/>
+          <p:cNvSpPr>
+            <a:spLocks noGrp="1"/>
+          </p:cNvSpPr>
+          <p:nvPr>
+            <p:ph idx="1"/>
+          </p:nvPr>
+        </p:nvSpPr>
+        <p:spPr>
+          <a:xfrm>
+            <a:off x="457200" y="1600201"/>
+            <a:ext cx="8229600" cy="533400"/>
+          </a:xfrm>
+        </p:spPr>
+        <p:txBody>
+          <a:bodyPr/>
+          <a:lstStyle/>
+          <a:p>
+            <a:pPr marL="0" indent="0" algn="ctr">
+              <a:buNone/>
+            </a:pPr>
+            <a:r>
+              <a:rPr lang="en-US" dirty="0" smtClean="0"/>
+              <a:t>Are you a </a:t>
+            </a:r>
+            <a:r>
+              <a:rPr lang="en-US" i="1" dirty="0" smtClean="0"/>
+              <a:t>data science</a:t>
+            </a:r>
+            <a:r>
+              <a:rPr lang="en-US" dirty="0" smtClean="0"/>
+              <a:t> learner?</a:t>
+            </a:r>
+            <a:endParaRPr lang="en-US" dirty="0"/>
+          </a:p>
+        </p:txBody>
+      </p:sp>
+      <p:sp>
+        <p:nvSpPr>
+          <p:cNvPr id="4" name="Slide Number Placeholder 3"/>
+          <p:cNvSpPr>
+            <a:spLocks noGrp="1"/>
+          </p:cNvSpPr>
+          <p:nvPr>
+            <p:ph type="sldNum" sz="quarter" idx="12"/>
+          </p:nvPr>
+        </p:nvSpPr>
+        <p:spPr/>
+        <p:txBody>
+          <a:bodyPr/>
+          <a:lstStyle/>
+          <a:p>
+            <a:pPr>
+              <a:defRPr/>
+            </a:pPr>
+            <a:fld id="{CD61FD94-992F-4CB2-AF3E-ECFB9D8DC22A}" type="slidenum">
+              <a:rPr lang="en-US" altLang="en-US" smtClean="0"/>
+              <a:pPr>
+                <a:defRPr/>
+              </a:pPr>
+              <a:t>3</a:t>
+            </a:fld>
+            <a:endParaRPr lang="en-US" altLang="en-US"/>
+          </a:p>
+        </p:txBody>
+      </p:sp>
+      <p:sp>
+        <p:nvSpPr>
+          <p:cNvPr id="5" name="Content Placeholder 2"/>
+          <p:cNvSpPr txBox="1">
+            <a:spLocks/>
+          </p:cNvSpPr>
+          <p:nvPr/>
+        </p:nvSpPr>
+        <p:spPr bwMode="auto">
+          <a:xfrm>
+            <a:off x="457200" y="2049464"/>
+            <a:ext cx="8229600" cy="533400"/>
+          </a:xfrm>
+          <a:prstGeom prst="rect">
+            <a:avLst/>
+          </a:prstGeom>
+          <a:noFill/>
+          <a:ln>
+            <a:noFill/>
+          </a:ln>
+          <a:effectLst/>
+          <a:extLst>
+            <a:ext uri="{909E8E84-426E-40DD-AFC4-6F175D3DCCD1}">
+              <a14:hiddenFill xmlns:a14="http://schemas.microsoft.com/office/drawing/2010/main">
+                <a:solidFill>
+                  <a:schemeClr val="accent1"/>
+                </a:solidFill>
+              </a14:hiddenFill>
+            </a:ext>
+            <a:ext uri="{91240B29-F687-4F45-9708-019B960494DF}">
+              <a14:hiddenLine xmlns:a14="http://schemas.microsoft.com/office/drawing/2010/main" w="9525">
+                <a:solidFill>
+                  <a:schemeClr val="tx1"/>
+                </a:solidFill>
+                <a:miter lim="800000"/>
+                <a:headEnd/>
+                <a:tailEnd/>
+              </a14:hiddenLine>
+            </a:ext>
+            <a:ext uri="{AF507438-7753-43E0-B8FC-AC1667EBCBE1}">
+              <a14:hiddenEffects xmlns:a14="http://schemas.microsoft.com/office/drawing/2010/main">
+                <a:effectLst>
+                  <a:outerShdw dist="35921" dir="2700000" algn="ctr" rotWithShape="0">
+                    <a:schemeClr val="bg2"/>
+                  </a:outerShdw>
+                </a:effectLst>
+              </a14:hiddenEffects>
+            </a:ext>
+          </a:extLst>
+        </p:spPr>
+        <p:txBody>
+          <a:bodyPr vert="horz" wrap="square" lIns="91440" tIns="45720" rIns="91440" bIns="45720" numCol="1" anchor="t" anchorCtr="0" compatLnSpc="1">
+            <a:prstTxWarp prst="textNoShape">
+              <a:avLst/>
+            </a:prstTxWarp>
+          </a:bodyPr>
+          <a:lstStyle>
+            <a:lvl1pPr marL="342900" indent="-342900" algn="l" rtl="0" eaLnBrk="0" fontAlgn="base" hangingPunct="0">
+              <a:spcBef>
+                <a:spcPct val="20000"/>
+              </a:spcBef>
+              <a:spcAft>
+                <a:spcPct val="0"/>
+              </a:spcAft>
+              <a:buChar char="•"/>
+              <a:defRPr sz="2800">
+                <a:solidFill>
+                  <a:schemeClr val="tx1"/>
+                </a:solidFill>
+                <a:latin typeface="Corbel" pitchFamily="34" charset="0"/>
+                <a:ea typeface="+mn-ea"/>
+                <a:cs typeface="Calibri" pitchFamily="34" charset="0"/>
+              </a:defRPr>
+            </a:lvl1pPr>
+            <a:lvl2pPr marL="742950" indent="-285750" algn="l" rtl="0" eaLnBrk="0" fontAlgn="base" hangingPunct="0">
+              <a:spcBef>
+                <a:spcPct val="20000"/>
+              </a:spcBef>
+              <a:spcAft>
+                <a:spcPct val="0"/>
+              </a:spcAft>
+              <a:buChar char="–"/>
+              <a:defRPr sz="2400">
+                <a:solidFill>
+                  <a:schemeClr val="tx1"/>
+                </a:solidFill>
+                <a:latin typeface="Corbel" pitchFamily="34" charset="0"/>
+                <a:cs typeface="Calibri" pitchFamily="34" charset="0"/>
+              </a:defRPr>
+            </a:lvl2pPr>
+            <a:lvl3pPr marL="1143000" indent="-228600" algn="l" rtl="0" eaLnBrk="0" fontAlgn="base" hangingPunct="0">
+              <a:spcBef>
+                <a:spcPct val="20000"/>
+              </a:spcBef>
+              <a:spcAft>
+                <a:spcPct val="0"/>
+              </a:spcAft>
+              <a:buChar char="•"/>
+              <a:defRPr sz="2000">
+                <a:solidFill>
+                  <a:schemeClr val="tx1"/>
+                </a:solidFill>
+                <a:latin typeface="Corbel" pitchFamily="34" charset="0"/>
+                <a:cs typeface="Calibri" pitchFamily="34" charset="0"/>
+              </a:defRPr>
+            </a:lvl3pPr>
+            <a:lvl4pPr marL="1600200" indent="-228600" algn="l" rtl="0" eaLnBrk="0" fontAlgn="base" hangingPunct="0">
+              <a:spcBef>
+                <a:spcPct val="20000"/>
+              </a:spcBef>
+              <a:spcAft>
+                <a:spcPct val="0"/>
+              </a:spcAft>
+              <a:buChar char="–"/>
+              <a:defRPr sz="1800">
+                <a:solidFill>
+                  <a:schemeClr val="tx1"/>
+                </a:solidFill>
+                <a:latin typeface="Corbel" pitchFamily="34" charset="0"/>
+                <a:cs typeface="Calibri" pitchFamily="34" charset="0"/>
+              </a:defRPr>
+            </a:lvl4pPr>
+            <a:lvl5pPr marL="2057400" indent="-228600" algn="l" rtl="0" eaLnBrk="0" fontAlgn="base" hangingPunct="0">
+              <a:spcBef>
+                <a:spcPct val="20000"/>
+              </a:spcBef>
+              <a:spcAft>
+                <a:spcPct val="0"/>
+              </a:spcAft>
+              <a:buChar char="»"/>
+              <a:defRPr sz="1800">
+                <a:solidFill>
+                  <a:schemeClr val="tx1"/>
+                </a:solidFill>
+                <a:latin typeface="Corbel" pitchFamily="34" charset="0"/>
+                <a:cs typeface="Calibri" pitchFamily="34" charset="0"/>
+              </a:defRPr>
+            </a:lvl5pPr>
+            <a:lvl6pPr marL="2514600" indent="-228600" algn="l" rtl="0" fontAlgn="base">
+              <a:spcBef>
+                <a:spcPct val="20000"/>
+              </a:spcBef>
+              <a:spcAft>
+                <a:spcPct val="0"/>
+              </a:spcAft>
+              <a:buChar char="»"/>
+              <a:defRPr sz="2000">
+                <a:solidFill>
+                  <a:schemeClr val="tx1"/>
+                </a:solidFill>
+                <a:latin typeface="+mn-lt"/>
+              </a:defRPr>
+            </a:lvl6pPr>
+            <a:lvl7pPr marL="2971800" indent="-228600" algn="l" rtl="0" fontAlgn="base">
+              <a:spcBef>
+                <a:spcPct val="20000"/>
+              </a:spcBef>
+              <a:spcAft>
+                <a:spcPct val="0"/>
+              </a:spcAft>
+              <a:buChar char="»"/>
+              <a:defRPr sz="2000">
+                <a:solidFill>
+                  <a:schemeClr val="tx1"/>
+                </a:solidFill>
+                <a:latin typeface="+mn-lt"/>
+              </a:defRPr>
+            </a:lvl7pPr>
+            <a:lvl8pPr marL="3429000" indent="-228600" algn="l" rtl="0" fontAlgn="base">
+              <a:spcBef>
+                <a:spcPct val="20000"/>
+              </a:spcBef>
+              <a:spcAft>
+                <a:spcPct val="0"/>
+              </a:spcAft>
+              <a:buChar char="»"/>
+              <a:defRPr sz="2000">
+                <a:solidFill>
+                  <a:schemeClr val="tx1"/>
+                </a:solidFill>
+                <a:latin typeface="+mn-lt"/>
+              </a:defRPr>
+            </a:lvl8pPr>
+            <a:lvl9pPr marL="3886200" indent="-228600" algn="l" rtl="0" fontAlgn="base">
+              <a:spcBef>
+                <a:spcPct val="20000"/>
+              </a:spcBef>
+              <a:spcAft>
+                <a:spcPct val="0"/>
+              </a:spcAft>
+              <a:buChar char="»"/>
+              <a:defRPr sz="2000">
+                <a:solidFill>
+                  <a:schemeClr val="tx1"/>
+                </a:solidFill>
+                <a:latin typeface="+mn-lt"/>
+              </a:defRPr>
+            </a:lvl9pPr>
+          </a:lstStyle>
+          <a:p>
+            <a:pPr marL="0" indent="0" algn="ctr">
+              <a:buFontTx/>
+              <a:buNone/>
+            </a:pPr>
+            <a:r>
+              <a:rPr lang="en-US" i="1" kern="0" dirty="0" smtClean="0"/>
+              <a:t>…quantitative reasoning…</a:t>
+            </a:r>
+            <a:endParaRPr lang="en-US" kern="0" dirty="0"/>
+          </a:p>
+        </p:txBody>
+      </p:sp>
+      <p:sp>
+        <p:nvSpPr>
+          <p:cNvPr id="6" name="Content Placeholder 2"/>
+          <p:cNvSpPr txBox="1">
+            <a:spLocks/>
+          </p:cNvSpPr>
+          <p:nvPr/>
+        </p:nvSpPr>
+        <p:spPr bwMode="auto">
+          <a:xfrm>
+            <a:off x="457200" y="3032127"/>
+            <a:ext cx="8229600" cy="533400"/>
+          </a:xfrm>
+          <a:prstGeom prst="rect">
+            <a:avLst/>
+          </a:prstGeom>
+          <a:noFill/>
+          <a:ln>
+            <a:noFill/>
+          </a:ln>
+          <a:effectLst/>
+          <a:extLst>
+            <a:ext uri="{909E8E84-426E-40DD-AFC4-6F175D3DCCD1}">
+              <a14:hiddenFill xmlns:a14="http://schemas.microsoft.com/office/drawing/2010/main">
+                <a:solidFill>
+                  <a:schemeClr val="accent1"/>
+                </a:solidFill>
+              </a14:hiddenFill>
+            </a:ext>
+            <a:ext uri="{91240B29-F687-4F45-9708-019B960494DF}">
+              <a14:hiddenLine xmlns:a14="http://schemas.microsoft.com/office/drawing/2010/main" w="9525">
+                <a:solidFill>
+                  <a:schemeClr val="tx1"/>
+                </a:solidFill>
+                <a:miter lim="800000"/>
+                <a:headEnd/>
+                <a:tailEnd/>
+              </a14:hiddenLine>
+            </a:ext>
+            <a:ext uri="{AF507438-7753-43E0-B8FC-AC1667EBCBE1}">
+              <a14:hiddenEffects xmlns:a14="http://schemas.microsoft.com/office/drawing/2010/main">
+                <a:effectLst>
+                  <a:outerShdw dist="35921" dir="2700000" algn="ctr" rotWithShape="0">
+                    <a:schemeClr val="bg2"/>
+                  </a:outerShdw>
+                </a:effectLst>
+              </a14:hiddenEffects>
+            </a:ext>
+          </a:extLst>
+        </p:spPr>
+        <p:txBody>
+          <a:bodyPr vert="horz" wrap="square" lIns="91440" tIns="45720" rIns="91440" bIns="45720" numCol="1" anchor="t" anchorCtr="0" compatLnSpc="1">
+            <a:prstTxWarp prst="textNoShape">
+              <a:avLst/>
+            </a:prstTxWarp>
+          </a:bodyPr>
+          <a:lstStyle>
+            <a:lvl1pPr marL="342900" indent="-342900" algn="l" rtl="0" eaLnBrk="0" fontAlgn="base" hangingPunct="0">
+              <a:spcBef>
+                <a:spcPct val="20000"/>
+              </a:spcBef>
+              <a:spcAft>
+                <a:spcPct val="0"/>
+              </a:spcAft>
+              <a:buChar char="•"/>
+              <a:defRPr sz="2800">
+                <a:solidFill>
+                  <a:schemeClr val="tx1"/>
+                </a:solidFill>
+                <a:latin typeface="Corbel" pitchFamily="34" charset="0"/>
+                <a:ea typeface="+mn-ea"/>
+                <a:cs typeface="Calibri" pitchFamily="34" charset="0"/>
+              </a:defRPr>
+            </a:lvl1pPr>
+            <a:lvl2pPr marL="742950" indent="-285750" algn="l" rtl="0" eaLnBrk="0" fontAlgn="base" hangingPunct="0">
+              <a:spcBef>
+                <a:spcPct val="20000"/>
+              </a:spcBef>
+              <a:spcAft>
+                <a:spcPct val="0"/>
+              </a:spcAft>
+              <a:buChar char="–"/>
+              <a:defRPr sz="2400">
+                <a:solidFill>
+                  <a:schemeClr val="tx1"/>
+                </a:solidFill>
+                <a:latin typeface="Corbel" pitchFamily="34" charset="0"/>
+                <a:cs typeface="Calibri" pitchFamily="34" charset="0"/>
+              </a:defRPr>
+            </a:lvl2pPr>
+            <a:lvl3pPr marL="1143000" indent="-228600" algn="l" rtl="0" eaLnBrk="0" fontAlgn="base" hangingPunct="0">
+              <a:spcBef>
+                <a:spcPct val="20000"/>
+              </a:spcBef>
+              <a:spcAft>
+                <a:spcPct val="0"/>
+              </a:spcAft>
+              <a:buChar char="•"/>
+              <a:defRPr sz="2000">
+                <a:solidFill>
+                  <a:schemeClr val="tx1"/>
+                </a:solidFill>
+                <a:latin typeface="Corbel" pitchFamily="34" charset="0"/>
+                <a:cs typeface="Calibri" pitchFamily="34" charset="0"/>
+              </a:defRPr>
+            </a:lvl3pPr>
+            <a:lvl4pPr marL="1600200" indent="-228600" algn="l" rtl="0" eaLnBrk="0" fontAlgn="base" hangingPunct="0">
+              <a:spcBef>
+                <a:spcPct val="20000"/>
+              </a:spcBef>
+              <a:spcAft>
+                <a:spcPct val="0"/>
+              </a:spcAft>
+              <a:buChar char="–"/>
+              <a:defRPr sz="1800">
+                <a:solidFill>
+                  <a:schemeClr val="tx1"/>
+                </a:solidFill>
+                <a:latin typeface="Corbel" pitchFamily="34" charset="0"/>
+                <a:cs typeface="Calibri" pitchFamily="34" charset="0"/>
+              </a:defRPr>
+            </a:lvl4pPr>
+            <a:lvl5pPr marL="2057400" indent="-228600" algn="l" rtl="0" eaLnBrk="0" fontAlgn="base" hangingPunct="0">
+              <a:spcBef>
+                <a:spcPct val="20000"/>
+              </a:spcBef>
+              <a:spcAft>
+                <a:spcPct val="0"/>
+              </a:spcAft>
+              <a:buChar char="»"/>
+              <a:defRPr sz="1800">
+                <a:solidFill>
+                  <a:schemeClr val="tx1"/>
+                </a:solidFill>
+                <a:latin typeface="Corbel" pitchFamily="34" charset="0"/>
+                <a:cs typeface="Calibri" pitchFamily="34" charset="0"/>
+              </a:defRPr>
+            </a:lvl5pPr>
+            <a:lvl6pPr marL="2514600" indent="-228600" algn="l" rtl="0" fontAlgn="base">
+              <a:spcBef>
+                <a:spcPct val="20000"/>
+              </a:spcBef>
+              <a:spcAft>
+                <a:spcPct val="0"/>
+              </a:spcAft>
+              <a:buChar char="»"/>
+              <a:defRPr sz="2000">
+                <a:solidFill>
+                  <a:schemeClr val="tx1"/>
+                </a:solidFill>
+                <a:latin typeface="+mn-lt"/>
+              </a:defRPr>
+            </a:lvl6pPr>
+            <a:lvl7pPr marL="2971800" indent="-228600" algn="l" rtl="0" fontAlgn="base">
+              <a:spcBef>
+                <a:spcPct val="20000"/>
+              </a:spcBef>
+              <a:spcAft>
+                <a:spcPct val="0"/>
+              </a:spcAft>
+              <a:buChar char="»"/>
+              <a:defRPr sz="2000">
+                <a:solidFill>
+                  <a:schemeClr val="tx1"/>
+                </a:solidFill>
+                <a:latin typeface="+mn-lt"/>
+              </a:defRPr>
+            </a:lvl7pPr>
+            <a:lvl8pPr marL="3429000" indent="-228600" algn="l" rtl="0" fontAlgn="base">
+              <a:spcBef>
+                <a:spcPct val="20000"/>
+              </a:spcBef>
+              <a:spcAft>
+                <a:spcPct val="0"/>
+              </a:spcAft>
+              <a:buChar char="»"/>
+              <a:defRPr sz="2000">
+                <a:solidFill>
+                  <a:schemeClr val="tx1"/>
+                </a:solidFill>
+                <a:latin typeface="+mn-lt"/>
+              </a:defRPr>
+            </a:lvl8pPr>
+            <a:lvl9pPr marL="3886200" indent="-228600" algn="l" rtl="0" fontAlgn="base">
+              <a:spcBef>
+                <a:spcPct val="20000"/>
+              </a:spcBef>
+              <a:spcAft>
+                <a:spcPct val="0"/>
+              </a:spcAft>
+              <a:buChar char="»"/>
+              <a:defRPr sz="2000">
+                <a:solidFill>
+                  <a:schemeClr val="tx1"/>
+                </a:solidFill>
+                <a:latin typeface="+mn-lt"/>
+              </a:defRPr>
+            </a:lvl9pPr>
+          </a:lstStyle>
+          <a:p>
+            <a:pPr marL="0" indent="0" algn="ctr">
+              <a:buFontTx/>
+              <a:buNone/>
+            </a:pPr>
+            <a:r>
+              <a:rPr lang="en-US" kern="0" dirty="0" smtClean="0"/>
+              <a:t>…</a:t>
+            </a:r>
+            <a:r>
+              <a:rPr lang="en-US" i="1" kern="0" dirty="0" smtClean="0"/>
+              <a:t>statistical computing</a:t>
+            </a:r>
+            <a:r>
+              <a:rPr lang="en-US" kern="0" dirty="0" smtClean="0"/>
+              <a:t>…</a:t>
+            </a:r>
+            <a:endParaRPr lang="en-US" kern="0" dirty="0"/>
+          </a:p>
+        </p:txBody>
+      </p:sp>
+      <p:sp>
+        <p:nvSpPr>
+          <p:cNvPr id="7" name="Content Placeholder 2"/>
+          <p:cNvSpPr txBox="1">
+            <a:spLocks/>
+          </p:cNvSpPr>
+          <p:nvPr/>
+        </p:nvSpPr>
+        <p:spPr bwMode="auto">
+          <a:xfrm>
+            <a:off x="457200" y="3579382"/>
+            <a:ext cx="8229600" cy="533400"/>
+          </a:xfrm>
+          <a:prstGeom prst="rect">
+            <a:avLst/>
+          </a:prstGeom>
+          <a:noFill/>
+          <a:ln>
+            <a:noFill/>
+          </a:ln>
+          <a:effectLst/>
+          <a:extLst>
+            <a:ext uri="{909E8E84-426E-40DD-AFC4-6F175D3DCCD1}">
+              <a14:hiddenFill xmlns:a14="http://schemas.microsoft.com/office/drawing/2010/main">
+                <a:solidFill>
+                  <a:schemeClr val="accent1"/>
+                </a:solidFill>
+              </a14:hiddenFill>
+            </a:ext>
+            <a:ext uri="{91240B29-F687-4F45-9708-019B960494DF}">
+              <a14:hiddenLine xmlns:a14="http://schemas.microsoft.com/office/drawing/2010/main" w="9525">
+                <a:solidFill>
+                  <a:schemeClr val="tx1"/>
+                </a:solidFill>
+                <a:miter lim="800000"/>
+                <a:headEnd/>
+                <a:tailEnd/>
+              </a14:hiddenLine>
+            </a:ext>
+            <a:ext uri="{AF507438-7753-43E0-B8FC-AC1667EBCBE1}">
+              <a14:hiddenEffects xmlns:a14="http://schemas.microsoft.com/office/drawing/2010/main">
+                <a:effectLst>
+                  <a:outerShdw dist="35921" dir="2700000" algn="ctr" rotWithShape="0">
+                    <a:schemeClr val="bg2"/>
+                  </a:outerShdw>
+                </a:effectLst>
+              </a14:hiddenEffects>
+            </a:ext>
+          </a:extLst>
+        </p:spPr>
+        <p:txBody>
+          <a:bodyPr vert="horz" wrap="square" lIns="91440" tIns="45720" rIns="91440" bIns="45720" numCol="1" anchor="t" anchorCtr="0" compatLnSpc="1">
+            <a:prstTxWarp prst="textNoShape">
+              <a:avLst/>
+            </a:prstTxWarp>
+          </a:bodyPr>
+          <a:lstStyle>
+            <a:lvl1pPr marL="342900" indent="-342900" algn="l" rtl="0" eaLnBrk="0" fontAlgn="base" hangingPunct="0">
+              <a:spcBef>
+                <a:spcPct val="20000"/>
+              </a:spcBef>
+              <a:spcAft>
+                <a:spcPct val="0"/>
+              </a:spcAft>
+              <a:buChar char="•"/>
+              <a:defRPr sz="2800">
+                <a:solidFill>
+                  <a:schemeClr val="tx1"/>
+                </a:solidFill>
+                <a:latin typeface="Corbel" pitchFamily="34" charset="0"/>
+                <a:ea typeface="+mn-ea"/>
+                <a:cs typeface="Calibri" pitchFamily="34" charset="0"/>
+              </a:defRPr>
+            </a:lvl1pPr>
+            <a:lvl2pPr marL="742950" indent="-285750" algn="l" rtl="0" eaLnBrk="0" fontAlgn="base" hangingPunct="0">
+              <a:spcBef>
+                <a:spcPct val="20000"/>
+              </a:spcBef>
+              <a:spcAft>
+                <a:spcPct val="0"/>
+              </a:spcAft>
+              <a:buChar char="–"/>
+              <a:defRPr sz="2400">
+                <a:solidFill>
+                  <a:schemeClr val="tx1"/>
+                </a:solidFill>
+                <a:latin typeface="Corbel" pitchFamily="34" charset="0"/>
+                <a:cs typeface="Calibri" pitchFamily="34" charset="0"/>
+              </a:defRPr>
+            </a:lvl2pPr>
+            <a:lvl3pPr marL="1143000" indent="-228600" algn="l" rtl="0" eaLnBrk="0" fontAlgn="base" hangingPunct="0">
+              <a:spcBef>
+                <a:spcPct val="20000"/>
+              </a:spcBef>
+              <a:spcAft>
+                <a:spcPct val="0"/>
+              </a:spcAft>
+              <a:buChar char="•"/>
+              <a:defRPr sz="2000">
+                <a:solidFill>
+                  <a:schemeClr val="tx1"/>
+                </a:solidFill>
+                <a:latin typeface="Corbel" pitchFamily="34" charset="0"/>
+                <a:cs typeface="Calibri" pitchFamily="34" charset="0"/>
+              </a:defRPr>
+            </a:lvl3pPr>
+            <a:lvl4pPr marL="1600200" indent="-228600" algn="l" rtl="0" eaLnBrk="0" fontAlgn="base" hangingPunct="0">
+              <a:spcBef>
+                <a:spcPct val="20000"/>
+              </a:spcBef>
+              <a:spcAft>
+                <a:spcPct val="0"/>
+              </a:spcAft>
+              <a:buChar char="–"/>
+              <a:defRPr sz="1800">
+                <a:solidFill>
+                  <a:schemeClr val="tx1"/>
+                </a:solidFill>
+                <a:latin typeface="Corbel" pitchFamily="34" charset="0"/>
+                <a:cs typeface="Calibri" pitchFamily="34" charset="0"/>
+              </a:defRPr>
+            </a:lvl4pPr>
+            <a:lvl5pPr marL="2057400" indent="-228600" algn="l" rtl="0" eaLnBrk="0" fontAlgn="base" hangingPunct="0">
+              <a:spcBef>
+                <a:spcPct val="20000"/>
+              </a:spcBef>
+              <a:spcAft>
+                <a:spcPct val="0"/>
+              </a:spcAft>
+              <a:buChar char="»"/>
+              <a:defRPr sz="1800">
+                <a:solidFill>
+                  <a:schemeClr val="tx1"/>
+                </a:solidFill>
+                <a:latin typeface="Corbel" pitchFamily="34" charset="0"/>
+                <a:cs typeface="Calibri" pitchFamily="34" charset="0"/>
+              </a:defRPr>
+            </a:lvl5pPr>
+            <a:lvl6pPr marL="2514600" indent="-228600" algn="l" rtl="0" fontAlgn="base">
+              <a:spcBef>
+                <a:spcPct val="20000"/>
+              </a:spcBef>
+              <a:spcAft>
+                <a:spcPct val="0"/>
+              </a:spcAft>
+              <a:buChar char="»"/>
+              <a:defRPr sz="2000">
+                <a:solidFill>
+                  <a:schemeClr val="tx1"/>
+                </a:solidFill>
+                <a:latin typeface="+mn-lt"/>
+              </a:defRPr>
+            </a:lvl6pPr>
+            <a:lvl7pPr marL="2971800" indent="-228600" algn="l" rtl="0" fontAlgn="base">
+              <a:spcBef>
+                <a:spcPct val="20000"/>
+              </a:spcBef>
+              <a:spcAft>
+                <a:spcPct val="0"/>
+              </a:spcAft>
+              <a:buChar char="»"/>
+              <a:defRPr sz="2000">
+                <a:solidFill>
+                  <a:schemeClr val="tx1"/>
+                </a:solidFill>
+                <a:latin typeface="+mn-lt"/>
+              </a:defRPr>
+            </a:lvl7pPr>
+            <a:lvl8pPr marL="3429000" indent="-228600" algn="l" rtl="0" fontAlgn="base">
+              <a:spcBef>
+                <a:spcPct val="20000"/>
+              </a:spcBef>
+              <a:spcAft>
+                <a:spcPct val="0"/>
+              </a:spcAft>
+              <a:buChar char="»"/>
+              <a:defRPr sz="2000">
+                <a:solidFill>
+                  <a:schemeClr val="tx1"/>
+                </a:solidFill>
+                <a:latin typeface="+mn-lt"/>
+              </a:defRPr>
+            </a:lvl8pPr>
+            <a:lvl9pPr marL="3886200" indent="-228600" algn="l" rtl="0" fontAlgn="base">
+              <a:spcBef>
+                <a:spcPct val="20000"/>
+              </a:spcBef>
+              <a:spcAft>
+                <a:spcPct val="0"/>
+              </a:spcAft>
+              <a:buChar char="»"/>
+              <a:defRPr sz="2000">
+                <a:solidFill>
+                  <a:schemeClr val="tx1"/>
+                </a:solidFill>
+                <a:latin typeface="+mn-lt"/>
+              </a:defRPr>
+            </a:lvl9pPr>
+          </a:lstStyle>
+          <a:p>
+            <a:pPr marL="0" indent="0" algn="ctr">
+              <a:buFontTx/>
+              <a:buNone/>
+            </a:pPr>
+            <a:r>
+              <a:rPr lang="en-US" kern="0" dirty="0" smtClean="0"/>
+              <a:t>…</a:t>
+            </a:r>
+            <a:r>
+              <a:rPr lang="en-US" i="1" kern="0" dirty="0" smtClean="0"/>
+              <a:t>applied math</a:t>
+            </a:r>
+            <a:r>
+              <a:rPr lang="en-US" kern="0" dirty="0" smtClean="0"/>
+              <a:t>…</a:t>
+            </a:r>
+            <a:endParaRPr lang="en-US" kern="0" dirty="0"/>
+          </a:p>
+        </p:txBody>
+      </p:sp>
+      <p:sp>
+        <p:nvSpPr>
+          <p:cNvPr id="8" name="Content Placeholder 2"/>
+          <p:cNvSpPr txBox="1">
+            <a:spLocks/>
+          </p:cNvSpPr>
+          <p:nvPr/>
+        </p:nvSpPr>
+        <p:spPr bwMode="auto">
+          <a:xfrm>
+            <a:off x="422564" y="4084494"/>
+            <a:ext cx="8229600" cy="533400"/>
+          </a:xfrm>
+          <a:prstGeom prst="rect">
+            <a:avLst/>
+          </a:prstGeom>
+          <a:noFill/>
+          <a:ln>
+            <a:noFill/>
+          </a:ln>
+          <a:effectLst/>
+          <a:extLst>
+            <a:ext uri="{909E8E84-426E-40DD-AFC4-6F175D3DCCD1}">
+              <a14:hiddenFill xmlns:a14="http://schemas.microsoft.com/office/drawing/2010/main">
+                <a:solidFill>
+                  <a:schemeClr val="accent1"/>
+                </a:solidFill>
+              </a14:hiddenFill>
+            </a:ext>
+            <a:ext uri="{91240B29-F687-4F45-9708-019B960494DF}">
+              <a14:hiddenLine xmlns:a14="http://schemas.microsoft.com/office/drawing/2010/main" w="9525">
+                <a:solidFill>
+                  <a:schemeClr val="tx1"/>
+                </a:solidFill>
+                <a:miter lim="800000"/>
+                <a:headEnd/>
+                <a:tailEnd/>
+              </a14:hiddenLine>
+            </a:ext>
+            <a:ext uri="{AF507438-7753-43E0-B8FC-AC1667EBCBE1}">
+              <a14:hiddenEffects xmlns:a14="http://schemas.microsoft.com/office/drawing/2010/main">
+                <a:effectLst>
+                  <a:outerShdw dist="35921" dir="2700000" algn="ctr" rotWithShape="0">
+                    <a:schemeClr val="bg2"/>
+                  </a:outerShdw>
+                </a:effectLst>
+              </a14:hiddenEffects>
+            </a:ext>
+          </a:extLst>
+        </p:spPr>
+        <p:txBody>
+          <a:bodyPr vert="horz" wrap="square" lIns="91440" tIns="45720" rIns="91440" bIns="45720" numCol="1" anchor="t" anchorCtr="0" compatLnSpc="1">
+            <a:prstTxWarp prst="textNoShape">
+              <a:avLst/>
+            </a:prstTxWarp>
+          </a:bodyPr>
+          <a:lstStyle>
+            <a:lvl1pPr marL="342900" indent="-342900" algn="l" rtl="0" eaLnBrk="0" fontAlgn="base" hangingPunct="0">
+              <a:spcBef>
+                <a:spcPct val="20000"/>
+              </a:spcBef>
+              <a:spcAft>
+                <a:spcPct val="0"/>
+              </a:spcAft>
+              <a:buChar char="•"/>
+              <a:defRPr sz="2800">
+                <a:solidFill>
+                  <a:schemeClr val="tx1"/>
+                </a:solidFill>
+                <a:latin typeface="Corbel" pitchFamily="34" charset="0"/>
+                <a:ea typeface="+mn-ea"/>
+                <a:cs typeface="Calibri" pitchFamily="34" charset="0"/>
+              </a:defRPr>
+            </a:lvl1pPr>
+            <a:lvl2pPr marL="742950" indent="-285750" algn="l" rtl="0" eaLnBrk="0" fontAlgn="base" hangingPunct="0">
+              <a:spcBef>
+                <a:spcPct val="20000"/>
+              </a:spcBef>
+              <a:spcAft>
+                <a:spcPct val="0"/>
+              </a:spcAft>
+              <a:buChar char="–"/>
+              <a:defRPr sz="2400">
+                <a:solidFill>
+                  <a:schemeClr val="tx1"/>
+                </a:solidFill>
+                <a:latin typeface="Corbel" pitchFamily="34" charset="0"/>
+                <a:cs typeface="Calibri" pitchFamily="34" charset="0"/>
+              </a:defRPr>
+            </a:lvl2pPr>
+            <a:lvl3pPr marL="1143000" indent="-228600" algn="l" rtl="0" eaLnBrk="0" fontAlgn="base" hangingPunct="0">
+              <a:spcBef>
+                <a:spcPct val="20000"/>
+              </a:spcBef>
+              <a:spcAft>
+                <a:spcPct val="0"/>
+              </a:spcAft>
+              <a:buChar char="•"/>
+              <a:defRPr sz="2000">
+                <a:solidFill>
+                  <a:schemeClr val="tx1"/>
+                </a:solidFill>
+                <a:latin typeface="Corbel" pitchFamily="34" charset="0"/>
+                <a:cs typeface="Calibri" pitchFamily="34" charset="0"/>
+              </a:defRPr>
+            </a:lvl3pPr>
+            <a:lvl4pPr marL="1600200" indent="-228600" algn="l" rtl="0" eaLnBrk="0" fontAlgn="base" hangingPunct="0">
+              <a:spcBef>
+                <a:spcPct val="20000"/>
+              </a:spcBef>
+              <a:spcAft>
+                <a:spcPct val="0"/>
+              </a:spcAft>
+              <a:buChar char="–"/>
+              <a:defRPr sz="1800">
+                <a:solidFill>
+                  <a:schemeClr val="tx1"/>
+                </a:solidFill>
+                <a:latin typeface="Corbel" pitchFamily="34" charset="0"/>
+                <a:cs typeface="Calibri" pitchFamily="34" charset="0"/>
+              </a:defRPr>
+            </a:lvl4pPr>
+            <a:lvl5pPr marL="2057400" indent="-228600" algn="l" rtl="0" eaLnBrk="0" fontAlgn="base" hangingPunct="0">
+              <a:spcBef>
+                <a:spcPct val="20000"/>
+              </a:spcBef>
+              <a:spcAft>
+                <a:spcPct val="0"/>
+              </a:spcAft>
+              <a:buChar char="»"/>
+              <a:defRPr sz="1800">
+                <a:solidFill>
+                  <a:schemeClr val="tx1"/>
+                </a:solidFill>
+                <a:latin typeface="Corbel" pitchFamily="34" charset="0"/>
+                <a:cs typeface="Calibri" pitchFamily="34" charset="0"/>
+              </a:defRPr>
+            </a:lvl5pPr>
+            <a:lvl6pPr marL="2514600" indent="-228600" algn="l" rtl="0" fontAlgn="base">
+              <a:spcBef>
+                <a:spcPct val="20000"/>
+              </a:spcBef>
+              <a:spcAft>
+                <a:spcPct val="0"/>
+              </a:spcAft>
+              <a:buChar char="»"/>
+              <a:defRPr sz="2000">
+                <a:solidFill>
+                  <a:schemeClr val="tx1"/>
+                </a:solidFill>
+                <a:latin typeface="+mn-lt"/>
+              </a:defRPr>
+            </a:lvl6pPr>
+            <a:lvl7pPr marL="2971800" indent="-228600" algn="l" rtl="0" fontAlgn="base">
+              <a:spcBef>
+                <a:spcPct val="20000"/>
+              </a:spcBef>
+              <a:spcAft>
+                <a:spcPct val="0"/>
+              </a:spcAft>
+              <a:buChar char="»"/>
+              <a:defRPr sz="2000">
+                <a:solidFill>
+                  <a:schemeClr val="tx1"/>
+                </a:solidFill>
+                <a:latin typeface="+mn-lt"/>
+              </a:defRPr>
+            </a:lvl7pPr>
+            <a:lvl8pPr marL="3429000" indent="-228600" algn="l" rtl="0" fontAlgn="base">
+              <a:spcBef>
+                <a:spcPct val="20000"/>
+              </a:spcBef>
+              <a:spcAft>
+                <a:spcPct val="0"/>
+              </a:spcAft>
+              <a:buChar char="»"/>
+              <a:defRPr sz="2000">
+                <a:solidFill>
+                  <a:schemeClr val="tx1"/>
+                </a:solidFill>
+                <a:latin typeface="+mn-lt"/>
+              </a:defRPr>
+            </a:lvl8pPr>
+            <a:lvl9pPr marL="3886200" indent="-228600" algn="l" rtl="0" fontAlgn="base">
+              <a:spcBef>
+                <a:spcPct val="20000"/>
+              </a:spcBef>
+              <a:spcAft>
+                <a:spcPct val="0"/>
+              </a:spcAft>
+              <a:buChar char="»"/>
+              <a:defRPr sz="2000">
+                <a:solidFill>
+                  <a:schemeClr val="tx1"/>
+                </a:solidFill>
+                <a:latin typeface="+mn-lt"/>
+              </a:defRPr>
+            </a:lvl9pPr>
+          </a:lstStyle>
+          <a:p>
+            <a:pPr marL="0" indent="0" algn="ctr">
+              <a:buFontTx/>
+              <a:buNone/>
+            </a:pPr>
+            <a:r>
+              <a:rPr lang="en-US" kern="0" dirty="0" smtClean="0"/>
+              <a:t>…</a:t>
+            </a:r>
+            <a:r>
+              <a:rPr lang="en-US" i="1" kern="0" dirty="0" smtClean="0"/>
+              <a:t>business intelligence</a:t>
+            </a:r>
+            <a:r>
+              <a:rPr lang="en-US" kern="0" dirty="0" smtClean="0"/>
+              <a:t>…</a:t>
+            </a:r>
+            <a:endParaRPr lang="en-US" kern="0" dirty="0"/>
+          </a:p>
+        </p:txBody>
+      </p:sp>
+      <p:sp>
+        <p:nvSpPr>
+          <p:cNvPr id="9" name="Content Placeholder 2"/>
+          <p:cNvSpPr txBox="1">
+            <a:spLocks/>
+          </p:cNvSpPr>
+          <p:nvPr/>
+        </p:nvSpPr>
+        <p:spPr bwMode="auto">
+          <a:xfrm>
+            <a:off x="422564" y="4603318"/>
+            <a:ext cx="8229600" cy="533400"/>
+          </a:xfrm>
+          <a:prstGeom prst="rect">
+            <a:avLst/>
+          </a:prstGeom>
+          <a:noFill/>
+          <a:ln>
+            <a:noFill/>
+          </a:ln>
+          <a:effectLst/>
+          <a:extLst>
+            <a:ext uri="{909E8E84-426E-40DD-AFC4-6F175D3DCCD1}">
+              <a14:hiddenFill xmlns:a14="http://schemas.microsoft.com/office/drawing/2010/main">
+                <a:solidFill>
+                  <a:schemeClr val="accent1"/>
+                </a:solidFill>
+              </a14:hiddenFill>
+            </a:ext>
+            <a:ext uri="{91240B29-F687-4F45-9708-019B960494DF}">
+              <a14:hiddenLine xmlns:a14="http://schemas.microsoft.com/office/drawing/2010/main" w="9525">
+                <a:solidFill>
+                  <a:schemeClr val="tx1"/>
+                </a:solidFill>
+                <a:miter lim="800000"/>
+                <a:headEnd/>
+                <a:tailEnd/>
+              </a14:hiddenLine>
+            </a:ext>
+            <a:ext uri="{AF507438-7753-43E0-B8FC-AC1667EBCBE1}">
+              <a14:hiddenEffects xmlns:a14="http://schemas.microsoft.com/office/drawing/2010/main">
+                <a:effectLst>
+                  <a:outerShdw dist="35921" dir="2700000" algn="ctr" rotWithShape="0">
+                    <a:schemeClr val="bg2"/>
+                  </a:outerShdw>
+                </a:effectLst>
+              </a14:hiddenEffects>
+            </a:ext>
+          </a:extLst>
+        </p:spPr>
+        <p:txBody>
+          <a:bodyPr vert="horz" wrap="square" lIns="91440" tIns="45720" rIns="91440" bIns="45720" numCol="1" anchor="t" anchorCtr="0" compatLnSpc="1">
+            <a:prstTxWarp prst="textNoShape">
+              <a:avLst/>
+            </a:prstTxWarp>
+          </a:bodyPr>
+          <a:lstStyle>
+            <a:lvl1pPr marL="342900" indent="-342900" algn="l" rtl="0" eaLnBrk="0" fontAlgn="base" hangingPunct="0">
+              <a:spcBef>
+                <a:spcPct val="20000"/>
+              </a:spcBef>
+              <a:spcAft>
+                <a:spcPct val="0"/>
+              </a:spcAft>
+              <a:buChar char="•"/>
+              <a:defRPr sz="2800">
+                <a:solidFill>
+                  <a:schemeClr val="tx1"/>
+                </a:solidFill>
+                <a:latin typeface="Corbel" pitchFamily="34" charset="0"/>
+                <a:ea typeface="+mn-ea"/>
+                <a:cs typeface="Calibri" pitchFamily="34" charset="0"/>
+              </a:defRPr>
+            </a:lvl1pPr>
+            <a:lvl2pPr marL="742950" indent="-285750" algn="l" rtl="0" eaLnBrk="0" fontAlgn="base" hangingPunct="0">
+              <a:spcBef>
+                <a:spcPct val="20000"/>
+              </a:spcBef>
+              <a:spcAft>
+                <a:spcPct val="0"/>
+              </a:spcAft>
+              <a:buChar char="–"/>
+              <a:defRPr sz="2400">
+                <a:solidFill>
+                  <a:schemeClr val="tx1"/>
+                </a:solidFill>
+                <a:latin typeface="Corbel" pitchFamily="34" charset="0"/>
+                <a:cs typeface="Calibri" pitchFamily="34" charset="0"/>
+              </a:defRPr>
+            </a:lvl2pPr>
+            <a:lvl3pPr marL="1143000" indent="-228600" algn="l" rtl="0" eaLnBrk="0" fontAlgn="base" hangingPunct="0">
+              <a:spcBef>
+                <a:spcPct val="20000"/>
+              </a:spcBef>
+              <a:spcAft>
+                <a:spcPct val="0"/>
+              </a:spcAft>
+              <a:buChar char="•"/>
+              <a:defRPr sz="2000">
+                <a:solidFill>
+                  <a:schemeClr val="tx1"/>
+                </a:solidFill>
+                <a:latin typeface="Corbel" pitchFamily="34" charset="0"/>
+                <a:cs typeface="Calibri" pitchFamily="34" charset="0"/>
+              </a:defRPr>
+            </a:lvl3pPr>
+            <a:lvl4pPr marL="1600200" indent="-228600" algn="l" rtl="0" eaLnBrk="0" fontAlgn="base" hangingPunct="0">
+              <a:spcBef>
+                <a:spcPct val="20000"/>
+              </a:spcBef>
+              <a:spcAft>
+                <a:spcPct val="0"/>
+              </a:spcAft>
+              <a:buChar char="–"/>
+              <a:defRPr sz="1800">
+                <a:solidFill>
+                  <a:schemeClr val="tx1"/>
+                </a:solidFill>
+                <a:latin typeface="Corbel" pitchFamily="34" charset="0"/>
+                <a:cs typeface="Calibri" pitchFamily="34" charset="0"/>
+              </a:defRPr>
+            </a:lvl4pPr>
+            <a:lvl5pPr marL="2057400" indent="-228600" algn="l" rtl="0" eaLnBrk="0" fontAlgn="base" hangingPunct="0">
+              <a:spcBef>
+                <a:spcPct val="20000"/>
+              </a:spcBef>
+              <a:spcAft>
+                <a:spcPct val="0"/>
+              </a:spcAft>
+              <a:buChar char="»"/>
+              <a:defRPr sz="1800">
+                <a:solidFill>
+                  <a:schemeClr val="tx1"/>
+                </a:solidFill>
+                <a:latin typeface="Corbel" pitchFamily="34" charset="0"/>
+                <a:cs typeface="Calibri" pitchFamily="34" charset="0"/>
+              </a:defRPr>
+            </a:lvl5pPr>
+            <a:lvl6pPr marL="2514600" indent="-228600" algn="l" rtl="0" fontAlgn="base">
+              <a:spcBef>
+                <a:spcPct val="20000"/>
+              </a:spcBef>
+              <a:spcAft>
+                <a:spcPct val="0"/>
+              </a:spcAft>
+              <a:buChar char="»"/>
+              <a:defRPr sz="2000">
+                <a:solidFill>
+                  <a:schemeClr val="tx1"/>
+                </a:solidFill>
+                <a:latin typeface="+mn-lt"/>
+              </a:defRPr>
+            </a:lvl6pPr>
+            <a:lvl7pPr marL="2971800" indent="-228600" algn="l" rtl="0" fontAlgn="base">
+              <a:spcBef>
+                <a:spcPct val="20000"/>
+              </a:spcBef>
+              <a:spcAft>
+                <a:spcPct val="0"/>
+              </a:spcAft>
+              <a:buChar char="»"/>
+              <a:defRPr sz="2000">
+                <a:solidFill>
+                  <a:schemeClr val="tx1"/>
+                </a:solidFill>
+                <a:latin typeface="+mn-lt"/>
+              </a:defRPr>
+            </a:lvl7pPr>
+            <a:lvl8pPr marL="3429000" indent="-228600" algn="l" rtl="0" fontAlgn="base">
+              <a:spcBef>
+                <a:spcPct val="20000"/>
+              </a:spcBef>
+              <a:spcAft>
+                <a:spcPct val="0"/>
+              </a:spcAft>
+              <a:buChar char="»"/>
+              <a:defRPr sz="2000">
+                <a:solidFill>
+                  <a:schemeClr val="tx1"/>
+                </a:solidFill>
+                <a:latin typeface="+mn-lt"/>
+              </a:defRPr>
+            </a:lvl8pPr>
+            <a:lvl9pPr marL="3886200" indent="-228600" algn="l" rtl="0" fontAlgn="base">
+              <a:spcBef>
+                <a:spcPct val="20000"/>
+              </a:spcBef>
+              <a:spcAft>
+                <a:spcPct val="0"/>
+              </a:spcAft>
+              <a:buChar char="»"/>
+              <a:defRPr sz="2000">
+                <a:solidFill>
+                  <a:schemeClr val="tx1"/>
+                </a:solidFill>
+                <a:latin typeface="+mn-lt"/>
+              </a:defRPr>
+            </a:lvl9pPr>
+          </a:lstStyle>
+          <a:p>
+            <a:pPr marL="0" indent="0" algn="ctr">
+              <a:buFontTx/>
+              <a:buNone/>
+            </a:pPr>
+            <a:r>
+              <a:rPr lang="en-US" kern="0" dirty="0" smtClean="0"/>
+              <a:t>…</a:t>
+            </a:r>
+            <a:r>
+              <a:rPr lang="en-US" i="1" kern="0" dirty="0" smtClean="0"/>
+              <a:t>predictive analytics</a:t>
+            </a:r>
+            <a:r>
+              <a:rPr lang="en-US" kern="0" dirty="0" smtClean="0"/>
+              <a:t>…</a:t>
+            </a:r>
+            <a:endParaRPr lang="en-US" kern="0" dirty="0"/>
+          </a:p>
+        </p:txBody>
+      </p:sp>
+      <p:sp>
+        <p:nvSpPr>
+          <p:cNvPr id="10" name="Content Placeholder 2"/>
+          <p:cNvSpPr txBox="1">
+            <a:spLocks/>
+          </p:cNvSpPr>
+          <p:nvPr/>
+        </p:nvSpPr>
+        <p:spPr bwMode="auto">
+          <a:xfrm>
+            <a:off x="408709" y="5087071"/>
+            <a:ext cx="8229600" cy="533400"/>
+          </a:xfrm>
+          <a:prstGeom prst="rect">
+            <a:avLst/>
+          </a:prstGeom>
+          <a:noFill/>
+          <a:ln>
+            <a:noFill/>
+          </a:ln>
+          <a:effectLst/>
+          <a:extLst>
+            <a:ext uri="{909E8E84-426E-40DD-AFC4-6F175D3DCCD1}">
+              <a14:hiddenFill xmlns:a14="http://schemas.microsoft.com/office/drawing/2010/main">
+                <a:solidFill>
+                  <a:schemeClr val="accent1"/>
+                </a:solidFill>
+              </a14:hiddenFill>
+            </a:ext>
+            <a:ext uri="{91240B29-F687-4F45-9708-019B960494DF}">
+              <a14:hiddenLine xmlns:a14="http://schemas.microsoft.com/office/drawing/2010/main" w="9525">
+                <a:solidFill>
+                  <a:schemeClr val="tx1"/>
+                </a:solidFill>
+                <a:miter lim="800000"/>
+                <a:headEnd/>
+                <a:tailEnd/>
+              </a14:hiddenLine>
+            </a:ext>
+            <a:ext uri="{AF507438-7753-43E0-B8FC-AC1667EBCBE1}">
+              <a14:hiddenEffects xmlns:a14="http://schemas.microsoft.com/office/drawing/2010/main">
+                <a:effectLst>
+                  <a:outerShdw dist="35921" dir="2700000" algn="ctr" rotWithShape="0">
+                    <a:schemeClr val="bg2"/>
+                  </a:outerShdw>
+                </a:effectLst>
+              </a14:hiddenEffects>
+            </a:ext>
+          </a:extLst>
+        </p:spPr>
+        <p:txBody>
+          <a:bodyPr vert="horz" wrap="square" lIns="91440" tIns="45720" rIns="91440" bIns="45720" numCol="1" anchor="t" anchorCtr="0" compatLnSpc="1">
+            <a:prstTxWarp prst="textNoShape">
+              <a:avLst/>
+            </a:prstTxWarp>
+          </a:bodyPr>
+          <a:lstStyle>
+            <a:lvl1pPr marL="342900" indent="-342900" algn="l" rtl="0" eaLnBrk="0" fontAlgn="base" hangingPunct="0">
+              <a:spcBef>
+                <a:spcPct val="20000"/>
+              </a:spcBef>
+              <a:spcAft>
+                <a:spcPct val="0"/>
+              </a:spcAft>
+              <a:buChar char="•"/>
+              <a:defRPr sz="2800">
+                <a:solidFill>
+                  <a:schemeClr val="tx1"/>
+                </a:solidFill>
+                <a:latin typeface="Corbel" pitchFamily="34" charset="0"/>
+                <a:ea typeface="+mn-ea"/>
+                <a:cs typeface="Calibri" pitchFamily="34" charset="0"/>
+              </a:defRPr>
+            </a:lvl1pPr>
+            <a:lvl2pPr marL="742950" indent="-285750" algn="l" rtl="0" eaLnBrk="0" fontAlgn="base" hangingPunct="0">
+              <a:spcBef>
+                <a:spcPct val="20000"/>
+              </a:spcBef>
+              <a:spcAft>
+                <a:spcPct val="0"/>
+              </a:spcAft>
+              <a:buChar char="–"/>
+              <a:defRPr sz="2400">
+                <a:solidFill>
+                  <a:schemeClr val="tx1"/>
+                </a:solidFill>
+                <a:latin typeface="Corbel" pitchFamily="34" charset="0"/>
+                <a:cs typeface="Calibri" pitchFamily="34" charset="0"/>
+              </a:defRPr>
+            </a:lvl2pPr>
+            <a:lvl3pPr marL="1143000" indent="-228600" algn="l" rtl="0" eaLnBrk="0" fontAlgn="base" hangingPunct="0">
+              <a:spcBef>
+                <a:spcPct val="20000"/>
+              </a:spcBef>
+              <a:spcAft>
+                <a:spcPct val="0"/>
+              </a:spcAft>
+              <a:buChar char="•"/>
+              <a:defRPr sz="2000">
+                <a:solidFill>
+                  <a:schemeClr val="tx1"/>
+                </a:solidFill>
+                <a:latin typeface="Corbel" pitchFamily="34" charset="0"/>
+                <a:cs typeface="Calibri" pitchFamily="34" charset="0"/>
+              </a:defRPr>
+            </a:lvl3pPr>
+            <a:lvl4pPr marL="1600200" indent="-228600" algn="l" rtl="0" eaLnBrk="0" fontAlgn="base" hangingPunct="0">
+              <a:spcBef>
+                <a:spcPct val="20000"/>
+              </a:spcBef>
+              <a:spcAft>
+                <a:spcPct val="0"/>
+              </a:spcAft>
+              <a:buChar char="–"/>
+              <a:defRPr sz="1800">
+                <a:solidFill>
+                  <a:schemeClr val="tx1"/>
+                </a:solidFill>
+                <a:latin typeface="Corbel" pitchFamily="34" charset="0"/>
+                <a:cs typeface="Calibri" pitchFamily="34" charset="0"/>
+              </a:defRPr>
+            </a:lvl4pPr>
+            <a:lvl5pPr marL="2057400" indent="-228600" algn="l" rtl="0" eaLnBrk="0" fontAlgn="base" hangingPunct="0">
+              <a:spcBef>
+                <a:spcPct val="20000"/>
+              </a:spcBef>
+              <a:spcAft>
+                <a:spcPct val="0"/>
+              </a:spcAft>
+              <a:buChar char="»"/>
+              <a:defRPr sz="1800">
+                <a:solidFill>
+                  <a:schemeClr val="tx1"/>
+                </a:solidFill>
+                <a:latin typeface="Corbel" pitchFamily="34" charset="0"/>
+                <a:cs typeface="Calibri" pitchFamily="34" charset="0"/>
+              </a:defRPr>
+            </a:lvl5pPr>
+            <a:lvl6pPr marL="2514600" indent="-228600" algn="l" rtl="0" fontAlgn="base">
+              <a:spcBef>
+                <a:spcPct val="20000"/>
+              </a:spcBef>
+              <a:spcAft>
+                <a:spcPct val="0"/>
+              </a:spcAft>
+              <a:buChar char="»"/>
+              <a:defRPr sz="2000">
+                <a:solidFill>
+                  <a:schemeClr val="tx1"/>
+                </a:solidFill>
+                <a:latin typeface="+mn-lt"/>
+              </a:defRPr>
+            </a:lvl6pPr>
+            <a:lvl7pPr marL="2971800" indent="-228600" algn="l" rtl="0" fontAlgn="base">
+              <a:spcBef>
+                <a:spcPct val="20000"/>
+              </a:spcBef>
+              <a:spcAft>
+                <a:spcPct val="0"/>
+              </a:spcAft>
+              <a:buChar char="»"/>
+              <a:defRPr sz="2000">
+                <a:solidFill>
+                  <a:schemeClr val="tx1"/>
+                </a:solidFill>
+                <a:latin typeface="+mn-lt"/>
+              </a:defRPr>
+            </a:lvl7pPr>
+            <a:lvl8pPr marL="3429000" indent="-228600" algn="l" rtl="0" fontAlgn="base">
+              <a:spcBef>
+                <a:spcPct val="20000"/>
+              </a:spcBef>
+              <a:spcAft>
+                <a:spcPct val="0"/>
+              </a:spcAft>
+              <a:buChar char="»"/>
+              <a:defRPr sz="2000">
+                <a:solidFill>
+                  <a:schemeClr val="tx1"/>
+                </a:solidFill>
+                <a:latin typeface="+mn-lt"/>
+              </a:defRPr>
+            </a:lvl8pPr>
+            <a:lvl9pPr marL="3886200" indent="-228600" algn="l" rtl="0" fontAlgn="base">
+              <a:spcBef>
+                <a:spcPct val="20000"/>
+              </a:spcBef>
+              <a:spcAft>
+                <a:spcPct val="0"/>
+              </a:spcAft>
+              <a:buChar char="»"/>
+              <a:defRPr sz="2000">
+                <a:solidFill>
+                  <a:schemeClr val="tx1"/>
+                </a:solidFill>
+                <a:latin typeface="+mn-lt"/>
+              </a:defRPr>
+            </a:lvl9pPr>
+          </a:lstStyle>
+          <a:p>
+            <a:pPr marL="0" indent="0" algn="ctr">
+              <a:buFontTx/>
+              <a:buNone/>
+            </a:pPr>
+            <a:r>
+              <a:rPr lang="en-US" i="1" kern="0" dirty="0" smtClean="0"/>
+              <a:t>…decision support modeling</a:t>
+            </a:r>
+            <a:r>
+              <a:rPr lang="en-US" kern="0" dirty="0" smtClean="0"/>
+              <a:t>…</a:t>
+            </a:r>
+            <a:endParaRPr lang="en-US" kern="0" dirty="0"/>
+          </a:p>
+        </p:txBody>
+      </p:sp>
+      <p:sp>
+        <p:nvSpPr>
+          <p:cNvPr id="11" name="Content Placeholder 2"/>
+          <p:cNvSpPr txBox="1">
+            <a:spLocks/>
+          </p:cNvSpPr>
+          <p:nvPr/>
+        </p:nvSpPr>
+        <p:spPr bwMode="auto">
+          <a:xfrm>
+            <a:off x="408709" y="5665357"/>
+            <a:ext cx="8229600" cy="533400"/>
+          </a:xfrm>
+          <a:prstGeom prst="rect">
+            <a:avLst/>
+          </a:prstGeom>
+          <a:noFill/>
+          <a:ln>
+            <a:noFill/>
+          </a:ln>
+          <a:effectLst/>
+          <a:extLst>
+            <a:ext uri="{909E8E84-426E-40DD-AFC4-6F175D3DCCD1}">
+              <a14:hiddenFill xmlns:a14="http://schemas.microsoft.com/office/drawing/2010/main">
+                <a:solidFill>
+                  <a:schemeClr val="accent1"/>
+                </a:solidFill>
+              </a14:hiddenFill>
+            </a:ext>
+            <a:ext uri="{91240B29-F687-4F45-9708-019B960494DF}">
+              <a14:hiddenLine xmlns:a14="http://schemas.microsoft.com/office/drawing/2010/main" w="9525">
+                <a:solidFill>
+                  <a:schemeClr val="tx1"/>
+                </a:solidFill>
+                <a:miter lim="800000"/>
+                <a:headEnd/>
+                <a:tailEnd/>
+              </a14:hiddenLine>
+            </a:ext>
+            <a:ext uri="{AF507438-7753-43E0-B8FC-AC1667EBCBE1}">
+              <a14:hiddenEffects xmlns:a14="http://schemas.microsoft.com/office/drawing/2010/main">
+                <a:effectLst>
+                  <a:outerShdw dist="35921" dir="2700000" algn="ctr" rotWithShape="0">
+                    <a:schemeClr val="bg2"/>
+                  </a:outerShdw>
+                </a:effectLst>
+              </a14:hiddenEffects>
+            </a:ext>
+          </a:extLst>
+        </p:spPr>
+        <p:txBody>
+          <a:bodyPr vert="horz" wrap="square" lIns="91440" tIns="45720" rIns="91440" bIns="45720" numCol="1" anchor="t" anchorCtr="0" compatLnSpc="1">
+            <a:prstTxWarp prst="textNoShape">
+              <a:avLst/>
+            </a:prstTxWarp>
+          </a:bodyPr>
+          <a:lstStyle>
+            <a:lvl1pPr marL="342900" indent="-342900" algn="l" rtl="0" eaLnBrk="0" fontAlgn="base" hangingPunct="0">
+              <a:spcBef>
+                <a:spcPct val="20000"/>
+              </a:spcBef>
+              <a:spcAft>
+                <a:spcPct val="0"/>
+              </a:spcAft>
+              <a:buChar char="•"/>
+              <a:defRPr sz="2800">
+                <a:solidFill>
+                  <a:schemeClr val="tx1"/>
+                </a:solidFill>
+                <a:latin typeface="Corbel" pitchFamily="34" charset="0"/>
+                <a:ea typeface="+mn-ea"/>
+                <a:cs typeface="Calibri" pitchFamily="34" charset="0"/>
+              </a:defRPr>
+            </a:lvl1pPr>
+            <a:lvl2pPr marL="742950" indent="-285750" algn="l" rtl="0" eaLnBrk="0" fontAlgn="base" hangingPunct="0">
+              <a:spcBef>
+                <a:spcPct val="20000"/>
+              </a:spcBef>
+              <a:spcAft>
+                <a:spcPct val="0"/>
+              </a:spcAft>
+              <a:buChar char="–"/>
+              <a:defRPr sz="2400">
+                <a:solidFill>
+                  <a:schemeClr val="tx1"/>
+                </a:solidFill>
+                <a:latin typeface="Corbel" pitchFamily="34" charset="0"/>
+                <a:cs typeface="Calibri" pitchFamily="34" charset="0"/>
+              </a:defRPr>
+            </a:lvl2pPr>
+            <a:lvl3pPr marL="1143000" indent="-228600" algn="l" rtl="0" eaLnBrk="0" fontAlgn="base" hangingPunct="0">
+              <a:spcBef>
+                <a:spcPct val="20000"/>
+              </a:spcBef>
+              <a:spcAft>
+                <a:spcPct val="0"/>
+              </a:spcAft>
+              <a:buChar char="•"/>
+              <a:defRPr sz="2000">
+                <a:solidFill>
+                  <a:schemeClr val="tx1"/>
+                </a:solidFill>
+                <a:latin typeface="Corbel" pitchFamily="34" charset="0"/>
+                <a:cs typeface="Calibri" pitchFamily="34" charset="0"/>
+              </a:defRPr>
+            </a:lvl3pPr>
+            <a:lvl4pPr marL="1600200" indent="-228600" algn="l" rtl="0" eaLnBrk="0" fontAlgn="base" hangingPunct="0">
+              <a:spcBef>
+                <a:spcPct val="20000"/>
+              </a:spcBef>
+              <a:spcAft>
+                <a:spcPct val="0"/>
+              </a:spcAft>
+              <a:buChar char="–"/>
+              <a:defRPr sz="1800">
+                <a:solidFill>
+                  <a:schemeClr val="tx1"/>
+                </a:solidFill>
+                <a:latin typeface="Corbel" pitchFamily="34" charset="0"/>
+                <a:cs typeface="Calibri" pitchFamily="34" charset="0"/>
+              </a:defRPr>
+            </a:lvl4pPr>
+            <a:lvl5pPr marL="2057400" indent="-228600" algn="l" rtl="0" eaLnBrk="0" fontAlgn="base" hangingPunct="0">
+              <a:spcBef>
+                <a:spcPct val="20000"/>
+              </a:spcBef>
+              <a:spcAft>
+                <a:spcPct val="0"/>
+              </a:spcAft>
+              <a:buChar char="»"/>
+              <a:defRPr sz="1800">
+                <a:solidFill>
+                  <a:schemeClr val="tx1"/>
+                </a:solidFill>
+                <a:latin typeface="Corbel" pitchFamily="34" charset="0"/>
+                <a:cs typeface="Calibri" pitchFamily="34" charset="0"/>
+              </a:defRPr>
+            </a:lvl5pPr>
+            <a:lvl6pPr marL="2514600" indent="-228600" algn="l" rtl="0" fontAlgn="base">
+              <a:spcBef>
+                <a:spcPct val="20000"/>
+              </a:spcBef>
+              <a:spcAft>
+                <a:spcPct val="0"/>
+              </a:spcAft>
+              <a:buChar char="»"/>
+              <a:defRPr sz="2000">
+                <a:solidFill>
+                  <a:schemeClr val="tx1"/>
+                </a:solidFill>
+                <a:latin typeface="+mn-lt"/>
+              </a:defRPr>
+            </a:lvl6pPr>
+            <a:lvl7pPr marL="2971800" indent="-228600" algn="l" rtl="0" fontAlgn="base">
+              <a:spcBef>
+                <a:spcPct val="20000"/>
+              </a:spcBef>
+              <a:spcAft>
+                <a:spcPct val="0"/>
+              </a:spcAft>
+              <a:buChar char="»"/>
+              <a:defRPr sz="2000">
+                <a:solidFill>
+                  <a:schemeClr val="tx1"/>
+                </a:solidFill>
+                <a:latin typeface="+mn-lt"/>
+              </a:defRPr>
+            </a:lvl7pPr>
+            <a:lvl8pPr marL="3429000" indent="-228600" algn="l" rtl="0" fontAlgn="base">
+              <a:spcBef>
+                <a:spcPct val="20000"/>
+              </a:spcBef>
+              <a:spcAft>
+                <a:spcPct val="0"/>
+              </a:spcAft>
+              <a:buChar char="»"/>
+              <a:defRPr sz="2000">
+                <a:solidFill>
+                  <a:schemeClr val="tx1"/>
+                </a:solidFill>
+                <a:latin typeface="+mn-lt"/>
+              </a:defRPr>
+            </a:lvl8pPr>
+            <a:lvl9pPr marL="3886200" indent="-228600" algn="l" rtl="0" fontAlgn="base">
+              <a:spcBef>
+                <a:spcPct val="20000"/>
+              </a:spcBef>
+              <a:spcAft>
+                <a:spcPct val="0"/>
+              </a:spcAft>
+              <a:buChar char="»"/>
+              <a:defRPr sz="2000">
+                <a:solidFill>
+                  <a:schemeClr val="tx1"/>
+                </a:solidFill>
+                <a:latin typeface="+mn-lt"/>
+              </a:defRPr>
+            </a:lvl9pPr>
+          </a:lstStyle>
+          <a:p>
+            <a:pPr marL="0" indent="0" algn="ctr">
+              <a:buFontTx/>
+              <a:buNone/>
+            </a:pPr>
+            <a:r>
+              <a:rPr lang="en-US" i="1" kern="0" dirty="0" smtClean="0"/>
+              <a:t>…artificial intelligence</a:t>
+            </a:r>
+            <a:r>
+              <a:rPr lang="en-US" kern="0" dirty="0" smtClean="0"/>
+              <a:t>…</a:t>
+            </a:r>
+            <a:endParaRPr lang="en-US" kern="0" dirty="0"/>
+          </a:p>
+        </p:txBody>
+      </p:sp>
+      <p:sp>
+        <p:nvSpPr>
+          <p:cNvPr id="12" name="Content Placeholder 2"/>
+          <p:cNvSpPr txBox="1">
+            <a:spLocks/>
+          </p:cNvSpPr>
+          <p:nvPr/>
+        </p:nvSpPr>
+        <p:spPr bwMode="auto">
+          <a:xfrm>
+            <a:off x="457200" y="2491655"/>
+            <a:ext cx="8229600" cy="533400"/>
+          </a:xfrm>
+          <a:prstGeom prst="rect">
+            <a:avLst/>
+          </a:prstGeom>
+          <a:noFill/>
+          <a:ln>
+            <a:noFill/>
+          </a:ln>
+          <a:effectLst/>
+          <a:extLst>
+            <a:ext uri="{909E8E84-426E-40DD-AFC4-6F175D3DCCD1}">
+              <a14:hiddenFill xmlns:a14="http://schemas.microsoft.com/office/drawing/2010/main">
+                <a:solidFill>
+                  <a:schemeClr val="accent1"/>
+                </a:solidFill>
+              </a14:hiddenFill>
+            </a:ext>
+            <a:ext uri="{91240B29-F687-4F45-9708-019B960494DF}">
+              <a14:hiddenLine xmlns:a14="http://schemas.microsoft.com/office/drawing/2010/main" w="9525">
+                <a:solidFill>
+                  <a:schemeClr val="tx1"/>
+                </a:solidFill>
+                <a:miter lim="800000"/>
+                <a:headEnd/>
+                <a:tailEnd/>
+              </a14:hiddenLine>
+            </a:ext>
+            <a:ext uri="{AF507438-7753-43E0-B8FC-AC1667EBCBE1}">
+              <a14:hiddenEffects xmlns:a14="http://schemas.microsoft.com/office/drawing/2010/main">
+                <a:effectLst>
+                  <a:outerShdw dist="35921" dir="2700000" algn="ctr" rotWithShape="0">
+                    <a:schemeClr val="bg2"/>
+                  </a:outerShdw>
+                </a:effectLst>
+              </a14:hiddenEffects>
+            </a:ext>
+          </a:extLst>
+        </p:spPr>
+        <p:txBody>
+          <a:bodyPr vert="horz" wrap="square" lIns="91440" tIns="45720" rIns="91440" bIns="45720" numCol="1" anchor="t" anchorCtr="0" compatLnSpc="1">
+            <a:prstTxWarp prst="textNoShape">
+              <a:avLst/>
+            </a:prstTxWarp>
+          </a:bodyPr>
+          <a:lstStyle>
+            <a:lvl1pPr marL="342900" indent="-342900" algn="l" rtl="0" eaLnBrk="0" fontAlgn="base" hangingPunct="0">
+              <a:spcBef>
+                <a:spcPct val="20000"/>
+              </a:spcBef>
+              <a:spcAft>
+                <a:spcPct val="0"/>
+              </a:spcAft>
+              <a:buChar char="•"/>
+              <a:defRPr sz="2800">
+                <a:solidFill>
+                  <a:schemeClr val="tx1"/>
+                </a:solidFill>
+                <a:latin typeface="Corbel" pitchFamily="34" charset="0"/>
+                <a:ea typeface="+mn-ea"/>
+                <a:cs typeface="Calibri" pitchFamily="34" charset="0"/>
+              </a:defRPr>
+            </a:lvl1pPr>
+            <a:lvl2pPr marL="742950" indent="-285750" algn="l" rtl="0" eaLnBrk="0" fontAlgn="base" hangingPunct="0">
+              <a:spcBef>
+                <a:spcPct val="20000"/>
+              </a:spcBef>
+              <a:spcAft>
+                <a:spcPct val="0"/>
+              </a:spcAft>
+              <a:buChar char="–"/>
+              <a:defRPr sz="2400">
+                <a:solidFill>
+                  <a:schemeClr val="tx1"/>
+                </a:solidFill>
+                <a:latin typeface="Corbel" pitchFamily="34" charset="0"/>
+                <a:cs typeface="Calibri" pitchFamily="34" charset="0"/>
+              </a:defRPr>
+            </a:lvl2pPr>
+            <a:lvl3pPr marL="1143000" indent="-228600" algn="l" rtl="0" eaLnBrk="0" fontAlgn="base" hangingPunct="0">
+              <a:spcBef>
+                <a:spcPct val="20000"/>
+              </a:spcBef>
+              <a:spcAft>
+                <a:spcPct val="0"/>
+              </a:spcAft>
+              <a:buChar char="•"/>
+              <a:defRPr sz="2000">
+                <a:solidFill>
+                  <a:schemeClr val="tx1"/>
+                </a:solidFill>
+                <a:latin typeface="Corbel" pitchFamily="34" charset="0"/>
+                <a:cs typeface="Calibri" pitchFamily="34" charset="0"/>
+              </a:defRPr>
+            </a:lvl3pPr>
+            <a:lvl4pPr marL="1600200" indent="-228600" algn="l" rtl="0" eaLnBrk="0" fontAlgn="base" hangingPunct="0">
+              <a:spcBef>
+                <a:spcPct val="20000"/>
+              </a:spcBef>
+              <a:spcAft>
+                <a:spcPct val="0"/>
+              </a:spcAft>
+              <a:buChar char="–"/>
+              <a:defRPr sz="1800">
+                <a:solidFill>
+                  <a:schemeClr val="tx1"/>
+                </a:solidFill>
+                <a:latin typeface="Corbel" pitchFamily="34" charset="0"/>
+                <a:cs typeface="Calibri" pitchFamily="34" charset="0"/>
+              </a:defRPr>
+            </a:lvl4pPr>
+            <a:lvl5pPr marL="2057400" indent="-228600" algn="l" rtl="0" eaLnBrk="0" fontAlgn="base" hangingPunct="0">
+              <a:spcBef>
+                <a:spcPct val="20000"/>
+              </a:spcBef>
+              <a:spcAft>
+                <a:spcPct val="0"/>
+              </a:spcAft>
+              <a:buChar char="»"/>
+              <a:defRPr sz="1800">
+                <a:solidFill>
+                  <a:schemeClr val="tx1"/>
+                </a:solidFill>
+                <a:latin typeface="Corbel" pitchFamily="34" charset="0"/>
+                <a:cs typeface="Calibri" pitchFamily="34" charset="0"/>
+              </a:defRPr>
+            </a:lvl5pPr>
+            <a:lvl6pPr marL="2514600" indent="-228600" algn="l" rtl="0" fontAlgn="base">
+              <a:spcBef>
+                <a:spcPct val="20000"/>
+              </a:spcBef>
+              <a:spcAft>
+                <a:spcPct val="0"/>
+              </a:spcAft>
+              <a:buChar char="»"/>
+              <a:defRPr sz="2000">
+                <a:solidFill>
+                  <a:schemeClr val="tx1"/>
+                </a:solidFill>
+                <a:latin typeface="+mn-lt"/>
+              </a:defRPr>
+            </a:lvl6pPr>
+            <a:lvl7pPr marL="2971800" indent="-228600" algn="l" rtl="0" fontAlgn="base">
+              <a:spcBef>
+                <a:spcPct val="20000"/>
+              </a:spcBef>
+              <a:spcAft>
+                <a:spcPct val="0"/>
+              </a:spcAft>
+              <a:buChar char="»"/>
+              <a:defRPr sz="2000">
+                <a:solidFill>
+                  <a:schemeClr val="tx1"/>
+                </a:solidFill>
+                <a:latin typeface="+mn-lt"/>
+              </a:defRPr>
+            </a:lvl7pPr>
+            <a:lvl8pPr marL="3429000" indent="-228600" algn="l" rtl="0" fontAlgn="base">
+              <a:spcBef>
+                <a:spcPct val="20000"/>
+              </a:spcBef>
+              <a:spcAft>
+                <a:spcPct val="0"/>
+              </a:spcAft>
+              <a:buChar char="»"/>
+              <a:defRPr sz="2000">
+                <a:solidFill>
+                  <a:schemeClr val="tx1"/>
+                </a:solidFill>
+                <a:latin typeface="+mn-lt"/>
+              </a:defRPr>
+            </a:lvl8pPr>
+            <a:lvl9pPr marL="3886200" indent="-228600" algn="l" rtl="0" fontAlgn="base">
+              <a:spcBef>
+                <a:spcPct val="20000"/>
+              </a:spcBef>
+              <a:spcAft>
+                <a:spcPct val="0"/>
+              </a:spcAft>
+              <a:buChar char="»"/>
+              <a:defRPr sz="2000">
+                <a:solidFill>
+                  <a:schemeClr val="tx1"/>
+                </a:solidFill>
+                <a:latin typeface="+mn-lt"/>
+              </a:defRPr>
+            </a:lvl9pPr>
+          </a:lstStyle>
+          <a:p>
+            <a:pPr marL="0" indent="0" algn="ctr">
+              <a:buFontTx/>
+              <a:buNone/>
+            </a:pPr>
+            <a:r>
+              <a:rPr lang="en-US" kern="0" dirty="0" smtClean="0"/>
+              <a:t>…</a:t>
+            </a:r>
+            <a:r>
+              <a:rPr lang="en-US" i="1" kern="0" dirty="0" smtClean="0"/>
+              <a:t>big data</a:t>
+            </a:r>
+            <a:r>
+              <a:rPr lang="en-US" kern="0" dirty="0" smtClean="0"/>
+              <a:t>…</a:t>
+            </a:r>
+            <a:endParaRPr lang="en-US" kern="0" dirty="0"/>
+          </a:p>
+        </p:txBody>
+      </p:sp>
+    </p:spTree>
+    <p:extLst>
+      <p:ext uri="{BB962C8B-B14F-4D97-AF65-F5344CB8AC3E}">
+        <p14:creationId xmlns:p14="http://schemas.microsoft.com/office/powerpoint/2010/main" val="4165262603"/>
+      </p:ext>
+    </p:extLst>
+  </p:cSld>
+  <p:clrMapOvr>
+    <a:masterClrMapping/>
+  </p:clrMapOvr>
+  <p:timing>
+    <p:tnLst>
+      <p:par>
+        <p:cTn id="1" dur="indefinite" restart="never" nodeType="tmRoot">
+          <p:childTnLst>
+            <p:seq concurrent="1" nextAc="seek">
+              <p:cTn id="2" dur="indefinite" nodeType="mainSeq">
+                <p:childTnLst>
+                  <p:par>
+                    <p:cTn id="3" fill="hold">
+                      <p:stCondLst>
+                        <p:cond delay="indefinite"/>
+                        <p:cond evt="onBegin" delay="0">
+                          <p:tn val="2"/>
+                        </p:cond>
+                      </p:stCondLst>
+                      <p:childTnLst>
+                        <p:par>
+                          <p:cTn id="4" fill="hold">
+                            <p:stCondLst>
+                              <p:cond delay="0"/>
+                            </p:stCondLst>
+                            <p:childTnLst>
+                              <p:par>
+                                <p:cTn id="5" presetID="10" presetClass="entr" presetSubtype="0" fill="hold" grpId="0" nodeType="afterEffect">
+                                  <p:stCondLst>
+                                    <p:cond delay="0"/>
+                                  </p:stCondLst>
+                                  <p:childTnLst>
+                                    <p:set>
+                                      <p:cBhvr>
+                                        <p:cTn id="6" dur="1" fill="hold">
+                                          <p:stCondLst>
+                                            <p:cond delay="0"/>
+                                          </p:stCondLst>
+                                        </p:cTn>
+                                        <p:tgtEl>
+                                          <p:spTgt spid="2"/>
+                                        </p:tgtEl>
+                                        <p:attrNameLst>
+                                          <p:attrName>style.visibility</p:attrName>
+                                        </p:attrNameLst>
+                                      </p:cBhvr>
+                                      <p:to>
+                                        <p:strVal val="visible"/>
+                                      </p:to>
+                                    </p:set>
+                                    <p:animEffect transition="in" filter="fade">
+                                      <p:cBhvr>
+                                        <p:cTn id="7" dur="500"/>
+                                        <p:tgtEl>
+                                          <p:spTgt spid="2"/>
+                                        </p:tgtEl>
+                                      </p:cBhvr>
+                                    </p:animEffect>
+                                  </p:childTnLst>
+                                </p:cTn>
+                              </p:par>
+                            </p:childTnLst>
+                          </p:cTn>
+                        </p:par>
+                        <p:par>
+                          <p:cTn id="8" fill="hold">
+                            <p:stCondLst>
+                              <p:cond delay="500"/>
+                            </p:stCondLst>
+                            <p:childTnLst>
+                              <p:par>
+                                <p:cTn id="9" presetID="10" presetClass="entr" presetSubtype="0" fill="hold" grpId="0" nodeType="afterEffect">
+                                  <p:stCondLst>
+                                    <p:cond delay="0"/>
+                                  </p:stCondLst>
+                                  <p:childTnLst>
+                                    <p:set>
+                                      <p:cBhvr>
+                                        <p:cTn id="10" dur="1" fill="hold">
+                                          <p:stCondLst>
+                                            <p:cond delay="0"/>
+                                          </p:stCondLst>
+                                        </p:cTn>
+                                        <p:tgtEl>
+                                          <p:spTgt spid="3">
+                                            <p:txEl>
+                                              <p:pRg st="0" end="0"/>
+                                            </p:txEl>
+                                          </p:spTgt>
+                                        </p:tgtEl>
+                                        <p:attrNameLst>
+                                          <p:attrName>style.visibility</p:attrName>
+                                        </p:attrNameLst>
+                                      </p:cBhvr>
+                                      <p:to>
+                                        <p:strVal val="visible"/>
+                                      </p:to>
+                                    </p:set>
+                                    <p:animEffect transition="in" filter="fade">
+                                      <p:cBhvr>
+                                        <p:cTn id="11" dur="500"/>
+                                        <p:tgtEl>
+                                          <p:spTgt spid="3">
+                                            <p:txEl>
+                                              <p:pRg st="0" end="0"/>
+                                            </p:txEl>
+                                          </p:spTgt>
+                                        </p:tgtEl>
+                                      </p:cBhvr>
+                                    </p:animEffect>
+                                  </p:childTnLst>
+                                </p:cTn>
+                              </p:par>
+                            </p:childTnLst>
+                          </p:cTn>
+                        </p:par>
+                      </p:childTnLst>
+                    </p:cTn>
+                  </p:par>
+                  <p:par>
+                    <p:cTn id="12" fill="hold">
+                      <p:stCondLst>
+                        <p:cond delay="indefinite"/>
+                      </p:stCondLst>
+                      <p:childTnLst>
+                        <p:par>
+                          <p:cTn id="13" fill="hold">
+                            <p:stCondLst>
+                              <p:cond delay="0"/>
+                            </p:stCondLst>
+                            <p:childTnLst>
+                              <p:par>
+                                <p:cTn id="14" presetID="10" presetClass="entr" presetSubtype="0" fill="hold" grpId="0" nodeType="clickEffect">
+                                  <p:stCondLst>
+                                    <p:cond delay="0"/>
+                                  </p:stCondLst>
+                                  <p:childTnLst>
+                                    <p:set>
+                                      <p:cBhvr>
+                                        <p:cTn id="15" dur="1" fill="hold">
+                                          <p:stCondLst>
+                                            <p:cond delay="0"/>
+                                          </p:stCondLst>
+                                        </p:cTn>
+                                        <p:tgtEl>
+                                          <p:spTgt spid="5"/>
+                                        </p:tgtEl>
+                                        <p:attrNameLst>
+                                          <p:attrName>style.visibility</p:attrName>
+                                        </p:attrNameLst>
+                                      </p:cBhvr>
+                                      <p:to>
+                                        <p:strVal val="visible"/>
+                                      </p:to>
+                                    </p:set>
+                                    <p:animEffect transition="in" filter="fade">
+                                      <p:cBhvr>
+                                        <p:cTn id="16" dur="500"/>
+                                        <p:tgtEl>
+                                          <p:spTgt spid="5"/>
+                                        </p:tgtEl>
+                                      </p:cBhvr>
+                                    </p:animEffect>
+                                  </p:childTnLst>
+                                </p:cTn>
+                              </p:par>
+                            </p:childTnLst>
+                          </p:cTn>
+                        </p:par>
+                        <p:par>
+                          <p:cTn id="17" fill="hold">
+                            <p:stCondLst>
+                              <p:cond delay="500"/>
+                            </p:stCondLst>
+                            <p:childTnLst>
+                              <p:par>
+                                <p:cTn id="18" presetID="10" presetClass="entr" presetSubtype="0" fill="hold" grpId="0" nodeType="afterEffect">
+                                  <p:stCondLst>
+                                    <p:cond delay="0"/>
+                                  </p:stCondLst>
+                                  <p:childTnLst>
+                                    <p:set>
+                                      <p:cBhvr>
+                                        <p:cTn id="19" dur="1" fill="hold">
+                                          <p:stCondLst>
+                                            <p:cond delay="0"/>
+                                          </p:stCondLst>
+                                        </p:cTn>
+                                        <p:tgtEl>
+                                          <p:spTgt spid="12"/>
+                                        </p:tgtEl>
+                                        <p:attrNameLst>
+                                          <p:attrName>style.visibility</p:attrName>
+                                        </p:attrNameLst>
+                                      </p:cBhvr>
+                                      <p:to>
+                                        <p:strVal val="visible"/>
+                                      </p:to>
+                                    </p:set>
+                                    <p:animEffect transition="in" filter="fade">
+                                      <p:cBhvr>
+                                        <p:cTn id="20" dur="500"/>
+                                        <p:tgtEl>
+                                          <p:spTgt spid="12"/>
+                                        </p:tgtEl>
+                                      </p:cBhvr>
+                                    </p:animEffect>
+                                  </p:childTnLst>
+                                </p:cTn>
+                              </p:par>
+                            </p:childTnLst>
+                          </p:cTn>
+                        </p:par>
+                        <p:par>
+                          <p:cTn id="21" fill="hold">
+                            <p:stCondLst>
+                              <p:cond delay="1000"/>
+                            </p:stCondLst>
+                            <p:childTnLst>
+                              <p:par>
+                                <p:cTn id="22" presetID="10" presetClass="entr" presetSubtype="0" fill="hold" grpId="0" nodeType="afterEffect">
+                                  <p:stCondLst>
+                                    <p:cond delay="0"/>
+                                  </p:stCondLst>
+                                  <p:childTnLst>
+                                    <p:set>
+                                      <p:cBhvr>
+                                        <p:cTn id="23" dur="1" fill="hold">
+                                          <p:stCondLst>
+                                            <p:cond delay="0"/>
+                                          </p:stCondLst>
+                                        </p:cTn>
+                                        <p:tgtEl>
+                                          <p:spTgt spid="6"/>
+                                        </p:tgtEl>
+                                        <p:attrNameLst>
+                                          <p:attrName>style.visibility</p:attrName>
+                                        </p:attrNameLst>
+                                      </p:cBhvr>
+                                      <p:to>
+                                        <p:strVal val="visible"/>
+                                      </p:to>
+                                    </p:set>
+                                    <p:animEffect transition="in" filter="fade">
+                                      <p:cBhvr>
+                                        <p:cTn id="24" dur="500"/>
+                                        <p:tgtEl>
+                                          <p:spTgt spid="6"/>
+                                        </p:tgtEl>
+                                      </p:cBhvr>
+                                    </p:animEffect>
+                                  </p:childTnLst>
+                                </p:cTn>
+                              </p:par>
+                            </p:childTnLst>
+                          </p:cTn>
+                        </p:par>
+                        <p:par>
+                          <p:cTn id="25" fill="hold">
+                            <p:stCondLst>
+                              <p:cond delay="1500"/>
+                            </p:stCondLst>
+                            <p:childTnLst>
+                              <p:par>
+                                <p:cTn id="26" presetID="10" presetClass="entr" presetSubtype="0" fill="hold" grpId="0" nodeType="afterEffect">
+                                  <p:stCondLst>
+                                    <p:cond delay="0"/>
+                                  </p:stCondLst>
+                                  <p:childTnLst>
+                                    <p:set>
+                                      <p:cBhvr>
+                                        <p:cTn id="27" dur="1" fill="hold">
+                                          <p:stCondLst>
+                                            <p:cond delay="0"/>
+                                          </p:stCondLst>
+                                        </p:cTn>
+                                        <p:tgtEl>
+                                          <p:spTgt spid="7"/>
+                                        </p:tgtEl>
+                                        <p:attrNameLst>
+                                          <p:attrName>style.visibility</p:attrName>
+                                        </p:attrNameLst>
+                                      </p:cBhvr>
+                                      <p:to>
+                                        <p:strVal val="visible"/>
+                                      </p:to>
+                                    </p:set>
+                                    <p:animEffect transition="in" filter="fade">
+                                      <p:cBhvr>
+                                        <p:cTn id="28" dur="500"/>
+                                        <p:tgtEl>
+                                          <p:spTgt spid="7"/>
+                                        </p:tgtEl>
+                                      </p:cBhvr>
+                                    </p:animEffect>
+                                  </p:childTnLst>
+                                </p:cTn>
+                              </p:par>
+                            </p:childTnLst>
+                          </p:cTn>
+                        </p:par>
+                        <p:par>
+                          <p:cTn id="29" fill="hold">
+                            <p:stCondLst>
+                              <p:cond delay="2000"/>
+                            </p:stCondLst>
+                            <p:childTnLst>
+                              <p:par>
+                                <p:cTn id="30" presetID="10" presetClass="entr" presetSubtype="0" fill="hold" grpId="0" nodeType="afterEffect">
+                                  <p:stCondLst>
+                                    <p:cond delay="0"/>
+                                  </p:stCondLst>
+                                  <p:childTnLst>
+                                    <p:set>
+                                      <p:cBhvr>
+                                        <p:cTn id="31" dur="1" fill="hold">
+                                          <p:stCondLst>
+                                            <p:cond delay="0"/>
+                                          </p:stCondLst>
+                                        </p:cTn>
+                                        <p:tgtEl>
+                                          <p:spTgt spid="8"/>
+                                        </p:tgtEl>
+                                        <p:attrNameLst>
+                                          <p:attrName>style.visibility</p:attrName>
+                                        </p:attrNameLst>
+                                      </p:cBhvr>
+                                      <p:to>
+                                        <p:strVal val="visible"/>
+                                      </p:to>
+                                    </p:set>
+                                    <p:animEffect transition="in" filter="fade">
+                                      <p:cBhvr>
+                                        <p:cTn id="32" dur="500"/>
+                                        <p:tgtEl>
+                                          <p:spTgt spid="8"/>
+                                        </p:tgtEl>
+                                      </p:cBhvr>
+                                    </p:animEffect>
+                                  </p:childTnLst>
+                                </p:cTn>
+                              </p:par>
+                            </p:childTnLst>
+                          </p:cTn>
+                        </p:par>
+                        <p:par>
+                          <p:cTn id="33" fill="hold">
+                            <p:stCondLst>
+                              <p:cond delay="2500"/>
+                            </p:stCondLst>
+                            <p:childTnLst>
+                              <p:par>
+                                <p:cTn id="34" presetID="10" presetClass="entr" presetSubtype="0" fill="hold" grpId="0" nodeType="afterEffect">
+                                  <p:stCondLst>
+                                    <p:cond delay="0"/>
+                                  </p:stCondLst>
+                                  <p:childTnLst>
+                                    <p:set>
+                                      <p:cBhvr>
+                                        <p:cTn id="35" dur="1" fill="hold">
+                                          <p:stCondLst>
+                                            <p:cond delay="0"/>
+                                          </p:stCondLst>
+                                        </p:cTn>
+                                        <p:tgtEl>
+                                          <p:spTgt spid="9"/>
+                                        </p:tgtEl>
+                                        <p:attrNameLst>
+                                          <p:attrName>style.visibility</p:attrName>
+                                        </p:attrNameLst>
+                                      </p:cBhvr>
+                                      <p:to>
+                                        <p:strVal val="visible"/>
+                                      </p:to>
+                                    </p:set>
+                                    <p:animEffect transition="in" filter="fade">
+                                      <p:cBhvr>
+                                        <p:cTn id="36" dur="500"/>
+                                        <p:tgtEl>
+                                          <p:spTgt spid="9"/>
+                                        </p:tgtEl>
+                                      </p:cBhvr>
+                                    </p:animEffect>
+                                  </p:childTnLst>
+                                </p:cTn>
+                              </p:par>
+                            </p:childTnLst>
+                          </p:cTn>
+                        </p:par>
+                        <p:par>
+                          <p:cTn id="37" fill="hold">
+                            <p:stCondLst>
+                              <p:cond delay="3000"/>
+                            </p:stCondLst>
+                            <p:childTnLst>
+                              <p:par>
+                                <p:cTn id="38" presetID="10" presetClass="entr" presetSubtype="0" fill="hold" grpId="0" nodeType="afterEffect">
+                                  <p:stCondLst>
+                                    <p:cond delay="0"/>
+                                  </p:stCondLst>
+                                  <p:childTnLst>
+                                    <p:set>
+                                      <p:cBhvr>
+                                        <p:cTn id="39" dur="1" fill="hold">
+                                          <p:stCondLst>
+                                            <p:cond delay="0"/>
+                                          </p:stCondLst>
+                                        </p:cTn>
+                                        <p:tgtEl>
+                                          <p:spTgt spid="10"/>
+                                        </p:tgtEl>
+                                        <p:attrNameLst>
+                                          <p:attrName>style.visibility</p:attrName>
+                                        </p:attrNameLst>
+                                      </p:cBhvr>
+                                      <p:to>
+                                        <p:strVal val="visible"/>
+                                      </p:to>
+                                    </p:set>
+                                    <p:animEffect transition="in" filter="fade">
+                                      <p:cBhvr>
+                                        <p:cTn id="40" dur="500"/>
+                                        <p:tgtEl>
+                                          <p:spTgt spid="10"/>
+                                        </p:tgtEl>
+                                      </p:cBhvr>
+                                    </p:animEffect>
+                                  </p:childTnLst>
+                                </p:cTn>
+                              </p:par>
+                            </p:childTnLst>
+                          </p:cTn>
+                        </p:par>
+                        <p:par>
+                          <p:cTn id="41" fill="hold">
+                            <p:stCondLst>
+                              <p:cond delay="3500"/>
+                            </p:stCondLst>
+                            <p:childTnLst>
+                              <p:par>
+                                <p:cTn id="42" presetID="10" presetClass="entr" presetSubtype="0" fill="hold" grpId="0" nodeType="afterEffect">
+                                  <p:stCondLst>
+                                    <p:cond delay="0"/>
+                                  </p:stCondLst>
+                                  <p:childTnLst>
+                                    <p:set>
+                                      <p:cBhvr>
+                                        <p:cTn id="43" dur="1" fill="hold">
+                                          <p:stCondLst>
+                                            <p:cond delay="0"/>
+                                          </p:stCondLst>
+                                        </p:cTn>
+                                        <p:tgtEl>
+                                          <p:spTgt spid="11"/>
+                                        </p:tgtEl>
+                                        <p:attrNameLst>
+                                          <p:attrName>style.visibility</p:attrName>
+                                        </p:attrNameLst>
+                                      </p:cBhvr>
+                                      <p:to>
+                                        <p:strVal val="visible"/>
+                                      </p:to>
+                                    </p:set>
+                                    <p:animEffect transition="in" filter="fade">
+                                      <p:cBhvr>
+                                        <p:cTn id="44" dur="500"/>
+                                        <p:tgtEl>
+                                          <p:spTgt spid="11"/>
+                                        </p:tgtEl>
+                                      </p:cBhvr>
+                                    </p:animEffect>
+                                  </p:childTnLst>
+                                </p:cTn>
+                              </p:par>
+                            </p:childTnLst>
+                          </p:cTn>
+                        </p:par>
+                      </p:childTnLst>
+                    </p:cTn>
+                  </p:par>
+                </p:childTnLst>
+              </p:cTn>
+              <p:prevCondLst>
+                <p:cond evt="onPrev" delay="0">
+                  <p:tgtEl>
+                    <p:sldTgt/>
+                  </p:tgtEl>
+                </p:cond>
+              </p:prevCondLst>
+              <p:nextCondLst>
+                <p:cond evt="onNext" delay="0">
+                  <p:tgtEl>
+                    <p:sldTgt/>
+                  </p:tgtEl>
+                </p:cond>
+              </p:nextCondLst>
+            </p:seq>
+          </p:childTnLst>
+        </p:cTn>
+      </p:par>
+    </p:tnLst>
+    <p:bldLst>
+      <p:bldP spid="2" grpId="0"/>
+      <p:bldP spid="3" grpId="0" build="p"/>
+      <p:bldP spid="5" grpId="0"/>
+      <p:bldP spid="6" grpId="0"/>
+      <p:bldP spid="7" grpId="0"/>
+      <p:bldP spid="8" grpId="0"/>
+      <p:bldP spid="9" grpId="0"/>
+      <p:bldP spid="10" grpId="0"/>
+      <p:bldP spid="11" grpId="0"/>
+      <p:bldP spid="12" grpId="0"/>
+    </p:bldLst>
+  </p:timing>
+</p:sld>
+</file>
+
+<file path=ppt/slides/slide4.xml><?xml version="1.0" encoding="utf-8"?>
+<p:sld xmlns:a="http://schemas.openxmlformats.org/drawingml/2006/main" xmlns:r="http://schemas.openxmlformats.org/officeDocument/2006/relationships" xmlns:p="http://schemas.openxmlformats.org/presentationml/2006/main">
+  <p:cSld>
+    <p:spTree>
+      <p:nvGrpSpPr>
+        <p:cNvPr id="1" name=""/>
+        <p:cNvGrpSpPr/>
+        <p:nvPr/>
+      </p:nvGrpSpPr>
+      <p:grpSpPr>
+        <a:xfrm>
+          <a:off x="0" y="0"/>
+          <a:ext cx="0" cy="0"/>
+          <a:chOff x="0" y="0"/>
+          <a:chExt cx="0" cy="0"/>
+        </a:xfrm>
+      </p:grpSpPr>
+      <p:sp>
+        <p:nvSpPr>
+          <p:cNvPr id="2" name="Title 1"/>
+          <p:cNvSpPr>
+            <a:spLocks noGrp="1"/>
+          </p:cNvSpPr>
+          <p:nvPr>
+            <p:ph type="title"/>
+          </p:nvPr>
+        </p:nvSpPr>
+        <p:spPr>
+          <a:xfrm>
+            <a:off x="457200" y="2971800"/>
+            <a:ext cx="8229600" cy="1143000"/>
+          </a:xfrm>
+        </p:spPr>
+        <p:txBody>
+          <a:bodyPr/>
+          <a:lstStyle/>
+          <a:p>
+            <a:r>
+              <a:rPr lang="en-US" dirty="0" smtClean="0"/>
+              <a:t>What is Data Science?</a:t>
+            </a:r>
+            <a:endParaRPr lang="en-US" dirty="0"/>
+          </a:p>
+        </p:txBody>
+      </p:sp>
+      <p:sp>
+        <p:nvSpPr>
+          <p:cNvPr id="4" name="Slide Number Placeholder 3"/>
+          <p:cNvSpPr>
+            <a:spLocks noGrp="1"/>
+          </p:cNvSpPr>
+          <p:nvPr>
+            <p:ph type="sldNum" sz="quarter" idx="12"/>
+          </p:nvPr>
+        </p:nvSpPr>
+        <p:spPr/>
+        <p:txBody>
+          <a:bodyPr/>
+          <a:lstStyle/>
+          <a:p>
+            <a:pPr>
+              <a:defRPr/>
+            </a:pPr>
+            <a:fld id="{CD61FD94-992F-4CB2-AF3E-ECFB9D8DC22A}" type="slidenum">
+              <a:rPr lang="en-US" altLang="en-US" smtClean="0"/>
+              <a:pPr>
+                <a:defRPr/>
+              </a:pPr>
+              <a:t>4</a:t>
+            </a:fld>
+            <a:endParaRPr lang="en-US" altLang="en-US"/>
+          </a:p>
+        </p:txBody>
+      </p:sp>
+    </p:spTree>
+    <p:extLst>
+      <p:ext uri="{BB962C8B-B14F-4D97-AF65-F5344CB8AC3E}">
+        <p14:creationId xmlns:p14="http://schemas.microsoft.com/office/powerpoint/2010/main" val="751678628"/>
+      </p:ext>
+    </p:extLst>
+  </p:cSld>
+  <p:clrMapOvr>
+    <a:masterClrMapping/>
+  </p:clrMapOvr>
+  <p:timing>
+    <p:tnLst>
+      <p:par>
+        <p:cTn id="1" dur="indefinite" restart="never" nodeType="tmRoot"/>
+      </p:par>
+    </p:tnLst>
+  </p:timing>
+</p:sld>
+</file>
+
+<file path=ppt/slides/slide5.xml><?xml version="1.0" encoding="utf-8"?>
+<p:sld xmlns:a="http://schemas.openxmlformats.org/drawingml/2006/main" xmlns:r="http://schemas.openxmlformats.org/officeDocument/2006/relationships" xmlns:p="http://schemas.openxmlformats.org/presentationml/2006/main">
+  <p:cSld>
+    <p:spTree>
+      <p:nvGrpSpPr>
+        <p:cNvPr id="1" name=""/>
+        <p:cNvGrpSpPr/>
+        <p:nvPr/>
+      </p:nvGrpSpPr>
+      <p:grpSpPr>
+        <a:xfrm>
+          <a:off x="0" y="0"/>
+          <a:ext cx="0" cy="0"/>
+          <a:chOff x="0" y="0"/>
+          <a:chExt cx="0" cy="0"/>
+        </a:xfrm>
+      </p:grpSpPr>
+      <p:sp>
+        <p:nvSpPr>
+          <p:cNvPr id="2" name="Title 1"/>
+          <p:cNvSpPr>
+            <a:spLocks noGrp="1"/>
+          </p:cNvSpPr>
+          <p:nvPr>
+            <p:ph type="title"/>
+          </p:nvPr>
+        </p:nvSpPr>
+        <p:spPr/>
+        <p:txBody>
+          <a:bodyPr/>
+          <a:lstStyle/>
+          <a:p>
+            <a:r>
+              <a:rPr lang="en-US" sz="2400" dirty="0" smtClean="0"/>
+              <a:t>Curriculum Guidelines for Undergraduate Programs in Data Science (September, 2016)</a:t>
+            </a:r>
+            <a:endParaRPr lang="en-US" sz="2400" dirty="0"/>
+          </a:p>
+        </p:txBody>
+      </p:sp>
+      <p:sp>
+        <p:nvSpPr>
+          <p:cNvPr id="3" name="Content Placeholder 2"/>
+          <p:cNvSpPr>
+            <a:spLocks noGrp="1"/>
+          </p:cNvSpPr>
+          <p:nvPr>
+            <p:ph idx="1"/>
+          </p:nvPr>
+        </p:nvSpPr>
+        <p:spPr/>
+        <p:txBody>
+          <a:bodyPr/>
+          <a:lstStyle/>
+          <a:p>
+            <a:r>
+              <a:rPr lang="en-US" sz="1800" dirty="0" smtClean="0"/>
+              <a:t>Data Science is “the science </a:t>
+            </a:r>
+            <a:r>
+              <a:rPr lang="en-US" sz="1800" dirty="0"/>
+              <a:t>of </a:t>
+            </a:r>
+            <a:r>
+              <a:rPr lang="en-US" sz="1800" dirty="0" smtClean="0"/>
+              <a:t>planning </a:t>
+            </a:r>
+            <a:r>
+              <a:rPr lang="en-US" sz="1800" dirty="0"/>
+              <a:t>for, acquisition, management, analysis of, and inference from data</a:t>
+            </a:r>
+            <a:r>
+              <a:rPr lang="en-US" sz="1800" dirty="0" smtClean="0"/>
+              <a:t>.”</a:t>
+            </a:r>
+          </a:p>
+          <a:p>
+            <a:endParaRPr lang="en-US" sz="1800" dirty="0" smtClean="0"/>
+          </a:p>
+          <a:p>
+            <a:r>
+              <a:rPr lang="en-US" sz="1800" dirty="0" smtClean="0"/>
+              <a:t>Students would demonstrate mastery of skills </a:t>
+            </a:r>
+            <a:r>
+              <a:rPr lang="en-US" sz="1800" dirty="0"/>
+              <a:t>and concepts, including many traditionally associated with the fields </a:t>
+            </a:r>
+            <a:r>
+              <a:rPr lang="en-US" sz="1800" dirty="0" smtClean="0"/>
+              <a:t>of </a:t>
+            </a:r>
+            <a:r>
+              <a:rPr lang="en-US" sz="1800" u="sng" dirty="0" smtClean="0"/>
+              <a:t>Statistics</a:t>
+            </a:r>
+            <a:r>
+              <a:rPr lang="en-US" sz="1800" dirty="0"/>
+              <a:t>, </a:t>
+            </a:r>
+            <a:r>
+              <a:rPr lang="en-US" sz="1800" u="sng" dirty="0"/>
+              <a:t>Computer Science </a:t>
+            </a:r>
+            <a:r>
+              <a:rPr lang="en-US" sz="1800" dirty="0"/>
+              <a:t>and </a:t>
+            </a:r>
+            <a:r>
+              <a:rPr lang="en-US" sz="1800" u="sng" dirty="0"/>
+              <a:t>Mathematics</a:t>
+            </a:r>
+            <a:r>
+              <a:rPr lang="en-US" sz="1800" dirty="0"/>
+              <a:t>. </a:t>
+            </a:r>
+            <a:r>
+              <a:rPr lang="en-US" sz="1800" i="1" dirty="0" smtClean="0"/>
+              <a:t>Data </a:t>
+            </a:r>
+            <a:r>
+              <a:rPr lang="en-US" sz="1800" i="1" dirty="0"/>
+              <a:t>Science blends much of the </a:t>
+            </a:r>
+            <a:r>
+              <a:rPr lang="en-US" sz="1800" i="1" dirty="0" smtClean="0"/>
+              <a:t>pedagogical </a:t>
+            </a:r>
+            <a:r>
+              <a:rPr lang="en-US" sz="1800" i="1" dirty="0"/>
+              <a:t>content from all three disciplines, but it is </a:t>
+            </a:r>
+            <a:r>
+              <a:rPr lang="en-US" sz="1800" b="1" i="1" dirty="0"/>
+              <a:t>neither the simple intersection, nor </a:t>
+            </a:r>
+            <a:r>
+              <a:rPr lang="en-US" sz="1800" b="1" i="1" dirty="0" smtClean="0"/>
+              <a:t>the superset </a:t>
+            </a:r>
+            <a:r>
+              <a:rPr lang="en-US" sz="1800" b="1" i="1" dirty="0"/>
+              <a:t>of the three</a:t>
+            </a:r>
+            <a:r>
+              <a:rPr lang="en-US" sz="1800" i="1" dirty="0"/>
+              <a:t>.</a:t>
+            </a:r>
+            <a:r>
+              <a:rPr lang="en-US" sz="1800" dirty="0"/>
+              <a:t> </a:t>
+            </a:r>
+          </a:p>
+          <a:p>
+            <a:endParaRPr lang="en-US" sz="1800" dirty="0"/>
+          </a:p>
+          <a:p>
+            <a:r>
+              <a:rPr lang="en-US" sz="1800" dirty="0" smtClean="0"/>
+              <a:t>There is a fourth area of demonstrated mastery too: </a:t>
+            </a:r>
+            <a:r>
+              <a:rPr lang="en-US" sz="1800" u="sng" dirty="0" smtClean="0"/>
+              <a:t>subject-matter expertise</a:t>
+            </a:r>
+            <a:r>
+              <a:rPr lang="en-US" sz="1800" dirty="0" smtClean="0"/>
+              <a:t>.</a:t>
+            </a:r>
+          </a:p>
+          <a:p>
+            <a:r>
+              <a:rPr lang="en-US" sz="1800" dirty="0" smtClean="0"/>
+              <a:t>Building upon </a:t>
+            </a:r>
+            <a:r>
+              <a:rPr lang="en-US" sz="1800" u="sng" dirty="0" smtClean="0"/>
+              <a:t>experimentation</a:t>
+            </a:r>
+            <a:r>
+              <a:rPr lang="en-US" sz="1800" dirty="0" smtClean="0"/>
+              <a:t>, </a:t>
+            </a:r>
+            <a:r>
+              <a:rPr lang="en-US" sz="1800" u="sng" dirty="0" smtClean="0"/>
+              <a:t>modeling</a:t>
+            </a:r>
+            <a:r>
+              <a:rPr lang="en-US" sz="1800" dirty="0" smtClean="0"/>
+              <a:t>, and </a:t>
+            </a:r>
+            <a:r>
+              <a:rPr lang="en-US" sz="1800" u="sng" dirty="0" smtClean="0"/>
+              <a:t>computation</a:t>
+            </a:r>
+            <a:r>
+              <a:rPr lang="en-US" sz="1800" dirty="0" smtClean="0"/>
+              <a:t>, there are some that believe that </a:t>
+            </a:r>
+            <a:r>
+              <a:rPr lang="en-US" sz="1800" u="sng" dirty="0" smtClean="0"/>
+              <a:t>data science</a:t>
+            </a:r>
+            <a:r>
+              <a:rPr lang="en-US" sz="1800" dirty="0" smtClean="0"/>
+              <a:t> </a:t>
+            </a:r>
+            <a:r>
+              <a:rPr lang="en-US" sz="1800" i="1" dirty="0" smtClean="0"/>
+              <a:t>is, in fact, a new, type of scientific discovery</a:t>
+            </a:r>
+            <a:r>
+              <a:rPr lang="en-US" sz="1800" dirty="0" smtClean="0"/>
+              <a:t>.</a:t>
+            </a:r>
+          </a:p>
+          <a:p>
+            <a:endParaRPr lang="en-US" sz="1800" dirty="0" smtClean="0"/>
+          </a:p>
+          <a:p>
+            <a:r>
+              <a:rPr lang="en-US" sz="1800" dirty="0" smtClean="0"/>
+              <a:t>Case-based, hands-on, and interdisciplinary</a:t>
+            </a:r>
+          </a:p>
+          <a:p>
+            <a:r>
+              <a:rPr lang="en-US" sz="1800" dirty="0"/>
+              <a:t>Additionally, some existing courses </a:t>
+            </a:r>
+            <a:r>
+              <a:rPr lang="en-US" sz="1800" dirty="0" smtClean="0"/>
+              <a:t>in statistics, math, and computer science, should </a:t>
+            </a:r>
+            <a:r>
+              <a:rPr lang="en-US" sz="1800" dirty="0"/>
+              <a:t>be partly re-designed for use in a data science curriculum</a:t>
+            </a:r>
+            <a:r>
+              <a:rPr lang="en-US" sz="1800" dirty="0" smtClean="0"/>
+              <a:t>.</a:t>
+            </a:r>
+            <a:endParaRPr lang="en-US" sz="1800" dirty="0"/>
+          </a:p>
+        </p:txBody>
+      </p:sp>
+      <p:sp>
+        <p:nvSpPr>
+          <p:cNvPr id="4" name="Slide Number Placeholder 3"/>
+          <p:cNvSpPr>
+            <a:spLocks noGrp="1"/>
+          </p:cNvSpPr>
+          <p:nvPr>
+            <p:ph type="sldNum" sz="quarter" idx="12"/>
+          </p:nvPr>
+        </p:nvSpPr>
+        <p:spPr/>
+        <p:txBody>
+          <a:bodyPr/>
+          <a:lstStyle/>
+          <a:p>
+            <a:pPr>
+              <a:defRPr/>
+            </a:pPr>
+            <a:fld id="{CD61FD94-992F-4CB2-AF3E-ECFB9D8DC22A}" type="slidenum">
+              <a:rPr lang="en-US" altLang="en-US" smtClean="0"/>
+              <a:pPr>
+                <a:defRPr/>
+              </a:pPr>
+              <a:t>5</a:t>
+            </a:fld>
+            <a:endParaRPr lang="en-US" altLang="en-US"/>
+          </a:p>
+        </p:txBody>
+      </p:sp>
+    </p:spTree>
+    <p:extLst>
+      <p:ext uri="{BB962C8B-B14F-4D97-AF65-F5344CB8AC3E}">
+        <p14:creationId xmlns:p14="http://schemas.microsoft.com/office/powerpoint/2010/main" val="2687582007"/>
+      </p:ext>
+    </p:extLst>
+  </p:cSld>
+  <p:clrMapOvr>
+    <a:masterClrMapping/>
+  </p:clrMapOvr>
+  <p:timing>
+    <p:tnLst>
+      <p:par>
+        <p:cTn id="1" dur="indefinite" restart="never" nodeType="tmRoot"/>
+      </p:par>
+    </p:tnLst>
+  </p:timing>
+</p:sld>
+</file>
+
+<file path=ppt/slides/slide6.xml><?xml version="1.0" encoding="utf-8"?>
+<p:sld xmlns:a="http://schemas.openxmlformats.org/drawingml/2006/main" xmlns:r="http://schemas.openxmlformats.org/officeDocument/2006/relationships" xmlns:p="http://schemas.openxmlformats.org/presentationml/2006/main">
+  <p:cSld>
+    <p:spTree>
+      <p:nvGrpSpPr>
+        <p:cNvPr id="1" name=""/>
+        <p:cNvGrpSpPr/>
+        <p:nvPr/>
+      </p:nvGrpSpPr>
+      <p:grpSpPr>
+        <a:xfrm>
+          <a:off x="0" y="0"/>
+          <a:ext cx="0" cy="0"/>
+          <a:chOff x="0" y="0"/>
+          <a:chExt cx="0" cy="0"/>
+        </a:xfrm>
+      </p:grpSpPr>
+      <p:sp>
+        <p:nvSpPr>
           <p:cNvPr id="11266" name="Slide Number Placeholder 5"/>
           <p:cNvSpPr>
             <a:spLocks noGrp="1"/>
@@ -5967,7 +9865,7 @@
                 <a:buFontTx/>
                 <a:buNone/>
               </a:pPr>
-              <a:t>10</a:t>
+              <a:t>6</a:t>
             </a:fld>
             <a:endParaRPr lang="en-US" altLang="en-US" sz="1400" smtClean="0">
               <a:latin typeface="Arial" panose="020B0604020202020204" pitchFamily="34" charset="0"/>
@@ -6682,7 +10580,7 @@
 </p:sld>
 </file>
 
-<file path=ppt/slides/slide11.xml><?xml version="1.0" encoding="utf-8"?>
+<file path=ppt/slides/slide7.xml><?xml version="1.0" encoding="utf-8"?>
 <p:sld xmlns:a="http://schemas.openxmlformats.org/drawingml/2006/main" xmlns:r="http://schemas.openxmlformats.org/officeDocument/2006/relationships" xmlns:p="http://schemas.openxmlformats.org/presentationml/2006/main">
   <p:cSld>
     <p:spTree>
@@ -6855,7 +10753,7 @@
                 <a:buFontTx/>
                 <a:buNone/>
               </a:pPr>
-              <a:t>11</a:t>
+              <a:t>7</a:t>
             </a:fld>
             <a:endParaRPr lang="en-US" altLang="en-US" sz="1400" smtClean="0">
               <a:latin typeface="Arial" panose="020B0604020202020204" pitchFamily="34" charset="0"/>
@@ -7586,2496 +11484,6 @@
 </p:sld>
 </file>
 
-<file path=ppt/slides/slide12.xml><?xml version="1.0" encoding="utf-8"?>
-<p:sld xmlns:a="http://schemas.openxmlformats.org/drawingml/2006/main" xmlns:r="http://schemas.openxmlformats.org/officeDocument/2006/relationships" xmlns:p="http://schemas.openxmlformats.org/presentationml/2006/main">
-  <p:cSld>
-    <p:spTree>
-      <p:nvGrpSpPr>
-        <p:cNvPr id="1" name=""/>
-        <p:cNvGrpSpPr/>
-        <p:nvPr/>
-      </p:nvGrpSpPr>
-      <p:grpSpPr>
-        <a:xfrm>
-          <a:off x="0" y="0"/>
-          <a:ext cx="0" cy="0"/>
-          <a:chOff x="0" y="0"/>
-          <a:chExt cx="0" cy="0"/>
-        </a:xfrm>
-      </p:grpSpPr>
-      <p:sp>
-        <p:nvSpPr>
-          <p:cNvPr id="2" name="Title 1"/>
-          <p:cNvSpPr>
-            <a:spLocks noGrp="1"/>
-          </p:cNvSpPr>
-          <p:nvPr>
-            <p:ph type="title"/>
-          </p:nvPr>
-        </p:nvSpPr>
-        <p:spPr>
-          <a:xfrm>
-            <a:off x="457200" y="2971800"/>
-            <a:ext cx="8229600" cy="1143000"/>
-          </a:xfrm>
-        </p:spPr>
-        <p:txBody>
-          <a:bodyPr/>
-          <a:lstStyle/>
-          <a:p>
-            <a:r>
-              <a:rPr lang="en-US" dirty="0" smtClean="0"/>
-              <a:t>What do real world data science needs look like?</a:t>
-            </a:r>
-            <a:endParaRPr lang="en-US" dirty="0"/>
-          </a:p>
-        </p:txBody>
-      </p:sp>
-      <p:sp>
-        <p:nvSpPr>
-          <p:cNvPr id="4" name="Slide Number Placeholder 3"/>
-          <p:cNvSpPr>
-            <a:spLocks noGrp="1"/>
-          </p:cNvSpPr>
-          <p:nvPr>
-            <p:ph type="sldNum" sz="quarter" idx="12"/>
-          </p:nvPr>
-        </p:nvSpPr>
-        <p:spPr/>
-        <p:txBody>
-          <a:bodyPr/>
-          <a:lstStyle/>
-          <a:p>
-            <a:pPr>
-              <a:defRPr/>
-            </a:pPr>
-            <a:fld id="{CD61FD94-992F-4CB2-AF3E-ECFB9D8DC22A}" type="slidenum">
-              <a:rPr lang="en-US" altLang="en-US" smtClean="0"/>
-              <a:pPr>
-                <a:defRPr/>
-              </a:pPr>
-              <a:t>12</a:t>
-            </a:fld>
-            <a:endParaRPr lang="en-US" altLang="en-US"/>
-          </a:p>
-        </p:txBody>
-      </p:sp>
-    </p:spTree>
-    <p:extLst>
-      <p:ext uri="{BB962C8B-B14F-4D97-AF65-F5344CB8AC3E}">
-        <p14:creationId xmlns:p14="http://schemas.microsoft.com/office/powerpoint/2010/main" val="3296712805"/>
-      </p:ext>
-    </p:extLst>
-  </p:cSld>
-  <p:clrMapOvr>
-    <a:masterClrMapping/>
-  </p:clrMapOvr>
-  <p:timing>
-    <p:tnLst>
-      <p:par>
-        <p:cTn id="1" dur="indefinite" restart="never" nodeType="tmRoot"/>
-      </p:par>
-    </p:tnLst>
-  </p:timing>
-</p:sld>
-</file>
-
-<file path=ppt/slides/slide13.xml><?xml version="1.0" encoding="utf-8"?>
-<p:sld xmlns:a="http://schemas.openxmlformats.org/drawingml/2006/main" xmlns:r="http://schemas.openxmlformats.org/officeDocument/2006/relationships" xmlns:p="http://schemas.openxmlformats.org/presentationml/2006/main">
-  <p:cSld>
-    <p:spTree>
-      <p:nvGrpSpPr>
-        <p:cNvPr id="1" name=""/>
-        <p:cNvGrpSpPr/>
-        <p:nvPr/>
-      </p:nvGrpSpPr>
-      <p:grpSpPr>
-        <a:xfrm>
-          <a:off x="0" y="0"/>
-          <a:ext cx="0" cy="0"/>
-          <a:chOff x="0" y="0"/>
-          <a:chExt cx="0" cy="0"/>
-        </a:xfrm>
-      </p:grpSpPr>
-      <p:sp>
-        <p:nvSpPr>
-          <p:cNvPr id="2" name="Title 1"/>
-          <p:cNvSpPr>
-            <a:spLocks noGrp="1"/>
-          </p:cNvSpPr>
-          <p:nvPr>
-            <p:ph type="title"/>
-          </p:nvPr>
-        </p:nvSpPr>
-        <p:spPr/>
-        <p:txBody>
-          <a:bodyPr/>
-          <a:lstStyle/>
-          <a:p>
-            <a:r>
-              <a:rPr lang="en-US" dirty="0" smtClean="0"/>
-              <a:t>Data Science needs:  Current Examples from the City of LA</a:t>
-            </a:r>
-            <a:endParaRPr lang="en-US" dirty="0"/>
-          </a:p>
-        </p:txBody>
-      </p:sp>
-      <p:sp>
-        <p:nvSpPr>
-          <p:cNvPr id="3" name="Content Placeholder 2"/>
-          <p:cNvSpPr>
-            <a:spLocks noGrp="1"/>
-          </p:cNvSpPr>
-          <p:nvPr>
-            <p:ph idx="1"/>
-          </p:nvPr>
-        </p:nvSpPr>
-        <p:spPr/>
-        <p:txBody>
-          <a:bodyPr/>
-          <a:lstStyle/>
-          <a:p>
-            <a:r>
-              <a:rPr lang="en-US" dirty="0" smtClean="0">
-                <a:hlinkClick r:id="rId2" action="ppaction://hlinkfile"/>
-              </a:rPr>
-              <a:t>Elected </a:t>
-            </a:r>
-            <a:r>
-              <a:rPr lang="en-US" dirty="0">
-                <a:hlinkClick r:id="rId2" action="ppaction://hlinkfile"/>
-              </a:rPr>
-              <a:t>Officials</a:t>
-            </a:r>
-            <a:endParaRPr lang="en-US" dirty="0"/>
-          </a:p>
-          <a:p>
-            <a:pPr lvl="1"/>
-            <a:r>
-              <a:rPr lang="en-US" dirty="0">
-                <a:hlinkClick r:id="rId3" action="ppaction://hlinkfile"/>
-              </a:rPr>
-              <a:t>Affordable Housing Risk Scoring and Covent Risk Scoring</a:t>
-            </a:r>
-            <a:endParaRPr lang="en-US" dirty="0"/>
-          </a:p>
-          <a:p>
-            <a:pPr lvl="1"/>
-            <a:r>
-              <a:rPr lang="en-US" dirty="0">
-                <a:hlinkClick r:id="rId4" action="ppaction://hlinkfile"/>
-              </a:rPr>
-              <a:t>Downtown Transportation Analysis</a:t>
-            </a:r>
-            <a:endParaRPr lang="en-US" dirty="0"/>
-          </a:p>
-          <a:p>
-            <a:pPr lvl="1"/>
-            <a:r>
-              <a:rPr lang="en-US" dirty="0" smtClean="0">
-                <a:hlinkClick r:id="rId5" action="ppaction://hlinkfile"/>
-              </a:rPr>
-              <a:t>Street </a:t>
-            </a:r>
-            <a:r>
-              <a:rPr lang="en-US" dirty="0">
-                <a:hlinkClick r:id="rId5" action="ppaction://hlinkfile"/>
-              </a:rPr>
-              <a:t>Pavement Prioritization and Early Warning System</a:t>
-            </a:r>
-            <a:endParaRPr lang="en-US" dirty="0"/>
-          </a:p>
-          <a:p>
-            <a:pPr lvl="1"/>
-            <a:r>
-              <a:rPr lang="en-US" dirty="0">
-                <a:hlinkClick r:id="rId6" action="ppaction://hlinkfile"/>
-              </a:rPr>
-              <a:t>Property Values and Affordable and Low Income Housing</a:t>
-            </a:r>
-            <a:endParaRPr lang="en-US" dirty="0"/>
-          </a:p>
-          <a:p>
-            <a:pPr lvl="1"/>
-            <a:r>
-              <a:rPr lang="en-US" dirty="0">
-                <a:hlinkClick r:id="rId7" action="ppaction://hlinkfile"/>
-              </a:rPr>
-              <a:t>LAPD Recruitment Performance Dashboard</a:t>
-            </a:r>
-            <a:endParaRPr lang="en-US" dirty="0"/>
-          </a:p>
-          <a:p>
-            <a:pPr lvl="1"/>
-            <a:r>
-              <a:rPr lang="en-US" dirty="0">
-                <a:hlinkClick r:id="rId8" action="ppaction://hlinkfile"/>
-              </a:rPr>
-              <a:t>CAP tracking enhancements, dashboards, and integration with other Personnel systems</a:t>
-            </a:r>
-            <a:endParaRPr lang="en-US" dirty="0"/>
-          </a:p>
-          <a:p>
-            <a:pPr lvl="1"/>
-            <a:r>
-              <a:rPr lang="en-US" dirty="0" smtClean="0">
-                <a:hlinkClick r:id="rId9" action="ppaction://hlinkfile"/>
-              </a:rPr>
-              <a:t>Attrition </a:t>
-            </a:r>
-            <a:r>
-              <a:rPr lang="en-US" dirty="0">
-                <a:hlinkClick r:id="rId9" action="ppaction://hlinkfile"/>
-              </a:rPr>
-              <a:t>prediction tool</a:t>
-            </a:r>
-            <a:endParaRPr lang="en-US" dirty="0"/>
-          </a:p>
-          <a:p>
-            <a:pPr lvl="1"/>
-            <a:r>
-              <a:rPr lang="en-US" dirty="0">
-                <a:hlinkClick r:id="rId10" action="ppaction://hlinkfile"/>
-              </a:rPr>
-              <a:t>Homelessness Services </a:t>
-            </a:r>
-            <a:r>
-              <a:rPr lang="en-US" dirty="0" smtClean="0">
-                <a:hlinkClick r:id="rId10" action="ppaction://hlinkfile"/>
-              </a:rPr>
-              <a:t>Matcher</a:t>
-            </a:r>
-            <a:endParaRPr lang="en-US" dirty="0"/>
-          </a:p>
-        </p:txBody>
-      </p:sp>
-      <p:sp>
-        <p:nvSpPr>
-          <p:cNvPr id="4" name="Slide Number Placeholder 3"/>
-          <p:cNvSpPr>
-            <a:spLocks noGrp="1"/>
-          </p:cNvSpPr>
-          <p:nvPr>
-            <p:ph type="sldNum" sz="quarter" idx="12"/>
-          </p:nvPr>
-        </p:nvSpPr>
-        <p:spPr/>
-        <p:txBody>
-          <a:bodyPr/>
-          <a:lstStyle/>
-          <a:p>
-            <a:pPr>
-              <a:defRPr/>
-            </a:pPr>
-            <a:fld id="{CD61FD94-992F-4CB2-AF3E-ECFB9D8DC22A}" type="slidenum">
-              <a:rPr lang="en-US" altLang="en-US" smtClean="0"/>
-              <a:pPr>
-                <a:defRPr/>
-              </a:pPr>
-              <a:t>13</a:t>
-            </a:fld>
-            <a:endParaRPr lang="en-US" altLang="en-US"/>
-          </a:p>
-        </p:txBody>
-      </p:sp>
-    </p:spTree>
-    <p:extLst>
-      <p:ext uri="{BB962C8B-B14F-4D97-AF65-F5344CB8AC3E}">
-        <p14:creationId xmlns:p14="http://schemas.microsoft.com/office/powerpoint/2010/main" val="3851471638"/>
-      </p:ext>
-    </p:extLst>
-  </p:cSld>
-  <p:clrMapOvr>
-    <a:masterClrMapping/>
-  </p:clrMapOvr>
-  <p:timing>
-    <p:tnLst>
-      <p:par>
-        <p:cTn id="1" dur="indefinite" restart="never" nodeType="tmRoot"/>
-      </p:par>
-    </p:tnLst>
-  </p:timing>
-</p:sld>
-</file>
-
-<file path=ppt/slides/slide14.xml><?xml version="1.0" encoding="utf-8"?>
-<p:sld xmlns:a="http://schemas.openxmlformats.org/drawingml/2006/main" xmlns:r="http://schemas.openxmlformats.org/officeDocument/2006/relationships" xmlns:p="http://schemas.openxmlformats.org/presentationml/2006/main">
-  <p:cSld>
-    <p:spTree>
-      <p:nvGrpSpPr>
-        <p:cNvPr id="1" name=""/>
-        <p:cNvGrpSpPr/>
-        <p:nvPr/>
-      </p:nvGrpSpPr>
-      <p:grpSpPr>
-        <a:xfrm>
-          <a:off x="0" y="0"/>
-          <a:ext cx="0" cy="0"/>
-          <a:chOff x="0" y="0"/>
-          <a:chExt cx="0" cy="0"/>
-        </a:xfrm>
-      </p:grpSpPr>
-      <p:sp>
-        <p:nvSpPr>
-          <p:cNvPr id="2" name="Title 1"/>
-          <p:cNvSpPr>
-            <a:spLocks noGrp="1"/>
-          </p:cNvSpPr>
-          <p:nvPr>
-            <p:ph type="title"/>
-          </p:nvPr>
-        </p:nvSpPr>
-        <p:spPr/>
-        <p:txBody>
-          <a:bodyPr/>
-          <a:lstStyle/>
-          <a:p>
-            <a:r>
-              <a:rPr lang="en-US" dirty="0" smtClean="0"/>
-              <a:t>Data Science needs:  Current Examples from the City of LA</a:t>
-            </a:r>
-            <a:endParaRPr lang="en-US" dirty="0"/>
-          </a:p>
-        </p:txBody>
-      </p:sp>
-      <p:sp>
-        <p:nvSpPr>
-          <p:cNvPr id="3" name="Content Placeholder 2"/>
-          <p:cNvSpPr>
-            <a:spLocks noGrp="1"/>
-          </p:cNvSpPr>
-          <p:nvPr>
-            <p:ph idx="1"/>
-          </p:nvPr>
-        </p:nvSpPr>
-        <p:spPr/>
-        <p:txBody>
-          <a:bodyPr/>
-          <a:lstStyle/>
-          <a:p>
-            <a:r>
-              <a:rPr lang="en-US" u="sng" dirty="0" smtClean="0">
-                <a:hlinkClick r:id="rId2" action="ppaction://hlinkfile"/>
-              </a:rPr>
-              <a:t>Information </a:t>
-            </a:r>
-            <a:r>
-              <a:rPr lang="en-US" u="sng" dirty="0">
-                <a:hlinkClick r:id="rId2" action="ppaction://hlinkfile"/>
-              </a:rPr>
-              <a:t>Technology Agency</a:t>
-            </a:r>
-            <a:endParaRPr lang="en-US" dirty="0"/>
-          </a:p>
-          <a:p>
-            <a:pPr lvl="1"/>
-            <a:r>
-              <a:rPr lang="en-US" u="sng" dirty="0" err="1">
-                <a:hlinkClick r:id="rId3" action="ppaction://hlinkfile"/>
-              </a:rPr>
-              <a:t>ServiceNow</a:t>
-            </a:r>
-            <a:r>
-              <a:rPr lang="en-US" u="sng" dirty="0">
-                <a:hlinkClick r:id="rId3" action="ppaction://hlinkfile"/>
-              </a:rPr>
-              <a:t> Analysis and Dashboard</a:t>
-            </a:r>
-            <a:endParaRPr lang="en-US" dirty="0"/>
-          </a:p>
-          <a:p>
-            <a:r>
-              <a:rPr lang="en-US" u="sng" dirty="0">
-                <a:hlinkClick r:id="rId4" action="ppaction://hlinkfile"/>
-              </a:rPr>
-              <a:t>Office of Finance</a:t>
-            </a:r>
-            <a:endParaRPr lang="en-US" dirty="0"/>
-          </a:p>
-          <a:p>
-            <a:pPr lvl="1"/>
-            <a:r>
-              <a:rPr lang="en-US" u="sng" dirty="0">
-                <a:hlinkClick r:id="rId5" action="ppaction://hlinkfile"/>
-              </a:rPr>
-              <a:t>Call center operational improvements</a:t>
-            </a:r>
-            <a:endParaRPr lang="en-US" dirty="0"/>
-          </a:p>
-          <a:p>
-            <a:pPr lvl="1"/>
-            <a:r>
-              <a:rPr lang="en-US" u="sng" dirty="0">
-                <a:hlinkClick r:id="rId6" action="ppaction://hlinkfile"/>
-              </a:rPr>
-              <a:t>Bill Collections</a:t>
-            </a:r>
-            <a:endParaRPr lang="en-US" dirty="0"/>
-          </a:p>
-          <a:p>
-            <a:pPr lvl="1"/>
-            <a:r>
-              <a:rPr lang="en-US" u="sng" dirty="0">
-                <a:hlinkClick r:id="rId7" action="ppaction://hlinkfile"/>
-              </a:rPr>
-              <a:t>Revenue Forecasting</a:t>
-            </a:r>
-            <a:endParaRPr lang="en-US" dirty="0"/>
-          </a:p>
-          <a:p>
-            <a:r>
-              <a:rPr lang="en-US" u="sng" dirty="0">
-                <a:hlinkClick r:id="rId8" action="ppaction://hlinkfile"/>
-              </a:rPr>
-              <a:t>Department of Transportation</a:t>
-            </a:r>
-            <a:endParaRPr lang="en-US" dirty="0"/>
-          </a:p>
-          <a:p>
-            <a:pPr lvl="1"/>
-            <a:r>
-              <a:rPr lang="en-US" u="sng" dirty="0">
-                <a:hlinkClick r:id="rId9" action="ppaction://hlinkfile"/>
-              </a:rPr>
-              <a:t>Projecting Parking Demand</a:t>
-            </a:r>
-            <a:endParaRPr lang="en-US" dirty="0"/>
-          </a:p>
-          <a:p>
-            <a:r>
-              <a:rPr lang="en-US" u="sng" dirty="0">
-                <a:hlinkClick r:id="rId10" action="ppaction://hlinkfile"/>
-              </a:rPr>
-              <a:t>Department of Cultural Affairs</a:t>
-            </a:r>
-            <a:endParaRPr lang="en-US" dirty="0"/>
-          </a:p>
-          <a:p>
-            <a:pPr lvl="1"/>
-            <a:r>
-              <a:rPr lang="en-US" u="sng" dirty="0">
-                <a:hlinkClick r:id="rId11" action="ppaction://hlinkfile"/>
-              </a:rPr>
-              <a:t>Cultural Events Analytics, Neighborhood Arts Profile, and Cultural Desert Discovery</a:t>
-            </a:r>
-            <a:endParaRPr lang="en-US" dirty="0"/>
-          </a:p>
-        </p:txBody>
-      </p:sp>
-      <p:sp>
-        <p:nvSpPr>
-          <p:cNvPr id="4" name="Slide Number Placeholder 3"/>
-          <p:cNvSpPr>
-            <a:spLocks noGrp="1"/>
-          </p:cNvSpPr>
-          <p:nvPr>
-            <p:ph type="sldNum" sz="quarter" idx="12"/>
-          </p:nvPr>
-        </p:nvSpPr>
-        <p:spPr/>
-        <p:txBody>
-          <a:bodyPr/>
-          <a:lstStyle/>
-          <a:p>
-            <a:pPr>
-              <a:defRPr/>
-            </a:pPr>
-            <a:fld id="{CD61FD94-992F-4CB2-AF3E-ECFB9D8DC22A}" type="slidenum">
-              <a:rPr lang="en-US" altLang="en-US" smtClean="0"/>
-              <a:pPr>
-                <a:defRPr/>
-              </a:pPr>
-              <a:t>14</a:t>
-            </a:fld>
-            <a:endParaRPr lang="en-US" altLang="en-US"/>
-          </a:p>
-        </p:txBody>
-      </p:sp>
-    </p:spTree>
-    <p:extLst>
-      <p:ext uri="{BB962C8B-B14F-4D97-AF65-F5344CB8AC3E}">
-        <p14:creationId xmlns:p14="http://schemas.microsoft.com/office/powerpoint/2010/main" val="3153311425"/>
-      </p:ext>
-    </p:extLst>
-  </p:cSld>
-  <p:clrMapOvr>
-    <a:masterClrMapping/>
-  </p:clrMapOvr>
-  <p:timing>
-    <p:tnLst>
-      <p:par>
-        <p:cTn id="1" dur="indefinite" restart="never" nodeType="tmRoot"/>
-      </p:par>
-    </p:tnLst>
-  </p:timing>
-</p:sld>
-</file>
-
-<file path=ppt/slides/slide15.xml><?xml version="1.0" encoding="utf-8"?>
-<p:sld xmlns:a="http://schemas.openxmlformats.org/drawingml/2006/main" xmlns:r="http://schemas.openxmlformats.org/officeDocument/2006/relationships" xmlns:p="http://schemas.openxmlformats.org/presentationml/2006/main">
-  <p:cSld>
-    <p:spTree>
-      <p:nvGrpSpPr>
-        <p:cNvPr id="1" name=""/>
-        <p:cNvGrpSpPr/>
-        <p:nvPr/>
-      </p:nvGrpSpPr>
-      <p:grpSpPr>
-        <a:xfrm>
-          <a:off x="0" y="0"/>
-          <a:ext cx="0" cy="0"/>
-          <a:chOff x="0" y="0"/>
-          <a:chExt cx="0" cy="0"/>
-        </a:xfrm>
-      </p:grpSpPr>
-      <p:sp>
-        <p:nvSpPr>
-          <p:cNvPr id="2" name="Title 1"/>
-          <p:cNvSpPr>
-            <a:spLocks noGrp="1"/>
-          </p:cNvSpPr>
-          <p:nvPr>
-            <p:ph type="title"/>
-          </p:nvPr>
-        </p:nvSpPr>
-        <p:spPr/>
-        <p:txBody>
-          <a:bodyPr/>
-          <a:lstStyle/>
-          <a:p>
-            <a:r>
-              <a:rPr lang="en-US" dirty="0" smtClean="0"/>
-              <a:t>City of LA: Specific Examples</a:t>
-            </a:r>
-            <a:endParaRPr lang="en-US" dirty="0"/>
-          </a:p>
-        </p:txBody>
-      </p:sp>
-      <p:sp>
-        <p:nvSpPr>
-          <p:cNvPr id="3" name="Content Placeholder 2"/>
-          <p:cNvSpPr>
-            <a:spLocks noGrp="1"/>
-          </p:cNvSpPr>
-          <p:nvPr>
-            <p:ph idx="1"/>
-          </p:nvPr>
-        </p:nvSpPr>
-        <p:spPr/>
-        <p:txBody>
-          <a:bodyPr/>
-          <a:lstStyle/>
-          <a:p>
-            <a:r>
-              <a:rPr lang="en-US" b="1" dirty="0"/>
-              <a:t>Downtown Transportation Analysis </a:t>
-            </a:r>
-          </a:p>
-          <a:p>
-            <a:pPr lvl="1"/>
-            <a:r>
-              <a:rPr lang="en-US" dirty="0"/>
-              <a:t>Analysis of bicyclists and pedestrian use on Spring and Main both before and after Spring and Main Forward project. This will build on </a:t>
-            </a:r>
-            <a:r>
-              <a:rPr lang="en-US" u="sng" dirty="0">
-                <a:hlinkClick r:id="rId2"/>
-              </a:rPr>
-              <a:t>existing work</a:t>
-            </a:r>
-            <a:r>
-              <a:rPr lang="en-US" dirty="0"/>
-              <a:t> from CSULA and LADOT.  The Downtown configuration analysis for Project Downtown streets could show an ideal mix of various improvements and interventions. We hope to be able to project throughput for various streets downtown in different configurations</a:t>
-            </a:r>
-            <a:r>
-              <a:rPr lang="en-US" dirty="0" smtClean="0"/>
-              <a:t>.</a:t>
-            </a:r>
-            <a:endParaRPr lang="en-US" dirty="0"/>
-          </a:p>
-        </p:txBody>
-      </p:sp>
-      <p:sp>
-        <p:nvSpPr>
-          <p:cNvPr id="4" name="Slide Number Placeholder 3"/>
-          <p:cNvSpPr>
-            <a:spLocks noGrp="1"/>
-          </p:cNvSpPr>
-          <p:nvPr>
-            <p:ph type="sldNum" sz="quarter" idx="12"/>
-          </p:nvPr>
-        </p:nvSpPr>
-        <p:spPr/>
-        <p:txBody>
-          <a:bodyPr/>
-          <a:lstStyle/>
-          <a:p>
-            <a:pPr>
-              <a:defRPr/>
-            </a:pPr>
-            <a:fld id="{CD61FD94-992F-4CB2-AF3E-ECFB9D8DC22A}" type="slidenum">
-              <a:rPr lang="en-US" altLang="en-US" smtClean="0"/>
-              <a:pPr>
-                <a:defRPr/>
-              </a:pPr>
-              <a:t>15</a:t>
-            </a:fld>
-            <a:endParaRPr lang="en-US" altLang="en-US"/>
-          </a:p>
-        </p:txBody>
-      </p:sp>
-    </p:spTree>
-    <p:extLst>
-      <p:ext uri="{BB962C8B-B14F-4D97-AF65-F5344CB8AC3E}">
-        <p14:creationId xmlns:p14="http://schemas.microsoft.com/office/powerpoint/2010/main" val="319892737"/>
-      </p:ext>
-    </p:extLst>
-  </p:cSld>
-  <p:clrMapOvr>
-    <a:masterClrMapping/>
-  </p:clrMapOvr>
-  <p:timing>
-    <p:tnLst>
-      <p:par>
-        <p:cTn id="1" dur="indefinite" restart="never" nodeType="tmRoot"/>
-      </p:par>
-    </p:tnLst>
-  </p:timing>
-</p:sld>
-</file>
-
-<file path=ppt/slides/slide16.xml><?xml version="1.0" encoding="utf-8"?>
-<p:sld xmlns:a="http://schemas.openxmlformats.org/drawingml/2006/main" xmlns:r="http://schemas.openxmlformats.org/officeDocument/2006/relationships" xmlns:p="http://schemas.openxmlformats.org/presentationml/2006/main">
-  <p:cSld>
-    <p:spTree>
-      <p:nvGrpSpPr>
-        <p:cNvPr id="1" name=""/>
-        <p:cNvGrpSpPr/>
-        <p:nvPr/>
-      </p:nvGrpSpPr>
-      <p:grpSpPr>
-        <a:xfrm>
-          <a:off x="0" y="0"/>
-          <a:ext cx="0" cy="0"/>
-          <a:chOff x="0" y="0"/>
-          <a:chExt cx="0" cy="0"/>
-        </a:xfrm>
-      </p:grpSpPr>
-      <p:sp>
-        <p:nvSpPr>
-          <p:cNvPr id="2" name="Title 1"/>
-          <p:cNvSpPr>
-            <a:spLocks noGrp="1"/>
-          </p:cNvSpPr>
-          <p:nvPr>
-            <p:ph type="title"/>
-          </p:nvPr>
-        </p:nvSpPr>
-        <p:spPr/>
-        <p:txBody>
-          <a:bodyPr/>
-          <a:lstStyle/>
-          <a:p>
-            <a:r>
-              <a:rPr lang="en-US" dirty="0" smtClean="0"/>
-              <a:t>City of LA: Specific Examples</a:t>
-            </a:r>
-            <a:endParaRPr lang="en-US" dirty="0"/>
-          </a:p>
-        </p:txBody>
-      </p:sp>
-      <p:sp>
-        <p:nvSpPr>
-          <p:cNvPr id="3" name="Content Placeholder 2"/>
-          <p:cNvSpPr>
-            <a:spLocks noGrp="1"/>
-          </p:cNvSpPr>
-          <p:nvPr>
-            <p:ph idx="1"/>
-          </p:nvPr>
-        </p:nvSpPr>
-        <p:spPr/>
-        <p:txBody>
-          <a:bodyPr/>
-          <a:lstStyle/>
-          <a:p>
-            <a:r>
-              <a:rPr lang="en-US" b="1" dirty="0"/>
-              <a:t>LAPD Recruitment Performance Dashboard</a:t>
-            </a:r>
-          </a:p>
-          <a:p>
-            <a:pPr lvl="1"/>
-            <a:r>
-              <a:rPr lang="en-US" dirty="0"/>
-              <a:t>LAPD Personnel recruiters’ main metric for success for recruiting candidates is the number of tests administered. However, there is limited visibility into which recruiters are testing the highest proportion of successful candidates, what strategies are most viable, or which geographic areas and events yield the best results. In preparation for anticipated surges in retirement, smarter recruiting is essential. A paradigm shift that is outcome-oriented will lead to greater accountability and flexibility as LAPD and Personnel strive to meet hiring goals. For this project, </a:t>
-            </a:r>
-            <a:r>
-              <a:rPr lang="en-US" dirty="0" smtClean="0"/>
-              <a:t>we wish to provide </a:t>
-            </a:r>
-            <a:r>
-              <a:rPr lang="en-US" dirty="0"/>
-              <a:t>recruiters with new metrics of success.</a:t>
-            </a:r>
-          </a:p>
-        </p:txBody>
-      </p:sp>
-      <p:sp>
-        <p:nvSpPr>
-          <p:cNvPr id="4" name="Slide Number Placeholder 3"/>
-          <p:cNvSpPr>
-            <a:spLocks noGrp="1"/>
-          </p:cNvSpPr>
-          <p:nvPr>
-            <p:ph type="sldNum" sz="quarter" idx="12"/>
-          </p:nvPr>
-        </p:nvSpPr>
-        <p:spPr/>
-        <p:txBody>
-          <a:bodyPr/>
-          <a:lstStyle/>
-          <a:p>
-            <a:pPr>
-              <a:defRPr/>
-            </a:pPr>
-            <a:fld id="{CD61FD94-992F-4CB2-AF3E-ECFB9D8DC22A}" type="slidenum">
-              <a:rPr lang="en-US" altLang="en-US" smtClean="0"/>
-              <a:pPr>
-                <a:defRPr/>
-              </a:pPr>
-              <a:t>16</a:t>
-            </a:fld>
-            <a:endParaRPr lang="en-US" altLang="en-US"/>
-          </a:p>
-        </p:txBody>
-      </p:sp>
-    </p:spTree>
-    <p:extLst>
-      <p:ext uri="{BB962C8B-B14F-4D97-AF65-F5344CB8AC3E}">
-        <p14:creationId xmlns:p14="http://schemas.microsoft.com/office/powerpoint/2010/main" val="596289792"/>
-      </p:ext>
-    </p:extLst>
-  </p:cSld>
-  <p:clrMapOvr>
-    <a:masterClrMapping/>
-  </p:clrMapOvr>
-  <p:timing>
-    <p:tnLst>
-      <p:par>
-        <p:cTn id="1" dur="indefinite" restart="never" nodeType="tmRoot"/>
-      </p:par>
-    </p:tnLst>
-  </p:timing>
-</p:sld>
-</file>
-
-<file path=ppt/slides/slide17.xml><?xml version="1.0" encoding="utf-8"?>
-<p:sld xmlns:a="http://schemas.openxmlformats.org/drawingml/2006/main" xmlns:r="http://schemas.openxmlformats.org/officeDocument/2006/relationships" xmlns:p="http://schemas.openxmlformats.org/presentationml/2006/main">
-  <p:cSld>
-    <p:spTree>
-      <p:nvGrpSpPr>
-        <p:cNvPr id="1" name=""/>
-        <p:cNvGrpSpPr/>
-        <p:nvPr/>
-      </p:nvGrpSpPr>
-      <p:grpSpPr>
-        <a:xfrm>
-          <a:off x="0" y="0"/>
-          <a:ext cx="0" cy="0"/>
-          <a:chOff x="0" y="0"/>
-          <a:chExt cx="0" cy="0"/>
-        </a:xfrm>
-      </p:grpSpPr>
-      <p:sp>
-        <p:nvSpPr>
-          <p:cNvPr id="2" name="Title 1"/>
-          <p:cNvSpPr>
-            <a:spLocks noGrp="1"/>
-          </p:cNvSpPr>
-          <p:nvPr>
-            <p:ph type="title"/>
-          </p:nvPr>
-        </p:nvSpPr>
-        <p:spPr/>
-        <p:txBody>
-          <a:bodyPr/>
-          <a:lstStyle/>
-          <a:p>
-            <a:r>
-              <a:rPr lang="en-US" dirty="0" smtClean="0"/>
-              <a:t>Counterfactuals</a:t>
-            </a:r>
-            <a:endParaRPr lang="en-US" dirty="0"/>
-          </a:p>
-        </p:txBody>
-      </p:sp>
-      <p:sp>
-        <p:nvSpPr>
-          <p:cNvPr id="3" name="Content Placeholder 2"/>
-          <p:cNvSpPr>
-            <a:spLocks noGrp="1"/>
-          </p:cNvSpPr>
-          <p:nvPr>
-            <p:ph idx="1"/>
-          </p:nvPr>
-        </p:nvSpPr>
-        <p:spPr/>
-        <p:txBody>
-          <a:bodyPr/>
-          <a:lstStyle/>
-          <a:p>
-            <a:r>
-              <a:rPr lang="en-US" dirty="0"/>
-              <a:t>Hernandez, D., and Greenwald T. (August 11, 2018), “IBM Has a Dilemma”, </a:t>
-            </a:r>
-            <a:r>
-              <a:rPr lang="en-US" i="1" dirty="0"/>
-              <a:t>Wall Street Journal</a:t>
-            </a:r>
-            <a:r>
-              <a:rPr lang="en-US" dirty="0" smtClean="0"/>
-              <a:t>.</a:t>
-            </a:r>
-            <a:endParaRPr lang="en-US" dirty="0"/>
-          </a:p>
-        </p:txBody>
-      </p:sp>
-      <p:sp>
-        <p:nvSpPr>
-          <p:cNvPr id="4" name="Slide Number Placeholder 3"/>
-          <p:cNvSpPr>
-            <a:spLocks noGrp="1"/>
-          </p:cNvSpPr>
-          <p:nvPr>
-            <p:ph type="sldNum" sz="quarter" idx="12"/>
-          </p:nvPr>
-        </p:nvSpPr>
-        <p:spPr/>
-        <p:txBody>
-          <a:bodyPr/>
-          <a:lstStyle/>
-          <a:p>
-            <a:pPr>
-              <a:defRPr/>
-            </a:pPr>
-            <a:fld id="{CD61FD94-992F-4CB2-AF3E-ECFB9D8DC22A}" type="slidenum">
-              <a:rPr lang="en-US" altLang="en-US" smtClean="0"/>
-              <a:pPr>
-                <a:defRPr/>
-              </a:pPr>
-              <a:t>17</a:t>
-            </a:fld>
-            <a:endParaRPr lang="en-US" altLang="en-US"/>
-          </a:p>
-        </p:txBody>
-      </p:sp>
-    </p:spTree>
-    <p:extLst>
-      <p:ext uri="{BB962C8B-B14F-4D97-AF65-F5344CB8AC3E}">
-        <p14:creationId xmlns:p14="http://schemas.microsoft.com/office/powerpoint/2010/main" val="2335032075"/>
-      </p:ext>
-    </p:extLst>
-  </p:cSld>
-  <p:clrMapOvr>
-    <a:masterClrMapping/>
-  </p:clrMapOvr>
-  <p:timing>
-    <p:tnLst>
-      <p:par>
-        <p:cTn id="1" dur="indefinite" restart="never" nodeType="tmRoot"/>
-      </p:par>
-    </p:tnLst>
-  </p:timing>
-</p:sld>
-</file>
-
-<file path=ppt/slides/slide2.xml><?xml version="1.0" encoding="utf-8"?>
-<p:sld xmlns:a="http://schemas.openxmlformats.org/drawingml/2006/main" xmlns:r="http://schemas.openxmlformats.org/officeDocument/2006/relationships" xmlns:p="http://schemas.openxmlformats.org/presentationml/2006/main">
-  <p:cSld>
-    <p:spTree>
-      <p:nvGrpSpPr>
-        <p:cNvPr id="1" name=""/>
-        <p:cNvGrpSpPr/>
-        <p:nvPr/>
-      </p:nvGrpSpPr>
-      <p:grpSpPr>
-        <a:xfrm>
-          <a:off x="0" y="0"/>
-          <a:ext cx="0" cy="0"/>
-          <a:chOff x="0" y="0"/>
-          <a:chExt cx="0" cy="0"/>
-        </a:xfrm>
-      </p:grpSpPr>
-      <p:sp>
-        <p:nvSpPr>
-          <p:cNvPr id="2" name="Title 1"/>
-          <p:cNvSpPr>
-            <a:spLocks noGrp="1"/>
-          </p:cNvSpPr>
-          <p:nvPr>
-            <p:ph type="title"/>
-          </p:nvPr>
-        </p:nvSpPr>
-        <p:spPr/>
-        <p:txBody>
-          <a:bodyPr/>
-          <a:lstStyle/>
-          <a:p>
-            <a:r>
-              <a:rPr lang="en-US" dirty="0" smtClean="0"/>
-              <a:t>Overview</a:t>
-            </a:r>
-            <a:endParaRPr lang="en-US" dirty="0"/>
-          </a:p>
-        </p:txBody>
-      </p:sp>
-      <p:sp>
-        <p:nvSpPr>
-          <p:cNvPr id="3" name="Content Placeholder 2"/>
-          <p:cNvSpPr>
-            <a:spLocks noGrp="1"/>
-          </p:cNvSpPr>
-          <p:nvPr>
-            <p:ph idx="1"/>
-          </p:nvPr>
-        </p:nvSpPr>
-        <p:spPr/>
-        <p:txBody>
-          <a:bodyPr/>
-          <a:lstStyle/>
-          <a:p>
-            <a:pPr marL="514350" indent="-514350">
-              <a:buFont typeface="+mj-lt"/>
-              <a:buAutoNum type="arabicPeriod"/>
-            </a:pPr>
-            <a:r>
-              <a:rPr lang="en-US" i="1" dirty="0" smtClean="0"/>
-              <a:t>Thinking</a:t>
-            </a:r>
-            <a:r>
-              <a:rPr lang="en-US" dirty="0" smtClean="0"/>
-              <a:t> as a Data Scientist</a:t>
-            </a:r>
-          </a:p>
-          <a:p>
-            <a:pPr marL="400050" lvl="1" indent="0">
-              <a:buNone/>
-            </a:pPr>
-            <a:r>
-              <a:rPr lang="en-US" dirty="0"/>
-              <a:t>	</a:t>
-            </a:r>
-            <a:r>
-              <a:rPr lang="en-US" dirty="0" smtClean="0"/>
-              <a:t>Positioning Yourself in the Contemporary Paradigm</a:t>
-            </a:r>
-            <a:endParaRPr lang="en-US" dirty="0"/>
-          </a:p>
-          <a:p>
-            <a:pPr marL="514350" indent="-514350">
-              <a:buFont typeface="+mj-lt"/>
-              <a:buAutoNum type="arabicPeriod"/>
-            </a:pPr>
-            <a:r>
-              <a:rPr lang="en-US" i="1" dirty="0" smtClean="0"/>
-              <a:t>Learning</a:t>
-            </a:r>
-            <a:r>
-              <a:rPr lang="en-US" dirty="0" smtClean="0"/>
-              <a:t> as a Data Scientist</a:t>
-            </a:r>
-          </a:p>
-          <a:p>
-            <a:pPr marL="400050" lvl="1" indent="0">
-              <a:buNone/>
-            </a:pPr>
-            <a:r>
-              <a:rPr lang="en-US" dirty="0"/>
-              <a:t>	</a:t>
-            </a:r>
-            <a:r>
-              <a:rPr lang="en-US" dirty="0" smtClean="0"/>
-              <a:t>What the Best Autodidacts (self-learners) Know</a:t>
-            </a:r>
-          </a:p>
-          <a:p>
-            <a:pPr marL="514350" indent="-514350">
-              <a:buFont typeface="+mj-lt"/>
-              <a:buAutoNum type="arabicPeriod"/>
-            </a:pPr>
-            <a:r>
-              <a:rPr lang="en-US" i="1" dirty="0" smtClean="0"/>
-              <a:t>Acting</a:t>
-            </a:r>
-            <a:r>
-              <a:rPr lang="en-US" dirty="0" smtClean="0"/>
-              <a:t> as a Data Scientist</a:t>
-            </a:r>
-          </a:p>
-          <a:p>
-            <a:pPr marL="400050" lvl="1" indent="0">
-              <a:buNone/>
-            </a:pPr>
-            <a:r>
-              <a:rPr lang="en-US" dirty="0" smtClean="0"/>
-              <a:t>	Earning Career Success</a:t>
-            </a:r>
-          </a:p>
-          <a:p>
-            <a:pPr marL="514350" indent="-514350">
-              <a:buFont typeface="+mj-lt"/>
-              <a:buAutoNum type="arabicPeriod"/>
-            </a:pPr>
-            <a:endParaRPr lang="en-US" dirty="0" smtClean="0"/>
-          </a:p>
-          <a:p>
-            <a:pPr marL="514350" indent="-514350">
-              <a:buFont typeface="+mj-lt"/>
-              <a:buAutoNum type="arabicPeriod"/>
-            </a:pPr>
-            <a:r>
-              <a:rPr lang="en-US" dirty="0" smtClean="0"/>
-              <a:t>Q&amp;A</a:t>
-            </a:r>
-          </a:p>
-          <a:p>
-            <a:pPr marL="514350" indent="-514350">
-              <a:buFont typeface="+mj-lt"/>
-              <a:buAutoNum type="arabicPeriod"/>
-            </a:pPr>
-            <a:r>
-              <a:rPr lang="en-US" dirty="0" smtClean="0"/>
-              <a:t>Give away some goodies…</a:t>
-            </a:r>
-          </a:p>
-        </p:txBody>
-      </p:sp>
-      <p:sp>
-        <p:nvSpPr>
-          <p:cNvPr id="4" name="Slide Number Placeholder 3"/>
-          <p:cNvSpPr>
-            <a:spLocks noGrp="1"/>
-          </p:cNvSpPr>
-          <p:nvPr>
-            <p:ph type="sldNum" sz="quarter" idx="12"/>
-          </p:nvPr>
-        </p:nvSpPr>
-        <p:spPr/>
-        <p:txBody>
-          <a:bodyPr/>
-          <a:lstStyle/>
-          <a:p>
-            <a:pPr>
-              <a:defRPr/>
-            </a:pPr>
-            <a:fld id="{CD61FD94-992F-4CB2-AF3E-ECFB9D8DC22A}" type="slidenum">
-              <a:rPr lang="en-US" altLang="en-US" smtClean="0"/>
-              <a:pPr>
-                <a:defRPr/>
-              </a:pPr>
-              <a:t>2</a:t>
-            </a:fld>
-            <a:endParaRPr lang="en-US" altLang="en-US"/>
-          </a:p>
-        </p:txBody>
-      </p:sp>
-    </p:spTree>
-    <p:extLst>
-      <p:ext uri="{BB962C8B-B14F-4D97-AF65-F5344CB8AC3E}">
-        <p14:creationId xmlns:p14="http://schemas.microsoft.com/office/powerpoint/2010/main" val="239872753"/>
-      </p:ext>
-    </p:extLst>
-  </p:cSld>
-  <p:clrMapOvr>
-    <a:masterClrMapping/>
-  </p:clrMapOvr>
-  <p:timing>
-    <p:tnLst>
-      <p:par>
-        <p:cTn id="1" dur="indefinite" restart="never" nodeType="tmRoot"/>
-      </p:par>
-    </p:tnLst>
-  </p:timing>
-</p:sld>
-</file>
-
-<file path=ppt/slides/slide3.xml><?xml version="1.0" encoding="utf-8"?>
-<p:sld xmlns:a="http://schemas.openxmlformats.org/drawingml/2006/main" xmlns:r="http://schemas.openxmlformats.org/officeDocument/2006/relationships" xmlns:p="http://schemas.openxmlformats.org/presentationml/2006/main">
-  <p:cSld>
-    <p:spTree>
-      <p:nvGrpSpPr>
-        <p:cNvPr id="1" name=""/>
-        <p:cNvGrpSpPr/>
-        <p:nvPr/>
-      </p:nvGrpSpPr>
-      <p:grpSpPr>
-        <a:xfrm>
-          <a:off x="0" y="0"/>
-          <a:ext cx="0" cy="0"/>
-          <a:chOff x="0" y="0"/>
-          <a:chExt cx="0" cy="0"/>
-        </a:xfrm>
-      </p:grpSpPr>
-      <p:sp>
-        <p:nvSpPr>
-          <p:cNvPr id="2" name="Title 1"/>
-          <p:cNvSpPr>
-            <a:spLocks noGrp="1"/>
-          </p:cNvSpPr>
-          <p:nvPr>
-            <p:ph type="title"/>
-          </p:nvPr>
-        </p:nvSpPr>
-        <p:spPr>
-          <a:xfrm>
-            <a:off x="457200" y="2971800"/>
-            <a:ext cx="8229600" cy="1143000"/>
-          </a:xfrm>
-        </p:spPr>
-        <p:txBody>
-          <a:bodyPr/>
-          <a:lstStyle/>
-          <a:p>
-            <a:r>
-              <a:rPr lang="en-US" dirty="0" smtClean="0"/>
-              <a:t>LA’s “Silicon Beach</a:t>
-            </a:r>
-            <a:r>
-              <a:rPr lang="en-US" dirty="0"/>
-              <a:t>”/ “ Silicon Valley South”</a:t>
-            </a:r>
-          </a:p>
-        </p:txBody>
-      </p:sp>
-      <p:sp>
-        <p:nvSpPr>
-          <p:cNvPr id="4" name="Slide Number Placeholder 3"/>
-          <p:cNvSpPr>
-            <a:spLocks noGrp="1"/>
-          </p:cNvSpPr>
-          <p:nvPr>
-            <p:ph type="sldNum" sz="quarter" idx="12"/>
-          </p:nvPr>
-        </p:nvSpPr>
-        <p:spPr/>
-        <p:txBody>
-          <a:bodyPr/>
-          <a:lstStyle/>
-          <a:p>
-            <a:pPr>
-              <a:defRPr/>
-            </a:pPr>
-            <a:fld id="{CD61FD94-992F-4CB2-AF3E-ECFB9D8DC22A}" type="slidenum">
-              <a:rPr lang="en-US" altLang="en-US" smtClean="0"/>
-              <a:pPr>
-                <a:defRPr/>
-              </a:pPr>
-              <a:t>3</a:t>
-            </a:fld>
-            <a:endParaRPr lang="en-US" altLang="en-US"/>
-          </a:p>
-        </p:txBody>
-      </p:sp>
-    </p:spTree>
-    <p:extLst>
-      <p:ext uri="{BB962C8B-B14F-4D97-AF65-F5344CB8AC3E}">
-        <p14:creationId xmlns:p14="http://schemas.microsoft.com/office/powerpoint/2010/main" val="2627866229"/>
-      </p:ext>
-    </p:extLst>
-  </p:cSld>
-  <p:clrMapOvr>
-    <a:masterClrMapping/>
-  </p:clrMapOvr>
-  <p:timing>
-    <p:tnLst>
-      <p:par>
-        <p:cTn id="1" dur="indefinite" restart="never" nodeType="tmRoot"/>
-      </p:par>
-    </p:tnLst>
-  </p:timing>
-</p:sld>
-</file>
-
-<file path=ppt/slides/slide4.xml><?xml version="1.0" encoding="utf-8"?>
-<p:sld xmlns:a="http://schemas.openxmlformats.org/drawingml/2006/main" xmlns:r="http://schemas.openxmlformats.org/officeDocument/2006/relationships" xmlns:p="http://schemas.openxmlformats.org/presentationml/2006/main">
-  <p:cSld>
-    <p:spTree>
-      <p:nvGrpSpPr>
-        <p:cNvPr id="1" name=""/>
-        <p:cNvGrpSpPr/>
-        <p:nvPr/>
-      </p:nvGrpSpPr>
-      <p:grpSpPr>
-        <a:xfrm>
-          <a:off x="0" y="0"/>
-          <a:ext cx="0" cy="0"/>
-          <a:chOff x="0" y="0"/>
-          <a:chExt cx="0" cy="0"/>
-        </a:xfrm>
-      </p:grpSpPr>
-      <p:pic>
-        <p:nvPicPr>
-          <p:cNvPr id="8194" name="Picture 3"/>
-          <p:cNvPicPr>
-            <a:picLocks noChangeAspect="1"/>
-          </p:cNvPicPr>
-          <p:nvPr/>
-        </p:nvPicPr>
-        <p:blipFill>
-          <a:blip r:embed="rId2">
-            <a:extLst>
-              <a:ext uri="{28A0092B-C50C-407E-A947-70E740481C1C}">
-                <a14:useLocalDpi xmlns:a14="http://schemas.microsoft.com/office/drawing/2010/main" val="0"/>
-              </a:ext>
-            </a:extLst>
-          </a:blip>
-          <a:srcRect/>
-          <a:stretch>
-            <a:fillRect/>
-          </a:stretch>
-        </p:blipFill>
-        <p:spPr bwMode="auto">
-          <a:xfrm>
-            <a:off x="152400" y="0"/>
-            <a:ext cx="8847138" cy="6248400"/>
-          </a:xfrm>
-          <a:prstGeom prst="rect">
-            <a:avLst/>
-          </a:prstGeom>
-          <a:noFill/>
-          <a:ln>
-            <a:noFill/>
-          </a:ln>
-          <a:extLst>
-            <a:ext uri="{909E8E84-426E-40DD-AFC4-6F175D3DCCD1}">
-              <a14:hiddenFill xmlns:a14="http://schemas.microsoft.com/office/drawing/2010/main">
-                <a:solidFill>
-                  <a:srgbClr val="FFFFFF"/>
-                </a:solidFill>
-              </a14:hiddenFill>
-            </a:ext>
-            <a:ext uri="{91240B29-F687-4F45-9708-019B960494DF}">
-              <a14:hiddenLine xmlns:a14="http://schemas.microsoft.com/office/drawing/2010/main" w="9525">
-                <a:solidFill>
-                  <a:srgbClr val="000000"/>
-                </a:solidFill>
-                <a:miter lim="800000"/>
-                <a:headEnd/>
-                <a:tailEnd/>
-              </a14:hiddenLine>
-            </a:ext>
-          </a:extLst>
-        </p:spPr>
-      </p:pic>
-      <p:sp>
-        <p:nvSpPr>
-          <p:cNvPr id="8195" name="Rectangle 4"/>
-          <p:cNvSpPr>
-            <a:spLocks noChangeArrowheads="1"/>
-          </p:cNvSpPr>
-          <p:nvPr/>
-        </p:nvSpPr>
-        <p:spPr bwMode="auto">
-          <a:xfrm>
-            <a:off x="228600" y="6400800"/>
-            <a:ext cx="8770938" cy="307975"/>
-          </a:xfrm>
-          <a:prstGeom prst="rect">
-            <a:avLst/>
-          </a:prstGeom>
-          <a:noFill/>
-          <a:ln>
-            <a:noFill/>
-          </a:ln>
-          <a:extLst>
-            <a:ext uri="{909E8E84-426E-40DD-AFC4-6F175D3DCCD1}">
-              <a14:hiddenFill xmlns:a14="http://schemas.microsoft.com/office/drawing/2010/main">
-                <a:solidFill>
-                  <a:srgbClr val="FFFFFF"/>
-                </a:solidFill>
-              </a14:hiddenFill>
-            </a:ext>
-            <a:ext uri="{91240B29-F687-4F45-9708-019B960494DF}">
-              <a14:hiddenLine xmlns:a14="http://schemas.microsoft.com/office/drawing/2010/main" w="9525">
-                <a:solidFill>
-                  <a:srgbClr val="000000"/>
-                </a:solidFill>
-                <a:miter lim="800000"/>
-                <a:headEnd/>
-                <a:tailEnd/>
-              </a14:hiddenLine>
-            </a:ext>
-          </a:extLst>
-        </p:spPr>
-        <p:txBody>
-          <a:bodyPr>
-            <a:spAutoFit/>
-          </a:bodyPr>
-          <a:lstStyle>
-            <a:lvl1pPr>
-              <a:defRPr>
-                <a:solidFill>
-                  <a:schemeClr val="tx1"/>
-                </a:solidFill>
-                <a:latin typeface="Arial" panose="020B0604020202020204" pitchFamily="34" charset="0"/>
-              </a:defRPr>
-            </a:lvl1pPr>
-            <a:lvl2pPr marL="742950" indent="-285750">
-              <a:defRPr>
-                <a:solidFill>
-                  <a:schemeClr val="tx1"/>
-                </a:solidFill>
-                <a:latin typeface="Arial" panose="020B0604020202020204" pitchFamily="34" charset="0"/>
-              </a:defRPr>
-            </a:lvl2pPr>
-            <a:lvl3pPr marL="1143000" indent="-228600">
-              <a:defRPr>
-                <a:solidFill>
-                  <a:schemeClr val="tx1"/>
-                </a:solidFill>
-                <a:latin typeface="Arial" panose="020B0604020202020204" pitchFamily="34" charset="0"/>
-              </a:defRPr>
-            </a:lvl3pPr>
-            <a:lvl4pPr marL="1600200" indent="-228600">
-              <a:defRPr>
-                <a:solidFill>
-                  <a:schemeClr val="tx1"/>
-                </a:solidFill>
-                <a:latin typeface="Arial" panose="020B0604020202020204" pitchFamily="34" charset="0"/>
-              </a:defRPr>
-            </a:lvl4pPr>
-            <a:lvl5pPr marL="2057400" indent="-228600">
-              <a:defRPr>
-                <a:solidFill>
-                  <a:schemeClr val="tx1"/>
-                </a:solidFill>
-                <a:latin typeface="Arial" panose="020B0604020202020204" pitchFamily="34" charset="0"/>
-              </a:defRPr>
-            </a:lvl5pPr>
-            <a:lvl6pPr marL="2514600" indent="-228600" eaLnBrk="0" fontAlgn="base" hangingPunct="0">
-              <a:spcBef>
-                <a:spcPct val="0"/>
-              </a:spcBef>
-              <a:spcAft>
-                <a:spcPct val="0"/>
-              </a:spcAft>
-              <a:defRPr>
-                <a:solidFill>
-                  <a:schemeClr val="tx1"/>
-                </a:solidFill>
-                <a:latin typeface="Arial" panose="020B0604020202020204" pitchFamily="34" charset="0"/>
-              </a:defRPr>
-            </a:lvl6pPr>
-            <a:lvl7pPr marL="2971800" indent="-228600" eaLnBrk="0" fontAlgn="base" hangingPunct="0">
-              <a:spcBef>
-                <a:spcPct val="0"/>
-              </a:spcBef>
-              <a:spcAft>
-                <a:spcPct val="0"/>
-              </a:spcAft>
-              <a:defRPr>
-                <a:solidFill>
-                  <a:schemeClr val="tx1"/>
-                </a:solidFill>
-                <a:latin typeface="Arial" panose="020B0604020202020204" pitchFamily="34" charset="0"/>
-              </a:defRPr>
-            </a:lvl7pPr>
-            <a:lvl8pPr marL="3429000" indent="-228600" eaLnBrk="0" fontAlgn="base" hangingPunct="0">
-              <a:spcBef>
-                <a:spcPct val="0"/>
-              </a:spcBef>
-              <a:spcAft>
-                <a:spcPct val="0"/>
-              </a:spcAft>
-              <a:defRPr>
-                <a:solidFill>
-                  <a:schemeClr val="tx1"/>
-                </a:solidFill>
-                <a:latin typeface="Arial" panose="020B0604020202020204" pitchFamily="34" charset="0"/>
-              </a:defRPr>
-            </a:lvl8pPr>
-            <a:lvl9pPr marL="3886200" indent="-228600" eaLnBrk="0" fontAlgn="base" hangingPunct="0">
-              <a:spcBef>
-                <a:spcPct val="0"/>
-              </a:spcBef>
-              <a:spcAft>
-                <a:spcPct val="0"/>
-              </a:spcAft>
-              <a:defRPr>
-                <a:solidFill>
-                  <a:schemeClr val="tx1"/>
-                </a:solidFill>
-                <a:latin typeface="Arial" panose="020B0604020202020204" pitchFamily="34" charset="0"/>
-              </a:defRPr>
-            </a:lvl9pPr>
-          </a:lstStyle>
-          <a:p>
-            <a:r>
-              <a:rPr lang="en-US" altLang="en-US" sz="1400">
-                <a:latin typeface="Consolas" panose="020B0609020204030204" pitchFamily="49" charset="0"/>
-                <a:cs typeface="Consolas" panose="020B0609020204030204" pitchFamily="49" charset="0"/>
-              </a:rPr>
-              <a:t>http://www.latimes.com/business/la-fi-silicon-valley-south-20150118-story.html#page=1</a:t>
-            </a:r>
-          </a:p>
-        </p:txBody>
-      </p:sp>
-      <p:sp>
-        <p:nvSpPr>
-          <p:cNvPr id="2" name="Slide Number Placeholder 1"/>
-          <p:cNvSpPr>
-            <a:spLocks noGrp="1"/>
-          </p:cNvSpPr>
-          <p:nvPr>
-            <p:ph type="sldNum" sz="quarter" idx="12"/>
-          </p:nvPr>
-        </p:nvSpPr>
-        <p:spPr/>
-        <p:txBody>
-          <a:bodyPr/>
-          <a:lstStyle/>
-          <a:p>
-            <a:pPr>
-              <a:defRPr/>
-            </a:pPr>
-            <a:fld id="{CD61FD94-992F-4CB2-AF3E-ECFB9D8DC22A}" type="slidenum">
-              <a:rPr lang="en-US" altLang="en-US" smtClean="0"/>
-              <a:pPr>
-                <a:defRPr/>
-              </a:pPr>
-              <a:t>4</a:t>
-            </a:fld>
-            <a:endParaRPr lang="en-US" altLang="en-US"/>
-          </a:p>
-        </p:txBody>
-      </p:sp>
-    </p:spTree>
-    <p:extLst>
-      <p:ext uri="{BB962C8B-B14F-4D97-AF65-F5344CB8AC3E}">
-        <p14:creationId xmlns:p14="http://schemas.microsoft.com/office/powerpoint/2010/main" val="3787949066"/>
-      </p:ext>
-    </p:extLst>
-  </p:cSld>
-  <p:clrMapOvr>
-    <a:masterClrMapping/>
-  </p:clrMapOvr>
-  <p:timing>
-    <p:tnLst>
-      <p:par>
-        <p:cTn id="1" dur="indefinite" restart="never" nodeType="tmRoot">
-          <p:childTnLst>
-            <p:seq concurrent="1" nextAc="seek">
-              <p:cTn id="2" dur="indefinite" nodeType="mainSeq">
-                <p:childTnLst>
-                  <p:par>
-                    <p:cTn id="3" fill="hold">
-                      <p:stCondLst>
-                        <p:cond delay="indefinite"/>
-                        <p:cond evt="onBegin" delay="0">
-                          <p:tn val="2"/>
-                        </p:cond>
-                      </p:stCondLst>
-                      <p:childTnLst>
-                        <p:par>
-                          <p:cTn id="4" fill="hold">
-                            <p:stCondLst>
-                              <p:cond delay="0"/>
-                            </p:stCondLst>
-                            <p:childTnLst>
-                              <p:par>
-                                <p:cTn id="5" presetID="10" presetClass="entr" presetSubtype="0" fill="hold" nodeType="withEffect">
-                                  <p:stCondLst>
-                                    <p:cond delay="0"/>
-                                  </p:stCondLst>
-                                  <p:childTnLst>
-                                    <p:set>
-                                      <p:cBhvr>
-                                        <p:cTn id="6" dur="1" fill="hold">
-                                          <p:stCondLst>
-                                            <p:cond delay="0"/>
-                                          </p:stCondLst>
-                                        </p:cTn>
-                                        <p:tgtEl>
-                                          <p:spTgt spid="8194"/>
-                                        </p:tgtEl>
-                                        <p:attrNameLst>
-                                          <p:attrName>style.visibility</p:attrName>
-                                        </p:attrNameLst>
-                                      </p:cBhvr>
-                                      <p:to>
-                                        <p:strVal val="visible"/>
-                                      </p:to>
-                                    </p:set>
-                                    <p:animEffect transition="in" filter="fade">
-                                      <p:cBhvr>
-                                        <p:cTn id="7" dur="500"/>
-                                        <p:tgtEl>
-                                          <p:spTgt spid="8194"/>
-                                        </p:tgtEl>
-                                      </p:cBhvr>
-                                    </p:animEffect>
-                                  </p:childTnLst>
-                                </p:cTn>
-                              </p:par>
-                              <p:par>
-                                <p:cTn id="8" presetID="10" presetClass="entr" presetSubtype="0" fill="hold" grpId="0" nodeType="withEffect">
-                                  <p:stCondLst>
-                                    <p:cond delay="0"/>
-                                  </p:stCondLst>
-                                  <p:childTnLst>
-                                    <p:set>
-                                      <p:cBhvr>
-                                        <p:cTn id="9" dur="1" fill="hold">
-                                          <p:stCondLst>
-                                            <p:cond delay="0"/>
-                                          </p:stCondLst>
-                                        </p:cTn>
-                                        <p:tgtEl>
-                                          <p:spTgt spid="8195"/>
-                                        </p:tgtEl>
-                                        <p:attrNameLst>
-                                          <p:attrName>style.visibility</p:attrName>
-                                        </p:attrNameLst>
-                                      </p:cBhvr>
-                                      <p:to>
-                                        <p:strVal val="visible"/>
-                                      </p:to>
-                                    </p:set>
-                                    <p:animEffect transition="in" filter="fade">
-                                      <p:cBhvr>
-                                        <p:cTn id="10" dur="500"/>
-                                        <p:tgtEl>
-                                          <p:spTgt spid="8195"/>
-                                        </p:tgtEl>
-                                      </p:cBhvr>
-                                    </p:animEffect>
-                                  </p:childTnLst>
-                                </p:cTn>
-                              </p:par>
-                              <p:par>
-                                <p:cTn id="11" presetID="10" presetClass="entr" presetSubtype="0" fill="hold" grpId="0" nodeType="withEffect">
-                                  <p:stCondLst>
-                                    <p:cond delay="0"/>
-                                  </p:stCondLst>
-                                  <p:childTnLst>
-                                    <p:set>
-                                      <p:cBhvr>
-                                        <p:cTn id="12" dur="1" fill="hold">
-                                          <p:stCondLst>
-                                            <p:cond delay="0"/>
-                                          </p:stCondLst>
-                                        </p:cTn>
-                                        <p:tgtEl>
-                                          <p:spTgt spid="2"/>
-                                        </p:tgtEl>
-                                        <p:attrNameLst>
-                                          <p:attrName>style.visibility</p:attrName>
-                                        </p:attrNameLst>
-                                      </p:cBhvr>
-                                      <p:to>
-                                        <p:strVal val="visible"/>
-                                      </p:to>
-                                    </p:set>
-                                    <p:animEffect transition="in" filter="fade">
-                                      <p:cBhvr>
-                                        <p:cTn id="13" dur="500"/>
-                                        <p:tgtEl>
-                                          <p:spTgt spid="2"/>
-                                        </p:tgtEl>
-                                      </p:cBhvr>
-                                    </p:animEffect>
-                                  </p:childTnLst>
-                                </p:cTn>
-                              </p:par>
-                            </p:childTnLst>
-                          </p:cTn>
-                        </p:par>
-                      </p:childTnLst>
-                    </p:cTn>
-                  </p:par>
-                </p:childTnLst>
-              </p:cTn>
-              <p:prevCondLst>
-                <p:cond evt="onPrev" delay="0">
-                  <p:tgtEl>
-                    <p:sldTgt/>
-                  </p:tgtEl>
-                </p:cond>
-              </p:prevCondLst>
-              <p:nextCondLst>
-                <p:cond evt="onNext" delay="0">
-                  <p:tgtEl>
-                    <p:sldTgt/>
-                  </p:tgtEl>
-                </p:cond>
-              </p:nextCondLst>
-            </p:seq>
-          </p:childTnLst>
-        </p:cTn>
-      </p:par>
-    </p:tnLst>
-    <p:bldLst>
-      <p:bldP spid="8195" grpId="0"/>
-      <p:bldP spid="2" grpId="0"/>
-    </p:bldLst>
-  </p:timing>
-</p:sld>
-</file>
-
-<file path=ppt/slides/slide5.xml><?xml version="1.0" encoding="utf-8"?>
-<p:sld xmlns:a="http://schemas.openxmlformats.org/drawingml/2006/main" xmlns:r="http://schemas.openxmlformats.org/officeDocument/2006/relationships" xmlns:p="http://schemas.openxmlformats.org/presentationml/2006/main">
-  <p:cSld>
-    <p:spTree>
-      <p:nvGrpSpPr>
-        <p:cNvPr id="1" name=""/>
-        <p:cNvGrpSpPr/>
-        <p:nvPr/>
-      </p:nvGrpSpPr>
-      <p:grpSpPr>
-        <a:xfrm>
-          <a:off x="0" y="0"/>
-          <a:ext cx="0" cy="0"/>
-          <a:chOff x="0" y="0"/>
-          <a:chExt cx="0" cy="0"/>
-        </a:xfrm>
-      </p:grpSpPr>
-      <p:pic>
-        <p:nvPicPr>
-          <p:cNvPr id="1026" name="Picture 2" descr="Yahoo is joining the high-tech cluster that has sprouted in Playa Vista"/>
-          <p:cNvPicPr>
-            <a:picLocks noChangeAspect="1" noChangeArrowheads="1"/>
-          </p:cNvPicPr>
-          <p:nvPr/>
-        </p:nvPicPr>
-        <p:blipFill>
-          <a:blip r:embed="rId2">
-            <a:extLst>
-              <a:ext uri="{28A0092B-C50C-407E-A947-70E740481C1C}">
-                <a14:useLocalDpi xmlns:a14="http://schemas.microsoft.com/office/drawing/2010/main" val="0"/>
-              </a:ext>
-            </a:extLst>
-          </a:blip>
-          <a:srcRect/>
-          <a:stretch>
-            <a:fillRect/>
-          </a:stretch>
-        </p:blipFill>
-        <p:spPr bwMode="auto">
-          <a:xfrm>
-            <a:off x="152400" y="914400"/>
-            <a:ext cx="8938152" cy="5029200"/>
-          </a:xfrm>
-          <a:prstGeom prst="rect">
-            <a:avLst/>
-          </a:prstGeom>
-          <a:noFill/>
-          <a:extLst>
-            <a:ext uri="{909E8E84-426E-40DD-AFC4-6F175D3DCCD1}">
-              <a14:hiddenFill xmlns:a14="http://schemas.microsoft.com/office/drawing/2010/main">
-                <a:solidFill>
-                  <a:srgbClr val="FFFFFF"/>
-                </a:solidFill>
-              </a14:hiddenFill>
-            </a:ext>
-          </a:extLst>
-        </p:spPr>
-      </p:pic>
-      <p:sp>
-        <p:nvSpPr>
-          <p:cNvPr id="2" name="Slide Number Placeholder 1"/>
-          <p:cNvSpPr>
-            <a:spLocks noGrp="1"/>
-          </p:cNvSpPr>
-          <p:nvPr>
-            <p:ph type="sldNum" sz="quarter" idx="12"/>
-          </p:nvPr>
-        </p:nvSpPr>
-        <p:spPr/>
-        <p:txBody>
-          <a:bodyPr/>
-          <a:lstStyle/>
-          <a:p>
-            <a:pPr>
-              <a:defRPr/>
-            </a:pPr>
-            <a:fld id="{CD61FD94-992F-4CB2-AF3E-ECFB9D8DC22A}" type="slidenum">
-              <a:rPr lang="en-US" altLang="en-US" smtClean="0"/>
-              <a:pPr>
-                <a:defRPr/>
-              </a:pPr>
-              <a:t>5</a:t>
-            </a:fld>
-            <a:endParaRPr lang="en-US" altLang="en-US"/>
-          </a:p>
-        </p:txBody>
-      </p:sp>
-    </p:spTree>
-    <p:extLst>
-      <p:ext uri="{BB962C8B-B14F-4D97-AF65-F5344CB8AC3E}">
-        <p14:creationId xmlns:p14="http://schemas.microsoft.com/office/powerpoint/2010/main" val="3287222511"/>
-      </p:ext>
-    </p:extLst>
-  </p:cSld>
-  <p:clrMapOvr>
-    <a:masterClrMapping/>
-  </p:clrMapOvr>
-  <p:timing>
-    <p:tnLst>
-      <p:par>
-        <p:cTn id="1" dur="indefinite" restart="never" nodeType="tmRoot">
-          <p:childTnLst>
-            <p:seq concurrent="1" nextAc="seek">
-              <p:cTn id="2" dur="indefinite" nodeType="mainSeq">
-                <p:childTnLst>
-                  <p:par>
-                    <p:cTn id="3" fill="hold">
-                      <p:stCondLst>
-                        <p:cond delay="indefinite"/>
-                        <p:cond evt="onBegin" delay="0">
-                          <p:tn val="2"/>
-                        </p:cond>
-                      </p:stCondLst>
-                      <p:childTnLst>
-                        <p:par>
-                          <p:cTn id="4" fill="hold">
-                            <p:stCondLst>
-                              <p:cond delay="0"/>
-                            </p:stCondLst>
-                            <p:childTnLst>
-                              <p:par>
-                                <p:cTn id="5" presetID="10" presetClass="entr" presetSubtype="0" fill="hold" nodeType="withEffect">
-                                  <p:stCondLst>
-                                    <p:cond delay="0"/>
-                                  </p:stCondLst>
-                                  <p:childTnLst>
-                                    <p:set>
-                                      <p:cBhvr>
-                                        <p:cTn id="6" dur="1" fill="hold">
-                                          <p:stCondLst>
-                                            <p:cond delay="0"/>
-                                          </p:stCondLst>
-                                        </p:cTn>
-                                        <p:tgtEl>
-                                          <p:spTgt spid="1026"/>
-                                        </p:tgtEl>
-                                        <p:attrNameLst>
-                                          <p:attrName>style.visibility</p:attrName>
-                                        </p:attrNameLst>
-                                      </p:cBhvr>
-                                      <p:to>
-                                        <p:strVal val="visible"/>
-                                      </p:to>
-                                    </p:set>
-                                    <p:animEffect transition="in" filter="fade">
-                                      <p:cBhvr>
-                                        <p:cTn id="7" dur="500"/>
-                                        <p:tgtEl>
-                                          <p:spTgt spid="1026"/>
-                                        </p:tgtEl>
-                                      </p:cBhvr>
-                                    </p:animEffect>
-                                  </p:childTnLst>
-                                </p:cTn>
-                              </p:par>
-                            </p:childTnLst>
-                          </p:cTn>
-                        </p:par>
-                      </p:childTnLst>
-                    </p:cTn>
-                  </p:par>
-                </p:childTnLst>
-              </p:cTn>
-              <p:prevCondLst>
-                <p:cond evt="onPrev" delay="0">
-                  <p:tgtEl>
-                    <p:sldTgt/>
-                  </p:tgtEl>
-                </p:cond>
-              </p:prevCondLst>
-              <p:nextCondLst>
-                <p:cond evt="onNext" delay="0">
-                  <p:tgtEl>
-                    <p:sldTgt/>
-                  </p:tgtEl>
-                </p:cond>
-              </p:nextCondLst>
-            </p:seq>
-          </p:childTnLst>
-        </p:cTn>
-      </p:par>
-    </p:tnLst>
-  </p:timing>
-</p:sld>
-</file>
-
-<file path=ppt/slides/slide6.xml><?xml version="1.0" encoding="utf-8"?>
-<p:sld xmlns:a="http://schemas.openxmlformats.org/drawingml/2006/main" xmlns:r="http://schemas.openxmlformats.org/officeDocument/2006/relationships" xmlns:p="http://schemas.openxmlformats.org/presentationml/2006/main">
-  <p:cSld>
-    <p:spTree>
-      <p:nvGrpSpPr>
-        <p:cNvPr id="1" name=""/>
-        <p:cNvGrpSpPr/>
-        <p:nvPr/>
-      </p:nvGrpSpPr>
-      <p:grpSpPr>
-        <a:xfrm>
-          <a:off x="0" y="0"/>
-          <a:ext cx="0" cy="0"/>
-          <a:chOff x="0" y="0"/>
-          <a:chExt cx="0" cy="0"/>
-        </a:xfrm>
-      </p:grpSpPr>
-      <p:pic>
-        <p:nvPicPr>
-          <p:cNvPr id="3" name="Picture 2"/>
-          <p:cNvPicPr>
-            <a:picLocks noChangeAspect="1"/>
-          </p:cNvPicPr>
-          <p:nvPr/>
-        </p:nvPicPr>
-        <p:blipFill>
-          <a:blip r:embed="rId2"/>
-          <a:stretch>
-            <a:fillRect/>
-          </a:stretch>
-        </p:blipFill>
-        <p:spPr>
-          <a:xfrm>
-            <a:off x="914400" y="76199"/>
-            <a:ext cx="7315200" cy="6755845"/>
-          </a:xfrm>
-          <a:prstGeom prst="rect">
-            <a:avLst/>
-          </a:prstGeom>
-        </p:spPr>
-      </p:pic>
-      <p:sp>
-        <p:nvSpPr>
-          <p:cNvPr id="2" name="Slide Number Placeholder 1"/>
-          <p:cNvSpPr>
-            <a:spLocks noGrp="1"/>
-          </p:cNvSpPr>
-          <p:nvPr>
-            <p:ph type="sldNum" sz="quarter" idx="12"/>
-          </p:nvPr>
-        </p:nvSpPr>
-        <p:spPr/>
-        <p:txBody>
-          <a:bodyPr/>
-          <a:lstStyle/>
-          <a:p>
-            <a:pPr>
-              <a:defRPr/>
-            </a:pPr>
-            <a:fld id="{CD61FD94-992F-4CB2-AF3E-ECFB9D8DC22A}" type="slidenum">
-              <a:rPr lang="en-US" altLang="en-US" smtClean="0"/>
-              <a:pPr>
-                <a:defRPr/>
-              </a:pPr>
-              <a:t>6</a:t>
-            </a:fld>
-            <a:endParaRPr lang="en-US" altLang="en-US"/>
-          </a:p>
-        </p:txBody>
-      </p:sp>
-    </p:spTree>
-    <p:extLst>
-      <p:ext uri="{BB962C8B-B14F-4D97-AF65-F5344CB8AC3E}">
-        <p14:creationId xmlns:p14="http://schemas.microsoft.com/office/powerpoint/2010/main" val="60188672"/>
-      </p:ext>
-    </p:extLst>
-  </p:cSld>
-  <p:clrMapOvr>
-    <a:masterClrMapping/>
-  </p:clrMapOvr>
-  <p:timing>
-    <p:tnLst>
-      <p:par>
-        <p:cTn id="1" dur="indefinite" restart="never" nodeType="tmRoot">
-          <p:childTnLst>
-            <p:seq concurrent="1" nextAc="seek">
-              <p:cTn id="2" dur="indefinite" nodeType="mainSeq">
-                <p:childTnLst>
-                  <p:par>
-                    <p:cTn id="3" fill="hold">
-                      <p:stCondLst>
-                        <p:cond delay="indefinite"/>
-                        <p:cond evt="onBegin" delay="0">
-                          <p:tn val="2"/>
-                        </p:cond>
-                      </p:stCondLst>
-                      <p:childTnLst>
-                        <p:par>
-                          <p:cTn id="4" fill="hold">
-                            <p:stCondLst>
-                              <p:cond delay="0"/>
-                            </p:stCondLst>
-                            <p:childTnLst>
-                              <p:par>
-                                <p:cTn id="5" presetID="10" presetClass="entr" presetSubtype="0" fill="hold" nodeType="withEffect">
-                                  <p:stCondLst>
-                                    <p:cond delay="0"/>
-                                  </p:stCondLst>
-                                  <p:childTnLst>
-                                    <p:set>
-                                      <p:cBhvr>
-                                        <p:cTn id="6" dur="1" fill="hold">
-                                          <p:stCondLst>
-                                            <p:cond delay="0"/>
-                                          </p:stCondLst>
-                                        </p:cTn>
-                                        <p:tgtEl>
-                                          <p:spTgt spid="3"/>
-                                        </p:tgtEl>
-                                        <p:attrNameLst>
-                                          <p:attrName>style.visibility</p:attrName>
-                                        </p:attrNameLst>
-                                      </p:cBhvr>
-                                      <p:to>
-                                        <p:strVal val="visible"/>
-                                      </p:to>
-                                    </p:set>
-                                    <p:animEffect transition="in" filter="fade">
-                                      <p:cBhvr>
-                                        <p:cTn id="7" dur="500"/>
-                                        <p:tgtEl>
-                                          <p:spTgt spid="3"/>
-                                        </p:tgtEl>
-                                      </p:cBhvr>
-                                    </p:animEffect>
-                                  </p:childTnLst>
-                                </p:cTn>
-                              </p:par>
-                              <p:par>
-                                <p:cTn id="8" presetID="10" presetClass="entr" presetSubtype="0" fill="hold" grpId="0" nodeType="withEffect">
-                                  <p:stCondLst>
-                                    <p:cond delay="0"/>
-                                  </p:stCondLst>
-                                  <p:childTnLst>
-                                    <p:set>
-                                      <p:cBhvr>
-                                        <p:cTn id="9" dur="1" fill="hold">
-                                          <p:stCondLst>
-                                            <p:cond delay="0"/>
-                                          </p:stCondLst>
-                                        </p:cTn>
-                                        <p:tgtEl>
-                                          <p:spTgt spid="2"/>
-                                        </p:tgtEl>
-                                        <p:attrNameLst>
-                                          <p:attrName>style.visibility</p:attrName>
-                                        </p:attrNameLst>
-                                      </p:cBhvr>
-                                      <p:to>
-                                        <p:strVal val="visible"/>
-                                      </p:to>
-                                    </p:set>
-                                    <p:animEffect transition="in" filter="fade">
-                                      <p:cBhvr>
-                                        <p:cTn id="10" dur="500"/>
-                                        <p:tgtEl>
-                                          <p:spTgt spid="2"/>
-                                        </p:tgtEl>
-                                      </p:cBhvr>
-                                    </p:animEffect>
-                                  </p:childTnLst>
-                                </p:cTn>
-                              </p:par>
-                            </p:childTnLst>
-                          </p:cTn>
-                        </p:par>
-                      </p:childTnLst>
-                    </p:cTn>
-                  </p:par>
-                </p:childTnLst>
-              </p:cTn>
-              <p:prevCondLst>
-                <p:cond evt="onPrev" delay="0">
-                  <p:tgtEl>
-                    <p:sldTgt/>
-                  </p:tgtEl>
-                </p:cond>
-              </p:prevCondLst>
-              <p:nextCondLst>
-                <p:cond evt="onNext" delay="0">
-                  <p:tgtEl>
-                    <p:sldTgt/>
-                  </p:tgtEl>
-                </p:cond>
-              </p:nextCondLst>
-            </p:seq>
-          </p:childTnLst>
-        </p:cTn>
-      </p:par>
-    </p:tnLst>
-    <p:bldLst>
-      <p:bldP spid="2" grpId="0"/>
-    </p:bldLst>
-  </p:timing>
-</p:sld>
-</file>
-
-<file path=ppt/slides/slide7.xml><?xml version="1.0" encoding="utf-8"?>
-<p:sld xmlns:a="http://schemas.openxmlformats.org/drawingml/2006/main" xmlns:r="http://schemas.openxmlformats.org/officeDocument/2006/relationships" xmlns:p="http://schemas.openxmlformats.org/presentationml/2006/main">
-  <p:cSld>
-    <p:spTree>
-      <p:nvGrpSpPr>
-        <p:cNvPr id="1" name=""/>
-        <p:cNvGrpSpPr/>
-        <p:nvPr/>
-      </p:nvGrpSpPr>
-      <p:grpSpPr>
-        <a:xfrm>
-          <a:off x="0" y="0"/>
-          <a:ext cx="0" cy="0"/>
-          <a:chOff x="0" y="0"/>
-          <a:chExt cx="0" cy="0"/>
-        </a:xfrm>
-      </p:grpSpPr>
-      <p:sp>
-        <p:nvSpPr>
-          <p:cNvPr id="13314" name="Title 1"/>
-          <p:cNvSpPr>
-            <a:spLocks noGrp="1"/>
-          </p:cNvSpPr>
-          <p:nvPr>
-            <p:ph type="title"/>
-          </p:nvPr>
-        </p:nvSpPr>
-        <p:spPr/>
-        <p:txBody>
-          <a:bodyPr/>
-          <a:lstStyle/>
-          <a:p>
-            <a:r>
-              <a:rPr lang="en-US" altLang="en-US" sz="3200" dirty="0" smtClean="0"/>
-              <a:t>Skills</a:t>
-            </a:r>
-            <a:r>
-              <a:rPr lang="en-US" altLang="en-US" sz="3200" dirty="0"/>
-              <a:t>, knowledge, and abilities </a:t>
-            </a:r>
-            <a:r>
-              <a:rPr lang="en-US" altLang="en-US" sz="3200" dirty="0" smtClean="0"/>
-              <a:t>are employers looking for</a:t>
-            </a:r>
-            <a:r>
-              <a:rPr lang="en-US" altLang="en-US" sz="3200" dirty="0"/>
-              <a:t> </a:t>
-            </a:r>
-            <a:r>
-              <a:rPr lang="en-US" altLang="en-US" sz="3200" dirty="0" smtClean="0"/>
-              <a:t>in entry-level employees</a:t>
-            </a:r>
-            <a:endParaRPr lang="en-US" altLang="en-US" sz="2000" dirty="0" smtClean="0"/>
-          </a:p>
-        </p:txBody>
-      </p:sp>
-      <p:sp>
-        <p:nvSpPr>
-          <p:cNvPr id="12292" name="Slide Number Placeholder 3"/>
-          <p:cNvSpPr>
-            <a:spLocks noGrp="1"/>
-          </p:cNvSpPr>
-          <p:nvPr>
-            <p:ph type="sldNum" sz="quarter" idx="12"/>
-          </p:nvPr>
-        </p:nvSpPr>
-        <p:spPr>
-          <a:noFill/>
-        </p:spPr>
-        <p:txBody>
-          <a:bodyPr/>
-          <a:lstStyle>
-            <a:lvl1pPr>
-              <a:spcBef>
-                <a:spcPct val="20000"/>
-              </a:spcBef>
-              <a:buChar char="•"/>
-              <a:defRPr sz="3200">
-                <a:solidFill>
-                  <a:schemeClr val="tx1"/>
-                </a:solidFill>
-                <a:latin typeface="Lucida Sans" panose="020B0602040502020204" pitchFamily="34" charset="0"/>
-              </a:defRPr>
-            </a:lvl1pPr>
-            <a:lvl2pPr marL="742950" indent="-285750">
-              <a:spcBef>
-                <a:spcPct val="20000"/>
-              </a:spcBef>
-              <a:buChar char="–"/>
-              <a:defRPr sz="2800">
-                <a:solidFill>
-                  <a:schemeClr val="tx1"/>
-                </a:solidFill>
-                <a:latin typeface="Lucida Sans" panose="020B0602040502020204" pitchFamily="34" charset="0"/>
-              </a:defRPr>
-            </a:lvl2pPr>
-            <a:lvl3pPr marL="1143000" indent="-228600">
-              <a:spcBef>
-                <a:spcPct val="20000"/>
-              </a:spcBef>
-              <a:buChar char="•"/>
-              <a:defRPr sz="2400">
-                <a:solidFill>
-                  <a:schemeClr val="tx1"/>
-                </a:solidFill>
-                <a:latin typeface="Lucida Sans" panose="020B0602040502020204" pitchFamily="34" charset="0"/>
-              </a:defRPr>
-            </a:lvl3pPr>
-            <a:lvl4pPr marL="1600200" indent="-228600">
-              <a:spcBef>
-                <a:spcPct val="20000"/>
-              </a:spcBef>
-              <a:buChar char="–"/>
-              <a:defRPr sz="2000">
-                <a:solidFill>
-                  <a:schemeClr val="tx1"/>
-                </a:solidFill>
-                <a:latin typeface="Lucida Sans" panose="020B0602040502020204" pitchFamily="34" charset="0"/>
-              </a:defRPr>
-            </a:lvl4pPr>
-            <a:lvl5pPr marL="2057400" indent="-228600">
-              <a:spcBef>
-                <a:spcPct val="20000"/>
-              </a:spcBef>
-              <a:buChar char="»"/>
-              <a:defRPr sz="2000">
-                <a:solidFill>
-                  <a:schemeClr val="tx1"/>
-                </a:solidFill>
-                <a:latin typeface="Lucida Sans" panose="020B0602040502020204" pitchFamily="34" charset="0"/>
-              </a:defRPr>
-            </a:lvl5pPr>
-            <a:lvl6pPr marL="2514600" indent="-228600" eaLnBrk="0" fontAlgn="base" hangingPunct="0">
-              <a:spcBef>
-                <a:spcPct val="20000"/>
-              </a:spcBef>
-              <a:spcAft>
-                <a:spcPct val="0"/>
-              </a:spcAft>
-              <a:buChar char="»"/>
-              <a:defRPr sz="2000">
-                <a:solidFill>
-                  <a:schemeClr val="tx1"/>
-                </a:solidFill>
-                <a:latin typeface="Lucida Sans" panose="020B0602040502020204" pitchFamily="34" charset="0"/>
-              </a:defRPr>
-            </a:lvl6pPr>
-            <a:lvl7pPr marL="2971800" indent="-228600" eaLnBrk="0" fontAlgn="base" hangingPunct="0">
-              <a:spcBef>
-                <a:spcPct val="20000"/>
-              </a:spcBef>
-              <a:spcAft>
-                <a:spcPct val="0"/>
-              </a:spcAft>
-              <a:buChar char="»"/>
-              <a:defRPr sz="2000">
-                <a:solidFill>
-                  <a:schemeClr val="tx1"/>
-                </a:solidFill>
-                <a:latin typeface="Lucida Sans" panose="020B0602040502020204" pitchFamily="34" charset="0"/>
-              </a:defRPr>
-            </a:lvl7pPr>
-            <a:lvl8pPr marL="3429000" indent="-228600" eaLnBrk="0" fontAlgn="base" hangingPunct="0">
-              <a:spcBef>
-                <a:spcPct val="20000"/>
-              </a:spcBef>
-              <a:spcAft>
-                <a:spcPct val="0"/>
-              </a:spcAft>
-              <a:buChar char="»"/>
-              <a:defRPr sz="2000">
-                <a:solidFill>
-                  <a:schemeClr val="tx1"/>
-                </a:solidFill>
-                <a:latin typeface="Lucida Sans" panose="020B0602040502020204" pitchFamily="34" charset="0"/>
-              </a:defRPr>
-            </a:lvl8pPr>
-            <a:lvl9pPr marL="3886200" indent="-228600" eaLnBrk="0" fontAlgn="base" hangingPunct="0">
-              <a:spcBef>
-                <a:spcPct val="20000"/>
-              </a:spcBef>
-              <a:spcAft>
-                <a:spcPct val="0"/>
-              </a:spcAft>
-              <a:buChar char="»"/>
-              <a:defRPr sz="2000">
-                <a:solidFill>
-                  <a:schemeClr val="tx1"/>
-                </a:solidFill>
-                <a:latin typeface="Lucida Sans" panose="020B0602040502020204" pitchFamily="34" charset="0"/>
-              </a:defRPr>
-            </a:lvl9pPr>
-          </a:lstStyle>
-          <a:p>
-            <a:pPr>
-              <a:spcBef>
-                <a:spcPct val="0"/>
-              </a:spcBef>
-              <a:buFontTx/>
-              <a:buNone/>
-            </a:pPr>
-            <a:fld id="{48202079-7390-46A3-9005-AB5CB9E0AE0F}" type="slidenum">
-              <a:rPr lang="en-US" altLang="en-US" sz="1400" smtClean="0">
-                <a:latin typeface="Arial" panose="020B0604020202020204" pitchFamily="34" charset="0"/>
-              </a:rPr>
-              <a:pPr>
-                <a:spcBef>
-                  <a:spcPct val="0"/>
-                </a:spcBef>
-                <a:buFontTx/>
-                <a:buNone/>
-              </a:pPr>
-              <a:t>7</a:t>
-            </a:fld>
-            <a:endParaRPr lang="en-US" altLang="en-US" sz="1400" smtClean="0">
-              <a:latin typeface="Arial" panose="020B0604020202020204" pitchFamily="34" charset="0"/>
-            </a:endParaRPr>
-          </a:p>
-        </p:txBody>
-      </p:sp>
-      <p:sp>
-        <p:nvSpPr>
-          <p:cNvPr id="7" name="TextBox 6"/>
-          <p:cNvSpPr txBox="1"/>
-          <p:nvPr/>
-        </p:nvSpPr>
-        <p:spPr>
-          <a:xfrm>
-            <a:off x="1036383" y="6253934"/>
-            <a:ext cx="7034170" cy="338554"/>
-          </a:xfrm>
-          <a:prstGeom prst="rect">
-            <a:avLst/>
-          </a:prstGeom>
-          <a:noFill/>
-        </p:spPr>
-        <p:txBody>
-          <a:bodyPr wrap="none" rtlCol="0">
-            <a:spAutoFit/>
-          </a:bodyPr>
-          <a:lstStyle/>
-          <a:p>
-            <a:r>
-              <a:rPr lang="en-US" sz="1600" i="1" dirty="0" smtClean="0"/>
-              <a:t>Source</a:t>
-            </a:r>
-            <a:r>
-              <a:rPr lang="en-US" sz="1600" dirty="0" smtClean="0"/>
-              <a:t>: Job Outlook 2017, National Association of College and Employers</a:t>
-            </a:r>
-            <a:endParaRPr lang="en-US" sz="1600" dirty="0"/>
-          </a:p>
-        </p:txBody>
-      </p:sp>
-      <p:pic>
-        <p:nvPicPr>
-          <p:cNvPr id="2" name="Picture 1"/>
-          <p:cNvPicPr>
-            <a:picLocks noChangeAspect="1"/>
-          </p:cNvPicPr>
-          <p:nvPr/>
-        </p:nvPicPr>
-        <p:blipFill>
-          <a:blip r:embed="rId2"/>
-          <a:stretch>
-            <a:fillRect/>
-          </a:stretch>
-        </p:blipFill>
-        <p:spPr>
-          <a:xfrm>
-            <a:off x="762000" y="1710626"/>
-            <a:ext cx="7800000" cy="4219048"/>
-          </a:xfrm>
-          <a:prstGeom prst="rect">
-            <a:avLst/>
-          </a:prstGeom>
-        </p:spPr>
-      </p:pic>
-    </p:spTree>
-    <p:extLst>
-      <p:ext uri="{BB962C8B-B14F-4D97-AF65-F5344CB8AC3E}">
-        <p14:creationId xmlns:p14="http://schemas.microsoft.com/office/powerpoint/2010/main" val="1909969878"/>
-      </p:ext>
-    </p:extLst>
-  </p:cSld>
-  <p:clrMapOvr>
-    <a:masterClrMapping/>
-  </p:clrMapOvr>
-  <mc:AlternateContent xmlns:mc="http://schemas.openxmlformats.org/markup-compatibility/2006" xmlns:p14="http://schemas.microsoft.com/office/powerpoint/2010/main">
-    <mc:Choice Requires="p14">
-      <p:transition spd="slow" p14:dur="2000"/>
-    </mc:Choice>
-    <mc:Fallback xmlns="">
-      <p:transition spd="slow"/>
-    </mc:Fallback>
-  </mc:AlternateContent>
-  <p:timing>
-    <p:tnLst>
-      <p:par>
-        <p:cTn id="1" dur="indefinite" restart="never" nodeType="tmRoot">
-          <p:childTnLst>
-            <p:seq concurrent="1" nextAc="seek">
-              <p:cTn id="2" dur="indefinite" nodeType="mainSeq">
-                <p:childTnLst>
-                  <p:par>
-                    <p:cTn id="3" fill="hold">
-                      <p:stCondLst>
-                        <p:cond delay="indefinite"/>
-                        <p:cond evt="onBegin" delay="0">
-                          <p:tn val="2"/>
-                        </p:cond>
-                      </p:stCondLst>
-                      <p:childTnLst>
-                        <p:par>
-                          <p:cTn id="4" fill="hold">
-                            <p:stCondLst>
-                              <p:cond delay="0"/>
-                            </p:stCondLst>
-                            <p:childTnLst>
-                              <p:par>
-                                <p:cTn id="5" presetID="10" presetClass="entr" presetSubtype="0" fill="hold" grpId="0" nodeType="withEffect">
-                                  <p:stCondLst>
-                                    <p:cond delay="0"/>
-                                  </p:stCondLst>
-                                  <p:childTnLst>
-                                    <p:set>
-                                      <p:cBhvr>
-                                        <p:cTn id="6" dur="1" fill="hold">
-                                          <p:stCondLst>
-                                            <p:cond delay="0"/>
-                                          </p:stCondLst>
-                                        </p:cTn>
-                                        <p:tgtEl>
-                                          <p:spTgt spid="13314"/>
-                                        </p:tgtEl>
-                                        <p:attrNameLst>
-                                          <p:attrName>style.visibility</p:attrName>
-                                        </p:attrNameLst>
-                                      </p:cBhvr>
-                                      <p:to>
-                                        <p:strVal val="visible"/>
-                                      </p:to>
-                                    </p:set>
-                                    <p:animEffect transition="in" filter="fade">
-                                      <p:cBhvr>
-                                        <p:cTn id="7" dur="500"/>
-                                        <p:tgtEl>
-                                          <p:spTgt spid="13314"/>
-                                        </p:tgtEl>
-                                      </p:cBhvr>
-                                    </p:animEffect>
-                                  </p:childTnLst>
-                                </p:cTn>
-                              </p:par>
-                              <p:par>
-                                <p:cTn id="8" presetID="10" presetClass="entr" presetSubtype="0" fill="hold" grpId="0" nodeType="withEffect">
-                                  <p:stCondLst>
-                                    <p:cond delay="0"/>
-                                  </p:stCondLst>
-                                  <p:childTnLst>
-                                    <p:set>
-                                      <p:cBhvr>
-                                        <p:cTn id="9" dur="1" fill="hold">
-                                          <p:stCondLst>
-                                            <p:cond delay="0"/>
-                                          </p:stCondLst>
-                                        </p:cTn>
-                                        <p:tgtEl>
-                                          <p:spTgt spid="12292"/>
-                                        </p:tgtEl>
-                                        <p:attrNameLst>
-                                          <p:attrName>style.visibility</p:attrName>
-                                        </p:attrNameLst>
-                                      </p:cBhvr>
-                                      <p:to>
-                                        <p:strVal val="visible"/>
-                                      </p:to>
-                                    </p:set>
-                                    <p:animEffect transition="in" filter="fade">
-                                      <p:cBhvr>
-                                        <p:cTn id="10" dur="500"/>
-                                        <p:tgtEl>
-                                          <p:spTgt spid="12292"/>
-                                        </p:tgtEl>
-                                      </p:cBhvr>
-                                    </p:animEffect>
-                                  </p:childTnLst>
-                                </p:cTn>
-                              </p:par>
-                              <p:par>
-                                <p:cTn id="11" presetID="10" presetClass="entr" presetSubtype="0" fill="hold" grpId="0" nodeType="withEffect">
-                                  <p:stCondLst>
-                                    <p:cond delay="0"/>
-                                  </p:stCondLst>
-                                  <p:childTnLst>
-                                    <p:set>
-                                      <p:cBhvr>
-                                        <p:cTn id="12" dur="1" fill="hold">
-                                          <p:stCondLst>
-                                            <p:cond delay="0"/>
-                                          </p:stCondLst>
-                                        </p:cTn>
-                                        <p:tgtEl>
-                                          <p:spTgt spid="7"/>
-                                        </p:tgtEl>
-                                        <p:attrNameLst>
-                                          <p:attrName>style.visibility</p:attrName>
-                                        </p:attrNameLst>
-                                      </p:cBhvr>
-                                      <p:to>
-                                        <p:strVal val="visible"/>
-                                      </p:to>
-                                    </p:set>
-                                    <p:animEffect transition="in" filter="fade">
-                                      <p:cBhvr>
-                                        <p:cTn id="13" dur="500"/>
-                                        <p:tgtEl>
-                                          <p:spTgt spid="7"/>
-                                        </p:tgtEl>
-                                      </p:cBhvr>
-                                    </p:animEffect>
-                                  </p:childTnLst>
-                                </p:cTn>
-                              </p:par>
-                            </p:childTnLst>
-                          </p:cTn>
-                        </p:par>
-                      </p:childTnLst>
-                    </p:cTn>
-                  </p:par>
-                </p:childTnLst>
-              </p:cTn>
-              <p:prevCondLst>
-                <p:cond evt="onPrev" delay="0">
-                  <p:tgtEl>
-                    <p:sldTgt/>
-                  </p:tgtEl>
-                </p:cond>
-              </p:prevCondLst>
-              <p:nextCondLst>
-                <p:cond evt="onNext" delay="0">
-                  <p:tgtEl>
-                    <p:sldTgt/>
-                  </p:tgtEl>
-                </p:cond>
-              </p:nextCondLst>
-            </p:seq>
-          </p:childTnLst>
-        </p:cTn>
-      </p:par>
-    </p:tnLst>
-    <p:bldLst>
-      <p:bldP spid="13314" grpId="0"/>
-      <p:bldP spid="12292" grpId="0"/>
-      <p:bldP spid="7" grpId="0"/>
-    </p:bldLst>
-  </p:timing>
-</p:sld>
-</file>
-
 <file path=ppt/slides/slide8.xml><?xml version="1.0" encoding="utf-8"?>
 <p:sld xmlns:a="http://schemas.openxmlformats.org/drawingml/2006/main" xmlns:r="http://schemas.openxmlformats.org/officeDocument/2006/relationships" xmlns:p="http://schemas.openxmlformats.org/presentationml/2006/main">
   <p:cSld>
@@ -10115,7 +11523,7 @@
           <a:p>
             <a:r>
               <a:rPr lang="en-US" dirty="0" smtClean="0"/>
-              <a:t>What is Data Science?</a:t>
+              <a:t>What do real world data science needs look like?</a:t>
             </a:r>
             <a:endParaRPr lang="en-US" dirty="0"/>
           </a:p>
@@ -10153,7 +11561,7 @@
     </p:spTree>
     <p:extLst>
       <p:ext uri="{BB962C8B-B14F-4D97-AF65-F5344CB8AC3E}">
-        <p14:creationId xmlns:p14="http://schemas.microsoft.com/office/powerpoint/2010/main" val="751678628"/>
+        <p14:creationId xmlns:p14="http://schemas.microsoft.com/office/powerpoint/2010/main" val="3296712805"/>
       </p:ext>
     </p:extLst>
   </p:cSld>
@@ -10203,10 +11611,10 @@
           <a:lstStyle/>
           <a:p>
             <a:r>
-              <a:rPr lang="en-US" sz="2400" dirty="0" smtClean="0"/>
-              <a:t>Curriculum Guidelines for Undergraduate Programs in Data Science (September, 2016)</a:t>
-            </a:r>
-            <a:endParaRPr lang="en-US" sz="2400" dirty="0"/>
+              <a:rPr lang="en-US" dirty="0" smtClean="0"/>
+              <a:t>Data Science needs:  Current Examples from the City of LA</a:t>
+            </a:r>
+            <a:endParaRPr lang="en-US" dirty="0"/>
           </a:p>
         </p:txBody>
       </p:sp>
@@ -10226,214 +11634,116 @@
           <a:lstStyle/>
           <a:p>
             <a:r>
-              <a:rPr lang="en-US" sz="1800" dirty="0" smtClean="0"/>
-              <a:t>Data Science is “the science </a:t>
-            </a:r>
-            <a:r>
-              <a:rPr lang="en-US" sz="1800" dirty="0"/>
-              <a:t>of </a:t>
-            </a:r>
-            <a:r>
-              <a:rPr lang="en-US" sz="1800" dirty="0" smtClean="0"/>
-              <a:t>planning </a:t>
-            </a:r>
-            <a:r>
-              <a:rPr lang="en-US" sz="1800" dirty="0"/>
-              <a:t>for, acquisition, management, analysis of, and inference from data</a:t>
-            </a:r>
-            <a:r>
-              <a:rPr lang="en-US" sz="1800" dirty="0" smtClean="0"/>
-              <a:t>.”</a:t>
-            </a:r>
-          </a:p>
-          <a:p>
-            <a:endParaRPr lang="en-US" sz="1800" dirty="0" smtClean="0"/>
-          </a:p>
-          <a:p>
-            <a:r>
-              <a:rPr lang="en-US" sz="1800" dirty="0" smtClean="0"/>
-              <a:t>Students would demonstrate mastery of skills </a:t>
-            </a:r>
-            <a:r>
-              <a:rPr lang="en-US" sz="1800" dirty="0"/>
-              <a:t>and concepts, including many traditionally associated with the fields </a:t>
-            </a:r>
-            <a:r>
-              <a:rPr lang="en-US" sz="1800" dirty="0" smtClean="0"/>
-              <a:t>of </a:t>
-            </a:r>
-            <a:r>
-              <a:rPr lang="en-US" sz="1800" u="sng" dirty="0" smtClean="0"/>
-              <a:t>Statistics</a:t>
-            </a:r>
-            <a:r>
-              <a:rPr lang="en-US" sz="1800" dirty="0"/>
-              <a:t>, </a:t>
-            </a:r>
-            <a:r>
-              <a:rPr lang="en-US" sz="1800" u="sng" dirty="0"/>
-              <a:t>Computer Science </a:t>
-            </a:r>
-            <a:r>
-              <a:rPr lang="en-US" sz="1800" dirty="0"/>
-              <a:t>and </a:t>
-            </a:r>
-            <a:r>
-              <a:rPr lang="en-US" sz="1800" u="sng" dirty="0"/>
-              <a:t>Mathematics</a:t>
-            </a:r>
-            <a:r>
-              <a:rPr lang="en-US" sz="1800" dirty="0"/>
-              <a:t>. </a:t>
-            </a:r>
-            <a:r>
-              <a:rPr lang="en-US" sz="1800" i="1" dirty="0" smtClean="0"/>
-              <a:t>Data </a:t>
-            </a:r>
-            <a:r>
-              <a:rPr lang="en-US" sz="1800" i="1" dirty="0"/>
-              <a:t>Science blends much of the </a:t>
-            </a:r>
-            <a:r>
-              <a:rPr lang="en-US" sz="1800" i="1" dirty="0" smtClean="0"/>
-              <a:t>pedagogical </a:t>
-            </a:r>
-            <a:r>
-              <a:rPr lang="en-US" sz="1800" i="1" dirty="0"/>
-              <a:t>content from all three disciplines, but it is </a:t>
-            </a:r>
-            <a:r>
-              <a:rPr lang="en-US" sz="1800" b="1" i="1" dirty="0"/>
-              <a:t>neither the simple intersection, nor </a:t>
-            </a:r>
-            <a:r>
-              <a:rPr lang="en-US" sz="1800" b="1" i="1" dirty="0" smtClean="0"/>
-              <a:t>the superset </a:t>
-            </a:r>
-            <a:r>
-              <a:rPr lang="en-US" sz="1800" b="1" i="1" dirty="0"/>
-              <a:t>of the three</a:t>
-            </a:r>
-            <a:r>
-              <a:rPr lang="en-US" sz="1800" i="1" dirty="0"/>
-              <a:t>.</a:t>
-            </a:r>
-            <a:r>
-              <a:rPr lang="en-US" sz="1800" dirty="0"/>
-              <a:t> </a:t>
-            </a:r>
-          </a:p>
-          <a:p>
-            <a:endParaRPr lang="en-US" sz="1800" dirty="0"/>
-          </a:p>
-          <a:p>
-            <a:r>
-              <a:rPr lang="en-US" sz="1800" dirty="0" smtClean="0"/>
-              <a:t>There is a fourth area of demonstrated mastery too: </a:t>
-            </a:r>
-            <a:r>
-              <a:rPr lang="en-US" sz="1800" u="sng" dirty="0" smtClean="0"/>
-              <a:t>subject-matter expertise</a:t>
-            </a:r>
-            <a:r>
-              <a:rPr lang="en-US" sz="1800" dirty="0" smtClean="0"/>
-              <a:t>.</a:t>
-            </a:r>
-          </a:p>
-          <a:p>
-            <a:r>
-              <a:rPr lang="en-US" sz="1800" dirty="0" smtClean="0"/>
-              <a:t>Building upon </a:t>
-            </a:r>
-            <a:r>
-              <a:rPr lang="en-US" sz="1800" u="sng" dirty="0" smtClean="0"/>
-              <a:t>experimentation</a:t>
-            </a:r>
-            <a:r>
-              <a:rPr lang="en-US" sz="1800" dirty="0" smtClean="0"/>
-              <a:t>, </a:t>
-            </a:r>
-            <a:r>
-              <a:rPr lang="en-US" sz="1800" u="sng" dirty="0" smtClean="0"/>
-              <a:t>modeling</a:t>
-            </a:r>
-            <a:r>
-              <a:rPr lang="en-US" sz="1800" dirty="0" smtClean="0"/>
-              <a:t>, and </a:t>
-            </a:r>
-            <a:r>
-              <a:rPr lang="en-US" sz="1800" u="sng" dirty="0" smtClean="0"/>
-              <a:t>computation</a:t>
-            </a:r>
-            <a:r>
-              <a:rPr lang="en-US" sz="1800" dirty="0" smtClean="0"/>
-              <a:t>, there are some that believe that </a:t>
-            </a:r>
-            <a:r>
-              <a:rPr lang="en-US" sz="1800" u="sng" dirty="0" smtClean="0"/>
-              <a:t>data science</a:t>
-            </a:r>
-            <a:r>
-              <a:rPr lang="en-US" sz="1800" dirty="0" smtClean="0"/>
-              <a:t> </a:t>
-            </a:r>
-            <a:r>
-              <a:rPr lang="en-US" sz="1800" i="1" dirty="0" smtClean="0"/>
-              <a:t>is, in fact, a new, type of scientific discovery</a:t>
-            </a:r>
-            <a:r>
-              <a:rPr lang="en-US" sz="1800" dirty="0" smtClean="0"/>
-              <a:t>.</a:t>
-            </a:r>
-          </a:p>
-          <a:p>
-            <a:endParaRPr lang="en-US" sz="1800" dirty="0" smtClean="0"/>
-          </a:p>
-          <a:p>
-            <a:r>
-              <a:rPr lang="en-US" sz="1800" dirty="0" smtClean="0"/>
-              <a:t>Case-based, hands-on, and interdisciplinary</a:t>
-            </a:r>
-          </a:p>
-          <a:p>
-            <a:r>
-              <a:rPr lang="en-US" sz="1800" dirty="0"/>
-              <a:t>Additionally, some existing courses </a:t>
-            </a:r>
-            <a:r>
-              <a:rPr lang="en-US" sz="1800" dirty="0" smtClean="0"/>
-              <a:t>in statistics, math, and computer science, should </a:t>
-            </a:r>
-            <a:r>
-              <a:rPr lang="en-US" sz="1800" dirty="0"/>
-              <a:t>be partly re-designed for use in a data science curriculum.</a:t>
-            </a:r>
-          </a:p>
-          <a:p>
-            <a:r>
-              <a:rPr lang="en-US" sz="1800" dirty="0" smtClean="0">
-                <a:latin typeface="Consolas" panose="020B0609020204030204" pitchFamily="49" charset="0"/>
-                <a:hlinkClick r:id="rId2"/>
+              <a:rPr lang="en-US" dirty="0" smtClean="0">
+                <a:hlinkClick r:id="rId2" action="ppaction://hlinkfile"/>
               </a:rPr>
-              <a:t>https</a:t>
-            </a:r>
-            <a:r>
-              <a:rPr lang="en-US" sz="1800" dirty="0">
-                <a:latin typeface="Consolas" panose="020B0609020204030204" pitchFamily="49" charset="0"/>
-                <a:hlinkClick r:id="rId2"/>
+              <a:t>Elected </a:t>
+            </a:r>
+            <a:r>
+              <a:rPr lang="en-US" dirty="0">
+                <a:hlinkClick r:id="rId2" action="ppaction://hlinkfile"/>
               </a:rPr>
-              <a:t>://www.stat.berkeley.edu/~</a:t>
-            </a:r>
-            <a:r>
-              <a:rPr lang="en-US" sz="1800" dirty="0" smtClean="0">
-                <a:latin typeface="Consolas" panose="020B0609020204030204" pitchFamily="49" charset="0"/>
-                <a:hlinkClick r:id="rId2"/>
+              <a:t>Officials</a:t>
+            </a:r>
+            <a:endParaRPr lang="en-US" dirty="0"/>
+          </a:p>
+          <a:p>
+            <a:pPr lvl="1"/>
+            <a:r>
+              <a:rPr lang="en-US" dirty="0">
+                <a:hlinkClick r:id="rId3" action="ppaction://hlinkfile"/>
               </a:rPr>
-              <a:t>nolan/Papers/Data.Science.Guidelines.16.9.25.pdf</a:t>
-            </a:r>
-            <a:endParaRPr lang="en-US" sz="1800" dirty="0" smtClean="0">
-              <a:latin typeface="Consolas" panose="020B0609020204030204" pitchFamily="49" charset="0"/>
-            </a:endParaRPr>
+              <a:t>Affordable Housing Risk Scoring and Covent Risk Scoring</a:t>
+            </a:r>
+            <a:endParaRPr lang="en-US" dirty="0"/>
+          </a:p>
+          <a:p>
+            <a:pPr lvl="1"/>
+            <a:r>
+              <a:rPr lang="en-US" dirty="0">
+                <a:hlinkClick r:id="rId4" action="ppaction://hlinkfile"/>
+              </a:rPr>
+              <a:t>Downtown Transportation Analysis</a:t>
+            </a:r>
+            <a:endParaRPr lang="en-US" dirty="0"/>
+          </a:p>
+          <a:p>
+            <a:pPr lvl="1"/>
+            <a:r>
+              <a:rPr lang="en-US" dirty="0" smtClean="0">
+                <a:hlinkClick r:id="rId5" action="ppaction://hlinkfile"/>
+              </a:rPr>
+              <a:t>Street </a:t>
+            </a:r>
+            <a:r>
+              <a:rPr lang="en-US" dirty="0">
+                <a:hlinkClick r:id="rId5" action="ppaction://hlinkfile"/>
+              </a:rPr>
+              <a:t>Pavement Prioritization and Early Warning System</a:t>
+            </a:r>
+            <a:endParaRPr lang="en-US" dirty="0"/>
+          </a:p>
+          <a:p>
+            <a:pPr lvl="1"/>
+            <a:r>
+              <a:rPr lang="en-US" dirty="0">
+                <a:hlinkClick r:id="rId6" action="ppaction://hlinkfile"/>
+              </a:rPr>
+              <a:t>Property Values and Affordable and Low Income Housing</a:t>
+            </a:r>
+            <a:endParaRPr lang="en-US" dirty="0"/>
+          </a:p>
+          <a:p>
+            <a:pPr lvl="1"/>
+            <a:r>
+              <a:rPr lang="en-US" dirty="0">
+                <a:hlinkClick r:id="rId7" action="ppaction://hlinkfile"/>
+              </a:rPr>
+              <a:t>LAPD Recruitment Performance Dashboard</a:t>
+            </a:r>
+            <a:endParaRPr lang="en-US" dirty="0"/>
+          </a:p>
+          <a:p>
+            <a:pPr lvl="1"/>
+            <a:r>
+              <a:rPr lang="en-US" dirty="0">
+                <a:hlinkClick r:id="rId8" action="ppaction://hlinkfile"/>
+              </a:rPr>
+              <a:t>CAP tracking enhancements, dashboards, and integration with other Personnel systems</a:t>
+            </a:r>
+            <a:endParaRPr lang="en-US" dirty="0"/>
+          </a:p>
+          <a:p>
+            <a:pPr lvl="1"/>
+            <a:r>
+              <a:rPr lang="en-US" dirty="0" smtClean="0">
+                <a:hlinkClick r:id="rId9" action="ppaction://hlinkfile"/>
+              </a:rPr>
+              <a:t>Attrition </a:t>
+            </a:r>
+            <a:r>
+              <a:rPr lang="en-US" dirty="0">
+                <a:hlinkClick r:id="rId9" action="ppaction://hlinkfile"/>
+              </a:rPr>
+              <a:t>prediction tool</a:t>
+            </a:r>
+            <a:endParaRPr lang="en-US" dirty="0"/>
+          </a:p>
+          <a:p>
+            <a:pPr lvl="1"/>
+            <a:r>
+              <a:rPr lang="en-US" dirty="0">
+                <a:hlinkClick r:id="rId10" action="ppaction://hlinkfile"/>
+              </a:rPr>
+              <a:t>Homelessness Services </a:t>
+            </a:r>
+            <a:r>
+              <a:rPr lang="en-US" dirty="0" smtClean="0">
+                <a:hlinkClick r:id="rId10" action="ppaction://hlinkfile"/>
+              </a:rPr>
+              <a:t>Matcher</a:t>
+            </a:r>
+            <a:endParaRPr lang="en-US" dirty="0"/>
           </a:p>
         </p:txBody>
       </p:sp>
@@ -10469,7 +11779,7 @@
     </p:spTree>
     <p:extLst>
       <p:ext uri="{BB962C8B-B14F-4D97-AF65-F5344CB8AC3E}">
-        <p14:creationId xmlns:p14="http://schemas.microsoft.com/office/powerpoint/2010/main" val="2687582007"/>
+        <p14:creationId xmlns:p14="http://schemas.microsoft.com/office/powerpoint/2010/main" val="3851471638"/>
       </p:ext>
     </p:extLst>
   </p:cSld>

--- a/dj2018.pptx
+++ b/dj2018.pptx
@@ -13283,77 +13283,95 @@
           <a:lstStyle/>
           <a:p>
             <a:r>
-              <a:rPr lang="en-US" dirty="0"/>
+              <a:rPr lang="en-US" sz="2400" dirty="0"/>
               <a:t>Hernandez, D., and Greenwald T. (August 11, 2018), “IBM Has a Dilemma”, </a:t>
             </a:r>
             <a:r>
-              <a:rPr lang="en-US" i="1" dirty="0"/>
+              <a:rPr lang="en-US" sz="2400" i="1" dirty="0"/>
               <a:t>Wall Street Journal</a:t>
             </a:r>
             <a:r>
-              <a:rPr lang="en-US" dirty="0" smtClean="0"/>
+              <a:rPr lang="en-US" sz="2400" dirty="0" smtClean="0"/>
               <a:t>.</a:t>
             </a:r>
           </a:p>
           <a:p>
             <a:r>
-              <a:rPr lang="en-US" dirty="0" smtClean="0"/>
+              <a:rPr lang="en-US" sz="2400" dirty="0" smtClean="0"/>
               <a:t>Muller, J. (2018), </a:t>
             </a:r>
             <a:r>
-              <a:rPr lang="en-US" i="1" dirty="0" smtClean="0"/>
+              <a:rPr lang="en-US" sz="2400" i="1" dirty="0" smtClean="0"/>
               <a:t>The Tyranny of Metrics</a:t>
             </a:r>
             <a:r>
-              <a:rPr lang="en-US" dirty="0" smtClean="0"/>
+              <a:rPr lang="en-US" sz="2400" dirty="0" smtClean="0"/>
               <a:t>, Princeton University Press.</a:t>
             </a:r>
           </a:p>
           <a:p>
             <a:r>
-              <a:rPr lang="en-US" dirty="0" smtClean="0"/>
+              <a:rPr lang="en-US" sz="2400" dirty="0" smtClean="0"/>
               <a:t>O’Neill, C. </a:t>
             </a:r>
             <a:r>
-              <a:rPr lang="en-US" dirty="0"/>
+              <a:rPr lang="en-US" sz="2400" dirty="0"/>
               <a:t>(</a:t>
             </a:r>
             <a:r>
-              <a:rPr lang="en-US" dirty="0" smtClean="0"/>
+              <a:rPr lang="en-US" sz="2400" dirty="0" smtClean="0"/>
               <a:t>2017), </a:t>
             </a:r>
             <a:r>
-              <a:rPr lang="en-US" i="1" dirty="0" smtClean="0"/>
+              <a:rPr lang="en-US" sz="2400" i="1" dirty="0" smtClean="0"/>
               <a:t>Weapons of Math Destruction: How Big Data Increases Inequity and Threatens Democracy</a:t>
             </a:r>
             <a:r>
-              <a:rPr lang="en-US" dirty="0" smtClean="0"/>
+              <a:rPr lang="en-US" sz="2400" dirty="0" smtClean="0"/>
               <a:t>, Broadway Books.</a:t>
             </a:r>
-            <a:endParaRPr lang="en-US" dirty="0"/>
-          </a:p>
-          <a:p>
-            <a:r>
-              <a:rPr lang="en-US" dirty="0" smtClean="0"/>
+            <a:endParaRPr lang="en-US" sz="2400" dirty="0"/>
+          </a:p>
+          <a:p>
+            <a:r>
+              <a:rPr lang="en-US" sz="2400" dirty="0" smtClean="0"/>
               <a:t>Pearl, J. (2018), </a:t>
             </a:r>
             <a:r>
-              <a:rPr lang="en-US" i="1" dirty="0" smtClean="0"/>
+              <a:rPr lang="en-US" sz="2400" i="1" dirty="0" smtClean="0"/>
               <a:t>The Book of Why: The New Science of Cause and Effect</a:t>
             </a:r>
             <a:r>
-              <a:rPr lang="en-US" dirty="0" smtClean="0"/>
+              <a:rPr lang="en-US" sz="2400" dirty="0" smtClean="0"/>
               <a:t>, Basic </a:t>
             </a:r>
             <a:r>
-              <a:rPr lang="en-US" dirty="0"/>
+              <a:rPr lang="en-US" sz="2400" dirty="0"/>
               <a:t>Books</a:t>
             </a:r>
             <a:r>
-              <a:rPr lang="en-US" dirty="0" smtClean="0"/>
+              <a:rPr lang="en-US" sz="2400" dirty="0" smtClean="0"/>
               <a:t>.</a:t>
             </a:r>
-            <a:endParaRPr lang="en-US" dirty="0"/>
+          </a:p>
+          <a:p>
+            <a:r>
+              <a:rPr lang="en-US" sz="2400" dirty="0" smtClean="0"/>
+              <a:t>Tenner, E. </a:t>
+            </a:r>
+            <a:r>
+              <a:rPr lang="en-US" sz="2400" dirty="0"/>
+              <a:t>(2018), </a:t>
+            </a:r>
+            <a:r>
+              <a:rPr lang="en-US" sz="2400" i="1" dirty="0" smtClean="0"/>
+              <a:t>The Efficiency Paradox: What Big Data Can’t Do</a:t>
+            </a:r>
+            <a:r>
+              <a:rPr lang="en-US" sz="2400" dirty="0" smtClean="0"/>
+              <a:t>, Alfred A. Knopf.</a:t>
+            </a:r>
+            <a:endParaRPr lang="en-US" sz="2400" dirty="0"/>
           </a:p>
         </p:txBody>
       </p:sp>

--- a/dj2018.pptx
+++ b/dj2018.pptx
@@ -5,7 +5,7 @@
     <p:sldMasterId id="2147483648" r:id="rId1"/>
   </p:sldMasterIdLst>
   <p:notesMasterIdLst>
-    <p:notesMasterId r:id="rId36"/>
+    <p:notesMasterId r:id="rId34"/>
   </p:notesMasterIdLst>
   <p:sldIdLst>
     <p:sldId id="264" r:id="rId2"/>
@@ -18,30 +18,28 @@
     <p:sldId id="477" r:id="rId9"/>
     <p:sldId id="497" r:id="rId10"/>
     <p:sldId id="489" r:id="rId11"/>
-    <p:sldId id="488" r:id="rId12"/>
-    <p:sldId id="495" r:id="rId13"/>
-    <p:sldId id="496" r:id="rId14"/>
-    <p:sldId id="478" r:id="rId15"/>
+    <p:sldId id="502" r:id="rId12"/>
+    <p:sldId id="488" r:id="rId13"/>
+    <p:sldId id="500" r:id="rId14"/>
+    <p:sldId id="501" r:id="rId15"/>
     <p:sldId id="479" r:id="rId16"/>
     <p:sldId id="481" r:id="rId17"/>
     <p:sldId id="482" r:id="rId18"/>
     <p:sldId id="499" r:id="rId19"/>
-    <p:sldId id="483" r:id="rId20"/>
-    <p:sldId id="485" r:id="rId21"/>
-    <p:sldId id="486" r:id="rId22"/>
-    <p:sldId id="498" r:id="rId23"/>
-    <p:sldId id="493" r:id="rId24"/>
-    <p:sldId id="480" r:id="rId25"/>
-    <p:sldId id="476" r:id="rId26"/>
-    <p:sldId id="490" r:id="rId27"/>
-    <p:sldId id="468" r:id="rId28"/>
-    <p:sldId id="460" r:id="rId29"/>
-    <p:sldId id="461" r:id="rId30"/>
-    <p:sldId id="462" r:id="rId31"/>
-    <p:sldId id="463" r:id="rId32"/>
-    <p:sldId id="471" r:id="rId33"/>
-    <p:sldId id="475" r:id="rId34"/>
-    <p:sldId id="473" r:id="rId35"/>
+    <p:sldId id="503" r:id="rId20"/>
+    <p:sldId id="483" r:id="rId21"/>
+    <p:sldId id="493" r:id="rId22"/>
+    <p:sldId id="480" r:id="rId23"/>
+    <p:sldId id="476" r:id="rId24"/>
+    <p:sldId id="490" r:id="rId25"/>
+    <p:sldId id="468" r:id="rId26"/>
+    <p:sldId id="460" r:id="rId27"/>
+    <p:sldId id="461" r:id="rId28"/>
+    <p:sldId id="462" r:id="rId29"/>
+    <p:sldId id="463" r:id="rId30"/>
+    <p:sldId id="471" r:id="rId31"/>
+    <p:sldId id="475" r:id="rId32"/>
+    <p:sldId id="473" r:id="rId33"/>
   </p:sldIdLst>
   <p:sldSz cx="9144000" cy="6858000" type="screen4x3"/>
   <p:notesSz cx="7010400" cy="9296400"/>
@@ -6005,6 +6003,114 @@
           <a:p>
             <a:r>
               <a:rPr lang="en-US" dirty="0" smtClean="0"/>
+              <a:t>Commercial Packages too</a:t>
+            </a:r>
+            <a:endParaRPr lang="en-US" dirty="0"/>
+          </a:p>
+        </p:txBody>
+      </p:sp>
+      <p:sp>
+        <p:nvSpPr>
+          <p:cNvPr id="3" name="Content Placeholder 2"/>
+          <p:cNvSpPr>
+            <a:spLocks noGrp="1"/>
+          </p:cNvSpPr>
+          <p:nvPr>
+            <p:ph idx="1"/>
+          </p:nvPr>
+        </p:nvSpPr>
+        <p:spPr/>
+        <p:txBody>
+          <a:bodyPr/>
+          <a:lstStyle/>
+          <a:p>
+            <a:endParaRPr lang="en-US"/>
+          </a:p>
+        </p:txBody>
+      </p:sp>
+      <p:sp>
+        <p:nvSpPr>
+          <p:cNvPr id="4" name="Slide Number Placeholder 3"/>
+          <p:cNvSpPr>
+            <a:spLocks noGrp="1"/>
+          </p:cNvSpPr>
+          <p:nvPr>
+            <p:ph type="sldNum" sz="quarter" idx="12"/>
+          </p:nvPr>
+        </p:nvSpPr>
+        <p:spPr/>
+        <p:txBody>
+          <a:bodyPr/>
+          <a:lstStyle/>
+          <a:p>
+            <a:pPr>
+              <a:defRPr/>
+            </a:pPr>
+            <a:fld id="{CD61FD94-992F-4CB2-AF3E-ECFB9D8DC22A}" type="slidenum">
+              <a:rPr lang="en-US" altLang="en-US" smtClean="0"/>
+              <a:pPr>
+                <a:defRPr/>
+              </a:pPr>
+              <a:t>11</a:t>
+            </a:fld>
+            <a:endParaRPr lang="en-US" altLang="en-US"/>
+          </a:p>
+        </p:txBody>
+      </p:sp>
+    </p:spTree>
+    <p:extLst>
+      <p:ext uri="{BB962C8B-B14F-4D97-AF65-F5344CB8AC3E}">
+        <p14:creationId xmlns:p14="http://schemas.microsoft.com/office/powerpoint/2010/main" val="4170158824"/>
+      </p:ext>
+    </p:extLst>
+  </p:cSld>
+  <p:clrMapOvr>
+    <a:masterClrMapping/>
+  </p:clrMapOvr>
+  <p:timing>
+    <p:tnLst>
+      <p:par>
+        <p:cTn id="1" dur="indefinite" restart="never" nodeType="tmRoot"/>
+      </p:par>
+    </p:tnLst>
+  </p:timing>
+</p:sld>
+</file>
+
+<file path=ppt/slides/slide12.xml><?xml version="1.0" encoding="utf-8"?>
+<p:sld xmlns:a="http://schemas.openxmlformats.org/drawingml/2006/main" xmlns:r="http://schemas.openxmlformats.org/officeDocument/2006/relationships" xmlns:p="http://schemas.openxmlformats.org/presentationml/2006/main">
+  <p:cSld>
+    <p:spTree>
+      <p:nvGrpSpPr>
+        <p:cNvPr id="1" name=""/>
+        <p:cNvGrpSpPr/>
+        <p:nvPr/>
+      </p:nvGrpSpPr>
+      <p:grpSpPr>
+        <a:xfrm>
+          <a:off x="0" y="0"/>
+          <a:ext cx="0" cy="0"/>
+          <a:chOff x="0" y="0"/>
+          <a:chExt cx="0" cy="0"/>
+        </a:xfrm>
+      </p:grpSpPr>
+      <p:sp>
+        <p:nvSpPr>
+          <p:cNvPr id="2" name="Title 1"/>
+          <p:cNvSpPr>
+            <a:spLocks noGrp="1"/>
+          </p:cNvSpPr>
+          <p:nvPr>
+            <p:ph type="title"/>
+          </p:nvPr>
+        </p:nvSpPr>
+        <p:spPr/>
+        <p:txBody>
+          <a:bodyPr/>
+          <a:lstStyle/>
+          <a:p>
+            <a:r>
+              <a:rPr lang="en-US" dirty="0" smtClean="0"/>
               <a:t>Next-Generation Science Standards</a:t>
             </a:r>
             <a:endParaRPr lang="en-US" dirty="0"/>
@@ -6088,7 +6194,7 @@
               <a:pPr>
                 <a:defRPr/>
               </a:pPr>
-              <a:t>11</a:t>
+              <a:t>12</a:t>
             </a:fld>
             <a:endParaRPr lang="en-US" altLang="en-US"/>
           </a:p>
@@ -6284,7 +6390,7 @@
               <a:pPr>
                 <a:defRPr/>
               </a:pPr>
-              <a:t>11</a:t>
+              <a:t>12</a:t>
             </a:fld>
             <a:endParaRPr lang="en-US" altLang="en-US"/>
           </a:p>
@@ -7099,754 +7205,6 @@
 </p:sld>
 </file>
 
-<file path=ppt/slides/slide12.xml><?xml version="1.0" encoding="utf-8"?>
-<p:sld xmlns:a="http://schemas.openxmlformats.org/drawingml/2006/main" xmlns:r="http://schemas.openxmlformats.org/officeDocument/2006/relationships" xmlns:p="http://schemas.openxmlformats.org/presentationml/2006/main">
-  <p:cSld>
-    <p:spTree>
-      <p:nvGrpSpPr>
-        <p:cNvPr id="1" name=""/>
-        <p:cNvGrpSpPr/>
-        <p:nvPr/>
-      </p:nvGrpSpPr>
-      <p:grpSpPr>
-        <a:xfrm>
-          <a:off x="0" y="0"/>
-          <a:ext cx="0" cy="0"/>
-          <a:chOff x="0" y="0"/>
-          <a:chExt cx="0" cy="0"/>
-        </a:xfrm>
-      </p:grpSpPr>
-      <p:sp>
-        <p:nvSpPr>
-          <p:cNvPr id="2" name="Title 1"/>
-          <p:cNvSpPr>
-            <a:spLocks noGrp="1"/>
-          </p:cNvSpPr>
-          <p:nvPr>
-            <p:ph type="title"/>
-          </p:nvPr>
-        </p:nvSpPr>
-        <p:spPr/>
-        <p:txBody>
-          <a:bodyPr/>
-          <a:lstStyle/>
-          <a:p>
-            <a:endParaRPr lang="en-US"/>
-          </a:p>
-        </p:txBody>
-      </p:sp>
-      <p:sp>
-        <p:nvSpPr>
-          <p:cNvPr id="4" name="Slide Number Placeholder 3"/>
-          <p:cNvSpPr>
-            <a:spLocks noGrp="1"/>
-          </p:cNvSpPr>
-          <p:nvPr>
-            <p:ph type="sldNum" sz="quarter" idx="12"/>
-          </p:nvPr>
-        </p:nvSpPr>
-        <p:spPr/>
-        <p:txBody>
-          <a:bodyPr/>
-          <a:lstStyle/>
-          <a:p>
-            <a:pPr>
-              <a:defRPr/>
-            </a:pPr>
-            <a:fld id="{CD61FD94-992F-4CB2-AF3E-ECFB9D8DC22A}" type="slidenum">
-              <a:rPr lang="en-US" altLang="en-US" smtClean="0"/>
-              <a:pPr>
-                <a:defRPr/>
-              </a:pPr>
-              <a:t>12</a:t>
-            </a:fld>
-            <a:endParaRPr lang="en-US" altLang="en-US"/>
-          </a:p>
-        </p:txBody>
-      </p:sp>
-      <p:graphicFrame>
-        <p:nvGraphicFramePr>
-          <p:cNvPr id="5" name="Table 4"/>
-          <p:cNvGraphicFramePr>
-            <a:graphicFrameLocks noGrp="1"/>
-          </p:cNvGraphicFramePr>
-          <p:nvPr>
-            <p:extLst>
-              <p:ext uri="{D42A27DB-BD31-4B8C-83A1-F6EECF244321}">
-                <p14:modId xmlns:p14="http://schemas.microsoft.com/office/powerpoint/2010/main" val="1811026885"/>
-              </p:ext>
-            </p:extLst>
-          </p:nvPr>
-        </p:nvGraphicFramePr>
-        <p:xfrm>
-          <a:off x="436418" y="2667000"/>
-          <a:ext cx="4125192" cy="3774440"/>
-        </p:xfrm>
-        <a:graphic>
-          <a:graphicData uri="http://schemas.openxmlformats.org/drawingml/2006/table">
-            <a:tbl>
-              <a:tblPr firstRow="1" bandRow="1">
-                <a:tableStyleId>{5940675A-B579-460E-94D1-54222C63F5DA}</a:tableStyleId>
-              </a:tblPr>
-              <a:tblGrid>
-                <a:gridCol w="325582">
-                  <a:extLst>
-                    <a:ext uri="{9D8B030D-6E8A-4147-A177-3AD203B41FA5}">
-                      <a16:colId xmlns:a16="http://schemas.microsoft.com/office/drawing/2014/main" val="895603078"/>
-                    </a:ext>
-                  </a:extLst>
-                </a:gridCol>
-                <a:gridCol w="3799610">
-                  <a:extLst>
-                    <a:ext uri="{9D8B030D-6E8A-4147-A177-3AD203B41FA5}">
-                      <a16:colId xmlns:a16="http://schemas.microsoft.com/office/drawing/2014/main" val="358791916"/>
-                    </a:ext>
-                  </a:extLst>
-                </a:gridCol>
-              </a:tblGrid>
-              <a:tr h="370840">
-                <a:tc>
-                  <a:txBody>
-                    <a:bodyPr/>
-                    <a:lstStyle/>
-                    <a:p>
-                      <a:endParaRPr lang="en-US" dirty="0"/>
-                    </a:p>
-                  </a:txBody>
-                  <a:tcPr/>
-                </a:tc>
-                <a:tc>
-                  <a:txBody>
-                    <a:bodyPr/>
-                    <a:lstStyle/>
-                    <a:p>
-                      <a:r>
-                        <a:rPr lang="en-US" i="1" dirty="0" smtClean="0"/>
-                        <a:t>Cross-cutting</a:t>
-                      </a:r>
-                      <a:r>
-                        <a:rPr lang="en-US" dirty="0" smtClean="0"/>
-                        <a:t> skill</a:t>
-                      </a:r>
-                      <a:endParaRPr lang="en-US" dirty="0"/>
-                    </a:p>
-                  </a:txBody>
-                  <a:tcPr/>
-                </a:tc>
-                <a:extLst>
-                  <a:ext uri="{0D108BD9-81ED-4DB2-BD59-A6C34878D82A}">
-                    <a16:rowId xmlns:a16="http://schemas.microsoft.com/office/drawing/2014/main" val="3122374148"/>
-                  </a:ext>
-                </a:extLst>
-              </a:tr>
-              <a:tr h="370840">
-                <a:tc>
-                  <a:txBody>
-                    <a:bodyPr/>
-                    <a:lstStyle/>
-                    <a:p>
-                      <a:r>
-                        <a:rPr lang="en-US" dirty="0" smtClean="0"/>
-                        <a:t>1</a:t>
-                      </a:r>
-                      <a:endParaRPr lang="en-US" dirty="0"/>
-                    </a:p>
-                  </a:txBody>
-                  <a:tcPr/>
-                </a:tc>
-                <a:tc>
-                  <a:txBody>
-                    <a:bodyPr/>
-                    <a:lstStyle/>
-                    <a:p>
-                      <a:r>
-                        <a:rPr lang="en-US" dirty="0" smtClean="0"/>
-                        <a:t>Patterns</a:t>
-                      </a:r>
-                    </a:p>
-                    <a:p>
-                      <a:endParaRPr lang="en-US" dirty="0"/>
-                    </a:p>
-                  </a:txBody>
-                  <a:tcPr/>
-                </a:tc>
-                <a:extLst>
-                  <a:ext uri="{0D108BD9-81ED-4DB2-BD59-A6C34878D82A}">
-                    <a16:rowId xmlns:a16="http://schemas.microsoft.com/office/drawing/2014/main" val="2913002989"/>
-                  </a:ext>
-                </a:extLst>
-              </a:tr>
-              <a:tr h="370840">
-                <a:tc>
-                  <a:txBody>
-                    <a:bodyPr/>
-                    <a:lstStyle/>
-                    <a:p>
-                      <a:r>
-                        <a:rPr lang="en-US" dirty="0" smtClean="0"/>
-                        <a:t>2</a:t>
-                      </a:r>
-                      <a:endParaRPr lang="en-US" dirty="0"/>
-                    </a:p>
-                  </a:txBody>
-                  <a:tcPr/>
-                </a:tc>
-                <a:tc>
-                  <a:txBody>
-                    <a:bodyPr/>
-                    <a:lstStyle/>
-                    <a:p>
-                      <a:r>
-                        <a:rPr lang="en-US" dirty="0" smtClean="0"/>
-                        <a:t>Cause and Effect</a:t>
-                      </a:r>
-                      <a:endParaRPr lang="en-US" dirty="0"/>
-                    </a:p>
-                  </a:txBody>
-                  <a:tcPr/>
-                </a:tc>
-                <a:extLst>
-                  <a:ext uri="{0D108BD9-81ED-4DB2-BD59-A6C34878D82A}">
-                    <a16:rowId xmlns:a16="http://schemas.microsoft.com/office/drawing/2014/main" val="1904339343"/>
-                  </a:ext>
-                </a:extLst>
-              </a:tr>
-              <a:tr h="370840">
-                <a:tc>
-                  <a:txBody>
-                    <a:bodyPr/>
-                    <a:lstStyle/>
-                    <a:p>
-                      <a:r>
-                        <a:rPr lang="en-US" dirty="0" smtClean="0"/>
-                        <a:t>3</a:t>
-                      </a:r>
-                      <a:endParaRPr lang="en-US" dirty="0"/>
-                    </a:p>
-                  </a:txBody>
-                  <a:tcPr/>
-                </a:tc>
-                <a:tc>
-                  <a:txBody>
-                    <a:bodyPr/>
-                    <a:lstStyle/>
-                    <a:p>
-                      <a:r>
-                        <a:rPr lang="en-US" dirty="0" smtClean="0"/>
-                        <a:t>Scale,</a:t>
-                      </a:r>
-                      <a:r>
-                        <a:rPr lang="en-US" baseline="0" dirty="0" smtClean="0"/>
-                        <a:t> Proportion, and Quantity</a:t>
-                      </a:r>
-                      <a:endParaRPr lang="en-US" dirty="0"/>
-                    </a:p>
-                  </a:txBody>
-                  <a:tcPr/>
-                </a:tc>
-                <a:extLst>
-                  <a:ext uri="{0D108BD9-81ED-4DB2-BD59-A6C34878D82A}">
-                    <a16:rowId xmlns:a16="http://schemas.microsoft.com/office/drawing/2014/main" val="166309021"/>
-                  </a:ext>
-                </a:extLst>
-              </a:tr>
-              <a:tr h="370840">
-                <a:tc>
-                  <a:txBody>
-                    <a:bodyPr/>
-                    <a:lstStyle/>
-                    <a:p>
-                      <a:r>
-                        <a:rPr lang="en-US" dirty="0" smtClean="0"/>
-                        <a:t>4</a:t>
-                      </a:r>
-                      <a:endParaRPr lang="en-US" dirty="0"/>
-                    </a:p>
-                  </a:txBody>
-                  <a:tcPr/>
-                </a:tc>
-                <a:tc>
-                  <a:txBody>
-                    <a:bodyPr/>
-                    <a:lstStyle/>
-                    <a:p>
-                      <a:r>
-                        <a:rPr lang="en-US" dirty="0" smtClean="0"/>
-                        <a:t>Systems and System Models</a:t>
-                      </a:r>
-                      <a:endParaRPr lang="en-US" dirty="0"/>
-                    </a:p>
-                  </a:txBody>
-                  <a:tcPr/>
-                </a:tc>
-                <a:extLst>
-                  <a:ext uri="{0D108BD9-81ED-4DB2-BD59-A6C34878D82A}">
-                    <a16:rowId xmlns:a16="http://schemas.microsoft.com/office/drawing/2014/main" val="3388424581"/>
-                  </a:ext>
-                </a:extLst>
-              </a:tr>
-              <a:tr h="370840">
-                <a:tc>
-                  <a:txBody>
-                    <a:bodyPr/>
-                    <a:lstStyle/>
-                    <a:p>
-                      <a:r>
-                        <a:rPr lang="en-US" dirty="0" smtClean="0"/>
-                        <a:t>5</a:t>
-                      </a:r>
-                      <a:endParaRPr lang="en-US" dirty="0"/>
-                    </a:p>
-                  </a:txBody>
-                  <a:tcPr/>
-                </a:tc>
-                <a:tc>
-                  <a:txBody>
-                    <a:bodyPr/>
-                    <a:lstStyle/>
-                    <a:p>
-                      <a:r>
-                        <a:rPr lang="en-US" dirty="0" smtClean="0"/>
-                        <a:t>Energy and Matter</a:t>
-                      </a:r>
-                    </a:p>
-                    <a:p>
-                      <a:endParaRPr lang="en-US" dirty="0"/>
-                    </a:p>
-                  </a:txBody>
-                  <a:tcPr/>
-                </a:tc>
-                <a:extLst>
-                  <a:ext uri="{0D108BD9-81ED-4DB2-BD59-A6C34878D82A}">
-                    <a16:rowId xmlns:a16="http://schemas.microsoft.com/office/drawing/2014/main" val="1844312879"/>
-                  </a:ext>
-                </a:extLst>
-              </a:tr>
-              <a:tr h="370840">
-                <a:tc>
-                  <a:txBody>
-                    <a:bodyPr/>
-                    <a:lstStyle/>
-                    <a:p>
-                      <a:r>
-                        <a:rPr lang="en-US" dirty="0" smtClean="0"/>
-                        <a:t>6</a:t>
-                      </a:r>
-                      <a:endParaRPr lang="en-US" dirty="0"/>
-                    </a:p>
-                  </a:txBody>
-                  <a:tcPr/>
-                </a:tc>
-                <a:tc>
-                  <a:txBody>
-                    <a:bodyPr/>
-                    <a:lstStyle/>
-                    <a:p>
-                      <a:r>
-                        <a:rPr lang="en-US" dirty="0" smtClean="0"/>
-                        <a:t>Structure and Function</a:t>
-                      </a:r>
-                    </a:p>
-                    <a:p>
-                      <a:endParaRPr lang="en-US" dirty="0"/>
-                    </a:p>
-                  </a:txBody>
-                  <a:tcPr/>
-                </a:tc>
-                <a:extLst>
-                  <a:ext uri="{0D108BD9-81ED-4DB2-BD59-A6C34878D82A}">
-                    <a16:rowId xmlns:a16="http://schemas.microsoft.com/office/drawing/2014/main" val="2762189749"/>
-                  </a:ext>
-                </a:extLst>
-              </a:tr>
-              <a:tr h="370840">
-                <a:tc>
-                  <a:txBody>
-                    <a:bodyPr/>
-                    <a:lstStyle/>
-                    <a:p>
-                      <a:r>
-                        <a:rPr lang="en-US" dirty="0" smtClean="0"/>
-                        <a:t>7</a:t>
-                      </a:r>
-                      <a:endParaRPr lang="en-US" dirty="0"/>
-                    </a:p>
-                  </a:txBody>
-                  <a:tcPr/>
-                </a:tc>
-                <a:tc>
-                  <a:txBody>
-                    <a:bodyPr/>
-                    <a:lstStyle/>
-                    <a:p>
-                      <a:r>
-                        <a:rPr lang="en-US" dirty="0" smtClean="0"/>
-                        <a:t>Stability and Change</a:t>
-                      </a:r>
-                      <a:endParaRPr lang="en-US" dirty="0"/>
-                    </a:p>
-                  </a:txBody>
-                  <a:tcPr/>
-                </a:tc>
-                <a:extLst>
-                  <a:ext uri="{0D108BD9-81ED-4DB2-BD59-A6C34878D82A}">
-                    <a16:rowId xmlns:a16="http://schemas.microsoft.com/office/drawing/2014/main" val="2987923527"/>
-                  </a:ext>
-                </a:extLst>
-              </a:tr>
-            </a:tbl>
-          </a:graphicData>
-        </a:graphic>
-      </p:graphicFrame>
-      <p:graphicFrame>
-        <p:nvGraphicFramePr>
-          <p:cNvPr id="7" name="Table 6"/>
-          <p:cNvGraphicFramePr>
-            <a:graphicFrameLocks noGrp="1"/>
-          </p:cNvGraphicFramePr>
-          <p:nvPr>
-            <p:extLst>
-              <p:ext uri="{D42A27DB-BD31-4B8C-83A1-F6EECF244321}">
-                <p14:modId xmlns:p14="http://schemas.microsoft.com/office/powerpoint/2010/main" val="2819093308"/>
-              </p:ext>
-            </p:extLst>
-          </p:nvPr>
-        </p:nvGraphicFramePr>
-        <p:xfrm>
-          <a:off x="4578927" y="2667000"/>
-          <a:ext cx="4125191" cy="3774440"/>
-        </p:xfrm>
-        <a:graphic>
-          <a:graphicData uri="http://schemas.openxmlformats.org/drawingml/2006/table">
-            <a:tbl>
-              <a:tblPr firstRow="1" bandRow="1">
-                <a:tableStyleId>{5940675A-B579-460E-94D1-54222C63F5DA}</a:tableStyleId>
-              </a:tblPr>
-              <a:tblGrid>
-                <a:gridCol w="4125191">
-                  <a:extLst>
-                    <a:ext uri="{9D8B030D-6E8A-4147-A177-3AD203B41FA5}">
-                      <a16:colId xmlns:a16="http://schemas.microsoft.com/office/drawing/2014/main" val="1063865224"/>
-                    </a:ext>
-                  </a:extLst>
-                </a:gridCol>
-              </a:tblGrid>
-              <a:tr h="370840">
-                <a:tc>
-                  <a:txBody>
-                    <a:bodyPr/>
-                    <a:lstStyle/>
-                    <a:p>
-                      <a:r>
-                        <a:rPr lang="en-US" i="1" dirty="0" smtClean="0"/>
-                        <a:t>Data Science </a:t>
-                      </a:r>
-                      <a:r>
-                        <a:rPr lang="en-US" dirty="0" smtClean="0"/>
-                        <a:t>analogue</a:t>
-                      </a:r>
-                      <a:endParaRPr lang="en-US" dirty="0"/>
-                    </a:p>
-                  </a:txBody>
-                  <a:tcPr/>
-                </a:tc>
-                <a:extLst>
-                  <a:ext uri="{0D108BD9-81ED-4DB2-BD59-A6C34878D82A}">
-                    <a16:rowId xmlns:a16="http://schemas.microsoft.com/office/drawing/2014/main" val="611594211"/>
-                  </a:ext>
-                </a:extLst>
-              </a:tr>
-              <a:tr h="370840">
-                <a:tc>
-                  <a:txBody>
-                    <a:bodyPr/>
-                    <a:lstStyle/>
-                    <a:p>
-                      <a:r>
-                        <a:rPr lang="en-US" dirty="0" smtClean="0"/>
-                        <a:t>Observations, Variables, and Pattern Matching</a:t>
-                      </a:r>
-                      <a:endParaRPr lang="en-US" dirty="0"/>
-                    </a:p>
-                  </a:txBody>
-                  <a:tcPr/>
-                </a:tc>
-                <a:extLst>
-                  <a:ext uri="{0D108BD9-81ED-4DB2-BD59-A6C34878D82A}">
-                    <a16:rowId xmlns:a16="http://schemas.microsoft.com/office/drawing/2014/main" val="2450213864"/>
-                  </a:ext>
-                </a:extLst>
-              </a:tr>
-              <a:tr h="370840">
-                <a:tc>
-                  <a:txBody>
-                    <a:bodyPr/>
-                    <a:lstStyle/>
-                    <a:p>
-                      <a:r>
-                        <a:rPr lang="en-US" dirty="0" smtClean="0"/>
-                        <a:t>Causality</a:t>
-                      </a:r>
-                      <a:endParaRPr lang="en-US" dirty="0"/>
-                    </a:p>
-                  </a:txBody>
-                  <a:tcPr/>
-                </a:tc>
-                <a:extLst>
-                  <a:ext uri="{0D108BD9-81ED-4DB2-BD59-A6C34878D82A}">
-                    <a16:rowId xmlns:a16="http://schemas.microsoft.com/office/drawing/2014/main" val="3156924815"/>
-                  </a:ext>
-                </a:extLst>
-              </a:tr>
-              <a:tr h="370840">
-                <a:tc>
-                  <a:txBody>
-                    <a:bodyPr/>
-                    <a:lstStyle/>
-                    <a:p>
-                      <a:r>
-                        <a:rPr lang="en-US" dirty="0" smtClean="0"/>
-                        <a:t>Measure Theory</a:t>
-                      </a:r>
-                      <a:endParaRPr lang="en-US" dirty="0"/>
-                    </a:p>
-                  </a:txBody>
-                  <a:tcPr/>
-                </a:tc>
-                <a:extLst>
-                  <a:ext uri="{0D108BD9-81ED-4DB2-BD59-A6C34878D82A}">
-                    <a16:rowId xmlns:a16="http://schemas.microsoft.com/office/drawing/2014/main" val="832588684"/>
-                  </a:ext>
-                </a:extLst>
-              </a:tr>
-              <a:tr h="370840">
-                <a:tc>
-                  <a:txBody>
-                    <a:bodyPr/>
-                    <a:lstStyle/>
-                    <a:p>
-                      <a:r>
-                        <a:rPr lang="en-US" dirty="0" smtClean="0"/>
-                        <a:t>Model Building</a:t>
-                      </a:r>
-                      <a:endParaRPr lang="en-US" dirty="0"/>
-                    </a:p>
-                  </a:txBody>
-                  <a:tcPr/>
-                </a:tc>
-                <a:extLst>
-                  <a:ext uri="{0D108BD9-81ED-4DB2-BD59-A6C34878D82A}">
-                    <a16:rowId xmlns:a16="http://schemas.microsoft.com/office/drawing/2014/main" val="819483552"/>
-                  </a:ext>
-                </a:extLst>
-              </a:tr>
-              <a:tr h="370840">
-                <a:tc>
-                  <a:txBody>
-                    <a:bodyPr/>
-                    <a:lstStyle/>
-                    <a:p>
-                      <a:r>
-                        <a:rPr lang="en-US" dirty="0" smtClean="0"/>
-                        <a:t>Systems Dynamics, Moments,</a:t>
-                      </a:r>
-                      <a:r>
-                        <a:rPr lang="en-US" baseline="0" dirty="0" smtClean="0"/>
-                        <a:t> and Entropy</a:t>
-                      </a:r>
-                      <a:endParaRPr lang="en-US" dirty="0"/>
-                    </a:p>
-                  </a:txBody>
-                  <a:tcPr/>
-                </a:tc>
-                <a:extLst>
-                  <a:ext uri="{0D108BD9-81ED-4DB2-BD59-A6C34878D82A}">
-                    <a16:rowId xmlns:a16="http://schemas.microsoft.com/office/drawing/2014/main" val="2671137952"/>
-                  </a:ext>
-                </a:extLst>
-              </a:tr>
-              <a:tr h="370840">
-                <a:tc>
-                  <a:txBody>
-                    <a:bodyPr/>
-                    <a:lstStyle/>
-                    <a:p>
-                      <a:r>
-                        <a:rPr lang="en-US" dirty="0" smtClean="0"/>
-                        <a:t>Hierarchical, Structural, and Latent Variable Analysis</a:t>
-                      </a:r>
-                      <a:endParaRPr lang="en-US" dirty="0"/>
-                    </a:p>
-                  </a:txBody>
-                  <a:tcPr/>
-                </a:tc>
-                <a:extLst>
-                  <a:ext uri="{0D108BD9-81ED-4DB2-BD59-A6C34878D82A}">
-                    <a16:rowId xmlns:a16="http://schemas.microsoft.com/office/drawing/2014/main" val="4189872669"/>
-                  </a:ext>
-                </a:extLst>
-              </a:tr>
-              <a:tr h="370840">
-                <a:tc>
-                  <a:txBody>
-                    <a:bodyPr/>
-                    <a:lstStyle/>
-                    <a:p>
-                      <a:r>
-                        <a:rPr lang="en-US" dirty="0" smtClean="0"/>
-                        <a:t>Variation, Complexity, and Interactions</a:t>
-                      </a:r>
-                      <a:endParaRPr lang="en-US" dirty="0"/>
-                    </a:p>
-                  </a:txBody>
-                  <a:tcPr/>
-                </a:tc>
-                <a:extLst>
-                  <a:ext uri="{0D108BD9-81ED-4DB2-BD59-A6C34878D82A}">
-                    <a16:rowId xmlns:a16="http://schemas.microsoft.com/office/drawing/2014/main" val="3181982486"/>
-                  </a:ext>
-                </a:extLst>
-              </a:tr>
-            </a:tbl>
-          </a:graphicData>
-        </a:graphic>
-      </p:graphicFrame>
-    </p:spTree>
-    <p:extLst>
-      <p:ext uri="{BB962C8B-B14F-4D97-AF65-F5344CB8AC3E}">
-        <p14:creationId xmlns:p14="http://schemas.microsoft.com/office/powerpoint/2010/main" val="3554966305"/>
-      </p:ext>
-    </p:extLst>
-  </p:cSld>
-  <p:clrMapOvr>
-    <a:masterClrMapping/>
-  </p:clrMapOvr>
-  <p:timing>
-    <p:tnLst>
-      <p:par>
-        <p:cTn id="1" dur="indefinite" restart="never" nodeType="tmRoot">
-          <p:childTnLst>
-            <p:seq concurrent="1" nextAc="seek">
-              <p:cTn id="2" dur="indefinite" nodeType="mainSeq">
-                <p:childTnLst>
-                  <p:par>
-                    <p:cTn id="3" fill="hold">
-                      <p:stCondLst>
-                        <p:cond delay="indefinite"/>
-                        <p:cond evt="onBegin" delay="0">
-                          <p:tn val="2"/>
-                        </p:cond>
-                      </p:stCondLst>
-                      <p:childTnLst>
-                        <p:par>
-                          <p:cTn id="4" fill="hold">
-                            <p:stCondLst>
-                              <p:cond delay="0"/>
-                            </p:stCondLst>
-                            <p:childTnLst>
-                              <p:par>
-                                <p:cTn id="5" presetID="1" presetClass="entr" presetSubtype="0" fill="hold" nodeType="afterEffect">
-                                  <p:stCondLst>
-                                    <p:cond delay="0"/>
-                                  </p:stCondLst>
-                                  <p:childTnLst>
-                                    <p:set>
-                                      <p:cBhvr>
-                                        <p:cTn id="6" dur="1" fill="hold">
-                                          <p:stCondLst>
-                                            <p:cond delay="0"/>
-                                          </p:stCondLst>
-                                        </p:cTn>
-                                        <p:tgtEl>
-                                          <p:spTgt spid="5"/>
-                                        </p:tgtEl>
-                                        <p:attrNameLst>
-                                          <p:attrName>style.visibility</p:attrName>
-                                        </p:attrNameLst>
-                                      </p:cBhvr>
-                                      <p:to>
-                                        <p:strVal val="visible"/>
-                                      </p:to>
-                                    </p:set>
-                                  </p:childTnLst>
-                                </p:cTn>
-                              </p:par>
-                            </p:childTnLst>
-                          </p:cTn>
-                        </p:par>
-                      </p:childTnLst>
-                    </p:cTn>
-                  </p:par>
-                  <p:par>
-                    <p:cTn id="7" fill="hold">
-                      <p:stCondLst>
-                        <p:cond delay="indefinite"/>
-                      </p:stCondLst>
-                      <p:childTnLst>
-                        <p:par>
-                          <p:cTn id="8" fill="hold">
-                            <p:stCondLst>
-                              <p:cond delay="0"/>
-                            </p:stCondLst>
-                            <p:childTnLst>
-                              <p:par>
-                                <p:cTn id="9" presetID="1" presetClass="entr" presetSubtype="0" fill="hold" nodeType="clickEffect">
-                                  <p:stCondLst>
-                                    <p:cond delay="0"/>
-                                  </p:stCondLst>
-                                  <p:childTnLst>
-                                    <p:set>
-                                      <p:cBhvr>
-                                        <p:cTn id="10" dur="1" fill="hold">
-                                          <p:stCondLst>
-                                            <p:cond delay="0"/>
-                                          </p:stCondLst>
-                                        </p:cTn>
-                                        <p:tgtEl>
-                                          <p:spTgt spid="7"/>
-                                        </p:tgtEl>
-                                        <p:attrNameLst>
-                                          <p:attrName>style.visibility</p:attrName>
-                                        </p:attrNameLst>
-                                      </p:cBhvr>
-                                      <p:to>
-                                        <p:strVal val="visible"/>
-                                      </p:to>
-                                    </p:set>
-                                  </p:childTnLst>
-                                </p:cTn>
-                              </p:par>
-                            </p:childTnLst>
-                          </p:cTn>
-                        </p:par>
-                      </p:childTnLst>
-                    </p:cTn>
-                  </p:par>
-                </p:childTnLst>
-              </p:cTn>
-              <p:prevCondLst>
-                <p:cond evt="onPrev" delay="0">
-                  <p:tgtEl>
-                    <p:sldTgt/>
-                  </p:tgtEl>
-                </p:cond>
-              </p:prevCondLst>
-              <p:nextCondLst>
-                <p:cond evt="onNext" delay="0">
-                  <p:tgtEl>
-                    <p:sldTgt/>
-                  </p:tgtEl>
-                </p:cond>
-              </p:nextCondLst>
-            </p:seq>
-          </p:childTnLst>
-        </p:cTn>
-      </p:par>
-    </p:tnLst>
-  </p:timing>
-</p:sld>
-</file>
-
 <file path=ppt/slides/slide13.xml><?xml version="1.0" encoding="utf-8"?>
 <p:sld xmlns:a="http://schemas.openxmlformats.org/drawingml/2006/main" xmlns:r="http://schemas.openxmlformats.org/officeDocument/2006/relationships" xmlns:p="http://schemas.openxmlformats.org/presentationml/2006/main">
   <p:cSld>
@@ -7879,6 +7237,29 @@
           <a:bodyPr/>
           <a:lstStyle/>
           <a:p>
+            <a:r>
+              <a:rPr lang="en-US" dirty="0" smtClean="0"/>
+              <a:t>Reproducibility (“academic” perspective)</a:t>
+            </a:r>
+            <a:endParaRPr lang="en-US" dirty="0"/>
+          </a:p>
+        </p:txBody>
+      </p:sp>
+      <p:sp>
+        <p:nvSpPr>
+          <p:cNvPr id="3" name="Content Placeholder 2"/>
+          <p:cNvSpPr>
+            <a:spLocks noGrp="1"/>
+          </p:cNvSpPr>
+          <p:nvPr>
+            <p:ph idx="1"/>
+          </p:nvPr>
+        </p:nvSpPr>
+        <p:spPr/>
+        <p:txBody>
+          <a:bodyPr/>
+          <a:lstStyle/>
+          <a:p>
             <a:endParaRPr lang="en-US"/>
           </a:p>
         </p:txBody>
@@ -7912,223 +7293,10 @@
           </a:p>
         </p:txBody>
       </p:sp>
-      <p:graphicFrame>
-        <p:nvGraphicFramePr>
-          <p:cNvPr id="5" name="Table 4"/>
-          <p:cNvGraphicFramePr>
-            <a:graphicFrameLocks noGrp="1"/>
-          </p:cNvGraphicFramePr>
-          <p:nvPr>
-            <p:extLst>
-              <p:ext uri="{D42A27DB-BD31-4B8C-83A1-F6EECF244321}">
-                <p14:modId xmlns:p14="http://schemas.microsoft.com/office/powerpoint/2010/main" val="980793194"/>
-              </p:ext>
-            </p:extLst>
-          </p:nvPr>
-        </p:nvGraphicFramePr>
-        <p:xfrm>
-          <a:off x="436418" y="2667000"/>
-          <a:ext cx="4125191" cy="3774440"/>
-        </p:xfrm>
-        <a:graphic>
-          <a:graphicData uri="http://schemas.openxmlformats.org/drawingml/2006/table">
-            <a:tbl>
-              <a:tblPr firstRow="1" bandRow="1">
-                <a:tableStyleId>{5940675A-B579-460E-94D1-54222C63F5DA}</a:tableStyleId>
-              </a:tblPr>
-              <a:tblGrid>
-                <a:gridCol w="4125191">
-                  <a:extLst>
-                    <a:ext uri="{9D8B030D-6E8A-4147-A177-3AD203B41FA5}">
-                      <a16:colId xmlns:a16="http://schemas.microsoft.com/office/drawing/2014/main" val="864653620"/>
-                    </a:ext>
-                  </a:extLst>
-                </a:gridCol>
-              </a:tblGrid>
-              <a:tr h="370840">
-                <a:tc>
-                  <a:txBody>
-                    <a:bodyPr/>
-                    <a:lstStyle/>
-                    <a:p>
-                      <a:r>
-                        <a:rPr lang="en-US" i="1" dirty="0" smtClean="0"/>
-                        <a:t>Data Science </a:t>
-                      </a:r>
-                      <a:r>
-                        <a:rPr lang="en-US" dirty="0" smtClean="0"/>
-                        <a:t>analogue</a:t>
-                      </a:r>
-                      <a:endParaRPr lang="en-US" dirty="0"/>
-                    </a:p>
-                  </a:txBody>
-                  <a:tcPr/>
-                </a:tc>
-                <a:extLst>
-                  <a:ext uri="{0D108BD9-81ED-4DB2-BD59-A6C34878D82A}">
-                    <a16:rowId xmlns:a16="http://schemas.microsoft.com/office/drawing/2014/main" val="3122374148"/>
-                  </a:ext>
-                </a:extLst>
-              </a:tr>
-              <a:tr h="370840">
-                <a:tc>
-                  <a:txBody>
-                    <a:bodyPr/>
-                    <a:lstStyle/>
-                    <a:p>
-                      <a:r>
-                        <a:rPr lang="en-US" dirty="0" smtClean="0"/>
-                        <a:t>Observations, Variables, and Pattern Matching</a:t>
-                      </a:r>
-                      <a:endParaRPr lang="en-US" dirty="0"/>
-                    </a:p>
-                  </a:txBody>
-                  <a:tcPr/>
-                </a:tc>
-                <a:extLst>
-                  <a:ext uri="{0D108BD9-81ED-4DB2-BD59-A6C34878D82A}">
-                    <a16:rowId xmlns:a16="http://schemas.microsoft.com/office/drawing/2014/main" val="2913002989"/>
-                  </a:ext>
-                </a:extLst>
-              </a:tr>
-              <a:tr h="370840">
-                <a:tc>
-                  <a:txBody>
-                    <a:bodyPr/>
-                    <a:lstStyle/>
-                    <a:p>
-                      <a:r>
-                        <a:rPr lang="en-US" dirty="0" smtClean="0"/>
-                        <a:t>Causality</a:t>
-                      </a:r>
-                      <a:endParaRPr lang="en-US" dirty="0"/>
-                    </a:p>
-                  </a:txBody>
-                  <a:tcPr/>
-                </a:tc>
-                <a:extLst>
-                  <a:ext uri="{0D108BD9-81ED-4DB2-BD59-A6C34878D82A}">
-                    <a16:rowId xmlns:a16="http://schemas.microsoft.com/office/drawing/2014/main" val="1904339343"/>
-                  </a:ext>
-                </a:extLst>
-              </a:tr>
-              <a:tr h="370840">
-                <a:tc>
-                  <a:txBody>
-                    <a:bodyPr/>
-                    <a:lstStyle/>
-                    <a:p>
-                      <a:r>
-                        <a:rPr lang="en-US" dirty="0" smtClean="0"/>
-                        <a:t>Measure Theory</a:t>
-                      </a:r>
-                      <a:endParaRPr lang="en-US" dirty="0"/>
-                    </a:p>
-                  </a:txBody>
-                  <a:tcPr/>
-                </a:tc>
-                <a:extLst>
-                  <a:ext uri="{0D108BD9-81ED-4DB2-BD59-A6C34878D82A}">
-                    <a16:rowId xmlns:a16="http://schemas.microsoft.com/office/drawing/2014/main" val="166309021"/>
-                  </a:ext>
-                </a:extLst>
-              </a:tr>
-              <a:tr h="370840">
-                <a:tc>
-                  <a:txBody>
-                    <a:bodyPr/>
-                    <a:lstStyle/>
-                    <a:p>
-                      <a:r>
-                        <a:rPr lang="en-US" dirty="0" smtClean="0"/>
-                        <a:t>Model Building</a:t>
-                      </a:r>
-                      <a:endParaRPr lang="en-US" dirty="0"/>
-                    </a:p>
-                  </a:txBody>
-                  <a:tcPr/>
-                </a:tc>
-                <a:extLst>
-                  <a:ext uri="{0D108BD9-81ED-4DB2-BD59-A6C34878D82A}">
-                    <a16:rowId xmlns:a16="http://schemas.microsoft.com/office/drawing/2014/main" val="3388424581"/>
-                  </a:ext>
-                </a:extLst>
-              </a:tr>
-              <a:tr h="370840">
-                <a:tc>
-                  <a:txBody>
-                    <a:bodyPr/>
-                    <a:lstStyle/>
-                    <a:p>
-                      <a:r>
-                        <a:rPr lang="en-US" dirty="0" smtClean="0"/>
-                        <a:t>Systems Dynamics, Moments,</a:t>
-                      </a:r>
-                      <a:r>
-                        <a:rPr lang="en-US" baseline="0" dirty="0" smtClean="0"/>
-                        <a:t> and Entropy</a:t>
-                      </a:r>
-                      <a:endParaRPr lang="en-US" dirty="0"/>
-                    </a:p>
-                  </a:txBody>
-                  <a:tcPr/>
-                </a:tc>
-                <a:extLst>
-                  <a:ext uri="{0D108BD9-81ED-4DB2-BD59-A6C34878D82A}">
-                    <a16:rowId xmlns:a16="http://schemas.microsoft.com/office/drawing/2014/main" val="1844312879"/>
-                  </a:ext>
-                </a:extLst>
-              </a:tr>
-              <a:tr h="370840">
-                <a:tc>
-                  <a:txBody>
-                    <a:bodyPr/>
-                    <a:lstStyle/>
-                    <a:p>
-                      <a:r>
-                        <a:rPr lang="en-US" dirty="0" smtClean="0"/>
-                        <a:t>Hierarchical, Structural, and Latent Variable Analysis</a:t>
-                      </a:r>
-                      <a:endParaRPr lang="en-US" dirty="0"/>
-                    </a:p>
-                  </a:txBody>
-                  <a:tcPr/>
-                </a:tc>
-                <a:extLst>
-                  <a:ext uri="{0D108BD9-81ED-4DB2-BD59-A6C34878D82A}">
-                    <a16:rowId xmlns:a16="http://schemas.microsoft.com/office/drawing/2014/main" val="2762189749"/>
-                  </a:ext>
-                </a:extLst>
-              </a:tr>
-              <a:tr h="370840">
-                <a:tc>
-                  <a:txBody>
-                    <a:bodyPr/>
-                    <a:lstStyle/>
-                    <a:p>
-                      <a:r>
-                        <a:rPr lang="en-US" dirty="0" smtClean="0"/>
-                        <a:t>Variation, Complexity, and Interactions</a:t>
-                      </a:r>
-                      <a:endParaRPr lang="en-US" dirty="0"/>
-                    </a:p>
-                  </a:txBody>
-                  <a:tcPr/>
-                </a:tc>
-                <a:extLst>
-                  <a:ext uri="{0D108BD9-81ED-4DB2-BD59-A6C34878D82A}">
-                    <a16:rowId xmlns:a16="http://schemas.microsoft.com/office/drawing/2014/main" val="2987923527"/>
-                  </a:ext>
-                </a:extLst>
-              </a:tr>
-            </a:tbl>
-          </a:graphicData>
-        </a:graphic>
-      </p:graphicFrame>
     </p:spTree>
     <p:extLst>
       <p:ext uri="{BB962C8B-B14F-4D97-AF65-F5344CB8AC3E}">
-        <p14:creationId xmlns:p14="http://schemas.microsoft.com/office/powerpoint/2010/main" val="3691794376"/>
+        <p14:creationId xmlns:p14="http://schemas.microsoft.com/office/powerpoint/2010/main" val="270416465"/>
       </p:ext>
     </p:extLst>
   </p:cSld>
@@ -8138,78 +7306,7 @@
   <p:timing>
     <p:tnLst>
       <p:par>
-        <p:cTn id="1" dur="indefinite" restart="never" nodeType="tmRoot">
-          <p:childTnLst>
-            <p:seq concurrent="1" nextAc="seek">
-              <p:cTn id="2" dur="indefinite" nodeType="mainSeq">
-                <p:childTnLst>
-                  <p:par>
-                    <p:cTn id="3" fill="hold">
-                      <p:stCondLst>
-                        <p:cond delay="indefinite"/>
-                        <p:cond evt="onBegin" delay="0">
-                          <p:tn val="2"/>
-                        </p:cond>
-                      </p:stCondLst>
-                      <p:childTnLst>
-                        <p:par>
-                          <p:cTn id="4" fill="hold">
-                            <p:stCondLst>
-                              <p:cond delay="0"/>
-                            </p:stCondLst>
-                            <p:childTnLst>
-                              <p:par>
-                                <p:cTn id="5" presetID="1" presetClass="entr" presetSubtype="0" fill="hold" nodeType="afterEffect">
-                                  <p:stCondLst>
-                                    <p:cond delay="0"/>
-                                  </p:stCondLst>
-                                  <p:childTnLst>
-                                    <p:set>
-                                      <p:cBhvr>
-                                        <p:cTn id="6" dur="1" fill="hold">
-                                          <p:stCondLst>
-                                            <p:cond delay="0"/>
-                                          </p:stCondLst>
-                                        </p:cTn>
-                                        <p:tgtEl>
-                                          <p:spTgt spid="5"/>
-                                        </p:tgtEl>
-                                        <p:attrNameLst>
-                                          <p:attrName>style.visibility</p:attrName>
-                                        </p:attrNameLst>
-                                      </p:cBhvr>
-                                      <p:to>
-                                        <p:strVal val="visible"/>
-                                      </p:to>
-                                    </p:set>
-                                  </p:childTnLst>
-                                </p:cTn>
-                              </p:par>
-                            </p:childTnLst>
-                          </p:cTn>
-                        </p:par>
-                      </p:childTnLst>
-                    </p:cTn>
-                  </p:par>
-                </p:childTnLst>
-              </p:cTn>
-              <p:prevCondLst>
-                <p:cond evt="onPrev" delay="0">
-                  <p:tgtEl>
-                    <p:sldTgt/>
-                  </p:tgtEl>
-                </p:cond>
-              </p:prevCondLst>
-              <p:nextCondLst>
-                <p:cond evt="onNext" delay="0">
-                  <p:tgtEl>
-                    <p:sldTgt/>
-                  </p:tgtEl>
-                </p:cond>
-              </p:nextCondLst>
-            </p:seq>
-          </p:childTnLst>
-        </p:cTn>
+        <p:cTn id="1" dur="indefinite" restart="never" nodeType="tmRoot"/>
       </p:par>
     </p:tnLst>
   </p:timing>
@@ -8250,7 +7347,7 @@
           <a:p>
             <a:r>
               <a:rPr lang="en-US" dirty="0" smtClean="0"/>
-              <a:t>Commercial Packages too</a:t>
+              <a:t>Workflow (“professional” perspective)</a:t>
             </a:r>
             <a:endParaRPr lang="en-US" dirty="0"/>
           </a:p>
@@ -8307,7 +7404,7 @@
     </p:spTree>
     <p:extLst>
       <p:ext uri="{BB962C8B-B14F-4D97-AF65-F5344CB8AC3E}">
-        <p14:creationId xmlns:p14="http://schemas.microsoft.com/office/powerpoint/2010/main" val="2616428950"/>
+        <p14:creationId xmlns:p14="http://schemas.microsoft.com/office/powerpoint/2010/main" val="1192068113"/>
       </p:ext>
     </p:extLst>
   </p:cSld>
@@ -8522,8 +7619,16 @@
           <a:p>
             <a:pPr eaLnBrk="1" hangingPunct="1"/>
             <a:r>
+              <a:rPr lang="en-US" altLang="en-US" dirty="0"/>
+              <a:t>Twitter, </a:t>
+            </a:r>
+            <a:r>
               <a:rPr lang="en-US" altLang="en-US" sz="4000" dirty="0" smtClean="0"/>
-              <a:t>Textbooks, Twitter, Podcasts</a:t>
+              <a:t>Podcasts, </a:t>
+            </a:r>
+            <a:r>
+              <a:rPr lang="en-US" altLang="en-US" sz="3600" dirty="0" smtClean="0"/>
+              <a:t>Textbooks</a:t>
             </a:r>
             <a:endParaRPr lang="en-US" altLang="en-US" sz="3600" dirty="0" smtClean="0"/>
           </a:p>
@@ -8544,7 +7649,39 @@
           <a:bodyPr/>
           <a:lstStyle/>
           <a:p>
-            <a:endParaRPr lang="en-US"/>
+            <a:r>
+              <a:rPr lang="en-US" dirty="0" smtClean="0"/>
+              <a:t>Twitter</a:t>
+            </a:r>
+          </a:p>
+          <a:p>
+            <a:pPr lvl="1"/>
+            <a:r>
+              <a:rPr lang="en-US" dirty="0" smtClean="0"/>
+              <a:t>#</a:t>
+            </a:r>
+            <a:r>
+              <a:rPr lang="en-US" dirty="0" err="1" smtClean="0"/>
+              <a:t>rstats</a:t>
+            </a:r>
+            <a:endParaRPr lang="en-US" dirty="0" smtClean="0"/>
+          </a:p>
+          <a:p>
+            <a:r>
+              <a:rPr lang="en-US" dirty="0" smtClean="0"/>
+              <a:t>Podcasts</a:t>
+            </a:r>
+          </a:p>
+          <a:p>
+            <a:pPr lvl="1"/>
+            <a:r>
+              <a:rPr lang="en-US" dirty="0"/>
+              <a:t>https://www.analyticsvidhya.com/blog/2018/01/10-data-science-machine-learning-ai-podcasts-must-listen/</a:t>
+            </a:r>
+            <a:endParaRPr lang="en-US" dirty="0" smtClean="0"/>
+          </a:p>
+          <a:p>
+            <a:endParaRPr lang="en-US" dirty="0"/>
           </a:p>
         </p:txBody>
       </p:sp>
@@ -8830,16 +7967,173 @@
           <a:lstStyle/>
           <a:p>
             <a:r>
-              <a:rPr lang="en-US" dirty="0" smtClean="0"/>
-              <a:t>Search through email </a:t>
-            </a:r>
-            <a:r>
-              <a:rPr lang="en-US" smtClean="0"/>
-              <a:t>for specifics</a:t>
-            </a:r>
-          </a:p>
-          <a:p>
-            <a:endParaRPr lang="en-US"/>
+              <a:rPr lang="en-US" sz="2400" dirty="0" smtClean="0"/>
+              <a:t>Free-tier</a:t>
+            </a:r>
+          </a:p>
+          <a:p>
+            <a:pPr lvl="1"/>
+            <a:r>
+              <a:rPr lang="en-US" sz="2000" dirty="0" smtClean="0"/>
+              <a:t>IBM Watson Cloud (you want the “no time restrictions” option)</a:t>
+            </a:r>
+          </a:p>
+          <a:p>
+            <a:pPr lvl="1"/>
+            <a:r>
+              <a:rPr lang="en-US" sz="2000" dirty="0">
+                <a:hlinkClick r:id="rId2"/>
+              </a:rPr>
+              <a:t>https://console.bluemix.net/registration/free</a:t>
+            </a:r>
+            <a:r>
+              <a:rPr lang="en-US" sz="2000" dirty="0" smtClean="0">
+                <a:hlinkClick r:id="rId2"/>
+              </a:rPr>
+              <a:t>/</a:t>
+            </a:r>
+            <a:endParaRPr lang="en-US" sz="2000" dirty="0" smtClean="0"/>
+          </a:p>
+          <a:p>
+            <a:pPr lvl="1"/>
+            <a:endParaRPr lang="en-US" sz="2000" dirty="0"/>
+          </a:p>
+          <a:p>
+            <a:pPr lvl="1"/>
+            <a:r>
+              <a:rPr lang="en-US" sz="2000" dirty="0" smtClean="0"/>
+              <a:t>Amazon Web Services (you want the “non-expiring” offer)</a:t>
+            </a:r>
+            <a:endParaRPr lang="en-US" sz="2000" dirty="0"/>
+          </a:p>
+          <a:p>
+            <a:pPr lvl="1"/>
+            <a:r>
+              <a:rPr lang="en-US" sz="2000" dirty="0" smtClean="0">
+                <a:hlinkClick r:id="rId3"/>
+              </a:rPr>
+              <a:t>https</a:t>
+            </a:r>
+            <a:r>
+              <a:rPr lang="en-US" sz="2000" dirty="0">
+                <a:hlinkClick r:id="rId3"/>
+              </a:rPr>
+              <a:t>://aws.amazon.com/free</a:t>
+            </a:r>
+            <a:r>
+              <a:rPr lang="en-US" sz="2000" dirty="0" smtClean="0">
+                <a:hlinkClick r:id="rId3"/>
+              </a:rPr>
+              <a:t>/</a:t>
+            </a:r>
+            <a:endParaRPr lang="en-US" sz="2000" dirty="0" smtClean="0"/>
+          </a:p>
+          <a:p>
+            <a:pPr lvl="1"/>
+            <a:endParaRPr lang="en-US" sz="2000" dirty="0"/>
+          </a:p>
+          <a:p>
+            <a:pPr lvl="1"/>
+            <a:r>
+              <a:rPr lang="en-US" sz="2000" dirty="0" smtClean="0"/>
+              <a:t>Google Cloud (you want the “always free” </a:t>
+            </a:r>
+            <a:r>
+              <a:rPr lang="en-US" sz="2000" dirty="0"/>
+              <a:t>option</a:t>
+            </a:r>
+            <a:r>
+              <a:rPr lang="en-US" sz="2000" dirty="0" smtClean="0"/>
+              <a:t>)</a:t>
+            </a:r>
+          </a:p>
+          <a:p>
+            <a:pPr lvl="1"/>
+            <a:r>
+              <a:rPr lang="en-US" sz="2000" dirty="0" smtClean="0">
+                <a:hlinkClick r:id="rId4"/>
+              </a:rPr>
+              <a:t>https</a:t>
+            </a:r>
+            <a:r>
+              <a:rPr lang="en-US" sz="2000" dirty="0">
+                <a:hlinkClick r:id="rId4"/>
+              </a:rPr>
+              <a:t>://cloud.google.com/free</a:t>
+            </a:r>
+            <a:r>
+              <a:rPr lang="en-US" sz="2000" dirty="0" smtClean="0">
+                <a:hlinkClick r:id="rId4"/>
+              </a:rPr>
+              <a:t>/</a:t>
+            </a:r>
+            <a:endParaRPr lang="en-US" sz="2000" dirty="0" smtClean="0"/>
+          </a:p>
+          <a:p>
+            <a:pPr lvl="1"/>
+            <a:endParaRPr lang="en-US" sz="2000" dirty="0"/>
+          </a:p>
+          <a:p>
+            <a:pPr lvl="1"/>
+            <a:r>
+              <a:rPr lang="en-US" sz="2000" dirty="0" smtClean="0"/>
+              <a:t>Microsoft Azure (you want the “start free” option)</a:t>
+            </a:r>
+          </a:p>
+          <a:p>
+            <a:pPr lvl="1"/>
+            <a:r>
+              <a:rPr lang="en-US" sz="2000" dirty="0" smtClean="0">
+                <a:hlinkClick r:id="rId5"/>
+              </a:rPr>
+              <a:t>https</a:t>
+            </a:r>
+            <a:r>
+              <a:rPr lang="en-US" sz="2000" dirty="0">
+                <a:hlinkClick r:id="rId5"/>
+              </a:rPr>
+              <a:t>://azure.microsoft.com/en-us/free/</a:t>
+            </a:r>
+            <a:endParaRPr lang="en-US" sz="2000" dirty="0" smtClean="0"/>
+          </a:p>
+          <a:p>
+            <a:pPr lvl="1"/>
+            <a:endParaRPr lang="en-US" sz="2000" dirty="0"/>
+          </a:p>
+          <a:p>
+            <a:pPr lvl="1"/>
+            <a:r>
+              <a:rPr lang="en-US" sz="2000" dirty="0" smtClean="0"/>
+              <a:t>CSUN </a:t>
+            </a:r>
+            <a:r>
+              <a:rPr lang="en-US" sz="2000" dirty="0"/>
+              <a:t>too (</a:t>
+            </a:r>
+            <a:r>
+              <a:rPr lang="en-US" sz="2000" dirty="0">
+                <a:hlinkClick r:id="rId6"/>
+              </a:rPr>
+              <a:t>https://</a:t>
+            </a:r>
+            <a:r>
+              <a:rPr lang="en-US" sz="2000" dirty="0" smtClean="0">
+                <a:hlinkClick r:id="rId6"/>
+              </a:rPr>
+              <a:t>www.csun.edu/it/ibm-cloud-services-csun</a:t>
+            </a:r>
+            <a:r>
+              <a:rPr lang="en-US" sz="2000" dirty="0" smtClean="0"/>
+              <a:t>)</a:t>
+            </a:r>
+          </a:p>
+          <a:p>
+            <a:pPr lvl="1"/>
+            <a:endParaRPr lang="en-US" sz="2000" dirty="0"/>
+          </a:p>
+          <a:p>
+            <a:pPr lvl="1"/>
+            <a:endParaRPr lang="en-US" sz="2000" dirty="0"/>
           </a:p>
         </p:txBody>
       </p:sp>
@@ -8926,7 +8220,7 @@
           <a:p>
             <a:r>
               <a:rPr lang="en-US" dirty="0" smtClean="0"/>
-              <a:t>Recent blog on LAPD arrests/crimes</a:t>
+              <a:t>Canvas API Example</a:t>
             </a:r>
             <a:endParaRPr lang="en-US" dirty="0"/>
           </a:p>
@@ -8947,7 +8241,413 @@
           <a:bodyPr/>
           <a:lstStyle/>
           <a:p>
-            <a:endParaRPr lang="en-US"/>
+            <a:pPr marL="0" indent="0">
+              <a:buNone/>
+            </a:pPr>
+            <a:r>
+              <a:rPr lang="en-US" sz="1600" dirty="0" smtClean="0">
+                <a:latin typeface="Consolas" panose="020B0609020204030204" pitchFamily="49" charset="0"/>
+              </a:rPr>
+              <a:t># do once</a:t>
+            </a:r>
+          </a:p>
+          <a:p>
+            <a:pPr marL="0" indent="0">
+              <a:buNone/>
+            </a:pPr>
+            <a:r>
+              <a:rPr lang="en-US" sz="1600" dirty="0" err="1" smtClean="0">
+                <a:latin typeface="Consolas" panose="020B0609020204030204" pitchFamily="49" charset="0"/>
+              </a:rPr>
+              <a:t>install.packages</a:t>
+            </a:r>
+            <a:r>
+              <a:rPr lang="en-US" sz="1600" dirty="0" smtClean="0">
+                <a:latin typeface="Consolas" panose="020B0609020204030204" pitchFamily="49" charset="0"/>
+              </a:rPr>
+              <a:t>( “</a:t>
+            </a:r>
+            <a:r>
+              <a:rPr lang="en-US" sz="1600" dirty="0" err="1" smtClean="0">
+                <a:latin typeface="Consolas" panose="020B0609020204030204" pitchFamily="49" charset="0"/>
+              </a:rPr>
+              <a:t>devtools</a:t>
+            </a:r>
+            <a:r>
+              <a:rPr lang="en-US" sz="1600" dirty="0" smtClean="0">
+                <a:latin typeface="Consolas" panose="020B0609020204030204" pitchFamily="49" charset="0"/>
+              </a:rPr>
+              <a:t>” )</a:t>
+            </a:r>
+          </a:p>
+          <a:p>
+            <a:pPr marL="0" indent="0">
+              <a:buNone/>
+            </a:pPr>
+            <a:r>
+              <a:rPr lang="en-US" sz="1600" dirty="0">
+                <a:latin typeface="Consolas" panose="020B0609020204030204" pitchFamily="49" charset="0"/>
+              </a:rPr>
+              <a:t>l</a:t>
+            </a:r>
+            <a:r>
+              <a:rPr lang="en-US" sz="1600" dirty="0" smtClean="0">
+                <a:latin typeface="Consolas" panose="020B0609020204030204" pitchFamily="49" charset="0"/>
+              </a:rPr>
+              <a:t>ibrary( </a:t>
+            </a:r>
+            <a:r>
+              <a:rPr lang="en-US" sz="1600" dirty="0" err="1" smtClean="0">
+                <a:latin typeface="Consolas" panose="020B0609020204030204" pitchFamily="49" charset="0"/>
+              </a:rPr>
+              <a:t>devtools</a:t>
+            </a:r>
+            <a:r>
+              <a:rPr lang="en-US" sz="1600" dirty="0" smtClean="0">
+                <a:latin typeface="Consolas" panose="020B0609020204030204" pitchFamily="49" charset="0"/>
+              </a:rPr>
+              <a:t> )</a:t>
+            </a:r>
+          </a:p>
+          <a:p>
+            <a:pPr marL="0" indent="0">
+              <a:buNone/>
+            </a:pPr>
+            <a:r>
+              <a:rPr lang="en-US" sz="1600" dirty="0" err="1" smtClean="0">
+                <a:latin typeface="Consolas" panose="020B0609020204030204" pitchFamily="49" charset="0"/>
+              </a:rPr>
+              <a:t>install_github</a:t>
+            </a:r>
+            <a:r>
+              <a:rPr lang="en-US" sz="1600" dirty="0" smtClean="0">
+                <a:latin typeface="Consolas" panose="020B0609020204030204" pitchFamily="49" charset="0"/>
+              </a:rPr>
+              <a:t>( “</a:t>
+            </a:r>
+            <a:r>
+              <a:rPr lang="en-US" sz="1600" dirty="0" err="1" smtClean="0">
+                <a:latin typeface="Consolas" panose="020B0609020204030204" pitchFamily="49" charset="0"/>
+              </a:rPr>
+              <a:t>daranzolin</a:t>
+            </a:r>
+            <a:r>
+              <a:rPr lang="en-US" sz="1600" dirty="0" smtClean="0">
+                <a:latin typeface="Consolas" panose="020B0609020204030204" pitchFamily="49" charset="0"/>
+              </a:rPr>
+              <a:t>/</a:t>
+            </a:r>
+            <a:r>
+              <a:rPr lang="en-US" sz="1600" dirty="0" err="1" smtClean="0">
+                <a:latin typeface="Consolas" panose="020B0609020204030204" pitchFamily="49" charset="0"/>
+              </a:rPr>
+              <a:t>rcanvas</a:t>
+            </a:r>
+            <a:r>
+              <a:rPr lang="en-US" sz="1600" dirty="0" smtClean="0">
+                <a:latin typeface="Consolas" panose="020B0609020204030204" pitchFamily="49" charset="0"/>
+              </a:rPr>
+              <a:t>” )</a:t>
+            </a:r>
+          </a:p>
+          <a:p>
+            <a:pPr marL="0" indent="0">
+              <a:buNone/>
+            </a:pPr>
+            <a:r>
+              <a:rPr lang="en-US" sz="1600" dirty="0" smtClean="0">
+                <a:latin typeface="Consolas" panose="020B0609020204030204" pitchFamily="49" charset="0"/>
+              </a:rPr>
+              <a:t>library( </a:t>
+            </a:r>
+            <a:r>
+              <a:rPr lang="en-US" sz="1600" dirty="0" err="1" smtClean="0">
+                <a:latin typeface="Consolas" panose="020B0609020204030204" pitchFamily="49" charset="0"/>
+              </a:rPr>
+              <a:t>rcanvas</a:t>
+            </a:r>
+            <a:r>
+              <a:rPr lang="en-US" sz="1600" dirty="0" smtClean="0">
+                <a:latin typeface="Consolas" panose="020B0609020204030204" pitchFamily="49" charset="0"/>
+              </a:rPr>
+              <a:t> )</a:t>
+            </a:r>
+          </a:p>
+          <a:p>
+            <a:pPr marL="0" indent="0">
+              <a:buNone/>
+            </a:pPr>
+            <a:r>
+              <a:rPr lang="en-US" sz="1600" dirty="0" err="1" smtClean="0">
+                <a:latin typeface="Consolas" panose="020B0609020204030204" pitchFamily="49" charset="0"/>
+              </a:rPr>
+              <a:t>set_canvas_token</a:t>
+            </a:r>
+            <a:r>
+              <a:rPr lang="en-US" sz="1600" dirty="0" smtClean="0">
+                <a:latin typeface="Consolas" panose="020B0609020204030204" pitchFamily="49" charset="0"/>
+              </a:rPr>
+              <a:t>( “your-40-character-token-from-Account-Settings-here” )</a:t>
+            </a:r>
+          </a:p>
+          <a:p>
+            <a:pPr marL="0" indent="0">
+              <a:buNone/>
+            </a:pPr>
+            <a:r>
+              <a:rPr lang="en-US" sz="1600" dirty="0" err="1" smtClean="0">
+                <a:latin typeface="Consolas" panose="020B0609020204030204" pitchFamily="49" charset="0"/>
+              </a:rPr>
+              <a:t>set_canvas_domain</a:t>
+            </a:r>
+            <a:r>
+              <a:rPr lang="en-US" sz="1600" dirty="0" smtClean="0">
+                <a:latin typeface="Consolas" panose="020B0609020204030204" pitchFamily="49" charset="0"/>
+              </a:rPr>
+              <a:t>( “https://canvas.csun.edu” )</a:t>
+            </a:r>
+          </a:p>
+          <a:p>
+            <a:pPr marL="0" indent="0">
+              <a:buNone/>
+            </a:pPr>
+            <a:endParaRPr lang="en-US" sz="1600" dirty="0" smtClean="0">
+              <a:latin typeface="Consolas" panose="020B0609020204030204" pitchFamily="49" charset="0"/>
+            </a:endParaRPr>
+          </a:p>
+          <a:p>
+            <a:pPr marL="0" indent="0">
+              <a:buNone/>
+            </a:pPr>
+            <a:r>
+              <a:rPr lang="en-US" sz="1600" dirty="0" smtClean="0">
+                <a:latin typeface="Consolas" panose="020B0609020204030204" pitchFamily="49" charset="0"/>
+              </a:rPr>
+              <a:t># get course items</a:t>
+            </a:r>
+          </a:p>
+          <a:p>
+            <a:pPr marL="0" indent="0">
+              <a:buNone/>
+            </a:pPr>
+            <a:r>
+              <a:rPr lang="en-US" sz="1600" dirty="0" err="1" smtClean="0">
+                <a:latin typeface="Consolas" panose="020B0609020204030204" pitchFamily="49" charset="0"/>
+              </a:rPr>
+              <a:t>get_user_items</a:t>
+            </a:r>
+            <a:r>
+              <a:rPr lang="en-US" sz="1600" dirty="0" smtClean="0">
+                <a:latin typeface="Consolas" panose="020B0609020204030204" pitchFamily="49" charset="0"/>
+              </a:rPr>
+              <a:t>( </a:t>
+            </a:r>
+            <a:r>
+              <a:rPr lang="en-US" sz="1600" dirty="0" err="1" smtClean="0">
+                <a:latin typeface="Consolas" panose="020B0609020204030204" pitchFamily="49" charset="0"/>
+              </a:rPr>
+              <a:t>course_id</a:t>
+            </a:r>
+            <a:r>
+              <a:rPr lang="en-US" sz="1600" dirty="0" smtClean="0">
+                <a:latin typeface="Consolas" panose="020B0609020204030204" pitchFamily="49" charset="0"/>
+              </a:rPr>
+              <a:t> = 12345, item = “assignments” )</a:t>
+            </a:r>
+          </a:p>
+          <a:p>
+            <a:pPr marL="0" indent="0">
+              <a:buNone/>
+            </a:pPr>
+            <a:r>
+              <a:rPr lang="en-US" sz="1600" dirty="0" err="1" smtClean="0">
+                <a:latin typeface="Consolas" panose="020B0609020204030204" pitchFamily="49" charset="0"/>
+              </a:rPr>
+              <a:t>get_user_items</a:t>
+            </a:r>
+            <a:r>
+              <a:rPr lang="en-US" sz="1600" dirty="0">
+                <a:latin typeface="Consolas" panose="020B0609020204030204" pitchFamily="49" charset="0"/>
+              </a:rPr>
+              <a:t>( </a:t>
+            </a:r>
+            <a:r>
+              <a:rPr lang="en-US" sz="1600" dirty="0" err="1">
+                <a:latin typeface="Consolas" panose="020B0609020204030204" pitchFamily="49" charset="0"/>
+              </a:rPr>
+              <a:t>course_id</a:t>
+            </a:r>
+            <a:r>
+              <a:rPr lang="en-US" sz="1600" dirty="0">
+                <a:latin typeface="Consolas" panose="020B0609020204030204" pitchFamily="49" charset="0"/>
+              </a:rPr>
+              <a:t> = 12345, item = “</a:t>
+            </a:r>
+            <a:r>
+              <a:rPr lang="en-US" sz="1600" dirty="0" err="1">
+                <a:latin typeface="Consolas" panose="020B0609020204030204" pitchFamily="49" charset="0"/>
+              </a:rPr>
+              <a:t>missing_submissions</a:t>
+            </a:r>
+            <a:r>
+              <a:rPr lang="en-US" sz="1600" dirty="0">
+                <a:latin typeface="Consolas" panose="020B0609020204030204" pitchFamily="49" charset="0"/>
+              </a:rPr>
+              <a:t>” )</a:t>
+            </a:r>
+          </a:p>
+          <a:p>
+            <a:pPr marL="0" indent="0">
+              <a:buNone/>
+            </a:pPr>
+            <a:endParaRPr lang="en-US" sz="1600" dirty="0">
+              <a:latin typeface="Consolas" panose="020B0609020204030204" pitchFamily="49" charset="0"/>
+            </a:endParaRPr>
+          </a:p>
+          <a:p>
+            <a:pPr marL="0" indent="0">
+              <a:buNone/>
+            </a:pPr>
+            <a:r>
+              <a:rPr lang="en-US" sz="1600" dirty="0">
+                <a:latin typeface="Consolas" panose="020B0609020204030204" pitchFamily="49" charset="0"/>
+              </a:rPr>
+              <a:t># get course </a:t>
+            </a:r>
+            <a:r>
+              <a:rPr lang="en-US" sz="1600" dirty="0" smtClean="0">
+                <a:latin typeface="Consolas" panose="020B0609020204030204" pitchFamily="49" charset="0"/>
+              </a:rPr>
+              <a:t>analytics</a:t>
+            </a:r>
+            <a:endParaRPr lang="en-US" sz="1600" dirty="0">
+              <a:latin typeface="Consolas" panose="020B0609020204030204" pitchFamily="49" charset="0"/>
+            </a:endParaRPr>
+          </a:p>
+          <a:p>
+            <a:pPr marL="0" indent="0">
+              <a:buNone/>
+            </a:pPr>
+            <a:r>
+              <a:rPr lang="en-US" sz="1600" dirty="0" err="1" smtClean="0">
+                <a:latin typeface="Consolas" panose="020B0609020204030204" pitchFamily="49" charset="0"/>
+              </a:rPr>
+              <a:t>get_user_items</a:t>
+            </a:r>
+            <a:r>
+              <a:rPr lang="en-US" sz="1600" dirty="0">
+                <a:latin typeface="Consolas" panose="020B0609020204030204" pitchFamily="49" charset="0"/>
+              </a:rPr>
+              <a:t>( </a:t>
+            </a:r>
+            <a:r>
+              <a:rPr lang="en-US" sz="1600" dirty="0" err="1">
+                <a:latin typeface="Consolas" panose="020B0609020204030204" pitchFamily="49" charset="0"/>
+              </a:rPr>
+              <a:t>course_id</a:t>
+            </a:r>
+            <a:r>
+              <a:rPr lang="en-US" sz="1600" dirty="0">
+                <a:latin typeface="Consolas" panose="020B0609020204030204" pitchFamily="49" charset="0"/>
+              </a:rPr>
+              <a:t> = 12345, item = </a:t>
+            </a:r>
+            <a:r>
+              <a:rPr lang="en-US" sz="1600" dirty="0" smtClean="0">
+                <a:latin typeface="Consolas" panose="020B0609020204030204" pitchFamily="49" charset="0"/>
+              </a:rPr>
+              <a:t>“activity” </a:t>
+            </a:r>
+            <a:r>
+              <a:rPr lang="en-US" sz="1600" dirty="0">
+                <a:latin typeface="Consolas" panose="020B0609020204030204" pitchFamily="49" charset="0"/>
+              </a:rPr>
+              <a:t>)</a:t>
+            </a:r>
+          </a:p>
+          <a:p>
+            <a:pPr marL="0" indent="0">
+              <a:buNone/>
+            </a:pPr>
+            <a:endParaRPr lang="en-US" sz="1600" dirty="0" smtClean="0">
+              <a:latin typeface="Consolas" panose="020B0609020204030204" pitchFamily="49" charset="0"/>
+            </a:endParaRPr>
+          </a:p>
+          <a:p>
+            <a:pPr marL="0" indent="0">
+              <a:buNone/>
+            </a:pPr>
+            <a:r>
+              <a:rPr lang="en-US" sz="1600" dirty="0">
+                <a:latin typeface="Consolas" panose="020B0609020204030204" pitchFamily="49" charset="0"/>
+              </a:rPr>
+              <a:t># </a:t>
+            </a:r>
+            <a:r>
+              <a:rPr lang="en-US" sz="1600" dirty="0" smtClean="0">
+                <a:latin typeface="Consolas" panose="020B0609020204030204" pitchFamily="49" charset="0"/>
+              </a:rPr>
+              <a:t>upload a file (or files)</a:t>
+            </a:r>
+            <a:endParaRPr lang="en-US" sz="1600" dirty="0">
+              <a:latin typeface="Consolas" panose="020B0609020204030204" pitchFamily="49" charset="0"/>
+            </a:endParaRPr>
+          </a:p>
+          <a:p>
+            <a:pPr marL="0" indent="0">
+              <a:buNone/>
+            </a:pPr>
+            <a:r>
+              <a:rPr lang="en-US" sz="1600" dirty="0" err="1" smtClean="0">
+                <a:latin typeface="Consolas" panose="020B0609020204030204" pitchFamily="49" charset="0"/>
+              </a:rPr>
+              <a:t>upload_course_file</a:t>
+            </a:r>
+            <a:r>
+              <a:rPr lang="en-US" sz="1600" dirty="0" smtClean="0">
+                <a:latin typeface="Consolas" panose="020B0609020204030204" pitchFamily="49" charset="0"/>
+              </a:rPr>
+              <a:t>( </a:t>
+            </a:r>
+            <a:r>
+              <a:rPr lang="en-US" sz="1600" dirty="0" err="1">
+                <a:latin typeface="Consolas" panose="020B0609020204030204" pitchFamily="49" charset="0"/>
+              </a:rPr>
+              <a:t>course_id</a:t>
+            </a:r>
+            <a:r>
+              <a:rPr lang="en-US" sz="1600" dirty="0">
+                <a:latin typeface="Consolas" panose="020B0609020204030204" pitchFamily="49" charset="0"/>
+              </a:rPr>
+              <a:t> = 12345, </a:t>
+            </a:r>
+            <a:r>
+              <a:rPr lang="en-US" sz="1600" dirty="0" err="1" smtClean="0">
+                <a:latin typeface="Consolas" panose="020B0609020204030204" pitchFamily="49" charset="0"/>
+              </a:rPr>
+              <a:t>file_name</a:t>
+            </a:r>
+            <a:r>
+              <a:rPr lang="en-US" sz="1600" dirty="0" smtClean="0">
+                <a:latin typeface="Consolas" panose="020B0609020204030204" pitchFamily="49" charset="0"/>
+              </a:rPr>
+              <a:t> </a:t>
+            </a:r>
+            <a:r>
+              <a:rPr lang="en-US" sz="1600" dirty="0">
+                <a:latin typeface="Consolas" panose="020B0609020204030204" pitchFamily="49" charset="0"/>
+              </a:rPr>
+              <a:t>= </a:t>
+            </a:r>
+            <a:r>
+              <a:rPr lang="en-US" sz="1600" dirty="0" smtClean="0">
+                <a:latin typeface="Consolas" panose="020B0609020204030204" pitchFamily="49" charset="0"/>
+              </a:rPr>
+              <a:t>“testfile.docx” )</a:t>
+            </a:r>
+            <a:endParaRPr lang="en-US" sz="1600" dirty="0">
+              <a:latin typeface="Consolas" panose="020B0609020204030204" pitchFamily="49" charset="0"/>
+            </a:endParaRPr>
           </a:p>
         </p:txBody>
       </p:sp>
@@ -8983,7 +8683,7 @@
     </p:spTree>
     <p:extLst>
       <p:ext uri="{BB962C8B-B14F-4D97-AF65-F5344CB8AC3E}">
-        <p14:creationId xmlns:p14="http://schemas.microsoft.com/office/powerpoint/2010/main" val="673674884"/>
+        <p14:creationId xmlns:p14="http://schemas.microsoft.com/office/powerpoint/2010/main" val="311347268"/>
       </p:ext>
     </p:extLst>
   </p:cSld>
@@ -9247,7 +8947,7 @@
           <a:p>
             <a:r>
               <a:rPr lang="en-US" dirty="0" smtClean="0"/>
-              <a:t>Reproducibility (“academic” perspective)</a:t>
+              <a:t>Recent blog on LAPD arrests/crimes</a:t>
             </a:r>
             <a:endParaRPr lang="en-US" dirty="0"/>
           </a:p>
@@ -9304,7 +9004,7 @@
     </p:spTree>
     <p:extLst>
       <p:ext uri="{BB962C8B-B14F-4D97-AF65-F5344CB8AC3E}">
-        <p14:creationId xmlns:p14="http://schemas.microsoft.com/office/powerpoint/2010/main" val="3668218804"/>
+        <p14:creationId xmlns:p14="http://schemas.microsoft.com/office/powerpoint/2010/main" val="673674884"/>
       </p:ext>
     </p:extLst>
   </p:cSld>
@@ -9355,9 +9055,13 @@
           <a:p>
             <a:r>
               <a:rPr lang="en-US" dirty="0" smtClean="0"/>
-              <a:t>Workflow (“professional” perspective)</a:t>
-            </a:r>
-            <a:endParaRPr lang="en-US" dirty="0"/>
+              <a:t>Jobs/indeed.com</a:t>
+            </a:r>
+            <a:r>
+              <a:rPr lang="en-US" smtClean="0"/>
+              <a:t>, etc.</a:t>
+            </a:r>
+            <a:endParaRPr lang="en-US"/>
           </a:p>
         </p:txBody>
       </p:sp>
@@ -9412,7 +9116,7 @@
     </p:spTree>
     <p:extLst>
       <p:ext uri="{BB962C8B-B14F-4D97-AF65-F5344CB8AC3E}">
-        <p14:creationId xmlns:p14="http://schemas.microsoft.com/office/powerpoint/2010/main" val="924957830"/>
+        <p14:creationId xmlns:p14="http://schemas.microsoft.com/office/powerpoint/2010/main" val="3473435480"/>
       </p:ext>
     </p:extLst>
   </p:cSld>
@@ -9463,7 +9167,7 @@
           <a:p>
             <a:r>
               <a:rPr lang="en-US" dirty="0" smtClean="0"/>
-              <a:t>Canvas API Example</a:t>
+              <a:t>Conferences w/ videos (and convert to iTunes via VLC?)</a:t>
             </a:r>
             <a:endParaRPr lang="en-US" dirty="0"/>
           </a:p>
@@ -9520,7 +9224,7 @@
     </p:spTree>
     <p:extLst>
       <p:ext uri="{BB962C8B-B14F-4D97-AF65-F5344CB8AC3E}">
-        <p14:creationId xmlns:p14="http://schemas.microsoft.com/office/powerpoint/2010/main" val="3895659884"/>
+        <p14:creationId xmlns:p14="http://schemas.microsoft.com/office/powerpoint/2010/main" val="2831084937"/>
       </p:ext>
     </p:extLst>
   </p:cSld>
@@ -9571,13 +9275,9 @@
           <a:p>
             <a:r>
               <a:rPr lang="en-US" dirty="0" smtClean="0"/>
-              <a:t>Jobs/indeed.com</a:t>
-            </a:r>
-            <a:r>
-              <a:rPr lang="en-US" smtClean="0"/>
-              <a:t>, etc.</a:t>
-            </a:r>
-            <a:endParaRPr lang="en-US"/>
+              <a:t>A New Language for conversations</a:t>
+            </a:r>
+            <a:endParaRPr lang="en-US" dirty="0"/>
           </a:p>
         </p:txBody>
       </p:sp>
@@ -9596,7 +9296,101 @@
           <a:bodyPr/>
           <a:lstStyle/>
           <a:p>
-            <a:endParaRPr lang="en-US"/>
+            <a:r>
+              <a:rPr lang="en-US" dirty="0" smtClean="0"/>
+              <a:t>Student peers</a:t>
+            </a:r>
+          </a:p>
+          <a:p>
+            <a:r>
+              <a:rPr lang="en-US" dirty="0" smtClean="0"/>
+              <a:t>Professional contacts</a:t>
+            </a:r>
+          </a:p>
+          <a:p>
+            <a:endParaRPr lang="en-US" dirty="0"/>
+          </a:p>
+          <a:p>
+            <a:r>
+              <a:rPr lang="en-US" dirty="0" smtClean="0"/>
+              <a:t>Most important—Professors</a:t>
+            </a:r>
+          </a:p>
+          <a:p>
+            <a:pPr lvl="1"/>
+            <a:r>
+              <a:rPr lang="en-US" dirty="0"/>
+              <a:t>What </a:t>
+            </a:r>
+            <a:r>
+              <a:rPr lang="en-US" dirty="0" smtClean="0"/>
+              <a:t>kinds of </a:t>
+            </a:r>
+            <a:r>
+              <a:rPr lang="en-US" i="1" dirty="0" smtClean="0"/>
+              <a:t>research questions </a:t>
+            </a:r>
+            <a:r>
+              <a:rPr lang="en-US" dirty="0" smtClean="0"/>
+              <a:t>have you worked on?</a:t>
+            </a:r>
+            <a:endParaRPr lang="en-US" dirty="0"/>
+          </a:p>
+          <a:p>
+            <a:pPr lvl="1"/>
+            <a:r>
+              <a:rPr lang="en-US" dirty="0" smtClean="0"/>
+              <a:t>What kinds of </a:t>
+            </a:r>
+            <a:r>
+              <a:rPr lang="en-US" i="1" dirty="0" smtClean="0"/>
+              <a:t>data</a:t>
+            </a:r>
+            <a:r>
+              <a:rPr lang="en-US" dirty="0" smtClean="0"/>
+              <a:t> have you used?</a:t>
+            </a:r>
+          </a:p>
+          <a:p>
+            <a:pPr lvl="1"/>
+            <a:r>
+              <a:rPr lang="en-US" dirty="0"/>
+              <a:t>What </a:t>
+            </a:r>
+            <a:r>
+              <a:rPr lang="en-US" dirty="0" smtClean="0"/>
+              <a:t>kinds of </a:t>
+            </a:r>
+            <a:r>
+              <a:rPr lang="en-US" i="1" dirty="0" smtClean="0"/>
+              <a:t>analytical methods </a:t>
+            </a:r>
+            <a:r>
+              <a:rPr lang="en-US" dirty="0"/>
+              <a:t>have you used?</a:t>
+            </a:r>
+          </a:p>
+          <a:p>
+            <a:pPr lvl="1"/>
+            <a:r>
+              <a:rPr lang="en-US" dirty="0" smtClean="0"/>
+              <a:t>What kinds of </a:t>
+            </a:r>
+            <a:r>
+              <a:rPr lang="en-US" i="1" dirty="0" smtClean="0"/>
+              <a:t>software tools</a:t>
+            </a:r>
+            <a:r>
+              <a:rPr lang="en-US" dirty="0" smtClean="0"/>
+              <a:t> have you used?</a:t>
+            </a:r>
+          </a:p>
+          <a:p>
+            <a:pPr lvl="1"/>
+            <a:r>
+              <a:rPr lang="en-US" dirty="0" smtClean="0"/>
+              <a:t>What are you hoping to learn to do in the near future?</a:t>
+            </a:r>
           </a:p>
         </p:txBody>
       </p:sp>
@@ -9632,7 +9426,7 @@
     </p:spTree>
     <p:extLst>
       <p:ext uri="{BB962C8B-B14F-4D97-AF65-F5344CB8AC3E}">
-        <p14:creationId xmlns:p14="http://schemas.microsoft.com/office/powerpoint/2010/main" val="3473435480"/>
+        <p14:creationId xmlns:p14="http://schemas.microsoft.com/office/powerpoint/2010/main" val="4167668578"/>
       </p:ext>
     </p:extLst>
   </p:cSld>
@@ -9683,7 +9477,7 @@
           <a:p>
             <a:r>
               <a:rPr lang="en-US" dirty="0" smtClean="0"/>
-              <a:t>Conferences w/ videos (and convert to iTunes via VLC?)</a:t>
+              <a:t>Complexity</a:t>
             </a:r>
             <a:endParaRPr lang="en-US" dirty="0"/>
           </a:p>
@@ -9740,7 +9534,7 @@
     </p:spTree>
     <p:extLst>
       <p:ext uri="{BB962C8B-B14F-4D97-AF65-F5344CB8AC3E}">
-        <p14:creationId xmlns:p14="http://schemas.microsoft.com/office/powerpoint/2010/main" val="2831084937"/>
+        <p14:creationId xmlns:p14="http://schemas.microsoft.com/office/powerpoint/2010/main" val="3859015474"/>
       </p:ext>
     </p:extLst>
   </p:cSld>
@@ -9784,129 +9578,21 @@
             <p:ph type="title"/>
           </p:nvPr>
         </p:nvSpPr>
-        <p:spPr/>
+        <p:spPr>
+          <a:xfrm>
+            <a:off x="457200" y="2971800"/>
+            <a:ext cx="8229600" cy="1143000"/>
+          </a:xfrm>
+        </p:spPr>
         <p:txBody>
           <a:bodyPr/>
           <a:lstStyle/>
           <a:p>
             <a:r>
               <a:rPr lang="en-US" dirty="0" smtClean="0"/>
-              <a:t>A New Language for conversations</a:t>
+              <a:t>What do real world data science needs look like?</a:t>
             </a:r>
             <a:endParaRPr lang="en-US" dirty="0"/>
-          </a:p>
-        </p:txBody>
-      </p:sp>
-      <p:sp>
-        <p:nvSpPr>
-          <p:cNvPr id="3" name="Content Placeholder 2"/>
-          <p:cNvSpPr>
-            <a:spLocks noGrp="1"/>
-          </p:cNvSpPr>
-          <p:nvPr>
-            <p:ph idx="1"/>
-          </p:nvPr>
-        </p:nvSpPr>
-        <p:spPr/>
-        <p:txBody>
-          <a:bodyPr/>
-          <a:lstStyle/>
-          <a:p>
-            <a:r>
-              <a:rPr lang="en-US" dirty="0" smtClean="0"/>
-              <a:t>Student peers</a:t>
-            </a:r>
-          </a:p>
-          <a:p>
-            <a:r>
-              <a:rPr lang="en-US" dirty="0" smtClean="0"/>
-              <a:t>Professional contacts</a:t>
-            </a:r>
-          </a:p>
-          <a:p>
-            <a:endParaRPr lang="en-US" dirty="0"/>
-          </a:p>
-          <a:p>
-            <a:r>
-              <a:rPr lang="en-US" dirty="0" smtClean="0"/>
-              <a:t>Most important—Professors</a:t>
-            </a:r>
-          </a:p>
-          <a:p>
-            <a:pPr lvl="1"/>
-            <a:r>
-              <a:rPr lang="en-US" dirty="0"/>
-              <a:t>What </a:t>
-            </a:r>
-            <a:r>
-              <a:rPr lang="en-US" dirty="0" smtClean="0"/>
-              <a:t>kinds of </a:t>
-            </a:r>
-            <a:r>
-              <a:rPr lang="en-US" i="1" dirty="0" smtClean="0"/>
-              <a:t>research questions </a:t>
-            </a:r>
-            <a:r>
-              <a:rPr lang="en-US" dirty="0" smtClean="0"/>
-              <a:t>have you worked on?</a:t>
-            </a:r>
-            <a:endParaRPr lang="en-US" dirty="0"/>
-          </a:p>
-          <a:p>
-            <a:pPr lvl="1"/>
-            <a:r>
-              <a:rPr lang="en-US" dirty="0" smtClean="0"/>
-              <a:t>What kinds of </a:t>
-            </a:r>
-            <a:r>
-              <a:rPr lang="en-US" i="1" dirty="0" smtClean="0"/>
-              <a:t>data</a:t>
-            </a:r>
-            <a:r>
-              <a:rPr lang="en-US" dirty="0" smtClean="0"/>
-              <a:t> have you used?</a:t>
-            </a:r>
-          </a:p>
-          <a:p>
-            <a:pPr lvl="1"/>
-            <a:r>
-              <a:rPr lang="en-US" dirty="0"/>
-              <a:t>What </a:t>
-            </a:r>
-            <a:r>
-              <a:rPr lang="en-US" dirty="0" smtClean="0"/>
-              <a:t>kinds of </a:t>
-            </a:r>
-            <a:r>
-              <a:rPr lang="en-US" i="1" dirty="0" smtClean="0"/>
-              <a:t>analytical methods </a:t>
-            </a:r>
-            <a:r>
-              <a:rPr lang="en-US" dirty="0"/>
-              <a:t>have you used?</a:t>
-            </a:r>
-          </a:p>
-          <a:p>
-            <a:pPr lvl="1"/>
-            <a:r>
-              <a:rPr lang="en-US" dirty="0" smtClean="0"/>
-              <a:t>What kinds of </a:t>
-            </a:r>
-            <a:r>
-              <a:rPr lang="en-US" i="1" dirty="0" smtClean="0"/>
-              <a:t>software tools</a:t>
-            </a:r>
-            <a:r>
-              <a:rPr lang="en-US" dirty="0" smtClean="0"/>
-              <a:t> have you used?</a:t>
-            </a:r>
-          </a:p>
-          <a:p>
-            <a:pPr lvl="1"/>
-            <a:r>
-              <a:rPr lang="en-US" dirty="0" smtClean="0"/>
-              <a:t>What are you hoping to learn to do in the near future?</a:t>
-            </a:r>
           </a:p>
         </p:txBody>
       </p:sp>
@@ -9942,7 +9628,7 @@
     </p:spTree>
     <p:extLst>
       <p:ext uri="{BB962C8B-B14F-4D97-AF65-F5344CB8AC3E}">
-        <p14:creationId xmlns:p14="http://schemas.microsoft.com/office/powerpoint/2010/main" val="4167668578"/>
+        <p14:creationId xmlns:p14="http://schemas.microsoft.com/office/powerpoint/2010/main" val="3296712805"/>
       </p:ext>
     </p:extLst>
   </p:cSld>
@@ -9993,7 +9679,7 @@
           <a:p>
             <a:r>
               <a:rPr lang="en-US" dirty="0" smtClean="0"/>
-              <a:t>Complexity</a:t>
+              <a:t>Data Science needs:  Current Examples from the City of LA</a:t>
             </a:r>
             <a:endParaRPr lang="en-US" dirty="0"/>
           </a:p>
@@ -10014,7 +9700,117 @@
           <a:bodyPr/>
           <a:lstStyle/>
           <a:p>
-            <a:endParaRPr lang="en-US"/>
+            <a:r>
+              <a:rPr lang="en-US" dirty="0" smtClean="0">
+                <a:hlinkClick r:id="rId2" action="ppaction://hlinkfile"/>
+              </a:rPr>
+              <a:t>Elected </a:t>
+            </a:r>
+            <a:r>
+              <a:rPr lang="en-US" dirty="0">
+                <a:hlinkClick r:id="rId2" action="ppaction://hlinkfile"/>
+              </a:rPr>
+              <a:t>Officials</a:t>
+            </a:r>
+            <a:endParaRPr lang="en-US" dirty="0"/>
+          </a:p>
+          <a:p>
+            <a:pPr lvl="1"/>
+            <a:r>
+              <a:rPr lang="en-US" dirty="0">
+                <a:hlinkClick r:id="rId3" action="ppaction://hlinkfile"/>
+              </a:rPr>
+              <a:t>Affordable Housing Risk Scoring and Covent Risk Scoring</a:t>
+            </a:r>
+            <a:endParaRPr lang="en-US" dirty="0"/>
+          </a:p>
+          <a:p>
+            <a:pPr lvl="1"/>
+            <a:r>
+              <a:rPr lang="en-US" dirty="0">
+                <a:hlinkClick r:id="rId4" action="ppaction://hlinkfile"/>
+              </a:rPr>
+              <a:t>Downtown Transportation Analysis</a:t>
+            </a:r>
+            <a:endParaRPr lang="en-US" dirty="0"/>
+          </a:p>
+          <a:p>
+            <a:pPr lvl="1"/>
+            <a:r>
+              <a:rPr lang="en-US" dirty="0" smtClean="0">
+                <a:hlinkClick r:id="rId5" action="ppaction://hlinkfile"/>
+              </a:rPr>
+              <a:t>Street </a:t>
+            </a:r>
+            <a:r>
+              <a:rPr lang="en-US" dirty="0">
+                <a:hlinkClick r:id="rId5" action="ppaction://hlinkfile"/>
+              </a:rPr>
+              <a:t>Pavement Prioritization and Early Warning System</a:t>
+            </a:r>
+            <a:endParaRPr lang="en-US" dirty="0"/>
+          </a:p>
+          <a:p>
+            <a:pPr lvl="1"/>
+            <a:r>
+              <a:rPr lang="en-US" dirty="0">
+                <a:hlinkClick r:id="rId6" action="ppaction://hlinkfile"/>
+              </a:rPr>
+              <a:t>Property Values and Affordable and Low Income Housing</a:t>
+            </a:r>
+            <a:endParaRPr lang="en-US" dirty="0"/>
+          </a:p>
+          <a:p>
+            <a:pPr lvl="1"/>
+            <a:r>
+              <a:rPr lang="en-US" dirty="0">
+                <a:hlinkClick r:id="rId7" action="ppaction://hlinkfile"/>
+              </a:rPr>
+              <a:t>LAPD Recruitment Performance Dashboard</a:t>
+            </a:r>
+            <a:endParaRPr lang="en-US" dirty="0"/>
+          </a:p>
+          <a:p>
+            <a:pPr lvl="1"/>
+            <a:r>
+              <a:rPr lang="en-US" dirty="0">
+                <a:hlinkClick r:id="rId8" action="ppaction://hlinkfile"/>
+              </a:rPr>
+              <a:t>CAP tracking enhancements, dashboards, and integration with other Personnel systems</a:t>
+            </a:r>
+            <a:endParaRPr lang="en-US" dirty="0"/>
+          </a:p>
+          <a:p>
+            <a:pPr lvl="1"/>
+            <a:r>
+              <a:rPr lang="en-US" dirty="0" smtClean="0">
+                <a:hlinkClick r:id="rId9" action="ppaction://hlinkfile"/>
+              </a:rPr>
+              <a:t>Attrition </a:t>
+            </a:r>
+            <a:r>
+              <a:rPr lang="en-US" dirty="0">
+                <a:hlinkClick r:id="rId9" action="ppaction://hlinkfile"/>
+              </a:rPr>
+              <a:t>prediction tool</a:t>
+            </a:r>
+            <a:endParaRPr lang="en-US" dirty="0"/>
+          </a:p>
+          <a:p>
+            <a:pPr lvl="1"/>
+            <a:r>
+              <a:rPr lang="en-US" dirty="0">
+                <a:hlinkClick r:id="rId10" action="ppaction://hlinkfile"/>
+              </a:rPr>
+              <a:t>Homelessness Services </a:t>
+            </a:r>
+            <a:r>
+              <a:rPr lang="en-US" dirty="0" smtClean="0">
+                <a:hlinkClick r:id="rId10" action="ppaction://hlinkfile"/>
+              </a:rPr>
+              <a:t>Matcher</a:t>
+            </a:r>
+            <a:endParaRPr lang="en-US" dirty="0"/>
           </a:p>
         </p:txBody>
       </p:sp>
@@ -10050,7 +9846,7 @@
     </p:spTree>
     <p:extLst>
       <p:ext uri="{BB962C8B-B14F-4D97-AF65-F5344CB8AC3E}">
-        <p14:creationId xmlns:p14="http://schemas.microsoft.com/office/powerpoint/2010/main" val="3859015474"/>
+        <p14:creationId xmlns:p14="http://schemas.microsoft.com/office/powerpoint/2010/main" val="3851471638"/>
       </p:ext>
     </p:extLst>
   </p:cSld>
@@ -10094,19 +9890,138 @@
             <p:ph type="title"/>
           </p:nvPr>
         </p:nvSpPr>
-        <p:spPr>
-          <a:xfrm>
-            <a:off x="457200" y="2971800"/>
-            <a:ext cx="8229600" cy="1143000"/>
-          </a:xfrm>
-        </p:spPr>
+        <p:spPr/>
         <p:txBody>
           <a:bodyPr/>
           <a:lstStyle/>
           <a:p>
             <a:r>
               <a:rPr lang="en-US" dirty="0" smtClean="0"/>
-              <a:t>What do real world data science needs look like?</a:t>
+              <a:t>Data Science needs:  Current Examples from the City of LA</a:t>
+            </a:r>
+            <a:endParaRPr lang="en-US" dirty="0"/>
+          </a:p>
+        </p:txBody>
+      </p:sp>
+      <p:sp>
+        <p:nvSpPr>
+          <p:cNvPr id="3" name="Content Placeholder 2"/>
+          <p:cNvSpPr>
+            <a:spLocks noGrp="1"/>
+          </p:cNvSpPr>
+          <p:nvPr>
+            <p:ph idx="1"/>
+          </p:nvPr>
+        </p:nvSpPr>
+        <p:spPr/>
+        <p:txBody>
+          <a:bodyPr/>
+          <a:lstStyle/>
+          <a:p>
+            <a:r>
+              <a:rPr lang="en-US" u="sng" dirty="0" smtClean="0">
+                <a:hlinkClick r:id="rId2" action="ppaction://hlinkfile"/>
+              </a:rPr>
+              <a:t>Information </a:t>
+            </a:r>
+            <a:r>
+              <a:rPr lang="en-US" u="sng" dirty="0">
+                <a:hlinkClick r:id="rId2" action="ppaction://hlinkfile"/>
+              </a:rPr>
+              <a:t>Technology Agency</a:t>
+            </a:r>
+            <a:endParaRPr lang="en-US" dirty="0"/>
+          </a:p>
+          <a:p>
+            <a:pPr lvl="1"/>
+            <a:r>
+              <a:rPr lang="en-US" u="sng" dirty="0" err="1">
+                <a:hlinkClick r:id="rId3" action="ppaction://hlinkfile"/>
+              </a:rPr>
+              <a:t>ServiceNow</a:t>
+            </a:r>
+            <a:r>
+              <a:rPr lang="en-US" u="sng" dirty="0">
+                <a:hlinkClick r:id="rId3" action="ppaction://hlinkfile"/>
+              </a:rPr>
+              <a:t> Analysis and Dashboard</a:t>
+            </a:r>
+            <a:endParaRPr lang="en-US" dirty="0"/>
+          </a:p>
+          <a:p>
+            <a:r>
+              <a:rPr lang="en-US" u="sng" dirty="0">
+                <a:hlinkClick r:id="rId4" action="ppaction://hlinkfile"/>
+              </a:rPr>
+              <a:t>Office of Finance</a:t>
+            </a:r>
+            <a:endParaRPr lang="en-US" dirty="0"/>
+          </a:p>
+          <a:p>
+            <a:pPr lvl="1"/>
+            <a:r>
+              <a:rPr lang="en-US" u="sng" dirty="0">
+                <a:hlinkClick r:id="rId5" action="ppaction://hlinkfile"/>
+              </a:rPr>
+              <a:t>Call center operational improvements</a:t>
+            </a:r>
+            <a:endParaRPr lang="en-US" dirty="0"/>
+          </a:p>
+          <a:p>
+            <a:pPr lvl="1"/>
+            <a:r>
+              <a:rPr lang="en-US" u="sng" dirty="0">
+                <a:hlinkClick r:id="rId6" action="ppaction://hlinkfile"/>
+              </a:rPr>
+              <a:t>Bill Collections</a:t>
+            </a:r>
+            <a:endParaRPr lang="en-US" dirty="0"/>
+          </a:p>
+          <a:p>
+            <a:pPr lvl="1"/>
+            <a:r>
+              <a:rPr lang="en-US" u="sng" dirty="0">
+                <a:hlinkClick r:id="rId7" action="ppaction://hlinkfile"/>
+              </a:rPr>
+              <a:t>Revenue Forecasting</a:t>
+            </a:r>
+            <a:endParaRPr lang="en-US" dirty="0"/>
+          </a:p>
+          <a:p>
+            <a:r>
+              <a:rPr lang="en-US" u="sng" dirty="0">
+                <a:hlinkClick r:id="rId8" action="ppaction://hlinkfile"/>
+              </a:rPr>
+              <a:t>Department of Transportation</a:t>
+            </a:r>
+            <a:endParaRPr lang="en-US" dirty="0"/>
+          </a:p>
+          <a:p>
+            <a:pPr lvl="1"/>
+            <a:r>
+              <a:rPr lang="en-US" u="sng" dirty="0">
+                <a:hlinkClick r:id="rId9" action="ppaction://hlinkfile"/>
+              </a:rPr>
+              <a:t>Projecting Parking Demand</a:t>
+            </a:r>
+            <a:endParaRPr lang="en-US" dirty="0"/>
+          </a:p>
+          <a:p>
+            <a:r>
+              <a:rPr lang="en-US" u="sng" dirty="0">
+                <a:hlinkClick r:id="rId10" action="ppaction://hlinkfile"/>
+              </a:rPr>
+              <a:t>Department of Cultural Affairs</a:t>
+            </a:r>
+            <a:endParaRPr lang="en-US" dirty="0"/>
+          </a:p>
+          <a:p>
+            <a:pPr lvl="1"/>
+            <a:r>
+              <a:rPr lang="en-US" u="sng" dirty="0">
+                <a:hlinkClick r:id="rId11" action="ppaction://hlinkfile"/>
+              </a:rPr>
+              <a:t>Cultural Events Analytics, Neighborhood Arts Profile, and Cultural Desert Discovery</a:t>
             </a:r>
             <a:endParaRPr lang="en-US" dirty="0"/>
           </a:p>
@@ -10144,7 +10059,7 @@
     </p:spTree>
     <p:extLst>
       <p:ext uri="{BB962C8B-B14F-4D97-AF65-F5344CB8AC3E}">
-        <p14:creationId xmlns:p14="http://schemas.microsoft.com/office/powerpoint/2010/main" val="3296712805"/>
+        <p14:creationId xmlns:p14="http://schemas.microsoft.com/office/powerpoint/2010/main" val="3153311425"/>
       </p:ext>
     </p:extLst>
   </p:cSld>
@@ -10195,7 +10110,7 @@
           <a:p>
             <a:r>
               <a:rPr lang="en-US" dirty="0" smtClean="0"/>
-              <a:t>Data Science needs:  Current Examples from the City of LA</a:t>
+              <a:t>City of LA: Specific Examples</a:t>
             </a:r>
             <a:endParaRPr lang="en-US" dirty="0"/>
           </a:p>
@@ -10217,114 +10132,29 @@
           <a:lstStyle/>
           <a:p>
             <a:r>
-              <a:rPr lang="en-US" dirty="0" smtClean="0">
-                <a:hlinkClick r:id="rId2" action="ppaction://hlinkfile"/>
+              <a:rPr lang="en-US" b="1" dirty="0"/>
+              <a:t>Downtown Transportation Analysis </a:t>
+            </a:r>
+          </a:p>
+          <a:p>
+            <a:pPr lvl="1"/>
+            <a:r>
+              <a:rPr lang="en-US" dirty="0"/>
+              <a:t>Analysis of bicyclists and pedestrian use on Spring and Main both before and after Spring and Main Forward project. This will build on </a:t>
+            </a:r>
+            <a:r>
+              <a:rPr lang="en-US" u="sng" dirty="0">
+                <a:hlinkClick r:id="rId2"/>
               </a:rPr>
-              <a:t>Elected </a:t>
-            </a:r>
-            <a:r>
-              <a:rPr lang="en-US" dirty="0">
-                <a:hlinkClick r:id="rId2" action="ppaction://hlinkfile"/>
-              </a:rPr>
-              <a:t>Officials</a:t>
-            </a:r>
-            <a:endParaRPr lang="en-US" dirty="0"/>
-          </a:p>
-          <a:p>
-            <a:pPr lvl="1"/>
-            <a:r>
-              <a:rPr lang="en-US" dirty="0">
-                <a:hlinkClick r:id="rId3" action="ppaction://hlinkfile"/>
-              </a:rPr>
-              <a:t>Affordable Housing Risk Scoring and Covent Risk Scoring</a:t>
-            </a:r>
-            <a:endParaRPr lang="en-US" dirty="0"/>
-          </a:p>
-          <a:p>
-            <a:pPr lvl="1"/>
-            <a:r>
-              <a:rPr lang="en-US" dirty="0">
-                <a:hlinkClick r:id="rId4" action="ppaction://hlinkfile"/>
-              </a:rPr>
-              <a:t>Downtown Transportation Analysis</a:t>
-            </a:r>
-            <a:endParaRPr lang="en-US" dirty="0"/>
-          </a:p>
-          <a:p>
-            <a:pPr lvl="1"/>
-            <a:r>
-              <a:rPr lang="en-US" dirty="0" smtClean="0">
-                <a:hlinkClick r:id="rId5" action="ppaction://hlinkfile"/>
-              </a:rPr>
-              <a:t>Street </a:t>
-            </a:r>
-            <a:r>
-              <a:rPr lang="en-US" dirty="0">
-                <a:hlinkClick r:id="rId5" action="ppaction://hlinkfile"/>
-              </a:rPr>
-              <a:t>Pavement Prioritization and Early Warning System</a:t>
-            </a:r>
-            <a:endParaRPr lang="en-US" dirty="0"/>
-          </a:p>
-          <a:p>
-            <a:pPr lvl="1"/>
-            <a:r>
-              <a:rPr lang="en-US" dirty="0">
-                <a:hlinkClick r:id="rId6" action="ppaction://hlinkfile"/>
-              </a:rPr>
-              <a:t>Property Values and Affordable and Low Income Housing</a:t>
-            </a:r>
-            <a:endParaRPr lang="en-US" dirty="0"/>
-          </a:p>
-          <a:p>
-            <a:pPr lvl="1"/>
-            <a:r>
-              <a:rPr lang="en-US" dirty="0">
-                <a:hlinkClick r:id="rId7" action="ppaction://hlinkfile"/>
-              </a:rPr>
-              <a:t>LAPD Recruitment Performance Dashboard</a:t>
-            </a:r>
-            <a:endParaRPr lang="en-US" dirty="0"/>
-          </a:p>
-          <a:p>
-            <a:pPr lvl="1"/>
-            <a:r>
-              <a:rPr lang="en-US" dirty="0">
-                <a:hlinkClick r:id="rId8" action="ppaction://hlinkfile"/>
-              </a:rPr>
-              <a:t>CAP tracking enhancements, dashboards, and integration with other Personnel systems</a:t>
-            </a:r>
-            <a:endParaRPr lang="en-US" dirty="0"/>
-          </a:p>
-          <a:p>
-            <a:pPr lvl="1"/>
-            <a:r>
-              <a:rPr lang="en-US" dirty="0" smtClean="0">
-                <a:hlinkClick r:id="rId9" action="ppaction://hlinkfile"/>
-              </a:rPr>
-              <a:t>Attrition </a:t>
-            </a:r>
-            <a:r>
-              <a:rPr lang="en-US" dirty="0">
-                <a:hlinkClick r:id="rId9" action="ppaction://hlinkfile"/>
-              </a:rPr>
-              <a:t>prediction tool</a:t>
-            </a:r>
-            <a:endParaRPr lang="en-US" dirty="0"/>
-          </a:p>
-          <a:p>
-            <a:pPr lvl="1"/>
-            <a:r>
-              <a:rPr lang="en-US" dirty="0">
-                <a:hlinkClick r:id="rId10" action="ppaction://hlinkfile"/>
-              </a:rPr>
-              <a:t>Homelessness Services </a:t>
-            </a:r>
-            <a:r>
-              <a:rPr lang="en-US" dirty="0" smtClean="0">
-                <a:hlinkClick r:id="rId10" action="ppaction://hlinkfile"/>
-              </a:rPr>
-              <a:t>Matcher</a:t>
+              <a:t>existing work</a:t>
+            </a:r>
+            <a:r>
+              <a:rPr lang="en-US" dirty="0"/>
+              <a:t> from CSULA and LADOT.  The Downtown configuration analysis for Project Downtown streets could show an ideal mix of various improvements and interventions. We hope to be able to project throughput for various streets downtown in different configurations</a:t>
+            </a:r>
+            <a:r>
+              <a:rPr lang="en-US" dirty="0" smtClean="0"/>
+              <a:t>.</a:t>
             </a:r>
             <a:endParaRPr lang="en-US" dirty="0"/>
           </a:p>
@@ -10362,7 +10192,7 @@
     </p:spTree>
     <p:extLst>
       <p:ext uri="{BB962C8B-B14F-4D97-AF65-F5344CB8AC3E}">
-        <p14:creationId xmlns:p14="http://schemas.microsoft.com/office/powerpoint/2010/main" val="3851471638"/>
+        <p14:creationId xmlns:p14="http://schemas.microsoft.com/office/powerpoint/2010/main" val="319892737"/>
       </p:ext>
     </p:extLst>
   </p:cSld>
@@ -10413,7 +10243,7 @@
           <a:p>
             <a:r>
               <a:rPr lang="en-US" dirty="0" smtClean="0"/>
-              <a:t>Data Science needs:  Current Examples from the City of LA</a:t>
+              <a:t>City of LA: Specific Examples</a:t>
             </a:r>
             <a:endParaRPr lang="en-US" dirty="0"/>
           </a:p>
@@ -10435,111 +10265,24 @@
           <a:lstStyle/>
           <a:p>
             <a:r>
-              <a:rPr lang="en-US" u="sng" dirty="0" smtClean="0">
-                <a:hlinkClick r:id="rId2" action="ppaction://hlinkfile"/>
-              </a:rPr>
-              <a:t>Information </a:t>
-            </a:r>
-            <a:r>
-              <a:rPr lang="en-US" u="sng" dirty="0">
-                <a:hlinkClick r:id="rId2" action="ppaction://hlinkfile"/>
-              </a:rPr>
-              <a:t>Technology Agency</a:t>
-            </a:r>
-            <a:endParaRPr lang="en-US" dirty="0"/>
+              <a:rPr lang="en-US" b="1" dirty="0"/>
+              <a:t>LAPD Recruitment Performance Dashboard</a:t>
+            </a:r>
           </a:p>
           <a:p>
             <a:pPr lvl="1"/>
             <a:r>
-              <a:rPr lang="en-US" u="sng" dirty="0" err="1">
-                <a:hlinkClick r:id="rId3" action="ppaction://hlinkfile"/>
-              </a:rPr>
-              <a:t>ServiceNow</a:t>
-            </a:r>
-            <a:r>
-              <a:rPr lang="en-US" u="sng" dirty="0">
-                <a:hlinkClick r:id="rId3" action="ppaction://hlinkfile"/>
-              </a:rPr>
-              <a:t> Analysis and Dashboard</a:t>
-            </a:r>
-            <a:endParaRPr lang="en-US" dirty="0"/>
-          </a:p>
-          <a:p>
-            <a:r>
-              <a:rPr lang="en-US" u="sng" dirty="0">
-                <a:hlinkClick r:id="rId4" action="ppaction://hlinkfile"/>
-              </a:rPr>
-              <a:t>Office of Finance</a:t>
-            </a:r>
-            <a:endParaRPr lang="en-US" dirty="0"/>
-          </a:p>
-          <a:p>
-            <a:pPr lvl="1"/>
-            <a:r>
-              <a:rPr lang="en-US" u="sng" dirty="0">
-                <a:hlinkClick r:id="rId5" action="ppaction://hlinkfile"/>
-              </a:rPr>
-              <a:t>Call center operational improvements</a:t>
-            </a:r>
-            <a:endParaRPr lang="en-US" dirty="0"/>
-          </a:p>
-          <a:p>
-            <a:pPr lvl="1"/>
-            <a:r>
-              <a:rPr lang="en-US" u="sng" dirty="0">
-                <a:hlinkClick r:id="rId6" action="ppaction://hlinkfile"/>
-              </a:rPr>
-              <a:t>Bill Collections</a:t>
-            </a:r>
-            <a:endParaRPr lang="en-US" dirty="0"/>
-          </a:p>
-          <a:p>
-            <a:pPr lvl="1"/>
-            <a:r>
-              <a:rPr lang="en-US" u="sng" dirty="0">
-                <a:hlinkClick r:id="rId7" action="ppaction://hlinkfile"/>
-              </a:rPr>
-              <a:t>Revenue Forecasting</a:t>
-            </a:r>
-            <a:endParaRPr lang="en-US" dirty="0"/>
-          </a:p>
-          <a:p>
-            <a:r>
-              <a:rPr lang="en-US" u="sng" dirty="0">
-                <a:hlinkClick r:id="rId8" action="ppaction://hlinkfile"/>
-              </a:rPr>
-              <a:t>Department of Transportation</a:t>
-            </a:r>
-            <a:endParaRPr lang="en-US" dirty="0"/>
-          </a:p>
-          <a:p>
-            <a:pPr lvl="1"/>
-            <a:r>
-              <a:rPr lang="en-US" u="sng" dirty="0">
-                <a:hlinkClick r:id="rId9" action="ppaction://hlinkfile"/>
-              </a:rPr>
-              <a:t>Projecting Parking Demand</a:t>
-            </a:r>
-            <a:endParaRPr lang="en-US" dirty="0"/>
-          </a:p>
-          <a:p>
-            <a:r>
-              <a:rPr lang="en-US" u="sng" dirty="0">
-                <a:hlinkClick r:id="rId10" action="ppaction://hlinkfile"/>
-              </a:rPr>
-              <a:t>Department of Cultural Affairs</a:t>
-            </a:r>
-            <a:endParaRPr lang="en-US" dirty="0"/>
-          </a:p>
-          <a:p>
-            <a:pPr lvl="1"/>
-            <a:r>
-              <a:rPr lang="en-US" u="sng" dirty="0">
-                <a:hlinkClick r:id="rId11" action="ppaction://hlinkfile"/>
-              </a:rPr>
-              <a:t>Cultural Events Analytics, Neighborhood Arts Profile, and Cultural Desert Discovery</a:t>
-            </a:r>
-            <a:endParaRPr lang="en-US" dirty="0"/>
+              <a:rPr lang="en-US" dirty="0"/>
+              <a:t>LAPD Personnel recruiters’ main metric for success for recruiting candidates is the number of tests administered. However, there is limited visibility into which recruiters are testing the highest proportion of successful candidates, what strategies are most viable, or which geographic areas and events yield the best results. In preparation for anticipated surges in retirement, smarter recruiting is essential. A paradigm shift that is outcome-oriented will lead to greater accountability and flexibility as LAPD and Personnel strive to meet hiring goals. For this project, </a:t>
+            </a:r>
+            <a:r>
+              <a:rPr lang="en-US" dirty="0" smtClean="0"/>
+              <a:t>we wish to provide </a:t>
+            </a:r>
+            <a:r>
+              <a:rPr lang="en-US" dirty="0"/>
+              <a:t>recruiters with new metrics of success.</a:t>
+            </a:r>
           </a:p>
         </p:txBody>
       </p:sp>
@@ -10575,7 +10318,7 @@
     </p:spTree>
     <p:extLst>
       <p:ext uri="{BB962C8B-B14F-4D97-AF65-F5344CB8AC3E}">
-        <p14:creationId xmlns:p14="http://schemas.microsoft.com/office/powerpoint/2010/main" val="3153311425"/>
+        <p14:creationId xmlns:p14="http://schemas.microsoft.com/office/powerpoint/2010/main" val="596289792"/>
       </p:ext>
     </p:extLst>
   </p:cSld>
@@ -13002,7 +12745,7 @@
           <a:p>
             <a:r>
               <a:rPr lang="en-US" dirty="0" smtClean="0"/>
-              <a:t>City of LA: Specific Examples</a:t>
+              <a:t>Counterpoint</a:t>
             </a:r>
             <a:endParaRPr lang="en-US" dirty="0"/>
           </a:p>
@@ -13024,31 +12767,95 @@
           <a:lstStyle/>
           <a:p>
             <a:r>
-              <a:rPr lang="en-US" b="1" dirty="0"/>
-              <a:t>Downtown Transportation Analysis </a:t>
-            </a:r>
-          </a:p>
-          <a:p>
-            <a:pPr lvl="1"/>
-            <a:r>
-              <a:rPr lang="en-US" dirty="0"/>
-              <a:t>Analysis of bicyclists and pedestrian use on Spring and Main both before and after Spring and Main Forward project. This will build on </a:t>
-            </a:r>
-            <a:r>
-              <a:rPr lang="en-US" u="sng" dirty="0">
-                <a:hlinkClick r:id="rId2"/>
-              </a:rPr>
-              <a:t>existing work</a:t>
-            </a:r>
-            <a:r>
-              <a:rPr lang="en-US" dirty="0"/>
-              <a:t> from CSULA and LADOT.  The Downtown configuration analysis for Project Downtown streets could show an ideal mix of various improvements and interventions. We hope to be able to project throughput for various streets downtown in different configurations</a:t>
-            </a:r>
-            <a:r>
-              <a:rPr lang="en-US" dirty="0" smtClean="0"/>
+              <a:rPr lang="en-US" sz="2400" dirty="0"/>
+              <a:t>Hernandez, D., and Greenwald T. (August 11, 2018), “IBM Has a Dilemma”, </a:t>
+            </a:r>
+            <a:r>
+              <a:rPr lang="en-US" sz="2400" i="1" dirty="0"/>
+              <a:t>Wall Street Journal</a:t>
+            </a:r>
+            <a:r>
+              <a:rPr lang="en-US" sz="2400" dirty="0" smtClean="0"/>
               <a:t>.</a:t>
             </a:r>
-            <a:endParaRPr lang="en-US" dirty="0"/>
+          </a:p>
+          <a:p>
+            <a:r>
+              <a:rPr lang="en-US" sz="2400" dirty="0" smtClean="0"/>
+              <a:t>Muller, J. (2018), </a:t>
+            </a:r>
+            <a:r>
+              <a:rPr lang="en-US" sz="2400" i="1" dirty="0" smtClean="0"/>
+              <a:t>The Tyranny of Metrics</a:t>
+            </a:r>
+            <a:r>
+              <a:rPr lang="en-US" sz="2400" dirty="0" smtClean="0"/>
+              <a:t>, Princeton University Press.</a:t>
+            </a:r>
+          </a:p>
+          <a:p>
+            <a:r>
+              <a:rPr lang="en-US" sz="2400" dirty="0" smtClean="0"/>
+              <a:t>O’Neill, C. </a:t>
+            </a:r>
+            <a:r>
+              <a:rPr lang="en-US" sz="2400" dirty="0"/>
+              <a:t>(</a:t>
+            </a:r>
+            <a:r>
+              <a:rPr lang="en-US" sz="2400" dirty="0" smtClean="0"/>
+              <a:t>2017), </a:t>
+            </a:r>
+            <a:r>
+              <a:rPr lang="en-US" sz="2400" i="1" dirty="0" smtClean="0"/>
+              <a:t>Weapons of Math Destruction: How Big Data Increases Inequity and Threatens Democracy</a:t>
+            </a:r>
+            <a:r>
+              <a:rPr lang="en-US" sz="2400" dirty="0" smtClean="0"/>
+              <a:t>, Broadway Books.</a:t>
+            </a:r>
+            <a:endParaRPr lang="en-US" sz="2400" dirty="0"/>
+          </a:p>
+          <a:p>
+            <a:r>
+              <a:rPr lang="en-US" sz="2400" dirty="0" smtClean="0"/>
+              <a:t>Pearl, J. (2018), </a:t>
+            </a:r>
+            <a:r>
+              <a:rPr lang="en-US" sz="2400" i="1" dirty="0" smtClean="0"/>
+              <a:t>The Book of Why: The New Science of Cause and Effect</a:t>
+            </a:r>
+            <a:r>
+              <a:rPr lang="en-US" sz="2400" dirty="0" smtClean="0"/>
+              <a:t>, Basic </a:t>
+            </a:r>
+            <a:r>
+              <a:rPr lang="en-US" sz="2400" dirty="0"/>
+              <a:t>Books</a:t>
+            </a:r>
+            <a:r>
+              <a:rPr lang="en-US" sz="2400" dirty="0" smtClean="0"/>
+              <a:t>.</a:t>
+            </a:r>
+          </a:p>
+          <a:p>
+            <a:r>
+              <a:rPr lang="en-US" sz="2400" dirty="0" smtClean="0"/>
+              <a:t>Tenner, E. </a:t>
+            </a:r>
+            <a:r>
+              <a:rPr lang="en-US" sz="2400" dirty="0"/>
+              <a:t>(2018), </a:t>
+            </a:r>
+            <a:r>
+              <a:rPr lang="en-US" sz="2400" i="1" dirty="0" smtClean="0"/>
+              <a:t>The Efficiency Paradox: What Big Data Can’t Do</a:t>
+            </a:r>
+            <a:r>
+              <a:rPr lang="en-US" sz="2400" dirty="0" smtClean="0"/>
+              <a:t>, Alfred A. Knopf.</a:t>
+            </a:r>
+            <a:endParaRPr lang="en-US" sz="2400" dirty="0"/>
           </a:p>
         </p:txBody>
       </p:sp>
@@ -13084,7 +12891,7 @@
     </p:spTree>
     <p:extLst>
       <p:ext uri="{BB962C8B-B14F-4D97-AF65-F5344CB8AC3E}">
-        <p14:creationId xmlns:p14="http://schemas.microsoft.com/office/powerpoint/2010/main" val="319892737"/>
+        <p14:creationId xmlns:p14="http://schemas.microsoft.com/office/powerpoint/2010/main" val="2335032075"/>
       </p:ext>
     </p:extLst>
   </p:cSld>
@@ -13135,7 +12942,7 @@
           <a:p>
             <a:r>
               <a:rPr lang="en-US" dirty="0" smtClean="0"/>
-              <a:t>City of LA: Specific Examples</a:t>
+              <a:t>Bibliography/References</a:t>
             </a:r>
             <a:endParaRPr lang="en-US" dirty="0"/>
           </a:p>
@@ -13157,24 +12964,41 @@
           <a:lstStyle/>
           <a:p>
             <a:r>
-              <a:rPr lang="en-US" b="1" dirty="0"/>
-              <a:t>LAPD Recruitment Performance Dashboard</a:t>
-            </a:r>
-          </a:p>
-          <a:p>
-            <a:pPr lvl="1"/>
-            <a:r>
-              <a:rPr lang="en-US" dirty="0"/>
-              <a:t>LAPD Personnel recruiters’ main metric for success for recruiting candidates is the number of tests administered. However, there is limited visibility into which recruiters are testing the highest proportion of successful candidates, what strategies are most viable, or which geographic areas and events yield the best results. In preparation for anticipated surges in retirement, smarter recruiting is essential. A paradigm shift that is outcome-oriented will lead to greater accountability and flexibility as LAPD and Personnel strive to meet hiring goals. For this project, </a:t>
-            </a:r>
-            <a:r>
-              <a:rPr lang="en-US" dirty="0" smtClean="0"/>
-              <a:t>we wish to provide </a:t>
-            </a:r>
-            <a:r>
-              <a:rPr lang="en-US" dirty="0"/>
-              <a:t>recruiters with new metrics of success.</a:t>
-            </a:r>
+              <a:rPr lang="en-US" sz="2400" dirty="0">
+                <a:latin typeface="Consolas" panose="020B0609020204030204" pitchFamily="49" charset="0"/>
+                <a:hlinkClick r:id="rId2"/>
+              </a:rPr>
+              <a:t>https://www.stat.berkeley.edu/~</a:t>
+            </a:r>
+            <a:r>
+              <a:rPr lang="en-US" sz="2400" dirty="0" smtClean="0">
+                <a:latin typeface="Consolas" panose="020B0609020204030204" pitchFamily="49" charset="0"/>
+                <a:hlinkClick r:id="rId2"/>
+              </a:rPr>
+              <a:t>nolan/Papers/Data.Science.Guidelines.16.9.25.pdf</a:t>
+            </a:r>
+            <a:endParaRPr lang="en-US" sz="2400" dirty="0" smtClean="0">
+              <a:latin typeface="Consolas" panose="020B0609020204030204" pitchFamily="49" charset="0"/>
+            </a:endParaRPr>
+          </a:p>
+          <a:p>
+            <a:r>
+              <a:rPr lang="en-US" altLang="en-US" sz="2400" dirty="0"/>
+              <a:t>Davenport, T. (2009), “Make Better Decisions”, </a:t>
+            </a:r>
+            <a:r>
+              <a:rPr lang="en-US" altLang="en-US" sz="2400" i="1" dirty="0"/>
+              <a:t>Harvard Business Review</a:t>
+            </a:r>
+            <a:r>
+              <a:rPr lang="en-US" altLang="en-US" sz="2400" dirty="0"/>
+              <a:t>, Nov. 87(11), p. 117-123.</a:t>
+            </a:r>
+          </a:p>
+          <a:p>
+            <a:endParaRPr lang="en-US" sz="2400" dirty="0">
+              <a:latin typeface="Consolas" panose="020B0609020204030204" pitchFamily="49" charset="0"/>
+            </a:endParaRPr>
           </a:p>
         </p:txBody>
       </p:sp>
@@ -13210,7 +13034,7 @@
     </p:spTree>
     <p:extLst>
       <p:ext uri="{BB962C8B-B14F-4D97-AF65-F5344CB8AC3E}">
-        <p14:creationId xmlns:p14="http://schemas.microsoft.com/office/powerpoint/2010/main" val="596289792"/>
+        <p14:creationId xmlns:p14="http://schemas.microsoft.com/office/powerpoint/2010/main" val="1264442479"/>
       </p:ext>
     </p:extLst>
   </p:cSld>
@@ -13260,10 +13084,10 @@
           <a:lstStyle/>
           <a:p>
             <a:r>
-              <a:rPr lang="en-US" dirty="0" smtClean="0"/>
-              <a:t>Counterpoint</a:t>
-            </a:r>
-            <a:endParaRPr lang="en-US" dirty="0"/>
+              <a:rPr lang="en-US" i="1" dirty="0" smtClean="0"/>
+              <a:t>fin</a:t>
+            </a:r>
+            <a:endParaRPr lang="en-US" i="1" dirty="0"/>
           </a:p>
         </p:txBody>
       </p:sp>
@@ -13283,95 +13107,31 @@
           <a:lstStyle/>
           <a:p>
             <a:r>
-              <a:rPr lang="en-US" sz="2400" dirty="0"/>
-              <a:t>Hernandez, D., and Greenwald T. (August 11, 2018), “IBM Has a Dilemma”, </a:t>
-            </a:r>
-            <a:r>
-              <a:rPr lang="en-US" sz="2400" i="1" dirty="0"/>
-              <a:t>Wall Street Journal</a:t>
-            </a:r>
-            <a:r>
-              <a:rPr lang="en-US" sz="2400" dirty="0" smtClean="0"/>
-              <a:t>.</a:t>
-            </a:r>
-          </a:p>
-          <a:p>
-            <a:r>
-              <a:rPr lang="en-US" sz="2400" dirty="0" smtClean="0"/>
-              <a:t>Muller, J. (2018), </a:t>
-            </a:r>
-            <a:r>
-              <a:rPr lang="en-US" sz="2400" i="1" dirty="0" smtClean="0"/>
-              <a:t>The Tyranny of Metrics</a:t>
-            </a:r>
-            <a:r>
-              <a:rPr lang="en-US" sz="2400" dirty="0" smtClean="0"/>
-              <a:t>, Princeton University Press.</a:t>
-            </a:r>
-          </a:p>
-          <a:p>
-            <a:r>
-              <a:rPr lang="en-US" sz="2400" dirty="0" smtClean="0"/>
-              <a:t>O’Neill, C. </a:t>
-            </a:r>
-            <a:r>
-              <a:rPr lang="en-US" sz="2400" dirty="0"/>
-              <a:t>(</a:t>
-            </a:r>
-            <a:r>
-              <a:rPr lang="en-US" sz="2400" dirty="0" smtClean="0"/>
-              <a:t>2017), </a:t>
-            </a:r>
-            <a:r>
-              <a:rPr lang="en-US" sz="2400" i="1" dirty="0" smtClean="0"/>
-              <a:t>Weapons of Math Destruction: How Big Data Increases Inequity and Threatens Democracy</a:t>
-            </a:r>
-            <a:r>
-              <a:rPr lang="en-US" sz="2400" dirty="0" smtClean="0"/>
-              <a:t>, Broadway Books.</a:t>
-            </a:r>
-            <a:endParaRPr lang="en-US" sz="2400" dirty="0"/>
-          </a:p>
-          <a:p>
-            <a:r>
-              <a:rPr lang="en-US" sz="2400" dirty="0" smtClean="0"/>
-              <a:t>Pearl, J. (2018), </a:t>
-            </a:r>
-            <a:r>
-              <a:rPr lang="en-US" sz="2400" i="1" dirty="0" smtClean="0"/>
-              <a:t>The Book of Why: The New Science of Cause and Effect</a:t>
-            </a:r>
-            <a:r>
-              <a:rPr lang="en-US" sz="2400" dirty="0" smtClean="0"/>
-              <a:t>, Basic </a:t>
-            </a:r>
-            <a:r>
-              <a:rPr lang="en-US" sz="2400" dirty="0"/>
-              <a:t>Books</a:t>
-            </a:r>
-            <a:r>
-              <a:rPr lang="en-US" sz="2400" dirty="0" smtClean="0"/>
-              <a:t>.</a:t>
-            </a:r>
-          </a:p>
-          <a:p>
-            <a:r>
-              <a:rPr lang="en-US" sz="2400" dirty="0" smtClean="0"/>
-              <a:t>Tenner, E. </a:t>
-            </a:r>
-            <a:r>
-              <a:rPr lang="en-US" sz="2400" dirty="0"/>
-              <a:t>(2018), </a:t>
-            </a:r>
-            <a:r>
-              <a:rPr lang="en-US" sz="2400" i="1" dirty="0" smtClean="0"/>
-              <a:t>The Efficiency Paradox: What Big Data Can’t Do</a:t>
-            </a:r>
-            <a:r>
-              <a:rPr lang="en-US" sz="2400" dirty="0" smtClean="0"/>
-              <a:t>, Alfred A. Knopf.</a:t>
-            </a:r>
-            <a:endParaRPr lang="en-US" sz="2400" dirty="0"/>
+              <a:rPr lang="en-US" dirty="0" smtClean="0"/>
+              <a:t>Again: Are you a data science learner?</a:t>
+            </a:r>
+          </a:p>
+          <a:p>
+            <a:endParaRPr lang="en-US" dirty="0"/>
+          </a:p>
+          <a:p>
+            <a:endParaRPr lang="en-US" dirty="0" smtClean="0"/>
+          </a:p>
+          <a:p>
+            <a:r>
+              <a:rPr lang="en-US" dirty="0" smtClean="0"/>
+              <a:t>Questions?</a:t>
+            </a:r>
+          </a:p>
+          <a:p>
+            <a:endParaRPr lang="en-US" dirty="0"/>
+          </a:p>
+          <a:p>
+            <a:r>
+              <a:rPr lang="en-US" dirty="0" smtClean="0"/>
+              <a:t>Goodies</a:t>
+            </a:r>
+            <a:endParaRPr lang="en-US" dirty="0"/>
           </a:p>
         </p:txBody>
       </p:sp>
@@ -13399,282 +13159,6 @@
                 <a:defRPr/>
               </a:pPr>
               <a:t>32</a:t>
-            </a:fld>
-            <a:endParaRPr lang="en-US" altLang="en-US"/>
-          </a:p>
-        </p:txBody>
-      </p:sp>
-    </p:spTree>
-    <p:extLst>
-      <p:ext uri="{BB962C8B-B14F-4D97-AF65-F5344CB8AC3E}">
-        <p14:creationId xmlns:p14="http://schemas.microsoft.com/office/powerpoint/2010/main" val="2335032075"/>
-      </p:ext>
-    </p:extLst>
-  </p:cSld>
-  <p:clrMapOvr>
-    <a:masterClrMapping/>
-  </p:clrMapOvr>
-  <p:timing>
-    <p:tnLst>
-      <p:par>
-        <p:cTn id="1" dur="indefinite" restart="never" nodeType="tmRoot"/>
-      </p:par>
-    </p:tnLst>
-  </p:timing>
-</p:sld>
-</file>
-
-<file path=ppt/slides/slide33.xml><?xml version="1.0" encoding="utf-8"?>
-<p:sld xmlns:a="http://schemas.openxmlformats.org/drawingml/2006/main" xmlns:r="http://schemas.openxmlformats.org/officeDocument/2006/relationships" xmlns:p="http://schemas.openxmlformats.org/presentationml/2006/main">
-  <p:cSld>
-    <p:spTree>
-      <p:nvGrpSpPr>
-        <p:cNvPr id="1" name=""/>
-        <p:cNvGrpSpPr/>
-        <p:nvPr/>
-      </p:nvGrpSpPr>
-      <p:grpSpPr>
-        <a:xfrm>
-          <a:off x="0" y="0"/>
-          <a:ext cx="0" cy="0"/>
-          <a:chOff x="0" y="0"/>
-          <a:chExt cx="0" cy="0"/>
-        </a:xfrm>
-      </p:grpSpPr>
-      <p:sp>
-        <p:nvSpPr>
-          <p:cNvPr id="2" name="Title 1"/>
-          <p:cNvSpPr>
-            <a:spLocks noGrp="1"/>
-          </p:cNvSpPr>
-          <p:nvPr>
-            <p:ph type="title"/>
-          </p:nvPr>
-        </p:nvSpPr>
-        <p:spPr/>
-        <p:txBody>
-          <a:bodyPr/>
-          <a:lstStyle/>
-          <a:p>
-            <a:r>
-              <a:rPr lang="en-US" dirty="0" smtClean="0"/>
-              <a:t>Bibliography/References</a:t>
-            </a:r>
-            <a:endParaRPr lang="en-US" dirty="0"/>
-          </a:p>
-        </p:txBody>
-      </p:sp>
-      <p:sp>
-        <p:nvSpPr>
-          <p:cNvPr id="3" name="Content Placeholder 2"/>
-          <p:cNvSpPr>
-            <a:spLocks noGrp="1"/>
-          </p:cNvSpPr>
-          <p:nvPr>
-            <p:ph idx="1"/>
-          </p:nvPr>
-        </p:nvSpPr>
-        <p:spPr/>
-        <p:txBody>
-          <a:bodyPr/>
-          <a:lstStyle/>
-          <a:p>
-            <a:r>
-              <a:rPr lang="en-US" sz="2400" dirty="0">
-                <a:latin typeface="Consolas" panose="020B0609020204030204" pitchFamily="49" charset="0"/>
-                <a:hlinkClick r:id="rId2"/>
-              </a:rPr>
-              <a:t>https://www.stat.berkeley.edu/~</a:t>
-            </a:r>
-            <a:r>
-              <a:rPr lang="en-US" sz="2400" dirty="0" smtClean="0">
-                <a:latin typeface="Consolas" panose="020B0609020204030204" pitchFamily="49" charset="0"/>
-                <a:hlinkClick r:id="rId2"/>
-              </a:rPr>
-              <a:t>nolan/Papers/Data.Science.Guidelines.16.9.25.pdf</a:t>
-            </a:r>
-            <a:endParaRPr lang="en-US" sz="2400" dirty="0" smtClean="0">
-              <a:latin typeface="Consolas" panose="020B0609020204030204" pitchFamily="49" charset="0"/>
-            </a:endParaRPr>
-          </a:p>
-          <a:p>
-            <a:r>
-              <a:rPr lang="en-US" altLang="en-US" sz="2400" dirty="0"/>
-              <a:t>Davenport, T. (2009), “Make Better Decisions”, </a:t>
-            </a:r>
-            <a:r>
-              <a:rPr lang="en-US" altLang="en-US" sz="2400" i="1" dirty="0"/>
-              <a:t>Harvard Business Review</a:t>
-            </a:r>
-            <a:r>
-              <a:rPr lang="en-US" altLang="en-US" sz="2400" dirty="0"/>
-              <a:t>, Nov. 87(11), p. 117-123.</a:t>
-            </a:r>
-          </a:p>
-          <a:p>
-            <a:endParaRPr lang="en-US" sz="2400" dirty="0">
-              <a:latin typeface="Consolas" panose="020B0609020204030204" pitchFamily="49" charset="0"/>
-            </a:endParaRPr>
-          </a:p>
-        </p:txBody>
-      </p:sp>
-      <p:sp>
-        <p:nvSpPr>
-          <p:cNvPr id="4" name="Slide Number Placeholder 3"/>
-          <p:cNvSpPr>
-            <a:spLocks noGrp="1"/>
-          </p:cNvSpPr>
-          <p:nvPr>
-            <p:ph type="sldNum" sz="quarter" idx="12"/>
-          </p:nvPr>
-        </p:nvSpPr>
-        <p:spPr/>
-        <p:txBody>
-          <a:bodyPr/>
-          <a:lstStyle/>
-          <a:p>
-            <a:pPr>
-              <a:defRPr/>
-            </a:pPr>
-            <a:fld id="{CD61FD94-992F-4CB2-AF3E-ECFB9D8DC22A}" type="slidenum">
-              <a:rPr lang="en-US" altLang="en-US" smtClean="0"/>
-              <a:pPr>
-                <a:defRPr/>
-              </a:pPr>
-              <a:t>33</a:t>
-            </a:fld>
-            <a:endParaRPr lang="en-US" altLang="en-US"/>
-          </a:p>
-        </p:txBody>
-      </p:sp>
-    </p:spTree>
-    <p:extLst>
-      <p:ext uri="{BB962C8B-B14F-4D97-AF65-F5344CB8AC3E}">
-        <p14:creationId xmlns:p14="http://schemas.microsoft.com/office/powerpoint/2010/main" val="1264442479"/>
-      </p:ext>
-    </p:extLst>
-  </p:cSld>
-  <p:clrMapOvr>
-    <a:masterClrMapping/>
-  </p:clrMapOvr>
-  <p:timing>
-    <p:tnLst>
-      <p:par>
-        <p:cTn id="1" dur="indefinite" restart="never" nodeType="tmRoot"/>
-      </p:par>
-    </p:tnLst>
-  </p:timing>
-</p:sld>
-</file>
-
-<file path=ppt/slides/slide34.xml><?xml version="1.0" encoding="utf-8"?>
-<p:sld xmlns:a="http://schemas.openxmlformats.org/drawingml/2006/main" xmlns:r="http://schemas.openxmlformats.org/officeDocument/2006/relationships" xmlns:p="http://schemas.openxmlformats.org/presentationml/2006/main">
-  <p:cSld>
-    <p:spTree>
-      <p:nvGrpSpPr>
-        <p:cNvPr id="1" name=""/>
-        <p:cNvGrpSpPr/>
-        <p:nvPr/>
-      </p:nvGrpSpPr>
-      <p:grpSpPr>
-        <a:xfrm>
-          <a:off x="0" y="0"/>
-          <a:ext cx="0" cy="0"/>
-          <a:chOff x="0" y="0"/>
-          <a:chExt cx="0" cy="0"/>
-        </a:xfrm>
-      </p:grpSpPr>
-      <p:sp>
-        <p:nvSpPr>
-          <p:cNvPr id="2" name="Title 1"/>
-          <p:cNvSpPr>
-            <a:spLocks noGrp="1"/>
-          </p:cNvSpPr>
-          <p:nvPr>
-            <p:ph type="title"/>
-          </p:nvPr>
-        </p:nvSpPr>
-        <p:spPr/>
-        <p:txBody>
-          <a:bodyPr/>
-          <a:lstStyle/>
-          <a:p>
-            <a:r>
-              <a:rPr lang="en-US" i="1" dirty="0" smtClean="0"/>
-              <a:t>fin</a:t>
-            </a:r>
-            <a:endParaRPr lang="en-US" i="1" dirty="0"/>
-          </a:p>
-        </p:txBody>
-      </p:sp>
-      <p:sp>
-        <p:nvSpPr>
-          <p:cNvPr id="3" name="Content Placeholder 2"/>
-          <p:cNvSpPr>
-            <a:spLocks noGrp="1"/>
-          </p:cNvSpPr>
-          <p:nvPr>
-            <p:ph idx="1"/>
-          </p:nvPr>
-        </p:nvSpPr>
-        <p:spPr/>
-        <p:txBody>
-          <a:bodyPr/>
-          <a:lstStyle/>
-          <a:p>
-            <a:r>
-              <a:rPr lang="en-US" dirty="0" smtClean="0"/>
-              <a:t>Again: Are you a data science learner?</a:t>
-            </a:r>
-          </a:p>
-          <a:p>
-            <a:endParaRPr lang="en-US" dirty="0"/>
-          </a:p>
-          <a:p>
-            <a:endParaRPr lang="en-US" dirty="0" smtClean="0"/>
-          </a:p>
-          <a:p>
-            <a:r>
-              <a:rPr lang="en-US" dirty="0" smtClean="0"/>
-              <a:t>Questions?</a:t>
-            </a:r>
-          </a:p>
-          <a:p>
-            <a:endParaRPr lang="en-US" dirty="0"/>
-          </a:p>
-          <a:p>
-            <a:r>
-              <a:rPr lang="en-US" dirty="0" smtClean="0"/>
-              <a:t>Goodies</a:t>
-            </a:r>
-            <a:endParaRPr lang="en-US" dirty="0"/>
-          </a:p>
-        </p:txBody>
-      </p:sp>
-      <p:sp>
-        <p:nvSpPr>
-          <p:cNvPr id="4" name="Slide Number Placeholder 3"/>
-          <p:cNvSpPr>
-            <a:spLocks noGrp="1"/>
-          </p:cNvSpPr>
-          <p:nvPr>
-            <p:ph type="sldNum" sz="quarter" idx="12"/>
-          </p:nvPr>
-        </p:nvSpPr>
-        <p:spPr/>
-        <p:txBody>
-          <a:bodyPr/>
-          <a:lstStyle/>
-          <a:p>
-            <a:pPr>
-              <a:defRPr/>
-            </a:pPr>
-            <a:fld id="{CD61FD94-992F-4CB2-AF3E-ECFB9D8DC22A}" type="slidenum">
-              <a:rPr lang="en-US" altLang="en-US" smtClean="0"/>
-              <a:pPr>
-                <a:defRPr/>
-              </a:pPr>
-              <a:t>34</a:t>
             </a:fld>
             <a:endParaRPr lang="en-US" altLang="en-US"/>
           </a:p>
@@ -16471,7 +15955,7 @@
         </p:nvSpPr>
         <p:spPr bwMode="auto">
           <a:xfrm>
-            <a:off x="6629400" y="1600201"/>
+            <a:off x="6286500" y="1600201"/>
             <a:ext cx="1752600" cy="457199"/>
           </a:xfrm>
           <a:prstGeom prst="rect">
@@ -16942,7 +16426,7 @@
         </p:nvSpPr>
         <p:spPr bwMode="auto">
           <a:xfrm>
-            <a:off x="6629400" y="2066781"/>
+            <a:off x="6286500" y="2066781"/>
             <a:ext cx="1752600" cy="457199"/>
           </a:xfrm>
           <a:prstGeom prst="rect">
@@ -17413,7 +16897,7 @@
         </p:nvSpPr>
         <p:spPr bwMode="auto">
           <a:xfrm>
-            <a:off x="6629400" y="2528185"/>
+            <a:off x="6286500" y="2528185"/>
             <a:ext cx="1752600" cy="457199"/>
           </a:xfrm>
           <a:prstGeom prst="rect">
@@ -17831,7 +17315,7 @@
             </a:pPr>
             <a:r>
               <a:rPr lang="en-US" sz="2400" kern="0" dirty="0" smtClean="0"/>
-              <a:t>FOSS</a:t>
+              <a:t>Base R</a:t>
             </a:r>
             <a:endParaRPr lang="en-US" sz="2000" kern="0" dirty="0" smtClean="0"/>
           </a:p>
@@ -17884,7 +17368,7 @@
         </p:nvSpPr>
         <p:spPr bwMode="auto">
           <a:xfrm>
-            <a:off x="6629400" y="2989589"/>
+            <a:off x="6286500" y="2989589"/>
             <a:ext cx="1752600" cy="457199"/>
           </a:xfrm>
           <a:prstGeom prst="rect">
@@ -18079,8 +17563,8 @@
               <a:buNone/>
             </a:pPr>
             <a:r>
-              <a:rPr lang="en-US" sz="2400" kern="0" dirty="0" smtClean="0"/>
-              <a:t>COTS</a:t>
+              <a:rPr lang="en-US" sz="2400" kern="0" dirty="0" err="1" smtClean="0"/>
+              <a:t>Tidyverse</a:t>
             </a:r>
             <a:endParaRPr lang="en-US" sz="2000" kern="0" dirty="0" smtClean="0"/>
           </a:p>
@@ -18355,7 +17839,7 @@
         </p:nvSpPr>
         <p:spPr bwMode="auto">
           <a:xfrm>
-            <a:off x="6629400" y="3427846"/>
+            <a:off x="6286500" y="3427846"/>
             <a:ext cx="1752600" cy="457199"/>
           </a:xfrm>
           <a:prstGeom prst="rect">
@@ -18826,7 +18310,7 @@
         </p:nvSpPr>
         <p:spPr bwMode="auto">
           <a:xfrm>
-            <a:off x="6629400" y="3866102"/>
+            <a:off x="6286500" y="3866102"/>
             <a:ext cx="1752600" cy="457199"/>
           </a:xfrm>
           <a:prstGeom prst="rect">
@@ -19297,7 +18781,7 @@
         </p:nvSpPr>
         <p:spPr bwMode="auto">
           <a:xfrm>
-            <a:off x="6324600" y="4285416"/>
+            <a:off x="5981700" y="4285416"/>
             <a:ext cx="2362200" cy="457199"/>
           </a:xfrm>
           <a:prstGeom prst="rect">
@@ -19768,7 +19252,7 @@
         </p:nvSpPr>
         <p:spPr bwMode="auto">
           <a:xfrm>
-            <a:off x="6629400" y="4736119"/>
+            <a:off x="6286500" y="4736119"/>
             <a:ext cx="1752600" cy="457199"/>
           </a:xfrm>
           <a:prstGeom prst="rect">
@@ -19990,8 +19474,8 @@
         </p:nvSpPr>
         <p:spPr bwMode="auto">
           <a:xfrm>
-            <a:off x="838200" y="5174376"/>
-            <a:ext cx="1752600" cy="457199"/>
+            <a:off x="647700" y="5174376"/>
+            <a:ext cx="2133600" cy="457199"/>
           </a:xfrm>
           <a:prstGeom prst="rect">
             <a:avLst/>
@@ -20186,11 +19670,7 @@
             </a:pPr>
             <a:r>
               <a:rPr lang="en-US" sz="2400" i="1" kern="0" dirty="0" smtClean="0"/>
-              <a:t>p</a:t>
-            </a:r>
-            <a:r>
-              <a:rPr lang="en-US" sz="2400" kern="0" dirty="0" smtClean="0"/>
-              <a:t>-value</a:t>
+              <a:t>Precision/Recall</a:t>
             </a:r>
             <a:endParaRPr lang="en-US" sz="2000" kern="0" dirty="0" smtClean="0"/>
           </a:p>
@@ -20243,8 +19723,8 @@
         </p:nvSpPr>
         <p:spPr bwMode="auto">
           <a:xfrm>
-            <a:off x="6629400" y="5174376"/>
-            <a:ext cx="1752600" cy="457199"/>
+            <a:off x="5791200" y="5174376"/>
+            <a:ext cx="2743200" cy="457199"/>
           </a:xfrm>
           <a:prstGeom prst="rect">
             <a:avLst/>
@@ -20439,7 +19919,7 @@
             </a:pPr>
             <a:r>
               <a:rPr lang="en-US" sz="2400" kern="0" dirty="0" smtClean="0"/>
-              <a:t>fit</a:t>
+              <a:t>Specificity/Accuracy</a:t>
             </a:r>
             <a:endParaRPr lang="en-US" sz="2000" kern="0" dirty="0" smtClean="0"/>
           </a:p>
@@ -20660,8 +20140,12 @@
               <a:buNone/>
             </a:pPr>
             <a:r>
+              <a:rPr lang="en-US" sz="2400" i="1" kern="0" dirty="0"/>
+              <a:t>p</a:t>
+            </a:r>
+            <a:r>
               <a:rPr lang="en-US" sz="2400" kern="0" dirty="0" smtClean="0"/>
-              <a:t>Frequentist</a:t>
+              <a:t>-value</a:t>
             </a:r>
             <a:endParaRPr lang="en-US" sz="2000" kern="0" dirty="0" smtClean="0"/>
           </a:p>
@@ -20714,7 +20198,7 @@
         </p:nvSpPr>
         <p:spPr bwMode="auto">
           <a:xfrm>
-            <a:off x="6629400" y="5612632"/>
+            <a:off x="6286500" y="5612632"/>
             <a:ext cx="1752600" cy="457199"/>
           </a:xfrm>
           <a:prstGeom prst="rect">
@@ -20910,9 +20394,9 @@
             </a:pPr>
             <a:r>
               <a:rPr lang="en-US" sz="2400" kern="0" dirty="0" smtClean="0"/>
-              <a:t>Bayesian</a:t>
-            </a:r>
-            <a:endParaRPr lang="en-US" sz="2000" kern="0" dirty="0" smtClean="0"/>
+              <a:t>fit</a:t>
+            </a:r>
+            <a:endParaRPr lang="en-US" sz="2400" kern="0" dirty="0" smtClean="0"/>
           </a:p>
           <a:p>
             <a:pPr marL="0" indent="0" algn="ctr">
@@ -21127,13 +20611,19 @@
           </a:lstStyle>
           <a:p>
             <a:pPr marL="0" indent="0" algn="ctr">
+              <a:buNone/>
+            </a:pPr>
+            <a:r>
+              <a:rPr lang="en-US" sz="2400" kern="0" dirty="0" smtClean="0"/>
+              <a:t>Frequentist</a:t>
+            </a:r>
+            <a:endParaRPr lang="en-US" sz="2000" kern="0" dirty="0"/>
+          </a:p>
+          <a:p>
+            <a:pPr marL="0" indent="0" algn="ctr">
               <a:buFontTx/>
               <a:buNone/>
             </a:pPr>
-            <a:r>
-              <a:rPr lang="en-US" sz="2400" kern="0" dirty="0" smtClean="0"/>
-              <a:t>Probability</a:t>
-            </a:r>
             <a:endParaRPr lang="en-US" sz="2000" kern="0" dirty="0" smtClean="0"/>
           </a:p>
         </p:txBody>
@@ -21185,7 +20675,7 @@
         </p:nvSpPr>
         <p:spPr bwMode="auto">
           <a:xfrm>
-            <a:off x="6629400" y="6031946"/>
+            <a:off x="6286500" y="6031946"/>
             <a:ext cx="1752600" cy="457199"/>
           </a:xfrm>
           <a:prstGeom prst="rect">
@@ -21380,20 +20870,14 @@
               <a:buNone/>
             </a:pPr>
             <a:r>
-              <a:rPr lang="en-US" sz="2400" kern="0" dirty="0" smtClean="0"/>
-              <a:t>Likelihood</a:t>
-            </a:r>
-            <a:endParaRPr lang="en-US" sz="2000" kern="0" dirty="0" smtClean="0"/>
-          </a:p>
-          <a:p>
-            <a:pPr marL="0" indent="0" algn="ctr">
-              <a:buFontTx/>
-              <a:buNone/>
-            </a:pPr>
+              <a:rPr lang="en-US" sz="2400" kern="0" dirty="0"/>
+              <a:t>Bayesian</a:t>
+            </a:r>
             <a:r>
               <a:rPr lang="en-US" sz="2000" kern="0" dirty="0" smtClean="0"/>
               <a:t> </a:t>
             </a:r>
+            <a:endParaRPr lang="en-US" sz="2000" kern="0" dirty="0" smtClean="0"/>
           </a:p>
         </p:txBody>
       </p:sp>
